--- a/Documents/20180509_Undergrad Project_Nutrition and Wandering.pptx
+++ b/Documents/20180509_Undergrad Project_Nutrition and Wandering.pptx
@@ -7,6 +7,10 @@
   <p:sldIdLst>
     <p:sldId id="256" r:id="rId2"/>
     <p:sldId id="258" r:id="rId3"/>
+    <p:sldId id="263" r:id="rId4"/>
+    <p:sldId id="260" r:id="rId5"/>
+    <p:sldId id="261" r:id="rId6"/>
+    <p:sldId id="262" r:id="rId7"/>
   </p:sldIdLst>
   <p:sldSz cx="9144000" cy="6858000" type="screen4x3"/>
   <p:notesSz cx="7010400" cy="9296400"/>
@@ -105,7 +109,5722 @@
       </a:defRPr>
     </a:lvl9pPr>
   </p:defaultTextStyle>
+  <p:extLst>
+    <p:ext uri="{EFAFB233-063F-42B5-8137-9DF3F51BA10A}">
+      <p15:sldGuideLst xmlns:p15="http://schemas.microsoft.com/office/powerpoint/2012/main">
+        <p15:guide id="1" orient="horz" pos="2160">
+          <p15:clr>
+            <a:srgbClr val="A4A3A4"/>
+          </p15:clr>
+        </p15:guide>
+        <p15:guide id="2" pos="2880">
+          <p15:clr>
+            <a:srgbClr val="A4A3A4"/>
+          </p15:clr>
+        </p15:guide>
+      </p15:sldGuideLst>
+    </p:ext>
+  </p:extLst>
 </p:presentation>
+</file>
+
+<file path=ppt/charts/chart1.xml><?xml version="1.0" encoding="utf-8"?>
+<c:chartSpace xmlns:c="http://schemas.openxmlformats.org/drawingml/2006/chart" xmlns:a="http://schemas.openxmlformats.org/drawingml/2006/main" xmlns:r="http://schemas.openxmlformats.org/officeDocument/2006/relationships">
+  <c:date1904 val="0"/>
+  <c:lang val="en-US"/>
+  <c:roundedCorners val="0"/>
+  <mc:AlternateContent xmlns:mc="http://schemas.openxmlformats.org/markup-compatibility/2006">
+    <mc:Choice xmlns:c14="http://schemas.microsoft.com/office/drawing/2007/8/2/chart" Requires="c14">
+      <c14:style val="102"/>
+    </mc:Choice>
+    <mc:Fallback>
+      <c:style val="2"/>
+    </mc:Fallback>
+  </mc:AlternateContent>
+  <c:chart>
+    <c:autoTitleDeleted val="1"/>
+    <c:plotArea>
+      <c:layout>
+        <c:manualLayout>
+          <c:layoutTarget val="inner"/>
+          <c:xMode val="edge"/>
+          <c:yMode val="edge"/>
+          <c:x val="0.0558730158730159"/>
+          <c:y val="0.0379423524442367"/>
+          <c:w val="0.890545981752281"/>
+          <c:h val="0.801342483622279"/>
+        </c:manualLayout>
+      </c:layout>
+      <c:lineChart>
+        <c:grouping val="standard"/>
+        <c:varyColors val="0"/>
+        <c:ser>
+          <c:idx val="0"/>
+          <c:order val="0"/>
+          <c:tx>
+            <c:strRef>
+              <c:f>Sheet1!$B$1</c:f>
+              <c:strCache>
+                <c:ptCount val="1"/>
+                <c:pt idx="0">
+                  <c:v>UZ</c:v>
+                </c:pt>
+              </c:strCache>
+            </c:strRef>
+          </c:tx>
+          <c:spPr>
+            <a:ln w="127000" cap="rnd">
+              <a:solidFill>
+                <a:schemeClr val="bg2">
+                  <a:lumMod val="75000"/>
+                </a:schemeClr>
+              </a:solidFill>
+              <a:round/>
+            </a:ln>
+            <a:effectLst/>
+          </c:spPr>
+          <c:marker>
+            <c:symbol val="none"/>
+          </c:marker>
+          <c:cat>
+            <c:numRef>
+              <c:f>Sheet1!$A$2:$A$6</c:f>
+              <c:numCache>
+                <c:formatCode>General</c:formatCode>
+                <c:ptCount val="5"/>
+              </c:numCache>
+            </c:numRef>
+          </c:cat>
+          <c:val>
+            <c:numRef>
+              <c:f>Sheet1!$B$2:$B$6</c:f>
+              <c:numCache>
+                <c:formatCode>General</c:formatCode>
+                <c:ptCount val="5"/>
+                <c:pt idx="0">
+                  <c:v>0.0</c:v>
+                </c:pt>
+                <c:pt idx="1">
+                  <c:v>100.0</c:v>
+                </c:pt>
+                <c:pt idx="2">
+                  <c:v>100.0</c:v>
+                </c:pt>
+                <c:pt idx="3">
+                  <c:v>100.0</c:v>
+                </c:pt>
+                <c:pt idx="4">
+                  <c:v>100.0</c:v>
+                </c:pt>
+              </c:numCache>
+            </c:numRef>
+          </c:val>
+          <c:smooth val="0"/>
+          <c:extLst xmlns:c16r2="http://schemas.microsoft.com/office/drawing/2015/06/chart">
+            <c:ext xmlns:c16="http://schemas.microsoft.com/office/drawing/2014/chart" uri="{C3380CC4-5D6E-409C-BE32-E72D297353CC}">
+              <c16:uniqueId val="{00000000-C102-4688-8C5F-F87F9B2D1098}"/>
+            </c:ext>
+          </c:extLst>
+        </c:ser>
+        <c:ser>
+          <c:idx val="1"/>
+          <c:order val="1"/>
+          <c:tx>
+            <c:strRef>
+              <c:f>Sheet1!$C$1</c:f>
+              <c:strCache>
+                <c:ptCount val="1"/>
+                <c:pt idx="0">
+                  <c:v>BE</c:v>
+                </c:pt>
+              </c:strCache>
+            </c:strRef>
+          </c:tx>
+          <c:spPr>
+            <a:ln w="127000" cap="rnd">
+              <a:solidFill>
+                <a:schemeClr val="accent2"/>
+              </a:solidFill>
+              <a:round/>
+            </a:ln>
+            <a:effectLst/>
+          </c:spPr>
+          <c:marker>
+            <c:symbol val="none"/>
+          </c:marker>
+          <c:cat>
+            <c:numRef>
+              <c:f>Sheet1!$A$2:$A$6</c:f>
+              <c:numCache>
+                <c:formatCode>General</c:formatCode>
+                <c:ptCount val="5"/>
+              </c:numCache>
+            </c:numRef>
+          </c:cat>
+          <c:val>
+            <c:numRef>
+              <c:f>Sheet1!$C$2:$C$6</c:f>
+              <c:numCache>
+                <c:formatCode>General</c:formatCode>
+                <c:ptCount val="5"/>
+                <c:pt idx="0">
+                  <c:v>0.0</c:v>
+                </c:pt>
+                <c:pt idx="1">
+                  <c:v>95.0</c:v>
+                </c:pt>
+                <c:pt idx="2">
+                  <c:v>95.0</c:v>
+                </c:pt>
+                <c:pt idx="3">
+                  <c:v>95.0</c:v>
+                </c:pt>
+                <c:pt idx="4">
+                  <c:v>95.0</c:v>
+                </c:pt>
+              </c:numCache>
+            </c:numRef>
+          </c:val>
+          <c:smooth val="0"/>
+          <c:extLst xmlns:c16r2="http://schemas.microsoft.com/office/drawing/2015/06/chart">
+            <c:ext xmlns:c16="http://schemas.microsoft.com/office/drawing/2014/chart" uri="{C3380CC4-5D6E-409C-BE32-E72D297353CC}">
+              <c16:uniqueId val="{00000001-C102-4688-8C5F-F87F9B2D1098}"/>
+            </c:ext>
+          </c:extLst>
+        </c:ser>
+        <c:dLbls>
+          <c:showLegendKey val="0"/>
+          <c:showVal val="0"/>
+          <c:showCatName val="0"/>
+          <c:showSerName val="0"/>
+          <c:showPercent val="0"/>
+          <c:showBubbleSize val="0"/>
+        </c:dLbls>
+        <c:smooth val="0"/>
+        <c:axId val="1366662848"/>
+        <c:axId val="1366515488"/>
+      </c:lineChart>
+      <c:catAx>
+        <c:axId val="1366662848"/>
+        <c:scaling>
+          <c:orientation val="minMax"/>
+        </c:scaling>
+        <c:delete val="1"/>
+        <c:axPos val="b"/>
+        <c:title>
+          <c:tx>
+            <c:rich>
+              <a:bodyPr rot="0" spcFirstLastPara="1" vertOverflow="ellipsis" vert="horz" wrap="square" anchor="ctr" anchorCtr="1"/>
+              <a:lstStyle/>
+              <a:p>
+                <a:pPr>
+                  <a:defRPr sz="2400" b="0" i="0" u="none" strike="noStrike" kern="1200" baseline="0">
+                    <a:solidFill>
+                      <a:schemeClr val="tx1">
+                        <a:lumMod val="65000"/>
+                        <a:lumOff val="35000"/>
+                      </a:schemeClr>
+                    </a:solidFill>
+                    <a:latin typeface="+mn-lt"/>
+                    <a:ea typeface="+mn-ea"/>
+                    <a:cs typeface="+mn-cs"/>
+                  </a:defRPr>
+                </a:pPr>
+                <a:r>
+                  <a:rPr lang="en-US" sz="2400" b="1" dirty="0" smtClean="0"/>
+                  <a:t>Time</a:t>
+                </a:r>
+                <a:endParaRPr lang="en-US" sz="2400" b="1" dirty="0"/>
+              </a:p>
+            </c:rich>
+          </c:tx>
+          <c:layout/>
+          <c:overlay val="0"/>
+          <c:spPr>
+            <a:noFill/>
+            <a:ln>
+              <a:noFill/>
+            </a:ln>
+            <a:effectLst/>
+          </c:spPr>
+          <c:txPr>
+            <a:bodyPr rot="0" spcFirstLastPara="1" vertOverflow="ellipsis" vert="horz" wrap="square" anchor="ctr" anchorCtr="1"/>
+            <a:lstStyle/>
+            <a:p>
+              <a:pPr>
+                <a:defRPr sz="2400" b="0" i="0" u="none" strike="noStrike" kern="1200" baseline="0">
+                  <a:solidFill>
+                    <a:schemeClr val="tx1">
+                      <a:lumMod val="65000"/>
+                      <a:lumOff val="35000"/>
+                    </a:schemeClr>
+                  </a:solidFill>
+                  <a:latin typeface="+mn-lt"/>
+                  <a:ea typeface="+mn-ea"/>
+                  <a:cs typeface="+mn-cs"/>
+                </a:defRPr>
+              </a:pPr>
+              <a:endParaRPr lang="en-US"/>
+            </a:p>
+          </c:txPr>
+        </c:title>
+        <c:numFmt formatCode="General" sourceLinked="1"/>
+        <c:majorTickMark val="none"/>
+        <c:minorTickMark val="none"/>
+        <c:tickLblPos val="nextTo"/>
+        <c:crossAx val="1366515488"/>
+        <c:crosses val="autoZero"/>
+        <c:auto val="1"/>
+        <c:lblAlgn val="ctr"/>
+        <c:lblOffset val="100"/>
+        <c:noMultiLvlLbl val="0"/>
+      </c:catAx>
+      <c:valAx>
+        <c:axId val="1366515488"/>
+        <c:scaling>
+          <c:orientation val="minMax"/>
+        </c:scaling>
+        <c:delete val="1"/>
+        <c:axPos val="l"/>
+        <c:majorGridlines>
+          <c:spPr>
+            <a:ln w="9525" cap="flat" cmpd="sng" algn="ctr">
+              <a:solidFill>
+                <a:schemeClr val="tx1">
+                  <a:lumMod val="15000"/>
+                  <a:lumOff val="85000"/>
+                </a:schemeClr>
+              </a:solidFill>
+              <a:round/>
+            </a:ln>
+            <a:effectLst/>
+          </c:spPr>
+        </c:majorGridlines>
+        <c:title>
+          <c:tx>
+            <c:rich>
+              <a:bodyPr rot="-5400000" spcFirstLastPara="1" vertOverflow="ellipsis" vert="horz" wrap="square" anchor="ctr" anchorCtr="1"/>
+              <a:lstStyle/>
+              <a:p>
+                <a:pPr>
+                  <a:defRPr sz="2400" b="0" i="0" u="none" strike="noStrike" kern="1200" baseline="0">
+                    <a:solidFill>
+                      <a:schemeClr val="tx1">
+                        <a:lumMod val="65000"/>
+                        <a:lumOff val="35000"/>
+                      </a:schemeClr>
+                    </a:solidFill>
+                    <a:latin typeface="+mn-lt"/>
+                    <a:ea typeface="+mn-ea"/>
+                    <a:cs typeface="+mn-cs"/>
+                  </a:defRPr>
+                </a:pPr>
+                <a:r>
+                  <a:rPr lang="en-US" sz="2400" b="1" dirty="0" smtClean="0"/>
+                  <a:t>Stored Resources</a:t>
+                </a:r>
+                <a:endParaRPr lang="en-US" sz="2400" b="1" dirty="0"/>
+              </a:p>
+            </c:rich>
+          </c:tx>
+          <c:layout/>
+          <c:overlay val="0"/>
+          <c:spPr>
+            <a:noFill/>
+            <a:ln>
+              <a:noFill/>
+            </a:ln>
+            <a:effectLst/>
+          </c:spPr>
+          <c:txPr>
+            <a:bodyPr rot="-5400000" spcFirstLastPara="1" vertOverflow="ellipsis" vert="horz" wrap="square" anchor="ctr" anchorCtr="1"/>
+            <a:lstStyle/>
+            <a:p>
+              <a:pPr>
+                <a:defRPr sz="2400" b="0" i="0" u="none" strike="noStrike" kern="1200" baseline="0">
+                  <a:solidFill>
+                    <a:schemeClr val="tx1">
+                      <a:lumMod val="65000"/>
+                      <a:lumOff val="35000"/>
+                    </a:schemeClr>
+                  </a:solidFill>
+                  <a:latin typeface="+mn-lt"/>
+                  <a:ea typeface="+mn-ea"/>
+                  <a:cs typeface="+mn-cs"/>
+                </a:defRPr>
+              </a:pPr>
+              <a:endParaRPr lang="en-US"/>
+            </a:p>
+          </c:txPr>
+        </c:title>
+        <c:numFmt formatCode="General" sourceLinked="0"/>
+        <c:majorTickMark val="none"/>
+        <c:minorTickMark val="none"/>
+        <c:tickLblPos val="nextTo"/>
+        <c:crossAx val="1366662848"/>
+        <c:crosses val="autoZero"/>
+        <c:crossBetween val="between"/>
+      </c:valAx>
+      <c:spPr>
+        <a:noFill/>
+        <a:ln>
+          <a:noFill/>
+        </a:ln>
+        <a:effectLst/>
+      </c:spPr>
+    </c:plotArea>
+    <c:legend>
+      <c:legendPos val="t"/>
+      <c:layout>
+        <c:manualLayout>
+          <c:xMode val="edge"/>
+          <c:yMode val="edge"/>
+          <c:x val="0.467223361687277"/>
+          <c:y val="0.0145932124785526"/>
+          <c:w val="0.297785033433756"/>
+          <c:h val="0.0868447819957907"/>
+        </c:manualLayout>
+      </c:layout>
+      <c:overlay val="0"/>
+      <c:spPr>
+        <a:noFill/>
+        <a:ln>
+          <a:noFill/>
+        </a:ln>
+        <a:effectLst/>
+      </c:spPr>
+      <c:txPr>
+        <a:bodyPr rot="0" spcFirstLastPara="1" vertOverflow="ellipsis" vert="horz" wrap="square" anchor="ctr" anchorCtr="1"/>
+        <a:lstStyle/>
+        <a:p>
+          <a:pPr>
+            <a:defRPr sz="1800" b="0" i="0" u="none" strike="noStrike" kern="1200" baseline="0">
+              <a:solidFill>
+                <a:schemeClr val="tx1">
+                  <a:lumMod val="65000"/>
+                  <a:lumOff val="35000"/>
+                </a:schemeClr>
+              </a:solidFill>
+              <a:latin typeface="+mn-lt"/>
+              <a:ea typeface="+mn-ea"/>
+              <a:cs typeface="+mn-cs"/>
+            </a:defRPr>
+          </a:pPr>
+          <a:endParaRPr lang="en-US"/>
+        </a:p>
+      </c:txPr>
+    </c:legend>
+    <c:plotVisOnly val="1"/>
+    <c:dispBlanksAs val="gap"/>
+    <c:showDLblsOverMax val="0"/>
+  </c:chart>
+  <c:spPr>
+    <a:noFill/>
+    <a:ln>
+      <a:noFill/>
+    </a:ln>
+    <a:effectLst/>
+  </c:spPr>
+  <c:txPr>
+    <a:bodyPr/>
+    <a:lstStyle/>
+    <a:p>
+      <a:pPr>
+        <a:defRPr/>
+      </a:pPr>
+      <a:endParaRPr lang="en-US"/>
+    </a:p>
+  </c:txPr>
+  <c:externalData r:id="rId3">
+    <c:autoUpdate val="0"/>
+  </c:externalData>
+</c:chartSpace>
+</file>
+
+<file path=ppt/charts/chart2.xml><?xml version="1.0" encoding="utf-8"?>
+<c:chartSpace xmlns:c="http://schemas.openxmlformats.org/drawingml/2006/chart" xmlns:a="http://schemas.openxmlformats.org/drawingml/2006/main" xmlns:r="http://schemas.openxmlformats.org/officeDocument/2006/relationships">
+  <c:date1904 val="0"/>
+  <c:lang val="en-US"/>
+  <c:roundedCorners val="0"/>
+  <mc:AlternateContent xmlns:mc="http://schemas.openxmlformats.org/markup-compatibility/2006">
+    <mc:Choice xmlns:c14="http://schemas.microsoft.com/office/drawing/2007/8/2/chart" Requires="c14">
+      <c14:style val="102"/>
+    </mc:Choice>
+    <mc:Fallback>
+      <c:style val="2"/>
+    </mc:Fallback>
+  </mc:AlternateContent>
+  <c:chart>
+    <c:autoTitleDeleted val="1"/>
+    <c:plotArea>
+      <c:layout>
+        <c:manualLayout>
+          <c:layoutTarget val="inner"/>
+          <c:xMode val="edge"/>
+          <c:yMode val="edge"/>
+          <c:x val="0.0558730158730159"/>
+          <c:y val="0.0379423524442367"/>
+          <c:w val="0.890545981752281"/>
+          <c:h val="0.801342483622279"/>
+        </c:manualLayout>
+      </c:layout>
+      <c:lineChart>
+        <c:grouping val="standard"/>
+        <c:varyColors val="0"/>
+        <c:ser>
+          <c:idx val="0"/>
+          <c:order val="0"/>
+          <c:tx>
+            <c:strRef>
+              <c:f>Sheet1!$B$1</c:f>
+              <c:strCache>
+                <c:ptCount val="1"/>
+                <c:pt idx="0">
+                  <c:v>UZ</c:v>
+                </c:pt>
+              </c:strCache>
+            </c:strRef>
+          </c:tx>
+          <c:spPr>
+            <a:ln w="127000" cap="rnd">
+              <a:solidFill>
+                <a:schemeClr val="bg2">
+                  <a:lumMod val="75000"/>
+                </a:schemeClr>
+              </a:solidFill>
+              <a:round/>
+            </a:ln>
+            <a:effectLst/>
+          </c:spPr>
+          <c:marker>
+            <c:symbol val="none"/>
+          </c:marker>
+          <c:cat>
+            <c:numRef>
+              <c:f>Sheet1!$A$2:$A$6</c:f>
+              <c:numCache>
+                <c:formatCode>General</c:formatCode>
+                <c:ptCount val="5"/>
+              </c:numCache>
+            </c:numRef>
+          </c:cat>
+          <c:val>
+            <c:numRef>
+              <c:f>Sheet1!$B$2:$B$6</c:f>
+              <c:numCache>
+                <c:formatCode>General</c:formatCode>
+                <c:ptCount val="5"/>
+                <c:pt idx="0">
+                  <c:v>0.0</c:v>
+                </c:pt>
+                <c:pt idx="1">
+                  <c:v>100.0</c:v>
+                </c:pt>
+                <c:pt idx="2">
+                  <c:v>100.0</c:v>
+                </c:pt>
+                <c:pt idx="3">
+                  <c:v>100.0</c:v>
+                </c:pt>
+                <c:pt idx="4">
+                  <c:v>100.0</c:v>
+                </c:pt>
+              </c:numCache>
+            </c:numRef>
+          </c:val>
+          <c:smooth val="0"/>
+          <c:extLst xmlns:c16r2="http://schemas.microsoft.com/office/drawing/2015/06/chart">
+            <c:ext xmlns:c16="http://schemas.microsoft.com/office/drawing/2014/chart" uri="{C3380CC4-5D6E-409C-BE32-E72D297353CC}">
+              <c16:uniqueId val="{00000000-7A90-4E51-97C5-F70409DDE204}"/>
+            </c:ext>
+          </c:extLst>
+        </c:ser>
+        <c:ser>
+          <c:idx val="1"/>
+          <c:order val="1"/>
+          <c:tx>
+            <c:strRef>
+              <c:f>Sheet1!$C$1</c:f>
+              <c:strCache>
+                <c:ptCount val="1"/>
+                <c:pt idx="0">
+                  <c:v>BE</c:v>
+                </c:pt>
+              </c:strCache>
+            </c:strRef>
+          </c:tx>
+          <c:spPr>
+            <a:ln w="127000" cap="rnd">
+              <a:solidFill>
+                <a:schemeClr val="accent2"/>
+              </a:solidFill>
+              <a:round/>
+            </a:ln>
+            <a:effectLst/>
+          </c:spPr>
+          <c:marker>
+            <c:symbol val="none"/>
+          </c:marker>
+          <c:cat>
+            <c:numRef>
+              <c:f>Sheet1!$A$2:$A$6</c:f>
+              <c:numCache>
+                <c:formatCode>General</c:formatCode>
+                <c:ptCount val="5"/>
+              </c:numCache>
+            </c:numRef>
+          </c:cat>
+          <c:val>
+            <c:numRef>
+              <c:f>Sheet1!$C$2:$C$6</c:f>
+              <c:numCache>
+                <c:formatCode>General</c:formatCode>
+                <c:ptCount val="5"/>
+                <c:pt idx="0">
+                  <c:v>0.0</c:v>
+                </c:pt>
+                <c:pt idx="1">
+                  <c:v>95.0</c:v>
+                </c:pt>
+                <c:pt idx="2">
+                  <c:v>95.0</c:v>
+                </c:pt>
+                <c:pt idx="3">
+                  <c:v>95.0</c:v>
+                </c:pt>
+                <c:pt idx="4">
+                  <c:v>95.0</c:v>
+                </c:pt>
+              </c:numCache>
+            </c:numRef>
+          </c:val>
+          <c:smooth val="0"/>
+          <c:extLst xmlns:c16r2="http://schemas.microsoft.com/office/drawing/2015/06/chart">
+            <c:ext xmlns:c16="http://schemas.microsoft.com/office/drawing/2014/chart" uri="{C3380CC4-5D6E-409C-BE32-E72D297353CC}">
+              <c16:uniqueId val="{00000001-7A90-4E51-97C5-F70409DDE204}"/>
+            </c:ext>
+          </c:extLst>
+        </c:ser>
+        <c:dLbls>
+          <c:showLegendKey val="0"/>
+          <c:showVal val="0"/>
+          <c:showCatName val="0"/>
+          <c:showSerName val="0"/>
+          <c:showPercent val="0"/>
+          <c:showBubbleSize val="0"/>
+        </c:dLbls>
+        <c:smooth val="0"/>
+        <c:axId val="1315701376"/>
+        <c:axId val="1322557856"/>
+      </c:lineChart>
+      <c:catAx>
+        <c:axId val="1315701376"/>
+        <c:scaling>
+          <c:orientation val="minMax"/>
+        </c:scaling>
+        <c:delete val="1"/>
+        <c:axPos val="b"/>
+        <c:title>
+          <c:tx>
+            <c:rich>
+              <a:bodyPr rot="0" spcFirstLastPara="1" vertOverflow="ellipsis" vert="horz" wrap="square" anchor="ctr" anchorCtr="1"/>
+              <a:lstStyle/>
+              <a:p>
+                <a:pPr>
+                  <a:defRPr sz="2400" b="0" i="0" u="none" strike="noStrike" kern="1200" baseline="0">
+                    <a:solidFill>
+                      <a:schemeClr val="tx1">
+                        <a:lumMod val="65000"/>
+                        <a:lumOff val="35000"/>
+                      </a:schemeClr>
+                    </a:solidFill>
+                    <a:latin typeface="+mn-lt"/>
+                    <a:ea typeface="+mn-ea"/>
+                    <a:cs typeface="+mn-cs"/>
+                  </a:defRPr>
+                </a:pPr>
+                <a:r>
+                  <a:rPr lang="en-US" sz="2400" b="1" dirty="0" smtClean="0"/>
+                  <a:t>Time</a:t>
+                </a:r>
+                <a:endParaRPr lang="en-US" sz="2400" b="1" dirty="0"/>
+              </a:p>
+            </c:rich>
+          </c:tx>
+          <c:layout/>
+          <c:overlay val="0"/>
+          <c:spPr>
+            <a:noFill/>
+            <a:ln>
+              <a:noFill/>
+            </a:ln>
+            <a:effectLst/>
+          </c:spPr>
+          <c:txPr>
+            <a:bodyPr rot="0" spcFirstLastPara="1" vertOverflow="ellipsis" vert="horz" wrap="square" anchor="ctr" anchorCtr="1"/>
+            <a:lstStyle/>
+            <a:p>
+              <a:pPr>
+                <a:defRPr sz="2400" b="0" i="0" u="none" strike="noStrike" kern="1200" baseline="0">
+                  <a:solidFill>
+                    <a:schemeClr val="tx1">
+                      <a:lumMod val="65000"/>
+                      <a:lumOff val="35000"/>
+                    </a:schemeClr>
+                  </a:solidFill>
+                  <a:latin typeface="+mn-lt"/>
+                  <a:ea typeface="+mn-ea"/>
+                  <a:cs typeface="+mn-cs"/>
+                </a:defRPr>
+              </a:pPr>
+              <a:endParaRPr lang="en-US"/>
+            </a:p>
+          </c:txPr>
+        </c:title>
+        <c:numFmt formatCode="General" sourceLinked="1"/>
+        <c:majorTickMark val="none"/>
+        <c:minorTickMark val="none"/>
+        <c:tickLblPos val="nextTo"/>
+        <c:crossAx val="1322557856"/>
+        <c:crosses val="autoZero"/>
+        <c:auto val="1"/>
+        <c:lblAlgn val="ctr"/>
+        <c:lblOffset val="100"/>
+        <c:noMultiLvlLbl val="0"/>
+      </c:catAx>
+      <c:valAx>
+        <c:axId val="1322557856"/>
+        <c:scaling>
+          <c:orientation val="minMax"/>
+        </c:scaling>
+        <c:delete val="1"/>
+        <c:axPos val="l"/>
+        <c:majorGridlines>
+          <c:spPr>
+            <a:ln w="9525" cap="flat" cmpd="sng" algn="ctr">
+              <a:solidFill>
+                <a:schemeClr val="tx1">
+                  <a:lumMod val="15000"/>
+                  <a:lumOff val="85000"/>
+                </a:schemeClr>
+              </a:solidFill>
+              <a:round/>
+            </a:ln>
+            <a:effectLst/>
+          </c:spPr>
+        </c:majorGridlines>
+        <c:numFmt formatCode="General" sourceLinked="0"/>
+        <c:majorTickMark val="none"/>
+        <c:minorTickMark val="none"/>
+        <c:tickLblPos val="nextTo"/>
+        <c:crossAx val="1315701376"/>
+        <c:crosses val="autoZero"/>
+        <c:crossBetween val="between"/>
+      </c:valAx>
+      <c:spPr>
+        <a:noFill/>
+        <a:ln>
+          <a:noFill/>
+        </a:ln>
+        <a:effectLst/>
+      </c:spPr>
+    </c:plotArea>
+    <c:legend>
+      <c:legendPos val="r"/>
+      <c:layout>
+        <c:manualLayout>
+          <c:xMode val="edge"/>
+          <c:yMode val="edge"/>
+          <c:x val="0.50421471645078"/>
+          <c:y val="0.0220513782197568"/>
+          <c:w val="0.471292252696078"/>
+          <c:h val="0.100734992317306"/>
+        </c:manualLayout>
+      </c:layout>
+      <c:overlay val="0"/>
+      <c:spPr>
+        <a:noFill/>
+        <a:ln>
+          <a:noFill/>
+        </a:ln>
+        <a:effectLst/>
+      </c:spPr>
+      <c:txPr>
+        <a:bodyPr rot="0" spcFirstLastPara="1" vertOverflow="ellipsis" vert="horz" wrap="square" anchor="ctr" anchorCtr="1"/>
+        <a:lstStyle/>
+        <a:p>
+          <a:pPr>
+            <a:defRPr sz="1800" b="0" i="0" u="none" strike="noStrike" kern="1200" baseline="0">
+              <a:solidFill>
+                <a:schemeClr val="tx1">
+                  <a:lumMod val="65000"/>
+                  <a:lumOff val="35000"/>
+                </a:schemeClr>
+              </a:solidFill>
+              <a:latin typeface="+mn-lt"/>
+              <a:ea typeface="+mn-ea"/>
+              <a:cs typeface="+mn-cs"/>
+            </a:defRPr>
+          </a:pPr>
+          <a:endParaRPr lang="en-US"/>
+        </a:p>
+      </c:txPr>
+    </c:legend>
+    <c:plotVisOnly val="1"/>
+    <c:dispBlanksAs val="gap"/>
+    <c:showDLblsOverMax val="0"/>
+  </c:chart>
+  <c:spPr>
+    <a:noFill/>
+    <a:ln>
+      <a:noFill/>
+    </a:ln>
+    <a:effectLst/>
+  </c:spPr>
+  <c:txPr>
+    <a:bodyPr/>
+    <a:lstStyle/>
+    <a:p>
+      <a:pPr>
+        <a:defRPr/>
+      </a:pPr>
+      <a:endParaRPr lang="en-US"/>
+    </a:p>
+  </c:txPr>
+  <c:externalData r:id="rId3">
+    <c:autoUpdate val="0"/>
+  </c:externalData>
+</c:chartSpace>
+</file>
+
+<file path=ppt/charts/chart3.xml><?xml version="1.0" encoding="utf-8"?>
+<c:chartSpace xmlns:c="http://schemas.openxmlformats.org/drawingml/2006/chart" xmlns:a="http://schemas.openxmlformats.org/drawingml/2006/main" xmlns:r="http://schemas.openxmlformats.org/officeDocument/2006/relationships">
+  <c:date1904 val="0"/>
+  <c:lang val="en-US"/>
+  <c:roundedCorners val="0"/>
+  <mc:AlternateContent xmlns:mc="http://schemas.openxmlformats.org/markup-compatibility/2006">
+    <mc:Choice xmlns:c14="http://schemas.microsoft.com/office/drawing/2007/8/2/chart" Requires="c14">
+      <c14:style val="102"/>
+    </mc:Choice>
+    <mc:Fallback>
+      <c:style val="2"/>
+    </mc:Fallback>
+  </mc:AlternateContent>
+  <c:chart>
+    <c:autoTitleDeleted val="1"/>
+    <c:plotArea>
+      <c:layout>
+        <c:manualLayout>
+          <c:layoutTarget val="inner"/>
+          <c:xMode val="edge"/>
+          <c:yMode val="edge"/>
+          <c:x val="0.0558730158730159"/>
+          <c:y val="0.0379423524442367"/>
+          <c:w val="0.890545981752281"/>
+          <c:h val="0.801342483622279"/>
+        </c:manualLayout>
+      </c:layout>
+      <c:lineChart>
+        <c:grouping val="standard"/>
+        <c:varyColors val="0"/>
+        <c:ser>
+          <c:idx val="0"/>
+          <c:order val="0"/>
+          <c:tx>
+            <c:strRef>
+              <c:f>Sheet1!$B$1</c:f>
+              <c:strCache>
+                <c:ptCount val="1"/>
+                <c:pt idx="0">
+                  <c:v>UZ</c:v>
+                </c:pt>
+              </c:strCache>
+            </c:strRef>
+          </c:tx>
+          <c:spPr>
+            <a:ln w="127000" cap="rnd">
+              <a:solidFill>
+                <a:schemeClr val="bg2">
+                  <a:lumMod val="75000"/>
+                </a:schemeClr>
+              </a:solidFill>
+              <a:round/>
+            </a:ln>
+            <a:effectLst/>
+          </c:spPr>
+          <c:marker>
+            <c:symbol val="none"/>
+          </c:marker>
+          <c:cat>
+            <c:numRef>
+              <c:f>Sheet1!$A$2:$A$6</c:f>
+              <c:numCache>
+                <c:formatCode>General</c:formatCode>
+                <c:ptCount val="5"/>
+              </c:numCache>
+            </c:numRef>
+          </c:cat>
+          <c:val>
+            <c:numRef>
+              <c:f>Sheet1!$B$2:$B$6</c:f>
+              <c:numCache>
+                <c:formatCode>General</c:formatCode>
+                <c:ptCount val="5"/>
+                <c:pt idx="0">
+                  <c:v>0.0</c:v>
+                </c:pt>
+                <c:pt idx="1">
+                  <c:v>50.0</c:v>
+                </c:pt>
+                <c:pt idx="2">
+                  <c:v>50.0</c:v>
+                </c:pt>
+                <c:pt idx="3">
+                  <c:v>50.0</c:v>
+                </c:pt>
+                <c:pt idx="4">
+                  <c:v>50.0</c:v>
+                </c:pt>
+              </c:numCache>
+            </c:numRef>
+          </c:val>
+          <c:smooth val="0"/>
+          <c:extLst xmlns:c16r2="http://schemas.microsoft.com/office/drawing/2015/06/chart">
+            <c:ext xmlns:c16="http://schemas.microsoft.com/office/drawing/2014/chart" uri="{C3380CC4-5D6E-409C-BE32-E72D297353CC}">
+              <c16:uniqueId val="{00000000-DA30-41E3-B146-8ECB64B042CF}"/>
+            </c:ext>
+          </c:extLst>
+        </c:ser>
+        <c:ser>
+          <c:idx val="1"/>
+          <c:order val="1"/>
+          <c:tx>
+            <c:strRef>
+              <c:f>Sheet1!$C$1</c:f>
+              <c:strCache>
+                <c:ptCount val="1"/>
+                <c:pt idx="0">
+                  <c:v>BE</c:v>
+                </c:pt>
+              </c:strCache>
+            </c:strRef>
+          </c:tx>
+          <c:spPr>
+            <a:ln w="127000" cap="rnd">
+              <a:solidFill>
+                <a:schemeClr val="accent2"/>
+              </a:solidFill>
+              <a:round/>
+            </a:ln>
+            <a:effectLst/>
+          </c:spPr>
+          <c:marker>
+            <c:symbol val="none"/>
+          </c:marker>
+          <c:cat>
+            <c:numRef>
+              <c:f>Sheet1!$A$2:$A$6</c:f>
+              <c:numCache>
+                <c:formatCode>General</c:formatCode>
+                <c:ptCount val="5"/>
+              </c:numCache>
+            </c:numRef>
+          </c:cat>
+          <c:val>
+            <c:numRef>
+              <c:f>Sheet1!$C$2:$C$6</c:f>
+              <c:numCache>
+                <c:formatCode>General</c:formatCode>
+                <c:ptCount val="5"/>
+                <c:pt idx="0">
+                  <c:v>0.0</c:v>
+                </c:pt>
+                <c:pt idx="1">
+                  <c:v>45.0</c:v>
+                </c:pt>
+                <c:pt idx="2">
+                  <c:v>45.0</c:v>
+                </c:pt>
+                <c:pt idx="3">
+                  <c:v>45.0</c:v>
+                </c:pt>
+                <c:pt idx="4">
+                  <c:v>45.0</c:v>
+                </c:pt>
+              </c:numCache>
+            </c:numRef>
+          </c:val>
+          <c:smooth val="0"/>
+          <c:extLst xmlns:c16r2="http://schemas.microsoft.com/office/drawing/2015/06/chart">
+            <c:ext xmlns:c16="http://schemas.microsoft.com/office/drawing/2014/chart" uri="{C3380CC4-5D6E-409C-BE32-E72D297353CC}">
+              <c16:uniqueId val="{00000001-DA30-41E3-B146-8ECB64B042CF}"/>
+            </c:ext>
+          </c:extLst>
+        </c:ser>
+        <c:dLbls>
+          <c:showLegendKey val="0"/>
+          <c:showVal val="0"/>
+          <c:showCatName val="0"/>
+          <c:showSerName val="0"/>
+          <c:showPercent val="0"/>
+          <c:showBubbleSize val="0"/>
+        </c:dLbls>
+        <c:smooth val="0"/>
+        <c:axId val="1313019136"/>
+        <c:axId val="1312040528"/>
+      </c:lineChart>
+      <c:catAx>
+        <c:axId val="1313019136"/>
+        <c:scaling>
+          <c:orientation val="minMax"/>
+        </c:scaling>
+        <c:delete val="1"/>
+        <c:axPos val="b"/>
+        <c:title>
+          <c:tx>
+            <c:rich>
+              <a:bodyPr rot="0" spcFirstLastPara="1" vertOverflow="ellipsis" vert="horz" wrap="square" anchor="ctr" anchorCtr="1"/>
+              <a:lstStyle/>
+              <a:p>
+                <a:pPr>
+                  <a:defRPr sz="1330" b="0" i="0" u="none" strike="noStrike" kern="1200" baseline="0">
+                    <a:solidFill>
+                      <a:schemeClr val="tx1">
+                        <a:lumMod val="65000"/>
+                        <a:lumOff val="35000"/>
+                      </a:schemeClr>
+                    </a:solidFill>
+                    <a:latin typeface="+mn-lt"/>
+                    <a:ea typeface="+mn-ea"/>
+                    <a:cs typeface="+mn-cs"/>
+                  </a:defRPr>
+                </a:pPr>
+                <a:r>
+                  <a:rPr lang="en-US" sz="2400" b="1" dirty="0" smtClean="0"/>
+                  <a:t>Time</a:t>
+                </a:r>
+                <a:endParaRPr lang="en-US" sz="2400" b="1" dirty="0"/>
+              </a:p>
+            </c:rich>
+          </c:tx>
+          <c:layout/>
+          <c:overlay val="0"/>
+          <c:spPr>
+            <a:noFill/>
+            <a:ln>
+              <a:noFill/>
+            </a:ln>
+            <a:effectLst/>
+          </c:spPr>
+          <c:txPr>
+            <a:bodyPr rot="0" spcFirstLastPara="1" vertOverflow="ellipsis" vert="horz" wrap="square" anchor="ctr" anchorCtr="1"/>
+            <a:lstStyle/>
+            <a:p>
+              <a:pPr>
+                <a:defRPr sz="1330" b="0" i="0" u="none" strike="noStrike" kern="1200" baseline="0">
+                  <a:solidFill>
+                    <a:schemeClr val="tx1">
+                      <a:lumMod val="65000"/>
+                      <a:lumOff val="35000"/>
+                    </a:schemeClr>
+                  </a:solidFill>
+                  <a:latin typeface="+mn-lt"/>
+                  <a:ea typeface="+mn-ea"/>
+                  <a:cs typeface="+mn-cs"/>
+                </a:defRPr>
+              </a:pPr>
+              <a:endParaRPr lang="en-US"/>
+            </a:p>
+          </c:txPr>
+        </c:title>
+        <c:numFmt formatCode="General" sourceLinked="1"/>
+        <c:majorTickMark val="none"/>
+        <c:minorTickMark val="none"/>
+        <c:tickLblPos val="nextTo"/>
+        <c:crossAx val="1312040528"/>
+        <c:crosses val="autoZero"/>
+        <c:auto val="1"/>
+        <c:lblAlgn val="ctr"/>
+        <c:lblOffset val="100"/>
+        <c:noMultiLvlLbl val="0"/>
+      </c:catAx>
+      <c:valAx>
+        <c:axId val="1312040528"/>
+        <c:scaling>
+          <c:orientation val="minMax"/>
+          <c:max val="100.0"/>
+        </c:scaling>
+        <c:delete val="1"/>
+        <c:axPos val="l"/>
+        <c:majorGridlines>
+          <c:spPr>
+            <a:ln w="9525" cap="flat" cmpd="sng" algn="ctr">
+              <a:solidFill>
+                <a:schemeClr val="tx1">
+                  <a:lumMod val="15000"/>
+                  <a:lumOff val="85000"/>
+                </a:schemeClr>
+              </a:solidFill>
+              <a:round/>
+            </a:ln>
+            <a:effectLst/>
+          </c:spPr>
+        </c:majorGridlines>
+        <c:title>
+          <c:tx>
+            <c:rich>
+              <a:bodyPr rot="-5400000" spcFirstLastPara="1" vertOverflow="ellipsis" vert="horz" wrap="square" anchor="ctr" anchorCtr="1"/>
+              <a:lstStyle/>
+              <a:p>
+                <a:pPr>
+                  <a:defRPr sz="2400" b="1" i="0" u="none" strike="noStrike" kern="1200" baseline="0">
+                    <a:solidFill>
+                      <a:schemeClr val="tx1">
+                        <a:lumMod val="65000"/>
+                        <a:lumOff val="35000"/>
+                      </a:schemeClr>
+                    </a:solidFill>
+                    <a:latin typeface="+mn-lt"/>
+                    <a:ea typeface="+mn-ea"/>
+                    <a:cs typeface="+mn-cs"/>
+                  </a:defRPr>
+                </a:pPr>
+                <a:r>
+                  <a:rPr lang="en-US" sz="2400" b="1" dirty="0" smtClean="0"/>
+                  <a:t>Stored Resources</a:t>
+                </a:r>
+                <a:endParaRPr lang="en-US" sz="2400" b="1" dirty="0"/>
+              </a:p>
+            </c:rich>
+          </c:tx>
+          <c:layout/>
+          <c:overlay val="0"/>
+          <c:spPr>
+            <a:noFill/>
+            <a:ln>
+              <a:noFill/>
+            </a:ln>
+            <a:effectLst/>
+          </c:spPr>
+          <c:txPr>
+            <a:bodyPr rot="-5400000" spcFirstLastPara="1" vertOverflow="ellipsis" vert="horz" wrap="square" anchor="ctr" anchorCtr="1"/>
+            <a:lstStyle/>
+            <a:p>
+              <a:pPr>
+                <a:defRPr sz="2400" b="1" i="0" u="none" strike="noStrike" kern="1200" baseline="0">
+                  <a:solidFill>
+                    <a:schemeClr val="tx1">
+                      <a:lumMod val="65000"/>
+                      <a:lumOff val="35000"/>
+                    </a:schemeClr>
+                  </a:solidFill>
+                  <a:latin typeface="+mn-lt"/>
+                  <a:ea typeface="+mn-ea"/>
+                  <a:cs typeface="+mn-cs"/>
+                </a:defRPr>
+              </a:pPr>
+              <a:endParaRPr lang="en-US"/>
+            </a:p>
+          </c:txPr>
+        </c:title>
+        <c:numFmt formatCode="General" sourceLinked="0"/>
+        <c:majorTickMark val="out"/>
+        <c:minorTickMark val="none"/>
+        <c:tickLblPos val="nextTo"/>
+        <c:crossAx val="1313019136"/>
+        <c:crosses val="autoZero"/>
+        <c:crossBetween val="between"/>
+      </c:valAx>
+      <c:spPr>
+        <a:noFill/>
+        <a:ln>
+          <a:noFill/>
+        </a:ln>
+        <a:effectLst/>
+      </c:spPr>
+    </c:plotArea>
+    <c:legend>
+      <c:legendPos val="r"/>
+      <c:layout>
+        <c:manualLayout>
+          <c:xMode val="edge"/>
+          <c:yMode val="edge"/>
+          <c:x val="0.50421471645078"/>
+          <c:y val="0.0220513782197568"/>
+          <c:w val="0.471292252696078"/>
+          <c:h val="0.100734992317306"/>
+        </c:manualLayout>
+      </c:layout>
+      <c:overlay val="0"/>
+      <c:spPr>
+        <a:noFill/>
+        <a:ln>
+          <a:noFill/>
+        </a:ln>
+        <a:effectLst/>
+      </c:spPr>
+      <c:txPr>
+        <a:bodyPr rot="0" spcFirstLastPara="1" vertOverflow="ellipsis" vert="horz" wrap="square" anchor="ctr" anchorCtr="1"/>
+        <a:lstStyle/>
+        <a:p>
+          <a:pPr>
+            <a:defRPr sz="1800" b="0" i="0" u="none" strike="noStrike" kern="1200" baseline="0">
+              <a:solidFill>
+                <a:schemeClr val="tx1">
+                  <a:lumMod val="65000"/>
+                  <a:lumOff val="35000"/>
+                </a:schemeClr>
+              </a:solidFill>
+              <a:latin typeface="+mn-lt"/>
+              <a:ea typeface="+mn-ea"/>
+              <a:cs typeface="+mn-cs"/>
+            </a:defRPr>
+          </a:pPr>
+          <a:endParaRPr lang="en-US"/>
+        </a:p>
+      </c:txPr>
+    </c:legend>
+    <c:plotVisOnly val="1"/>
+    <c:dispBlanksAs val="gap"/>
+    <c:showDLblsOverMax val="0"/>
+  </c:chart>
+  <c:spPr>
+    <a:noFill/>
+    <a:ln>
+      <a:noFill/>
+    </a:ln>
+    <a:effectLst/>
+  </c:spPr>
+  <c:txPr>
+    <a:bodyPr/>
+    <a:lstStyle/>
+    <a:p>
+      <a:pPr>
+        <a:defRPr/>
+      </a:pPr>
+      <a:endParaRPr lang="en-US"/>
+    </a:p>
+  </c:txPr>
+  <c:externalData r:id="rId3">
+    <c:autoUpdate val="0"/>
+  </c:externalData>
+</c:chartSpace>
+</file>
+
+<file path=ppt/charts/chart4.xml><?xml version="1.0" encoding="utf-8"?>
+<c:chartSpace xmlns:c="http://schemas.openxmlformats.org/drawingml/2006/chart" xmlns:a="http://schemas.openxmlformats.org/drawingml/2006/main" xmlns:r="http://schemas.openxmlformats.org/officeDocument/2006/relationships">
+  <c:date1904 val="0"/>
+  <c:lang val="en-US"/>
+  <c:roundedCorners val="0"/>
+  <mc:AlternateContent xmlns:mc="http://schemas.openxmlformats.org/markup-compatibility/2006">
+    <mc:Choice xmlns:c14="http://schemas.microsoft.com/office/drawing/2007/8/2/chart" Requires="c14">
+      <c14:style val="102"/>
+    </mc:Choice>
+    <mc:Fallback>
+      <c:style val="2"/>
+    </mc:Fallback>
+  </mc:AlternateContent>
+  <c:chart>
+    <c:autoTitleDeleted val="1"/>
+    <c:plotArea>
+      <c:layout>
+        <c:manualLayout>
+          <c:layoutTarget val="inner"/>
+          <c:xMode val="edge"/>
+          <c:yMode val="edge"/>
+          <c:x val="0.0558730158730159"/>
+          <c:y val="0.0379423524442367"/>
+          <c:w val="0.890545981752281"/>
+          <c:h val="0.801342483622279"/>
+        </c:manualLayout>
+      </c:layout>
+      <c:lineChart>
+        <c:grouping val="standard"/>
+        <c:varyColors val="0"/>
+        <c:ser>
+          <c:idx val="0"/>
+          <c:order val="0"/>
+          <c:tx>
+            <c:strRef>
+              <c:f>Sheet1!$B$1</c:f>
+              <c:strCache>
+                <c:ptCount val="1"/>
+                <c:pt idx="0">
+                  <c:v>UZ</c:v>
+                </c:pt>
+              </c:strCache>
+            </c:strRef>
+          </c:tx>
+          <c:spPr>
+            <a:ln w="127000" cap="rnd">
+              <a:solidFill>
+                <a:schemeClr val="bg2">
+                  <a:lumMod val="75000"/>
+                </a:schemeClr>
+              </a:solidFill>
+              <a:round/>
+            </a:ln>
+            <a:effectLst/>
+          </c:spPr>
+          <c:marker>
+            <c:symbol val="none"/>
+          </c:marker>
+          <c:cat>
+            <c:numRef>
+              <c:f>Sheet1!$A$2:$A$6</c:f>
+              <c:numCache>
+                <c:formatCode>General</c:formatCode>
+                <c:ptCount val="5"/>
+              </c:numCache>
+            </c:numRef>
+          </c:cat>
+          <c:val>
+            <c:numRef>
+              <c:f>Sheet1!$B$2:$B$6</c:f>
+              <c:numCache>
+                <c:formatCode>General</c:formatCode>
+                <c:ptCount val="5"/>
+                <c:pt idx="0">
+                  <c:v>0.0</c:v>
+                </c:pt>
+                <c:pt idx="1">
+                  <c:v>100.0</c:v>
+                </c:pt>
+                <c:pt idx="2">
+                  <c:v>100.0</c:v>
+                </c:pt>
+                <c:pt idx="3">
+                  <c:v>100.0</c:v>
+                </c:pt>
+                <c:pt idx="4">
+                  <c:v>100.0</c:v>
+                </c:pt>
+              </c:numCache>
+            </c:numRef>
+          </c:val>
+          <c:smooth val="0"/>
+          <c:extLst xmlns:c16r2="http://schemas.microsoft.com/office/drawing/2015/06/chart">
+            <c:ext xmlns:c16="http://schemas.microsoft.com/office/drawing/2014/chart" uri="{C3380CC4-5D6E-409C-BE32-E72D297353CC}">
+              <c16:uniqueId val="{00000000-6534-4E57-97B8-494A5D41BE07}"/>
+            </c:ext>
+          </c:extLst>
+        </c:ser>
+        <c:ser>
+          <c:idx val="1"/>
+          <c:order val="1"/>
+          <c:tx>
+            <c:strRef>
+              <c:f>Sheet1!$C$1</c:f>
+              <c:strCache>
+                <c:ptCount val="1"/>
+                <c:pt idx="0">
+                  <c:v>BE</c:v>
+                </c:pt>
+              </c:strCache>
+            </c:strRef>
+          </c:tx>
+          <c:spPr>
+            <a:ln w="127000" cap="rnd">
+              <a:solidFill>
+                <a:schemeClr val="accent2"/>
+              </a:solidFill>
+              <a:round/>
+            </a:ln>
+            <a:effectLst/>
+          </c:spPr>
+          <c:marker>
+            <c:symbol val="none"/>
+          </c:marker>
+          <c:cat>
+            <c:numRef>
+              <c:f>Sheet1!$A$2:$A$6</c:f>
+              <c:numCache>
+                <c:formatCode>General</c:formatCode>
+                <c:ptCount val="5"/>
+              </c:numCache>
+            </c:numRef>
+          </c:cat>
+          <c:val>
+            <c:numRef>
+              <c:f>Sheet1!$C$2:$C$6</c:f>
+              <c:numCache>
+                <c:formatCode>General</c:formatCode>
+                <c:ptCount val="5"/>
+                <c:pt idx="0">
+                  <c:v>0.0</c:v>
+                </c:pt>
+                <c:pt idx="1">
+                  <c:v>95.0</c:v>
+                </c:pt>
+                <c:pt idx="2">
+                  <c:v>95.0</c:v>
+                </c:pt>
+                <c:pt idx="3">
+                  <c:v>95.0</c:v>
+                </c:pt>
+                <c:pt idx="4">
+                  <c:v>95.0</c:v>
+                </c:pt>
+              </c:numCache>
+            </c:numRef>
+          </c:val>
+          <c:smooth val="0"/>
+          <c:extLst xmlns:c16r2="http://schemas.microsoft.com/office/drawing/2015/06/chart">
+            <c:ext xmlns:c16="http://schemas.microsoft.com/office/drawing/2014/chart" uri="{C3380CC4-5D6E-409C-BE32-E72D297353CC}">
+              <c16:uniqueId val="{00000001-6534-4E57-97B8-494A5D41BE07}"/>
+            </c:ext>
+          </c:extLst>
+        </c:ser>
+        <c:dLbls>
+          <c:showLegendKey val="0"/>
+          <c:showVal val="0"/>
+          <c:showCatName val="0"/>
+          <c:showSerName val="0"/>
+          <c:showPercent val="0"/>
+          <c:showBubbleSize val="0"/>
+        </c:dLbls>
+        <c:smooth val="0"/>
+        <c:axId val="1352742240"/>
+        <c:axId val="1366355824"/>
+      </c:lineChart>
+      <c:catAx>
+        <c:axId val="1352742240"/>
+        <c:scaling>
+          <c:orientation val="minMax"/>
+        </c:scaling>
+        <c:delete val="1"/>
+        <c:axPos val="b"/>
+        <c:title>
+          <c:tx>
+            <c:rich>
+              <a:bodyPr rot="0" spcFirstLastPara="1" vertOverflow="ellipsis" vert="horz" wrap="square" anchor="ctr" anchorCtr="1"/>
+              <a:lstStyle/>
+              <a:p>
+                <a:pPr>
+                  <a:defRPr sz="2400" b="0" i="0" u="none" strike="noStrike" kern="1200" baseline="0">
+                    <a:solidFill>
+                      <a:schemeClr val="tx1">
+                        <a:lumMod val="65000"/>
+                        <a:lumOff val="35000"/>
+                      </a:schemeClr>
+                    </a:solidFill>
+                    <a:latin typeface="+mn-lt"/>
+                    <a:ea typeface="+mn-ea"/>
+                    <a:cs typeface="+mn-cs"/>
+                  </a:defRPr>
+                </a:pPr>
+                <a:r>
+                  <a:rPr lang="en-US" sz="2400" b="1" dirty="0" smtClean="0"/>
+                  <a:t>Time</a:t>
+                </a:r>
+                <a:endParaRPr lang="en-US" sz="2400" b="1" dirty="0"/>
+              </a:p>
+            </c:rich>
+          </c:tx>
+          <c:layout/>
+          <c:overlay val="0"/>
+          <c:spPr>
+            <a:noFill/>
+            <a:ln>
+              <a:noFill/>
+            </a:ln>
+            <a:effectLst/>
+          </c:spPr>
+          <c:txPr>
+            <a:bodyPr rot="0" spcFirstLastPara="1" vertOverflow="ellipsis" vert="horz" wrap="square" anchor="ctr" anchorCtr="1"/>
+            <a:lstStyle/>
+            <a:p>
+              <a:pPr>
+                <a:defRPr sz="2400" b="0" i="0" u="none" strike="noStrike" kern="1200" baseline="0">
+                  <a:solidFill>
+                    <a:schemeClr val="tx1">
+                      <a:lumMod val="65000"/>
+                      <a:lumOff val="35000"/>
+                    </a:schemeClr>
+                  </a:solidFill>
+                  <a:latin typeface="+mn-lt"/>
+                  <a:ea typeface="+mn-ea"/>
+                  <a:cs typeface="+mn-cs"/>
+                </a:defRPr>
+              </a:pPr>
+              <a:endParaRPr lang="en-US"/>
+            </a:p>
+          </c:txPr>
+        </c:title>
+        <c:numFmt formatCode="General" sourceLinked="1"/>
+        <c:majorTickMark val="none"/>
+        <c:minorTickMark val="none"/>
+        <c:tickLblPos val="nextTo"/>
+        <c:crossAx val="1366355824"/>
+        <c:crosses val="autoZero"/>
+        <c:auto val="1"/>
+        <c:lblAlgn val="ctr"/>
+        <c:lblOffset val="100"/>
+        <c:noMultiLvlLbl val="0"/>
+      </c:catAx>
+      <c:valAx>
+        <c:axId val="1366355824"/>
+        <c:scaling>
+          <c:orientation val="minMax"/>
+        </c:scaling>
+        <c:delete val="1"/>
+        <c:axPos val="l"/>
+        <c:majorGridlines>
+          <c:spPr>
+            <a:ln w="9525" cap="flat" cmpd="sng" algn="ctr">
+              <a:solidFill>
+                <a:schemeClr val="tx1">
+                  <a:lumMod val="15000"/>
+                  <a:lumOff val="85000"/>
+                </a:schemeClr>
+              </a:solidFill>
+              <a:round/>
+            </a:ln>
+            <a:effectLst/>
+          </c:spPr>
+        </c:majorGridlines>
+        <c:numFmt formatCode="General" sourceLinked="0"/>
+        <c:majorTickMark val="out"/>
+        <c:minorTickMark val="none"/>
+        <c:tickLblPos val="nextTo"/>
+        <c:crossAx val="1352742240"/>
+        <c:crosses val="autoZero"/>
+        <c:crossBetween val="between"/>
+      </c:valAx>
+      <c:spPr>
+        <a:noFill/>
+        <a:ln>
+          <a:noFill/>
+        </a:ln>
+        <a:effectLst/>
+      </c:spPr>
+    </c:plotArea>
+    <c:legend>
+      <c:legendPos val="t"/>
+      <c:layout>
+        <c:manualLayout>
+          <c:xMode val="edge"/>
+          <c:yMode val="edge"/>
+          <c:x val="0.467223361687277"/>
+          <c:y val="0.0145932124785526"/>
+          <c:w val="0.297785033433756"/>
+          <c:h val="0.0868447819957907"/>
+        </c:manualLayout>
+      </c:layout>
+      <c:overlay val="0"/>
+      <c:spPr>
+        <a:noFill/>
+        <a:ln>
+          <a:noFill/>
+        </a:ln>
+        <a:effectLst/>
+      </c:spPr>
+      <c:txPr>
+        <a:bodyPr rot="0" spcFirstLastPara="1" vertOverflow="ellipsis" vert="horz" wrap="square" anchor="ctr" anchorCtr="1"/>
+        <a:lstStyle/>
+        <a:p>
+          <a:pPr>
+            <a:defRPr sz="1800" b="0" i="0" u="none" strike="noStrike" kern="1200" baseline="0">
+              <a:solidFill>
+                <a:schemeClr val="tx1">
+                  <a:lumMod val="65000"/>
+                  <a:lumOff val="35000"/>
+                </a:schemeClr>
+              </a:solidFill>
+              <a:latin typeface="+mn-lt"/>
+              <a:ea typeface="+mn-ea"/>
+              <a:cs typeface="+mn-cs"/>
+            </a:defRPr>
+          </a:pPr>
+          <a:endParaRPr lang="en-US"/>
+        </a:p>
+      </c:txPr>
+    </c:legend>
+    <c:plotVisOnly val="1"/>
+    <c:dispBlanksAs val="gap"/>
+    <c:showDLblsOverMax val="0"/>
+  </c:chart>
+  <c:spPr>
+    <a:noFill/>
+    <a:ln>
+      <a:noFill/>
+    </a:ln>
+    <a:effectLst/>
+  </c:spPr>
+  <c:txPr>
+    <a:bodyPr/>
+    <a:lstStyle/>
+    <a:p>
+      <a:pPr>
+        <a:defRPr/>
+      </a:pPr>
+      <a:endParaRPr lang="en-US"/>
+    </a:p>
+  </c:txPr>
+  <c:externalData r:id="rId3">
+    <c:autoUpdate val="0"/>
+  </c:externalData>
+</c:chartSpace>
+</file>
+
+<file path=ppt/charts/chart5.xml><?xml version="1.0" encoding="utf-8"?>
+<c:chartSpace xmlns:c="http://schemas.openxmlformats.org/drawingml/2006/chart" xmlns:a="http://schemas.openxmlformats.org/drawingml/2006/main" xmlns:r="http://schemas.openxmlformats.org/officeDocument/2006/relationships">
+  <c:date1904 val="0"/>
+  <c:lang val="en-US"/>
+  <c:roundedCorners val="0"/>
+  <mc:AlternateContent xmlns:mc="http://schemas.openxmlformats.org/markup-compatibility/2006">
+    <mc:Choice xmlns:c14="http://schemas.microsoft.com/office/drawing/2007/8/2/chart" Requires="c14">
+      <c14:style val="102"/>
+    </mc:Choice>
+    <mc:Fallback>
+      <c:style val="2"/>
+    </mc:Fallback>
+  </mc:AlternateContent>
+  <c:chart>
+    <c:autoTitleDeleted val="1"/>
+    <c:plotArea>
+      <c:layout>
+        <c:manualLayout>
+          <c:layoutTarget val="inner"/>
+          <c:xMode val="edge"/>
+          <c:yMode val="edge"/>
+          <c:x val="0.0558730158730159"/>
+          <c:y val="0.0379423524442367"/>
+          <c:w val="0.890545981752281"/>
+          <c:h val="0.801342483622279"/>
+        </c:manualLayout>
+      </c:layout>
+      <c:lineChart>
+        <c:grouping val="standard"/>
+        <c:varyColors val="0"/>
+        <c:ser>
+          <c:idx val="0"/>
+          <c:order val="0"/>
+          <c:tx>
+            <c:strRef>
+              <c:f>Sheet1!$B$1</c:f>
+              <c:strCache>
+                <c:ptCount val="1"/>
+                <c:pt idx="0">
+                  <c:v>UZ</c:v>
+                </c:pt>
+              </c:strCache>
+            </c:strRef>
+          </c:tx>
+          <c:spPr>
+            <a:ln w="127000" cap="rnd">
+              <a:solidFill>
+                <a:schemeClr val="bg2">
+                  <a:lumMod val="75000"/>
+                </a:schemeClr>
+              </a:solidFill>
+              <a:round/>
+            </a:ln>
+            <a:effectLst/>
+          </c:spPr>
+          <c:marker>
+            <c:symbol val="none"/>
+          </c:marker>
+          <c:cat>
+            <c:numRef>
+              <c:f>Sheet1!$A$2:$A$6</c:f>
+              <c:numCache>
+                <c:formatCode>General</c:formatCode>
+                <c:ptCount val="5"/>
+              </c:numCache>
+            </c:numRef>
+          </c:cat>
+          <c:val>
+            <c:numRef>
+              <c:f>Sheet1!$B$2:$B$6</c:f>
+              <c:numCache>
+                <c:formatCode>General</c:formatCode>
+                <c:ptCount val="5"/>
+                <c:pt idx="0">
+                  <c:v>0.0</c:v>
+                </c:pt>
+                <c:pt idx="1">
+                  <c:v>50.0</c:v>
+                </c:pt>
+                <c:pt idx="2">
+                  <c:v>50.0</c:v>
+                </c:pt>
+                <c:pt idx="3">
+                  <c:v>50.0</c:v>
+                </c:pt>
+                <c:pt idx="4">
+                  <c:v>50.0</c:v>
+                </c:pt>
+              </c:numCache>
+            </c:numRef>
+          </c:val>
+          <c:smooth val="0"/>
+          <c:extLst xmlns:c16r2="http://schemas.microsoft.com/office/drawing/2015/06/chart">
+            <c:ext xmlns:c16="http://schemas.microsoft.com/office/drawing/2014/chart" uri="{C3380CC4-5D6E-409C-BE32-E72D297353CC}">
+              <c16:uniqueId val="{00000000-FDE1-4DC0-8445-677C9F3EC2C3}"/>
+            </c:ext>
+          </c:extLst>
+        </c:ser>
+        <c:ser>
+          <c:idx val="1"/>
+          <c:order val="1"/>
+          <c:tx>
+            <c:strRef>
+              <c:f>Sheet1!$C$1</c:f>
+              <c:strCache>
+                <c:ptCount val="1"/>
+                <c:pt idx="0">
+                  <c:v>BE</c:v>
+                </c:pt>
+              </c:strCache>
+            </c:strRef>
+          </c:tx>
+          <c:spPr>
+            <a:ln w="127000" cap="rnd">
+              <a:solidFill>
+                <a:schemeClr val="accent2"/>
+              </a:solidFill>
+              <a:round/>
+            </a:ln>
+            <a:effectLst/>
+          </c:spPr>
+          <c:marker>
+            <c:symbol val="none"/>
+          </c:marker>
+          <c:cat>
+            <c:numRef>
+              <c:f>Sheet1!$A$2:$A$6</c:f>
+              <c:numCache>
+                <c:formatCode>General</c:formatCode>
+                <c:ptCount val="5"/>
+              </c:numCache>
+            </c:numRef>
+          </c:cat>
+          <c:val>
+            <c:numRef>
+              <c:f>Sheet1!$C$2:$C$6</c:f>
+              <c:numCache>
+                <c:formatCode>General</c:formatCode>
+                <c:ptCount val="5"/>
+                <c:pt idx="0">
+                  <c:v>0.0</c:v>
+                </c:pt>
+                <c:pt idx="1">
+                  <c:v>45.0</c:v>
+                </c:pt>
+                <c:pt idx="2">
+                  <c:v>45.0</c:v>
+                </c:pt>
+                <c:pt idx="3">
+                  <c:v>45.0</c:v>
+                </c:pt>
+                <c:pt idx="4">
+                  <c:v>45.0</c:v>
+                </c:pt>
+              </c:numCache>
+            </c:numRef>
+          </c:val>
+          <c:smooth val="0"/>
+          <c:extLst xmlns:c16r2="http://schemas.microsoft.com/office/drawing/2015/06/chart">
+            <c:ext xmlns:c16="http://schemas.microsoft.com/office/drawing/2014/chart" uri="{C3380CC4-5D6E-409C-BE32-E72D297353CC}">
+              <c16:uniqueId val="{00000001-FDE1-4DC0-8445-677C9F3EC2C3}"/>
+            </c:ext>
+          </c:extLst>
+        </c:ser>
+        <c:dLbls>
+          <c:showLegendKey val="0"/>
+          <c:showVal val="0"/>
+          <c:showCatName val="0"/>
+          <c:showSerName val="0"/>
+          <c:showPercent val="0"/>
+          <c:showBubbleSize val="0"/>
+        </c:dLbls>
+        <c:smooth val="0"/>
+        <c:axId val="1363981056"/>
+        <c:axId val="1373255904"/>
+      </c:lineChart>
+      <c:catAx>
+        <c:axId val="1363981056"/>
+        <c:scaling>
+          <c:orientation val="minMax"/>
+        </c:scaling>
+        <c:delete val="1"/>
+        <c:axPos val="b"/>
+        <c:title>
+          <c:tx>
+            <c:rich>
+              <a:bodyPr rot="0" spcFirstLastPara="1" vertOverflow="ellipsis" vert="horz" wrap="square" anchor="ctr" anchorCtr="1"/>
+              <a:lstStyle/>
+              <a:p>
+                <a:pPr marL="0" marR="0" indent="0" algn="ctr" defTabSz="914400" rtl="0" eaLnBrk="1" fontAlgn="auto" latinLnBrk="0" hangingPunct="1">
+                  <a:lnSpc>
+                    <a:spcPct val="100000"/>
+                  </a:lnSpc>
+                  <a:spcBef>
+                    <a:spcPts val="0"/>
+                  </a:spcBef>
+                  <a:spcAft>
+                    <a:spcPts val="0"/>
+                  </a:spcAft>
+                  <a:buClrTx/>
+                  <a:buSzTx/>
+                  <a:buFontTx/>
+                  <a:buNone/>
+                  <a:tabLst/>
+                  <a:defRPr sz="1330" b="0" i="0" u="none" strike="noStrike" kern="1200" baseline="0">
+                    <a:solidFill>
+                      <a:schemeClr val="tx1">
+                        <a:lumMod val="65000"/>
+                        <a:lumOff val="35000"/>
+                      </a:schemeClr>
+                    </a:solidFill>
+                    <a:latin typeface="+mn-lt"/>
+                    <a:ea typeface="+mn-ea"/>
+                    <a:cs typeface="+mn-cs"/>
+                  </a:defRPr>
+                </a:pPr>
+                <a:r>
+                  <a:rPr lang="en-US" sz="2400" b="1" dirty="0" smtClean="0">
+                    <a:solidFill>
+                      <a:schemeClr val="tx1">
+                        <a:lumMod val="65000"/>
+                        <a:lumOff val="35000"/>
+                      </a:schemeClr>
+                    </a:solidFill>
+                    <a:effectLst/>
+                  </a:rPr>
+                  <a:t>Time</a:t>
+                </a:r>
+                <a:r>
+                  <a:rPr lang="en-US" sz="2400" b="1" dirty="0" smtClean="0">
+                    <a:solidFill>
+                      <a:schemeClr val="tx1">
+                        <a:lumMod val="65000"/>
+                        <a:lumOff val="35000"/>
+                      </a:schemeClr>
+                    </a:solidFill>
+                  </a:rPr>
+                  <a:t> </a:t>
+                </a:r>
+                <a:endParaRPr lang="en-US" sz="2400" b="1" dirty="0">
+                  <a:solidFill>
+                    <a:schemeClr val="tx1">
+                      <a:lumMod val="65000"/>
+                      <a:lumOff val="35000"/>
+                    </a:schemeClr>
+                  </a:solidFill>
+                </a:endParaRPr>
+              </a:p>
+            </c:rich>
+          </c:tx>
+          <c:layout/>
+          <c:overlay val="0"/>
+          <c:spPr>
+            <a:noFill/>
+            <a:ln>
+              <a:noFill/>
+            </a:ln>
+            <a:effectLst/>
+          </c:spPr>
+          <c:txPr>
+            <a:bodyPr rot="0" spcFirstLastPara="1" vertOverflow="ellipsis" vert="horz" wrap="square" anchor="ctr" anchorCtr="1"/>
+            <a:lstStyle/>
+            <a:p>
+              <a:pPr marL="0" marR="0" indent="0" algn="ctr" defTabSz="914400" rtl="0" eaLnBrk="1" fontAlgn="auto" latinLnBrk="0" hangingPunct="1">
+                <a:lnSpc>
+                  <a:spcPct val="100000"/>
+                </a:lnSpc>
+                <a:spcBef>
+                  <a:spcPts val="0"/>
+                </a:spcBef>
+                <a:spcAft>
+                  <a:spcPts val="0"/>
+                </a:spcAft>
+                <a:buClrTx/>
+                <a:buSzTx/>
+                <a:buFontTx/>
+                <a:buNone/>
+                <a:tabLst/>
+                <a:defRPr sz="1330" b="0" i="0" u="none" strike="noStrike" kern="1200" baseline="0">
+                  <a:solidFill>
+                    <a:schemeClr val="tx1">
+                      <a:lumMod val="65000"/>
+                      <a:lumOff val="35000"/>
+                    </a:schemeClr>
+                  </a:solidFill>
+                  <a:latin typeface="+mn-lt"/>
+                  <a:ea typeface="+mn-ea"/>
+                  <a:cs typeface="+mn-cs"/>
+                </a:defRPr>
+              </a:pPr>
+              <a:endParaRPr lang="en-US"/>
+            </a:p>
+          </c:txPr>
+        </c:title>
+        <c:numFmt formatCode="General" sourceLinked="1"/>
+        <c:majorTickMark val="none"/>
+        <c:minorTickMark val="none"/>
+        <c:tickLblPos val="nextTo"/>
+        <c:crossAx val="1373255904"/>
+        <c:crosses val="autoZero"/>
+        <c:auto val="1"/>
+        <c:lblAlgn val="ctr"/>
+        <c:lblOffset val="100"/>
+        <c:noMultiLvlLbl val="0"/>
+      </c:catAx>
+      <c:valAx>
+        <c:axId val="1373255904"/>
+        <c:scaling>
+          <c:orientation val="minMax"/>
+          <c:max val="100.0"/>
+        </c:scaling>
+        <c:delete val="1"/>
+        <c:axPos val="l"/>
+        <c:majorGridlines>
+          <c:spPr>
+            <a:ln w="9525" cap="flat" cmpd="sng" algn="ctr">
+              <a:solidFill>
+                <a:schemeClr val="tx1">
+                  <a:lumMod val="15000"/>
+                  <a:lumOff val="85000"/>
+                </a:schemeClr>
+              </a:solidFill>
+              <a:round/>
+            </a:ln>
+            <a:effectLst/>
+          </c:spPr>
+        </c:majorGridlines>
+        <c:title>
+          <c:tx>
+            <c:rich>
+              <a:bodyPr rot="-5400000" spcFirstLastPara="1" vertOverflow="ellipsis" vert="horz" wrap="square" anchor="ctr" anchorCtr="1"/>
+              <a:lstStyle/>
+              <a:p>
+                <a:pPr>
+                  <a:defRPr sz="2400" b="1" i="0" u="none" strike="noStrike" kern="1200" baseline="0">
+                    <a:solidFill>
+                      <a:schemeClr val="tx1">
+                        <a:lumMod val="65000"/>
+                        <a:lumOff val="35000"/>
+                      </a:schemeClr>
+                    </a:solidFill>
+                    <a:latin typeface="+mn-lt"/>
+                    <a:ea typeface="+mn-ea"/>
+                    <a:cs typeface="+mn-cs"/>
+                  </a:defRPr>
+                </a:pPr>
+                <a:r>
+                  <a:rPr lang="en-US" sz="2400" b="1" dirty="0" smtClean="0"/>
+                  <a:t>Stored Resources</a:t>
+                </a:r>
+                <a:endParaRPr lang="en-US" sz="2400" b="1" dirty="0"/>
+              </a:p>
+            </c:rich>
+          </c:tx>
+          <c:layout/>
+          <c:overlay val="0"/>
+          <c:spPr>
+            <a:noFill/>
+            <a:ln>
+              <a:noFill/>
+            </a:ln>
+            <a:effectLst/>
+          </c:spPr>
+          <c:txPr>
+            <a:bodyPr rot="-5400000" spcFirstLastPara="1" vertOverflow="ellipsis" vert="horz" wrap="square" anchor="ctr" anchorCtr="1"/>
+            <a:lstStyle/>
+            <a:p>
+              <a:pPr>
+                <a:defRPr sz="2400" b="1" i="0" u="none" strike="noStrike" kern="1200" baseline="0">
+                  <a:solidFill>
+                    <a:schemeClr val="tx1">
+                      <a:lumMod val="65000"/>
+                      <a:lumOff val="35000"/>
+                    </a:schemeClr>
+                  </a:solidFill>
+                  <a:latin typeface="+mn-lt"/>
+                  <a:ea typeface="+mn-ea"/>
+                  <a:cs typeface="+mn-cs"/>
+                </a:defRPr>
+              </a:pPr>
+              <a:endParaRPr lang="en-US"/>
+            </a:p>
+          </c:txPr>
+        </c:title>
+        <c:numFmt formatCode="General" sourceLinked="0"/>
+        <c:majorTickMark val="out"/>
+        <c:minorTickMark val="none"/>
+        <c:tickLblPos val="nextTo"/>
+        <c:crossAx val="1363981056"/>
+        <c:crosses val="autoZero"/>
+        <c:crossBetween val="between"/>
+      </c:valAx>
+      <c:spPr>
+        <a:noFill/>
+        <a:ln>
+          <a:noFill/>
+        </a:ln>
+        <a:effectLst/>
+      </c:spPr>
+    </c:plotArea>
+    <c:legend>
+      <c:legendPos val="r"/>
+      <c:layout>
+        <c:manualLayout>
+          <c:xMode val="edge"/>
+          <c:yMode val="edge"/>
+          <c:x val="0.50421471645078"/>
+          <c:y val="0.0220513782197568"/>
+          <c:w val="0.471292252696078"/>
+          <c:h val="0.100734992317306"/>
+        </c:manualLayout>
+      </c:layout>
+      <c:overlay val="0"/>
+      <c:spPr>
+        <a:noFill/>
+        <a:ln>
+          <a:noFill/>
+        </a:ln>
+        <a:effectLst/>
+      </c:spPr>
+      <c:txPr>
+        <a:bodyPr rot="0" spcFirstLastPara="1" vertOverflow="ellipsis" vert="horz" wrap="square" anchor="ctr" anchorCtr="1"/>
+        <a:lstStyle/>
+        <a:p>
+          <a:pPr>
+            <a:defRPr sz="1800" b="0" i="0" u="none" strike="noStrike" kern="1200" baseline="0">
+              <a:solidFill>
+                <a:schemeClr val="tx1">
+                  <a:lumMod val="65000"/>
+                  <a:lumOff val="35000"/>
+                </a:schemeClr>
+              </a:solidFill>
+              <a:latin typeface="+mn-lt"/>
+              <a:ea typeface="+mn-ea"/>
+              <a:cs typeface="+mn-cs"/>
+            </a:defRPr>
+          </a:pPr>
+          <a:endParaRPr lang="en-US"/>
+        </a:p>
+      </c:txPr>
+    </c:legend>
+    <c:plotVisOnly val="1"/>
+    <c:dispBlanksAs val="gap"/>
+    <c:showDLblsOverMax val="0"/>
+  </c:chart>
+  <c:spPr>
+    <a:noFill/>
+    <a:ln>
+      <a:noFill/>
+    </a:ln>
+    <a:effectLst/>
+  </c:spPr>
+  <c:txPr>
+    <a:bodyPr/>
+    <a:lstStyle/>
+    <a:p>
+      <a:pPr>
+        <a:defRPr/>
+      </a:pPr>
+      <a:endParaRPr lang="en-US"/>
+    </a:p>
+  </c:txPr>
+  <c:externalData r:id="rId3">
+    <c:autoUpdate val="0"/>
+  </c:externalData>
+</c:chartSpace>
+</file>
+
+<file path=ppt/charts/chart6.xml><?xml version="1.0" encoding="utf-8"?>
+<c:chartSpace xmlns:c="http://schemas.openxmlformats.org/drawingml/2006/chart" xmlns:a="http://schemas.openxmlformats.org/drawingml/2006/main" xmlns:r="http://schemas.openxmlformats.org/officeDocument/2006/relationships">
+  <c:date1904 val="0"/>
+  <c:lang val="en-US"/>
+  <c:roundedCorners val="0"/>
+  <mc:AlternateContent xmlns:mc="http://schemas.openxmlformats.org/markup-compatibility/2006">
+    <mc:Choice xmlns:c14="http://schemas.microsoft.com/office/drawing/2007/8/2/chart" Requires="c14">
+      <c14:style val="102"/>
+    </mc:Choice>
+    <mc:Fallback>
+      <c:style val="2"/>
+    </mc:Fallback>
+  </mc:AlternateContent>
+  <c:chart>
+    <c:autoTitleDeleted val="1"/>
+    <c:plotArea>
+      <c:layout>
+        <c:manualLayout>
+          <c:layoutTarget val="inner"/>
+          <c:xMode val="edge"/>
+          <c:yMode val="edge"/>
+          <c:x val="0.0558730158730159"/>
+          <c:y val="0.0379423524442367"/>
+          <c:w val="0.890545981752281"/>
+          <c:h val="0.801342483622279"/>
+        </c:manualLayout>
+      </c:layout>
+      <c:lineChart>
+        <c:grouping val="standard"/>
+        <c:varyColors val="0"/>
+        <c:ser>
+          <c:idx val="0"/>
+          <c:order val="0"/>
+          <c:tx>
+            <c:strRef>
+              <c:f>Sheet1!$B$1</c:f>
+              <c:strCache>
+                <c:ptCount val="1"/>
+                <c:pt idx="0">
+                  <c:v>UZ</c:v>
+                </c:pt>
+              </c:strCache>
+            </c:strRef>
+          </c:tx>
+          <c:spPr>
+            <a:ln w="127000" cap="rnd">
+              <a:solidFill>
+                <a:schemeClr val="bg2">
+                  <a:lumMod val="75000"/>
+                </a:schemeClr>
+              </a:solidFill>
+              <a:round/>
+            </a:ln>
+            <a:effectLst/>
+          </c:spPr>
+          <c:marker>
+            <c:symbol val="none"/>
+          </c:marker>
+          <c:cat>
+            <c:numRef>
+              <c:f>Sheet1!$A$2:$A$6</c:f>
+              <c:numCache>
+                <c:formatCode>General</c:formatCode>
+                <c:ptCount val="5"/>
+              </c:numCache>
+            </c:numRef>
+          </c:cat>
+          <c:val>
+            <c:numRef>
+              <c:f>Sheet1!$B$2:$B$6</c:f>
+              <c:numCache>
+                <c:formatCode>General</c:formatCode>
+                <c:ptCount val="5"/>
+                <c:pt idx="0">
+                  <c:v>0.0</c:v>
+                </c:pt>
+                <c:pt idx="1">
+                  <c:v>100.0</c:v>
+                </c:pt>
+                <c:pt idx="2">
+                  <c:v>100.0</c:v>
+                </c:pt>
+                <c:pt idx="3">
+                  <c:v>100.0</c:v>
+                </c:pt>
+                <c:pt idx="4">
+                  <c:v>100.0</c:v>
+                </c:pt>
+              </c:numCache>
+            </c:numRef>
+          </c:val>
+          <c:smooth val="0"/>
+          <c:extLst xmlns:c16r2="http://schemas.microsoft.com/office/drawing/2015/06/chart">
+            <c:ext xmlns:c16="http://schemas.microsoft.com/office/drawing/2014/chart" uri="{C3380CC4-5D6E-409C-BE32-E72D297353CC}">
+              <c16:uniqueId val="{00000000-FFCC-4DE0-9B70-166908BF150A}"/>
+            </c:ext>
+          </c:extLst>
+        </c:ser>
+        <c:ser>
+          <c:idx val="1"/>
+          <c:order val="1"/>
+          <c:tx>
+            <c:strRef>
+              <c:f>Sheet1!$C$1</c:f>
+              <c:strCache>
+                <c:ptCount val="1"/>
+                <c:pt idx="0">
+                  <c:v>BE</c:v>
+                </c:pt>
+              </c:strCache>
+            </c:strRef>
+          </c:tx>
+          <c:spPr>
+            <a:ln w="127000" cap="rnd">
+              <a:solidFill>
+                <a:schemeClr val="accent2"/>
+              </a:solidFill>
+              <a:round/>
+            </a:ln>
+            <a:effectLst/>
+          </c:spPr>
+          <c:marker>
+            <c:symbol val="none"/>
+          </c:marker>
+          <c:cat>
+            <c:numRef>
+              <c:f>Sheet1!$A$2:$A$6</c:f>
+              <c:numCache>
+                <c:formatCode>General</c:formatCode>
+                <c:ptCount val="5"/>
+              </c:numCache>
+            </c:numRef>
+          </c:cat>
+          <c:val>
+            <c:numRef>
+              <c:f>Sheet1!$C$2:$C$6</c:f>
+              <c:numCache>
+                <c:formatCode>General</c:formatCode>
+                <c:ptCount val="5"/>
+                <c:pt idx="0">
+                  <c:v>0.0</c:v>
+                </c:pt>
+                <c:pt idx="1">
+                  <c:v>75.0</c:v>
+                </c:pt>
+                <c:pt idx="2">
+                  <c:v>75.0</c:v>
+                </c:pt>
+                <c:pt idx="3">
+                  <c:v>75.0</c:v>
+                </c:pt>
+                <c:pt idx="4">
+                  <c:v>75.0</c:v>
+                </c:pt>
+              </c:numCache>
+            </c:numRef>
+          </c:val>
+          <c:smooth val="0"/>
+          <c:extLst xmlns:c16r2="http://schemas.microsoft.com/office/drawing/2015/06/chart">
+            <c:ext xmlns:c16="http://schemas.microsoft.com/office/drawing/2014/chart" uri="{C3380CC4-5D6E-409C-BE32-E72D297353CC}">
+              <c16:uniqueId val="{00000001-FFCC-4DE0-9B70-166908BF150A}"/>
+            </c:ext>
+          </c:extLst>
+        </c:ser>
+        <c:dLbls>
+          <c:showLegendKey val="0"/>
+          <c:showVal val="0"/>
+          <c:showCatName val="0"/>
+          <c:showSerName val="0"/>
+          <c:showPercent val="0"/>
+          <c:showBubbleSize val="0"/>
+        </c:dLbls>
+        <c:smooth val="0"/>
+        <c:axId val="1372966048"/>
+        <c:axId val="1372049696"/>
+      </c:lineChart>
+      <c:catAx>
+        <c:axId val="1372966048"/>
+        <c:scaling>
+          <c:orientation val="minMax"/>
+        </c:scaling>
+        <c:delete val="1"/>
+        <c:axPos val="b"/>
+        <c:title>
+          <c:tx>
+            <c:rich>
+              <a:bodyPr rot="0" spcFirstLastPara="1" vertOverflow="ellipsis" vert="horz" wrap="square" anchor="ctr" anchorCtr="1"/>
+              <a:lstStyle/>
+              <a:p>
+                <a:pPr>
+                  <a:defRPr sz="2400" b="0" i="0" u="none" strike="noStrike" kern="1200" baseline="0">
+                    <a:solidFill>
+                      <a:schemeClr val="tx1">
+                        <a:lumMod val="65000"/>
+                        <a:lumOff val="35000"/>
+                      </a:schemeClr>
+                    </a:solidFill>
+                    <a:latin typeface="+mn-lt"/>
+                    <a:ea typeface="+mn-ea"/>
+                    <a:cs typeface="+mn-cs"/>
+                  </a:defRPr>
+                </a:pPr>
+                <a:r>
+                  <a:rPr lang="en-US" sz="2400" b="1" dirty="0" smtClean="0"/>
+                  <a:t>Time</a:t>
+                </a:r>
+                <a:endParaRPr lang="en-US" sz="2400" b="1" dirty="0"/>
+              </a:p>
+            </c:rich>
+          </c:tx>
+          <c:layout/>
+          <c:overlay val="0"/>
+          <c:spPr>
+            <a:noFill/>
+            <a:ln>
+              <a:noFill/>
+            </a:ln>
+            <a:effectLst/>
+          </c:spPr>
+          <c:txPr>
+            <a:bodyPr rot="0" spcFirstLastPara="1" vertOverflow="ellipsis" vert="horz" wrap="square" anchor="ctr" anchorCtr="1"/>
+            <a:lstStyle/>
+            <a:p>
+              <a:pPr>
+                <a:defRPr sz="2400" b="0" i="0" u="none" strike="noStrike" kern="1200" baseline="0">
+                  <a:solidFill>
+                    <a:schemeClr val="tx1">
+                      <a:lumMod val="65000"/>
+                      <a:lumOff val="35000"/>
+                    </a:schemeClr>
+                  </a:solidFill>
+                  <a:latin typeface="+mn-lt"/>
+                  <a:ea typeface="+mn-ea"/>
+                  <a:cs typeface="+mn-cs"/>
+                </a:defRPr>
+              </a:pPr>
+              <a:endParaRPr lang="en-US"/>
+            </a:p>
+          </c:txPr>
+        </c:title>
+        <c:numFmt formatCode="General" sourceLinked="1"/>
+        <c:majorTickMark val="none"/>
+        <c:minorTickMark val="none"/>
+        <c:tickLblPos val="nextTo"/>
+        <c:crossAx val="1372049696"/>
+        <c:crosses val="autoZero"/>
+        <c:auto val="1"/>
+        <c:lblAlgn val="ctr"/>
+        <c:lblOffset val="100"/>
+        <c:noMultiLvlLbl val="0"/>
+      </c:catAx>
+      <c:valAx>
+        <c:axId val="1372049696"/>
+        <c:scaling>
+          <c:orientation val="minMax"/>
+        </c:scaling>
+        <c:delete val="1"/>
+        <c:axPos val="l"/>
+        <c:majorGridlines>
+          <c:spPr>
+            <a:ln w="9525" cap="flat" cmpd="sng" algn="ctr">
+              <a:solidFill>
+                <a:schemeClr val="tx1">
+                  <a:lumMod val="15000"/>
+                  <a:lumOff val="85000"/>
+                </a:schemeClr>
+              </a:solidFill>
+              <a:round/>
+            </a:ln>
+            <a:effectLst/>
+          </c:spPr>
+        </c:majorGridlines>
+        <c:numFmt formatCode="General" sourceLinked="0"/>
+        <c:majorTickMark val="out"/>
+        <c:minorTickMark val="none"/>
+        <c:tickLblPos val="nextTo"/>
+        <c:crossAx val="1372966048"/>
+        <c:crosses val="autoZero"/>
+        <c:crossBetween val="between"/>
+      </c:valAx>
+      <c:spPr>
+        <a:noFill/>
+        <a:ln>
+          <a:noFill/>
+        </a:ln>
+        <a:effectLst/>
+      </c:spPr>
+    </c:plotArea>
+    <c:legend>
+      <c:legendPos val="t"/>
+      <c:layout>
+        <c:manualLayout>
+          <c:xMode val="edge"/>
+          <c:yMode val="edge"/>
+          <c:x val="0.467223361687277"/>
+          <c:y val="0.0145932124785526"/>
+          <c:w val="0.297785033433756"/>
+          <c:h val="0.0868447819957907"/>
+        </c:manualLayout>
+      </c:layout>
+      <c:overlay val="0"/>
+      <c:spPr>
+        <a:noFill/>
+        <a:ln>
+          <a:noFill/>
+        </a:ln>
+        <a:effectLst/>
+      </c:spPr>
+      <c:txPr>
+        <a:bodyPr rot="0" spcFirstLastPara="1" vertOverflow="ellipsis" vert="horz" wrap="square" anchor="ctr" anchorCtr="1"/>
+        <a:lstStyle/>
+        <a:p>
+          <a:pPr>
+            <a:defRPr sz="1800" b="0" i="0" u="none" strike="noStrike" kern="1200" baseline="0">
+              <a:solidFill>
+                <a:schemeClr val="tx1">
+                  <a:lumMod val="65000"/>
+                  <a:lumOff val="35000"/>
+                </a:schemeClr>
+              </a:solidFill>
+              <a:latin typeface="+mn-lt"/>
+              <a:ea typeface="+mn-ea"/>
+              <a:cs typeface="+mn-cs"/>
+            </a:defRPr>
+          </a:pPr>
+          <a:endParaRPr lang="en-US"/>
+        </a:p>
+      </c:txPr>
+    </c:legend>
+    <c:plotVisOnly val="1"/>
+    <c:dispBlanksAs val="gap"/>
+    <c:showDLblsOverMax val="0"/>
+  </c:chart>
+  <c:spPr>
+    <a:noFill/>
+    <a:ln>
+      <a:noFill/>
+    </a:ln>
+    <a:effectLst/>
+  </c:spPr>
+  <c:txPr>
+    <a:bodyPr/>
+    <a:lstStyle/>
+    <a:p>
+      <a:pPr>
+        <a:defRPr/>
+      </a:pPr>
+      <a:endParaRPr lang="en-US"/>
+    </a:p>
+  </c:txPr>
+  <c:externalData r:id="rId3">
+    <c:autoUpdate val="0"/>
+  </c:externalData>
+</c:chartSpace>
+</file>
+
+<file path=ppt/charts/colors1.xml><?xml version="1.0" encoding="utf-8"?>
+<cs:colorStyle xmlns:cs="http://schemas.microsoft.com/office/drawing/2012/chartStyle" xmlns:a="http://schemas.openxmlformats.org/drawingml/2006/main" meth="cycle" id="10">
+  <a:schemeClr val="accent1"/>
+  <a:schemeClr val="accent2"/>
+  <a:schemeClr val="accent3"/>
+  <a:schemeClr val="accent4"/>
+  <a:schemeClr val="accent5"/>
+  <a:schemeClr val="accent6"/>
+  <cs:variation/>
+  <cs:variation>
+    <a:lumMod val="60000"/>
+  </cs:variation>
+  <cs:variation>
+    <a:lumMod val="80000"/>
+    <a:lumOff val="20000"/>
+  </cs:variation>
+  <cs:variation>
+    <a:lumMod val="80000"/>
+  </cs:variation>
+  <cs:variation>
+    <a:lumMod val="60000"/>
+    <a:lumOff val="40000"/>
+  </cs:variation>
+  <cs:variation>
+    <a:lumMod val="50000"/>
+  </cs:variation>
+  <cs:variation>
+    <a:lumMod val="70000"/>
+    <a:lumOff val="30000"/>
+  </cs:variation>
+  <cs:variation>
+    <a:lumMod val="70000"/>
+  </cs:variation>
+  <cs:variation>
+    <a:lumMod val="50000"/>
+    <a:lumOff val="50000"/>
+  </cs:variation>
+</cs:colorStyle>
+</file>
+
+<file path=ppt/charts/colors2.xml><?xml version="1.0" encoding="utf-8"?>
+<cs:colorStyle xmlns:cs="http://schemas.microsoft.com/office/drawing/2012/chartStyle" xmlns:a="http://schemas.openxmlformats.org/drawingml/2006/main" meth="cycle" id="10">
+  <a:schemeClr val="accent1"/>
+  <a:schemeClr val="accent2"/>
+  <a:schemeClr val="accent3"/>
+  <a:schemeClr val="accent4"/>
+  <a:schemeClr val="accent5"/>
+  <a:schemeClr val="accent6"/>
+  <cs:variation/>
+  <cs:variation>
+    <a:lumMod val="60000"/>
+  </cs:variation>
+  <cs:variation>
+    <a:lumMod val="80000"/>
+    <a:lumOff val="20000"/>
+  </cs:variation>
+  <cs:variation>
+    <a:lumMod val="80000"/>
+  </cs:variation>
+  <cs:variation>
+    <a:lumMod val="60000"/>
+    <a:lumOff val="40000"/>
+  </cs:variation>
+  <cs:variation>
+    <a:lumMod val="50000"/>
+  </cs:variation>
+  <cs:variation>
+    <a:lumMod val="70000"/>
+    <a:lumOff val="30000"/>
+  </cs:variation>
+  <cs:variation>
+    <a:lumMod val="70000"/>
+  </cs:variation>
+  <cs:variation>
+    <a:lumMod val="50000"/>
+    <a:lumOff val="50000"/>
+  </cs:variation>
+</cs:colorStyle>
+</file>
+
+<file path=ppt/charts/colors3.xml><?xml version="1.0" encoding="utf-8"?>
+<cs:colorStyle xmlns:cs="http://schemas.microsoft.com/office/drawing/2012/chartStyle" xmlns:a="http://schemas.openxmlformats.org/drawingml/2006/main" meth="cycle" id="10">
+  <a:schemeClr val="accent1"/>
+  <a:schemeClr val="accent2"/>
+  <a:schemeClr val="accent3"/>
+  <a:schemeClr val="accent4"/>
+  <a:schemeClr val="accent5"/>
+  <a:schemeClr val="accent6"/>
+  <cs:variation/>
+  <cs:variation>
+    <a:lumMod val="60000"/>
+  </cs:variation>
+  <cs:variation>
+    <a:lumMod val="80000"/>
+    <a:lumOff val="20000"/>
+  </cs:variation>
+  <cs:variation>
+    <a:lumMod val="80000"/>
+  </cs:variation>
+  <cs:variation>
+    <a:lumMod val="60000"/>
+    <a:lumOff val="40000"/>
+  </cs:variation>
+  <cs:variation>
+    <a:lumMod val="50000"/>
+  </cs:variation>
+  <cs:variation>
+    <a:lumMod val="70000"/>
+    <a:lumOff val="30000"/>
+  </cs:variation>
+  <cs:variation>
+    <a:lumMod val="70000"/>
+  </cs:variation>
+  <cs:variation>
+    <a:lumMod val="50000"/>
+    <a:lumOff val="50000"/>
+  </cs:variation>
+</cs:colorStyle>
+</file>
+
+<file path=ppt/charts/colors4.xml><?xml version="1.0" encoding="utf-8"?>
+<cs:colorStyle xmlns:cs="http://schemas.microsoft.com/office/drawing/2012/chartStyle" xmlns:a="http://schemas.openxmlformats.org/drawingml/2006/main" meth="cycle" id="10">
+  <a:schemeClr val="accent1"/>
+  <a:schemeClr val="accent2"/>
+  <a:schemeClr val="accent3"/>
+  <a:schemeClr val="accent4"/>
+  <a:schemeClr val="accent5"/>
+  <a:schemeClr val="accent6"/>
+  <cs:variation/>
+  <cs:variation>
+    <a:lumMod val="60000"/>
+  </cs:variation>
+  <cs:variation>
+    <a:lumMod val="80000"/>
+    <a:lumOff val="20000"/>
+  </cs:variation>
+  <cs:variation>
+    <a:lumMod val="80000"/>
+  </cs:variation>
+  <cs:variation>
+    <a:lumMod val="60000"/>
+    <a:lumOff val="40000"/>
+  </cs:variation>
+  <cs:variation>
+    <a:lumMod val="50000"/>
+  </cs:variation>
+  <cs:variation>
+    <a:lumMod val="70000"/>
+    <a:lumOff val="30000"/>
+  </cs:variation>
+  <cs:variation>
+    <a:lumMod val="70000"/>
+  </cs:variation>
+  <cs:variation>
+    <a:lumMod val="50000"/>
+    <a:lumOff val="50000"/>
+  </cs:variation>
+</cs:colorStyle>
+</file>
+
+<file path=ppt/charts/colors5.xml><?xml version="1.0" encoding="utf-8"?>
+<cs:colorStyle xmlns:cs="http://schemas.microsoft.com/office/drawing/2012/chartStyle" xmlns:a="http://schemas.openxmlformats.org/drawingml/2006/main" meth="cycle" id="10">
+  <a:schemeClr val="accent1"/>
+  <a:schemeClr val="accent2"/>
+  <a:schemeClr val="accent3"/>
+  <a:schemeClr val="accent4"/>
+  <a:schemeClr val="accent5"/>
+  <a:schemeClr val="accent6"/>
+  <cs:variation/>
+  <cs:variation>
+    <a:lumMod val="60000"/>
+  </cs:variation>
+  <cs:variation>
+    <a:lumMod val="80000"/>
+    <a:lumOff val="20000"/>
+  </cs:variation>
+  <cs:variation>
+    <a:lumMod val="80000"/>
+  </cs:variation>
+  <cs:variation>
+    <a:lumMod val="60000"/>
+    <a:lumOff val="40000"/>
+  </cs:variation>
+  <cs:variation>
+    <a:lumMod val="50000"/>
+  </cs:variation>
+  <cs:variation>
+    <a:lumMod val="70000"/>
+    <a:lumOff val="30000"/>
+  </cs:variation>
+  <cs:variation>
+    <a:lumMod val="70000"/>
+  </cs:variation>
+  <cs:variation>
+    <a:lumMod val="50000"/>
+    <a:lumOff val="50000"/>
+  </cs:variation>
+</cs:colorStyle>
+</file>
+
+<file path=ppt/charts/colors6.xml><?xml version="1.0" encoding="utf-8"?>
+<cs:colorStyle xmlns:cs="http://schemas.microsoft.com/office/drawing/2012/chartStyle" xmlns:a="http://schemas.openxmlformats.org/drawingml/2006/main" meth="cycle" id="10">
+  <a:schemeClr val="accent1"/>
+  <a:schemeClr val="accent2"/>
+  <a:schemeClr val="accent3"/>
+  <a:schemeClr val="accent4"/>
+  <a:schemeClr val="accent5"/>
+  <a:schemeClr val="accent6"/>
+  <cs:variation/>
+  <cs:variation>
+    <a:lumMod val="60000"/>
+  </cs:variation>
+  <cs:variation>
+    <a:lumMod val="80000"/>
+    <a:lumOff val="20000"/>
+  </cs:variation>
+  <cs:variation>
+    <a:lumMod val="80000"/>
+  </cs:variation>
+  <cs:variation>
+    <a:lumMod val="60000"/>
+    <a:lumOff val="40000"/>
+  </cs:variation>
+  <cs:variation>
+    <a:lumMod val="50000"/>
+  </cs:variation>
+  <cs:variation>
+    <a:lumMod val="70000"/>
+    <a:lumOff val="30000"/>
+  </cs:variation>
+  <cs:variation>
+    <a:lumMod val="70000"/>
+  </cs:variation>
+  <cs:variation>
+    <a:lumMod val="50000"/>
+    <a:lumOff val="50000"/>
+  </cs:variation>
+</cs:colorStyle>
+</file>
+
+<file path=ppt/charts/style1.xml><?xml version="1.0" encoding="utf-8"?>
+<cs:chartStyle xmlns:cs="http://schemas.microsoft.com/office/drawing/2012/chartStyle" xmlns:a="http://schemas.openxmlformats.org/drawingml/2006/main" id="227">
+  <cs:axisTitle>
+    <cs:lnRef idx="0"/>
+    <cs:fillRef idx="0"/>
+    <cs:effectRef idx="0"/>
+    <cs:fontRef idx="minor">
+      <a:schemeClr val="tx1">
+        <a:lumMod val="65000"/>
+        <a:lumOff val="35000"/>
+      </a:schemeClr>
+    </cs:fontRef>
+    <cs:defRPr sz="1330" kern="1200"/>
+  </cs:axisTitle>
+  <cs:categoryAxis>
+    <cs:lnRef idx="0"/>
+    <cs:fillRef idx="0"/>
+    <cs:effectRef idx="0"/>
+    <cs:fontRef idx="minor">
+      <a:schemeClr val="tx1">
+        <a:lumMod val="65000"/>
+        <a:lumOff val="35000"/>
+      </a:schemeClr>
+    </cs:fontRef>
+    <cs:spPr>
+      <a:ln w="9525" cap="flat" cmpd="sng" algn="ctr">
+        <a:solidFill>
+          <a:schemeClr val="tx1">
+            <a:lumMod val="15000"/>
+            <a:lumOff val="85000"/>
+          </a:schemeClr>
+        </a:solidFill>
+        <a:round/>
+      </a:ln>
+    </cs:spPr>
+    <cs:defRPr sz="1197" kern="1200"/>
+  </cs:categoryAxis>
+  <cs:chartArea mods="allowNoFillOverride allowNoLineOverride">
+    <cs:lnRef idx="0"/>
+    <cs:fillRef idx="0"/>
+    <cs:effectRef idx="0"/>
+    <cs:fontRef idx="minor">
+      <a:schemeClr val="tx1"/>
+    </cs:fontRef>
+    <cs:spPr>
+      <a:solidFill>
+        <a:schemeClr val="bg1"/>
+      </a:solidFill>
+      <a:ln w="9525" cap="flat" cmpd="sng" algn="ctr">
+        <a:solidFill>
+          <a:schemeClr val="tx1">
+            <a:lumMod val="15000"/>
+            <a:lumOff val="85000"/>
+          </a:schemeClr>
+        </a:solidFill>
+        <a:round/>
+      </a:ln>
+    </cs:spPr>
+    <cs:defRPr sz="1330" kern="1200"/>
+  </cs:chartArea>
+  <cs:dataLabel>
+    <cs:lnRef idx="0"/>
+    <cs:fillRef idx="0"/>
+    <cs:effectRef idx="0"/>
+    <cs:fontRef idx="minor">
+      <a:schemeClr val="tx1">
+        <a:lumMod val="75000"/>
+        <a:lumOff val="25000"/>
+      </a:schemeClr>
+    </cs:fontRef>
+    <cs:defRPr sz="1197" kern="1200"/>
+  </cs:dataLabel>
+  <cs:dataLabelCallout>
+    <cs:lnRef idx="0"/>
+    <cs:fillRef idx="0"/>
+    <cs:effectRef idx="0"/>
+    <cs:fontRef idx="minor">
+      <a:schemeClr val="dk1">
+        <a:lumMod val="65000"/>
+        <a:lumOff val="35000"/>
+      </a:schemeClr>
+    </cs:fontRef>
+    <cs:spPr>
+      <a:solidFill>
+        <a:schemeClr val="lt1"/>
+      </a:solidFill>
+      <a:ln>
+        <a:solidFill>
+          <a:schemeClr val="dk1">
+            <a:lumMod val="25000"/>
+            <a:lumOff val="75000"/>
+          </a:schemeClr>
+        </a:solidFill>
+      </a:ln>
+    </cs:spPr>
+    <cs:defRPr sz="1197" kern="1200"/>
+    <cs:bodyPr rot="0" spcFirstLastPara="1" vertOverflow="clip" horzOverflow="clip" vert="horz" wrap="square" lIns="36576" tIns="18288" rIns="36576" bIns="18288" anchor="ctr" anchorCtr="1">
+      <a:spAutoFit/>
+    </cs:bodyPr>
+  </cs:dataLabelCallout>
+  <cs:dataPoint>
+    <cs:lnRef idx="0"/>
+    <cs:fillRef idx="1">
+      <cs:styleClr val="auto"/>
+    </cs:fillRef>
+    <cs:effectRef idx="0"/>
+    <cs:fontRef idx="minor">
+      <a:schemeClr val="tx1"/>
+    </cs:fontRef>
+    <cs:spPr>
+      <a:solidFill>
+        <a:schemeClr val="phClr"/>
+      </a:solidFill>
+    </cs:spPr>
+  </cs:dataPoint>
+  <cs:dataPoint3D>
+    <cs:lnRef idx="0"/>
+    <cs:fillRef idx="1">
+      <cs:styleClr val="auto"/>
+    </cs:fillRef>
+    <cs:effectRef idx="0"/>
+    <cs:fontRef idx="minor">
+      <a:schemeClr val="tx1"/>
+    </cs:fontRef>
+    <cs:spPr>
+      <a:solidFill>
+        <a:schemeClr val="phClr"/>
+      </a:solidFill>
+    </cs:spPr>
+  </cs:dataPoint3D>
+  <cs:dataPointLine>
+    <cs:lnRef idx="0">
+      <cs:styleClr val="auto"/>
+    </cs:lnRef>
+    <cs:fillRef idx="1"/>
+    <cs:effectRef idx="0"/>
+    <cs:fontRef idx="minor">
+      <a:schemeClr val="tx1"/>
+    </cs:fontRef>
+    <cs:spPr>
+      <a:ln w="28575" cap="rnd">
+        <a:solidFill>
+          <a:schemeClr val="phClr"/>
+        </a:solidFill>
+        <a:round/>
+      </a:ln>
+    </cs:spPr>
+  </cs:dataPointLine>
+  <cs:dataPointMarker>
+    <cs:lnRef idx="0">
+      <cs:styleClr val="auto"/>
+    </cs:lnRef>
+    <cs:fillRef idx="1">
+      <cs:styleClr val="auto"/>
+    </cs:fillRef>
+    <cs:effectRef idx="0"/>
+    <cs:fontRef idx="minor">
+      <a:schemeClr val="tx1"/>
+    </cs:fontRef>
+    <cs:spPr>
+      <a:solidFill>
+        <a:schemeClr val="phClr"/>
+      </a:solidFill>
+      <a:ln w="9525">
+        <a:solidFill>
+          <a:schemeClr val="phClr"/>
+        </a:solidFill>
+      </a:ln>
+    </cs:spPr>
+  </cs:dataPointMarker>
+  <cs:dataPointMarkerLayout symbol="circle" size="5"/>
+  <cs:dataPointWireframe>
+    <cs:lnRef idx="0">
+      <cs:styleClr val="auto"/>
+    </cs:lnRef>
+    <cs:fillRef idx="1"/>
+    <cs:effectRef idx="0"/>
+    <cs:fontRef idx="minor">
+      <a:schemeClr val="tx1"/>
+    </cs:fontRef>
+    <cs:spPr>
+      <a:ln w="9525" cap="rnd">
+        <a:solidFill>
+          <a:schemeClr val="phClr"/>
+        </a:solidFill>
+        <a:round/>
+      </a:ln>
+    </cs:spPr>
+  </cs:dataPointWireframe>
+  <cs:dataTable>
+    <cs:lnRef idx="0"/>
+    <cs:fillRef idx="0"/>
+    <cs:effectRef idx="0"/>
+    <cs:fontRef idx="minor">
+      <a:schemeClr val="tx1">
+        <a:lumMod val="65000"/>
+        <a:lumOff val="35000"/>
+      </a:schemeClr>
+    </cs:fontRef>
+    <cs:spPr>
+      <a:noFill/>
+      <a:ln w="9525" cap="flat" cmpd="sng" algn="ctr">
+        <a:solidFill>
+          <a:schemeClr val="tx1">
+            <a:lumMod val="15000"/>
+            <a:lumOff val="85000"/>
+          </a:schemeClr>
+        </a:solidFill>
+        <a:round/>
+      </a:ln>
+    </cs:spPr>
+    <cs:defRPr sz="1197" kern="1200"/>
+  </cs:dataTable>
+  <cs:downBar>
+    <cs:lnRef idx="0"/>
+    <cs:fillRef idx="0"/>
+    <cs:effectRef idx="0"/>
+    <cs:fontRef idx="minor">
+      <a:schemeClr val="dk1"/>
+    </cs:fontRef>
+    <cs:spPr>
+      <a:solidFill>
+        <a:schemeClr val="dk1">
+          <a:lumMod val="65000"/>
+          <a:lumOff val="35000"/>
+        </a:schemeClr>
+      </a:solidFill>
+      <a:ln w="9525">
+        <a:solidFill>
+          <a:schemeClr val="tx1">
+            <a:lumMod val="65000"/>
+            <a:lumOff val="35000"/>
+          </a:schemeClr>
+        </a:solidFill>
+      </a:ln>
+    </cs:spPr>
+  </cs:downBar>
+  <cs:dropLine>
+    <cs:lnRef idx="0"/>
+    <cs:fillRef idx="0"/>
+    <cs:effectRef idx="0"/>
+    <cs:fontRef idx="minor">
+      <a:schemeClr val="tx1"/>
+    </cs:fontRef>
+    <cs:spPr>
+      <a:ln w="9525" cap="flat" cmpd="sng" algn="ctr">
+        <a:solidFill>
+          <a:schemeClr val="tx1">
+            <a:lumMod val="35000"/>
+            <a:lumOff val="65000"/>
+          </a:schemeClr>
+        </a:solidFill>
+        <a:round/>
+      </a:ln>
+    </cs:spPr>
+  </cs:dropLine>
+  <cs:errorBar>
+    <cs:lnRef idx="0"/>
+    <cs:fillRef idx="0"/>
+    <cs:effectRef idx="0"/>
+    <cs:fontRef idx="minor">
+      <a:schemeClr val="tx1"/>
+    </cs:fontRef>
+    <cs:spPr>
+      <a:ln w="9525" cap="flat" cmpd="sng" algn="ctr">
+        <a:solidFill>
+          <a:schemeClr val="tx1">
+            <a:lumMod val="65000"/>
+            <a:lumOff val="35000"/>
+          </a:schemeClr>
+        </a:solidFill>
+        <a:round/>
+      </a:ln>
+    </cs:spPr>
+  </cs:errorBar>
+  <cs:floor>
+    <cs:lnRef idx="0"/>
+    <cs:fillRef idx="0"/>
+    <cs:effectRef idx="0"/>
+    <cs:fontRef idx="minor">
+      <a:schemeClr val="tx1"/>
+    </cs:fontRef>
+    <cs:spPr>
+      <a:noFill/>
+      <a:ln>
+        <a:noFill/>
+      </a:ln>
+    </cs:spPr>
+  </cs:floor>
+  <cs:gridlineMajor>
+    <cs:lnRef idx="0"/>
+    <cs:fillRef idx="0"/>
+    <cs:effectRef idx="0"/>
+    <cs:fontRef idx="minor">
+      <a:schemeClr val="tx1"/>
+    </cs:fontRef>
+    <cs:spPr>
+      <a:ln w="9525" cap="flat" cmpd="sng" algn="ctr">
+        <a:solidFill>
+          <a:schemeClr val="tx1">
+            <a:lumMod val="15000"/>
+            <a:lumOff val="85000"/>
+          </a:schemeClr>
+        </a:solidFill>
+        <a:round/>
+      </a:ln>
+    </cs:spPr>
+  </cs:gridlineMajor>
+  <cs:gridlineMinor>
+    <cs:lnRef idx="0"/>
+    <cs:fillRef idx="0"/>
+    <cs:effectRef idx="0"/>
+    <cs:fontRef idx="minor">
+      <a:schemeClr val="tx1"/>
+    </cs:fontRef>
+    <cs:spPr>
+      <a:ln w="9525" cap="flat" cmpd="sng" algn="ctr">
+        <a:solidFill>
+          <a:schemeClr val="tx1">
+            <a:lumMod val="5000"/>
+            <a:lumOff val="95000"/>
+          </a:schemeClr>
+        </a:solidFill>
+        <a:round/>
+      </a:ln>
+    </cs:spPr>
+  </cs:gridlineMinor>
+  <cs:hiLoLine>
+    <cs:lnRef idx="0"/>
+    <cs:fillRef idx="0"/>
+    <cs:effectRef idx="0"/>
+    <cs:fontRef idx="minor">
+      <a:schemeClr val="tx1"/>
+    </cs:fontRef>
+    <cs:spPr>
+      <a:ln w="9525" cap="flat" cmpd="sng" algn="ctr">
+        <a:solidFill>
+          <a:schemeClr val="tx1">
+            <a:lumMod val="75000"/>
+            <a:lumOff val="25000"/>
+          </a:schemeClr>
+        </a:solidFill>
+        <a:round/>
+      </a:ln>
+    </cs:spPr>
+  </cs:hiLoLine>
+  <cs:leaderLine>
+    <cs:lnRef idx="0"/>
+    <cs:fillRef idx="0"/>
+    <cs:effectRef idx="0"/>
+    <cs:fontRef idx="minor">
+      <a:schemeClr val="tx1"/>
+    </cs:fontRef>
+    <cs:spPr>
+      <a:ln w="9525" cap="flat" cmpd="sng" algn="ctr">
+        <a:solidFill>
+          <a:schemeClr val="tx1">
+            <a:lumMod val="35000"/>
+            <a:lumOff val="65000"/>
+          </a:schemeClr>
+        </a:solidFill>
+        <a:round/>
+      </a:ln>
+    </cs:spPr>
+  </cs:leaderLine>
+  <cs:legend>
+    <cs:lnRef idx="0"/>
+    <cs:fillRef idx="0"/>
+    <cs:effectRef idx="0"/>
+    <cs:fontRef idx="minor">
+      <a:schemeClr val="tx1">
+        <a:lumMod val="65000"/>
+        <a:lumOff val="35000"/>
+      </a:schemeClr>
+    </cs:fontRef>
+    <cs:defRPr sz="1197" kern="1200"/>
+  </cs:legend>
+  <cs:plotArea mods="allowNoFillOverride allowNoLineOverride">
+    <cs:lnRef idx="0"/>
+    <cs:fillRef idx="0"/>
+    <cs:effectRef idx="0"/>
+    <cs:fontRef idx="minor">
+      <a:schemeClr val="tx1"/>
+    </cs:fontRef>
+  </cs:plotArea>
+  <cs:plotArea3D mods="allowNoFillOverride allowNoLineOverride">
+    <cs:lnRef idx="0"/>
+    <cs:fillRef idx="0"/>
+    <cs:effectRef idx="0"/>
+    <cs:fontRef idx="minor">
+      <a:schemeClr val="tx1"/>
+    </cs:fontRef>
+  </cs:plotArea3D>
+  <cs:seriesAxis>
+    <cs:lnRef idx="0"/>
+    <cs:fillRef idx="0"/>
+    <cs:effectRef idx="0"/>
+    <cs:fontRef idx="minor">
+      <a:schemeClr val="tx1">
+        <a:lumMod val="65000"/>
+        <a:lumOff val="35000"/>
+      </a:schemeClr>
+    </cs:fontRef>
+    <cs:defRPr sz="1197" kern="1200"/>
+  </cs:seriesAxis>
+  <cs:seriesLine>
+    <cs:lnRef idx="0"/>
+    <cs:fillRef idx="0"/>
+    <cs:effectRef idx="0"/>
+    <cs:fontRef idx="minor">
+      <a:schemeClr val="tx1"/>
+    </cs:fontRef>
+    <cs:spPr>
+      <a:ln w="9525" cap="flat" cmpd="sng" algn="ctr">
+        <a:solidFill>
+          <a:schemeClr val="tx1">
+            <a:lumMod val="35000"/>
+            <a:lumOff val="65000"/>
+          </a:schemeClr>
+        </a:solidFill>
+        <a:round/>
+      </a:ln>
+    </cs:spPr>
+  </cs:seriesLine>
+  <cs:title>
+    <cs:lnRef idx="0"/>
+    <cs:fillRef idx="0"/>
+    <cs:effectRef idx="0"/>
+    <cs:fontRef idx="minor">
+      <a:schemeClr val="tx1">
+        <a:lumMod val="65000"/>
+        <a:lumOff val="35000"/>
+      </a:schemeClr>
+    </cs:fontRef>
+    <cs:defRPr sz="1862" b="0" kern="1200" spc="0" baseline="0"/>
+  </cs:title>
+  <cs:trendline>
+    <cs:lnRef idx="0">
+      <cs:styleClr val="auto"/>
+    </cs:lnRef>
+    <cs:fillRef idx="0"/>
+    <cs:effectRef idx="0"/>
+    <cs:fontRef idx="minor">
+      <a:schemeClr val="tx1"/>
+    </cs:fontRef>
+    <cs:spPr>
+      <a:ln w="19050" cap="rnd">
+        <a:solidFill>
+          <a:schemeClr val="phClr"/>
+        </a:solidFill>
+        <a:prstDash val="sysDot"/>
+      </a:ln>
+    </cs:spPr>
+  </cs:trendline>
+  <cs:trendlineLabel>
+    <cs:lnRef idx="0"/>
+    <cs:fillRef idx="0"/>
+    <cs:effectRef idx="0"/>
+    <cs:fontRef idx="minor">
+      <a:schemeClr val="tx1">
+        <a:lumMod val="65000"/>
+        <a:lumOff val="35000"/>
+      </a:schemeClr>
+    </cs:fontRef>
+    <cs:defRPr sz="1197" kern="1200"/>
+  </cs:trendlineLabel>
+  <cs:upBar>
+    <cs:lnRef idx="0"/>
+    <cs:fillRef idx="0"/>
+    <cs:effectRef idx="0"/>
+    <cs:fontRef idx="minor">
+      <a:schemeClr val="dk1"/>
+    </cs:fontRef>
+    <cs:spPr>
+      <a:solidFill>
+        <a:schemeClr val="lt1"/>
+      </a:solidFill>
+      <a:ln w="9525">
+        <a:solidFill>
+          <a:schemeClr val="tx1">
+            <a:lumMod val="15000"/>
+            <a:lumOff val="85000"/>
+          </a:schemeClr>
+        </a:solidFill>
+      </a:ln>
+    </cs:spPr>
+  </cs:upBar>
+  <cs:valueAxis>
+    <cs:lnRef idx="0"/>
+    <cs:fillRef idx="0"/>
+    <cs:effectRef idx="0"/>
+    <cs:fontRef idx="minor">
+      <a:schemeClr val="tx1">
+        <a:lumMod val="65000"/>
+        <a:lumOff val="35000"/>
+      </a:schemeClr>
+    </cs:fontRef>
+    <cs:defRPr sz="1197" kern="1200"/>
+  </cs:valueAxis>
+  <cs:wall>
+    <cs:lnRef idx="0"/>
+    <cs:fillRef idx="0"/>
+    <cs:effectRef idx="0"/>
+    <cs:fontRef idx="minor">
+      <a:schemeClr val="tx1"/>
+    </cs:fontRef>
+    <cs:spPr>
+      <a:noFill/>
+      <a:ln>
+        <a:noFill/>
+      </a:ln>
+    </cs:spPr>
+  </cs:wall>
+</cs:chartStyle>
+</file>
+
+<file path=ppt/charts/style2.xml><?xml version="1.0" encoding="utf-8"?>
+<cs:chartStyle xmlns:cs="http://schemas.microsoft.com/office/drawing/2012/chartStyle" xmlns:a="http://schemas.openxmlformats.org/drawingml/2006/main" id="227">
+  <cs:axisTitle>
+    <cs:lnRef idx="0"/>
+    <cs:fillRef idx="0"/>
+    <cs:effectRef idx="0"/>
+    <cs:fontRef idx="minor">
+      <a:schemeClr val="tx1">
+        <a:lumMod val="65000"/>
+        <a:lumOff val="35000"/>
+      </a:schemeClr>
+    </cs:fontRef>
+    <cs:defRPr sz="1330" kern="1200"/>
+  </cs:axisTitle>
+  <cs:categoryAxis>
+    <cs:lnRef idx="0"/>
+    <cs:fillRef idx="0"/>
+    <cs:effectRef idx="0"/>
+    <cs:fontRef idx="minor">
+      <a:schemeClr val="tx1">
+        <a:lumMod val="65000"/>
+        <a:lumOff val="35000"/>
+      </a:schemeClr>
+    </cs:fontRef>
+    <cs:spPr>
+      <a:ln w="9525" cap="flat" cmpd="sng" algn="ctr">
+        <a:solidFill>
+          <a:schemeClr val="tx1">
+            <a:lumMod val="15000"/>
+            <a:lumOff val="85000"/>
+          </a:schemeClr>
+        </a:solidFill>
+        <a:round/>
+      </a:ln>
+    </cs:spPr>
+    <cs:defRPr sz="1197" kern="1200"/>
+  </cs:categoryAxis>
+  <cs:chartArea mods="allowNoFillOverride allowNoLineOverride">
+    <cs:lnRef idx="0"/>
+    <cs:fillRef idx="0"/>
+    <cs:effectRef idx="0"/>
+    <cs:fontRef idx="minor">
+      <a:schemeClr val="tx1"/>
+    </cs:fontRef>
+    <cs:spPr>
+      <a:solidFill>
+        <a:schemeClr val="bg1"/>
+      </a:solidFill>
+      <a:ln w="9525" cap="flat" cmpd="sng" algn="ctr">
+        <a:solidFill>
+          <a:schemeClr val="tx1">
+            <a:lumMod val="15000"/>
+            <a:lumOff val="85000"/>
+          </a:schemeClr>
+        </a:solidFill>
+        <a:round/>
+      </a:ln>
+    </cs:spPr>
+    <cs:defRPr sz="1330" kern="1200"/>
+  </cs:chartArea>
+  <cs:dataLabel>
+    <cs:lnRef idx="0"/>
+    <cs:fillRef idx="0"/>
+    <cs:effectRef idx="0"/>
+    <cs:fontRef idx="minor">
+      <a:schemeClr val="tx1">
+        <a:lumMod val="75000"/>
+        <a:lumOff val="25000"/>
+      </a:schemeClr>
+    </cs:fontRef>
+    <cs:defRPr sz="1197" kern="1200"/>
+  </cs:dataLabel>
+  <cs:dataLabelCallout>
+    <cs:lnRef idx="0"/>
+    <cs:fillRef idx="0"/>
+    <cs:effectRef idx="0"/>
+    <cs:fontRef idx="minor">
+      <a:schemeClr val="dk1">
+        <a:lumMod val="65000"/>
+        <a:lumOff val="35000"/>
+      </a:schemeClr>
+    </cs:fontRef>
+    <cs:spPr>
+      <a:solidFill>
+        <a:schemeClr val="lt1"/>
+      </a:solidFill>
+      <a:ln>
+        <a:solidFill>
+          <a:schemeClr val="dk1">
+            <a:lumMod val="25000"/>
+            <a:lumOff val="75000"/>
+          </a:schemeClr>
+        </a:solidFill>
+      </a:ln>
+    </cs:spPr>
+    <cs:defRPr sz="1197" kern="1200"/>
+    <cs:bodyPr rot="0" spcFirstLastPara="1" vertOverflow="clip" horzOverflow="clip" vert="horz" wrap="square" lIns="36576" tIns="18288" rIns="36576" bIns="18288" anchor="ctr" anchorCtr="1">
+      <a:spAutoFit/>
+    </cs:bodyPr>
+  </cs:dataLabelCallout>
+  <cs:dataPoint>
+    <cs:lnRef idx="0"/>
+    <cs:fillRef idx="1">
+      <cs:styleClr val="auto"/>
+    </cs:fillRef>
+    <cs:effectRef idx="0"/>
+    <cs:fontRef idx="minor">
+      <a:schemeClr val="tx1"/>
+    </cs:fontRef>
+    <cs:spPr>
+      <a:solidFill>
+        <a:schemeClr val="phClr"/>
+      </a:solidFill>
+    </cs:spPr>
+  </cs:dataPoint>
+  <cs:dataPoint3D>
+    <cs:lnRef idx="0"/>
+    <cs:fillRef idx="1">
+      <cs:styleClr val="auto"/>
+    </cs:fillRef>
+    <cs:effectRef idx="0"/>
+    <cs:fontRef idx="minor">
+      <a:schemeClr val="tx1"/>
+    </cs:fontRef>
+    <cs:spPr>
+      <a:solidFill>
+        <a:schemeClr val="phClr"/>
+      </a:solidFill>
+    </cs:spPr>
+  </cs:dataPoint3D>
+  <cs:dataPointLine>
+    <cs:lnRef idx="0">
+      <cs:styleClr val="auto"/>
+    </cs:lnRef>
+    <cs:fillRef idx="1"/>
+    <cs:effectRef idx="0"/>
+    <cs:fontRef idx="minor">
+      <a:schemeClr val="tx1"/>
+    </cs:fontRef>
+    <cs:spPr>
+      <a:ln w="28575" cap="rnd">
+        <a:solidFill>
+          <a:schemeClr val="phClr"/>
+        </a:solidFill>
+        <a:round/>
+      </a:ln>
+    </cs:spPr>
+  </cs:dataPointLine>
+  <cs:dataPointMarker>
+    <cs:lnRef idx="0">
+      <cs:styleClr val="auto"/>
+    </cs:lnRef>
+    <cs:fillRef idx="1">
+      <cs:styleClr val="auto"/>
+    </cs:fillRef>
+    <cs:effectRef idx="0"/>
+    <cs:fontRef idx="minor">
+      <a:schemeClr val="tx1"/>
+    </cs:fontRef>
+    <cs:spPr>
+      <a:solidFill>
+        <a:schemeClr val="phClr"/>
+      </a:solidFill>
+      <a:ln w="9525">
+        <a:solidFill>
+          <a:schemeClr val="phClr"/>
+        </a:solidFill>
+      </a:ln>
+    </cs:spPr>
+  </cs:dataPointMarker>
+  <cs:dataPointMarkerLayout symbol="circle" size="5"/>
+  <cs:dataPointWireframe>
+    <cs:lnRef idx="0">
+      <cs:styleClr val="auto"/>
+    </cs:lnRef>
+    <cs:fillRef idx="1"/>
+    <cs:effectRef idx="0"/>
+    <cs:fontRef idx="minor">
+      <a:schemeClr val="tx1"/>
+    </cs:fontRef>
+    <cs:spPr>
+      <a:ln w="9525" cap="rnd">
+        <a:solidFill>
+          <a:schemeClr val="phClr"/>
+        </a:solidFill>
+        <a:round/>
+      </a:ln>
+    </cs:spPr>
+  </cs:dataPointWireframe>
+  <cs:dataTable>
+    <cs:lnRef idx="0"/>
+    <cs:fillRef idx="0"/>
+    <cs:effectRef idx="0"/>
+    <cs:fontRef idx="minor">
+      <a:schemeClr val="tx1">
+        <a:lumMod val="65000"/>
+        <a:lumOff val="35000"/>
+      </a:schemeClr>
+    </cs:fontRef>
+    <cs:spPr>
+      <a:noFill/>
+      <a:ln w="9525" cap="flat" cmpd="sng" algn="ctr">
+        <a:solidFill>
+          <a:schemeClr val="tx1">
+            <a:lumMod val="15000"/>
+            <a:lumOff val="85000"/>
+          </a:schemeClr>
+        </a:solidFill>
+        <a:round/>
+      </a:ln>
+    </cs:spPr>
+    <cs:defRPr sz="1197" kern="1200"/>
+  </cs:dataTable>
+  <cs:downBar>
+    <cs:lnRef idx="0"/>
+    <cs:fillRef idx="0"/>
+    <cs:effectRef idx="0"/>
+    <cs:fontRef idx="minor">
+      <a:schemeClr val="dk1"/>
+    </cs:fontRef>
+    <cs:spPr>
+      <a:solidFill>
+        <a:schemeClr val="dk1">
+          <a:lumMod val="65000"/>
+          <a:lumOff val="35000"/>
+        </a:schemeClr>
+      </a:solidFill>
+      <a:ln w="9525">
+        <a:solidFill>
+          <a:schemeClr val="tx1">
+            <a:lumMod val="65000"/>
+            <a:lumOff val="35000"/>
+          </a:schemeClr>
+        </a:solidFill>
+      </a:ln>
+    </cs:spPr>
+  </cs:downBar>
+  <cs:dropLine>
+    <cs:lnRef idx="0"/>
+    <cs:fillRef idx="0"/>
+    <cs:effectRef idx="0"/>
+    <cs:fontRef idx="minor">
+      <a:schemeClr val="tx1"/>
+    </cs:fontRef>
+    <cs:spPr>
+      <a:ln w="9525" cap="flat" cmpd="sng" algn="ctr">
+        <a:solidFill>
+          <a:schemeClr val="tx1">
+            <a:lumMod val="35000"/>
+            <a:lumOff val="65000"/>
+          </a:schemeClr>
+        </a:solidFill>
+        <a:round/>
+      </a:ln>
+    </cs:spPr>
+  </cs:dropLine>
+  <cs:errorBar>
+    <cs:lnRef idx="0"/>
+    <cs:fillRef idx="0"/>
+    <cs:effectRef idx="0"/>
+    <cs:fontRef idx="minor">
+      <a:schemeClr val="tx1"/>
+    </cs:fontRef>
+    <cs:spPr>
+      <a:ln w="9525" cap="flat" cmpd="sng" algn="ctr">
+        <a:solidFill>
+          <a:schemeClr val="tx1">
+            <a:lumMod val="65000"/>
+            <a:lumOff val="35000"/>
+          </a:schemeClr>
+        </a:solidFill>
+        <a:round/>
+      </a:ln>
+    </cs:spPr>
+  </cs:errorBar>
+  <cs:floor>
+    <cs:lnRef idx="0"/>
+    <cs:fillRef idx="0"/>
+    <cs:effectRef idx="0"/>
+    <cs:fontRef idx="minor">
+      <a:schemeClr val="tx1"/>
+    </cs:fontRef>
+    <cs:spPr>
+      <a:noFill/>
+      <a:ln>
+        <a:noFill/>
+      </a:ln>
+    </cs:spPr>
+  </cs:floor>
+  <cs:gridlineMajor>
+    <cs:lnRef idx="0"/>
+    <cs:fillRef idx="0"/>
+    <cs:effectRef idx="0"/>
+    <cs:fontRef idx="minor">
+      <a:schemeClr val="tx1"/>
+    </cs:fontRef>
+    <cs:spPr>
+      <a:ln w="9525" cap="flat" cmpd="sng" algn="ctr">
+        <a:solidFill>
+          <a:schemeClr val="tx1">
+            <a:lumMod val="15000"/>
+            <a:lumOff val="85000"/>
+          </a:schemeClr>
+        </a:solidFill>
+        <a:round/>
+      </a:ln>
+    </cs:spPr>
+  </cs:gridlineMajor>
+  <cs:gridlineMinor>
+    <cs:lnRef idx="0"/>
+    <cs:fillRef idx="0"/>
+    <cs:effectRef idx="0"/>
+    <cs:fontRef idx="minor">
+      <a:schemeClr val="tx1"/>
+    </cs:fontRef>
+    <cs:spPr>
+      <a:ln w="9525" cap="flat" cmpd="sng" algn="ctr">
+        <a:solidFill>
+          <a:schemeClr val="tx1">
+            <a:lumMod val="5000"/>
+            <a:lumOff val="95000"/>
+          </a:schemeClr>
+        </a:solidFill>
+        <a:round/>
+      </a:ln>
+    </cs:spPr>
+  </cs:gridlineMinor>
+  <cs:hiLoLine>
+    <cs:lnRef idx="0"/>
+    <cs:fillRef idx="0"/>
+    <cs:effectRef idx="0"/>
+    <cs:fontRef idx="minor">
+      <a:schemeClr val="tx1"/>
+    </cs:fontRef>
+    <cs:spPr>
+      <a:ln w="9525" cap="flat" cmpd="sng" algn="ctr">
+        <a:solidFill>
+          <a:schemeClr val="tx1">
+            <a:lumMod val="75000"/>
+            <a:lumOff val="25000"/>
+          </a:schemeClr>
+        </a:solidFill>
+        <a:round/>
+      </a:ln>
+    </cs:spPr>
+  </cs:hiLoLine>
+  <cs:leaderLine>
+    <cs:lnRef idx="0"/>
+    <cs:fillRef idx="0"/>
+    <cs:effectRef idx="0"/>
+    <cs:fontRef idx="minor">
+      <a:schemeClr val="tx1"/>
+    </cs:fontRef>
+    <cs:spPr>
+      <a:ln w="9525" cap="flat" cmpd="sng" algn="ctr">
+        <a:solidFill>
+          <a:schemeClr val="tx1">
+            <a:lumMod val="35000"/>
+            <a:lumOff val="65000"/>
+          </a:schemeClr>
+        </a:solidFill>
+        <a:round/>
+      </a:ln>
+    </cs:spPr>
+  </cs:leaderLine>
+  <cs:legend>
+    <cs:lnRef idx="0"/>
+    <cs:fillRef idx="0"/>
+    <cs:effectRef idx="0"/>
+    <cs:fontRef idx="minor">
+      <a:schemeClr val="tx1">
+        <a:lumMod val="65000"/>
+        <a:lumOff val="35000"/>
+      </a:schemeClr>
+    </cs:fontRef>
+    <cs:defRPr sz="1197" kern="1200"/>
+  </cs:legend>
+  <cs:plotArea mods="allowNoFillOverride allowNoLineOverride">
+    <cs:lnRef idx="0"/>
+    <cs:fillRef idx="0"/>
+    <cs:effectRef idx="0"/>
+    <cs:fontRef idx="minor">
+      <a:schemeClr val="tx1"/>
+    </cs:fontRef>
+  </cs:plotArea>
+  <cs:plotArea3D mods="allowNoFillOverride allowNoLineOverride">
+    <cs:lnRef idx="0"/>
+    <cs:fillRef idx="0"/>
+    <cs:effectRef idx="0"/>
+    <cs:fontRef idx="minor">
+      <a:schemeClr val="tx1"/>
+    </cs:fontRef>
+  </cs:plotArea3D>
+  <cs:seriesAxis>
+    <cs:lnRef idx="0"/>
+    <cs:fillRef idx="0"/>
+    <cs:effectRef idx="0"/>
+    <cs:fontRef idx="minor">
+      <a:schemeClr val="tx1">
+        <a:lumMod val="65000"/>
+        <a:lumOff val="35000"/>
+      </a:schemeClr>
+    </cs:fontRef>
+    <cs:defRPr sz="1197" kern="1200"/>
+  </cs:seriesAxis>
+  <cs:seriesLine>
+    <cs:lnRef idx="0"/>
+    <cs:fillRef idx="0"/>
+    <cs:effectRef idx="0"/>
+    <cs:fontRef idx="minor">
+      <a:schemeClr val="tx1"/>
+    </cs:fontRef>
+    <cs:spPr>
+      <a:ln w="9525" cap="flat" cmpd="sng" algn="ctr">
+        <a:solidFill>
+          <a:schemeClr val="tx1">
+            <a:lumMod val="35000"/>
+            <a:lumOff val="65000"/>
+          </a:schemeClr>
+        </a:solidFill>
+        <a:round/>
+      </a:ln>
+    </cs:spPr>
+  </cs:seriesLine>
+  <cs:title>
+    <cs:lnRef idx="0"/>
+    <cs:fillRef idx="0"/>
+    <cs:effectRef idx="0"/>
+    <cs:fontRef idx="minor">
+      <a:schemeClr val="tx1">
+        <a:lumMod val="65000"/>
+        <a:lumOff val="35000"/>
+      </a:schemeClr>
+    </cs:fontRef>
+    <cs:defRPr sz="1862" b="0" kern="1200" spc="0" baseline="0"/>
+  </cs:title>
+  <cs:trendline>
+    <cs:lnRef idx="0">
+      <cs:styleClr val="auto"/>
+    </cs:lnRef>
+    <cs:fillRef idx="0"/>
+    <cs:effectRef idx="0"/>
+    <cs:fontRef idx="minor">
+      <a:schemeClr val="tx1"/>
+    </cs:fontRef>
+    <cs:spPr>
+      <a:ln w="19050" cap="rnd">
+        <a:solidFill>
+          <a:schemeClr val="phClr"/>
+        </a:solidFill>
+        <a:prstDash val="sysDot"/>
+      </a:ln>
+    </cs:spPr>
+  </cs:trendline>
+  <cs:trendlineLabel>
+    <cs:lnRef idx="0"/>
+    <cs:fillRef idx="0"/>
+    <cs:effectRef idx="0"/>
+    <cs:fontRef idx="minor">
+      <a:schemeClr val="tx1">
+        <a:lumMod val="65000"/>
+        <a:lumOff val="35000"/>
+      </a:schemeClr>
+    </cs:fontRef>
+    <cs:defRPr sz="1197" kern="1200"/>
+  </cs:trendlineLabel>
+  <cs:upBar>
+    <cs:lnRef idx="0"/>
+    <cs:fillRef idx="0"/>
+    <cs:effectRef idx="0"/>
+    <cs:fontRef idx="minor">
+      <a:schemeClr val="dk1"/>
+    </cs:fontRef>
+    <cs:spPr>
+      <a:solidFill>
+        <a:schemeClr val="lt1"/>
+      </a:solidFill>
+      <a:ln w="9525">
+        <a:solidFill>
+          <a:schemeClr val="tx1">
+            <a:lumMod val="15000"/>
+            <a:lumOff val="85000"/>
+          </a:schemeClr>
+        </a:solidFill>
+      </a:ln>
+    </cs:spPr>
+  </cs:upBar>
+  <cs:valueAxis>
+    <cs:lnRef idx="0"/>
+    <cs:fillRef idx="0"/>
+    <cs:effectRef idx="0"/>
+    <cs:fontRef idx="minor">
+      <a:schemeClr val="tx1">
+        <a:lumMod val="65000"/>
+        <a:lumOff val="35000"/>
+      </a:schemeClr>
+    </cs:fontRef>
+    <cs:defRPr sz="1197" kern="1200"/>
+  </cs:valueAxis>
+  <cs:wall>
+    <cs:lnRef idx="0"/>
+    <cs:fillRef idx="0"/>
+    <cs:effectRef idx="0"/>
+    <cs:fontRef idx="minor">
+      <a:schemeClr val="tx1"/>
+    </cs:fontRef>
+    <cs:spPr>
+      <a:noFill/>
+      <a:ln>
+        <a:noFill/>
+      </a:ln>
+    </cs:spPr>
+  </cs:wall>
+</cs:chartStyle>
+</file>
+
+<file path=ppt/charts/style3.xml><?xml version="1.0" encoding="utf-8"?>
+<cs:chartStyle xmlns:cs="http://schemas.microsoft.com/office/drawing/2012/chartStyle" xmlns:a="http://schemas.openxmlformats.org/drawingml/2006/main" id="227">
+  <cs:axisTitle>
+    <cs:lnRef idx="0"/>
+    <cs:fillRef idx="0"/>
+    <cs:effectRef idx="0"/>
+    <cs:fontRef idx="minor">
+      <a:schemeClr val="tx1">
+        <a:lumMod val="65000"/>
+        <a:lumOff val="35000"/>
+      </a:schemeClr>
+    </cs:fontRef>
+    <cs:defRPr sz="1330" kern="1200"/>
+  </cs:axisTitle>
+  <cs:categoryAxis>
+    <cs:lnRef idx="0"/>
+    <cs:fillRef idx="0"/>
+    <cs:effectRef idx="0"/>
+    <cs:fontRef idx="minor">
+      <a:schemeClr val="tx1">
+        <a:lumMod val="65000"/>
+        <a:lumOff val="35000"/>
+      </a:schemeClr>
+    </cs:fontRef>
+    <cs:spPr>
+      <a:ln w="9525" cap="flat" cmpd="sng" algn="ctr">
+        <a:solidFill>
+          <a:schemeClr val="tx1">
+            <a:lumMod val="15000"/>
+            <a:lumOff val="85000"/>
+          </a:schemeClr>
+        </a:solidFill>
+        <a:round/>
+      </a:ln>
+    </cs:spPr>
+    <cs:defRPr sz="1197" kern="1200"/>
+  </cs:categoryAxis>
+  <cs:chartArea mods="allowNoFillOverride allowNoLineOverride">
+    <cs:lnRef idx="0"/>
+    <cs:fillRef idx="0"/>
+    <cs:effectRef idx="0"/>
+    <cs:fontRef idx="minor">
+      <a:schemeClr val="tx1"/>
+    </cs:fontRef>
+    <cs:spPr>
+      <a:solidFill>
+        <a:schemeClr val="bg1"/>
+      </a:solidFill>
+      <a:ln w="9525" cap="flat" cmpd="sng" algn="ctr">
+        <a:solidFill>
+          <a:schemeClr val="tx1">
+            <a:lumMod val="15000"/>
+            <a:lumOff val="85000"/>
+          </a:schemeClr>
+        </a:solidFill>
+        <a:round/>
+      </a:ln>
+    </cs:spPr>
+    <cs:defRPr sz="1330" kern="1200"/>
+  </cs:chartArea>
+  <cs:dataLabel>
+    <cs:lnRef idx="0"/>
+    <cs:fillRef idx="0"/>
+    <cs:effectRef idx="0"/>
+    <cs:fontRef idx="minor">
+      <a:schemeClr val="tx1">
+        <a:lumMod val="75000"/>
+        <a:lumOff val="25000"/>
+      </a:schemeClr>
+    </cs:fontRef>
+    <cs:defRPr sz="1197" kern="1200"/>
+  </cs:dataLabel>
+  <cs:dataLabelCallout>
+    <cs:lnRef idx="0"/>
+    <cs:fillRef idx="0"/>
+    <cs:effectRef idx="0"/>
+    <cs:fontRef idx="minor">
+      <a:schemeClr val="dk1">
+        <a:lumMod val="65000"/>
+        <a:lumOff val="35000"/>
+      </a:schemeClr>
+    </cs:fontRef>
+    <cs:spPr>
+      <a:solidFill>
+        <a:schemeClr val="lt1"/>
+      </a:solidFill>
+      <a:ln>
+        <a:solidFill>
+          <a:schemeClr val="dk1">
+            <a:lumMod val="25000"/>
+            <a:lumOff val="75000"/>
+          </a:schemeClr>
+        </a:solidFill>
+      </a:ln>
+    </cs:spPr>
+    <cs:defRPr sz="1197" kern="1200"/>
+    <cs:bodyPr rot="0" spcFirstLastPara="1" vertOverflow="clip" horzOverflow="clip" vert="horz" wrap="square" lIns="36576" tIns="18288" rIns="36576" bIns="18288" anchor="ctr" anchorCtr="1">
+      <a:spAutoFit/>
+    </cs:bodyPr>
+  </cs:dataLabelCallout>
+  <cs:dataPoint>
+    <cs:lnRef idx="0"/>
+    <cs:fillRef idx="1">
+      <cs:styleClr val="auto"/>
+    </cs:fillRef>
+    <cs:effectRef idx="0"/>
+    <cs:fontRef idx="minor">
+      <a:schemeClr val="tx1"/>
+    </cs:fontRef>
+    <cs:spPr>
+      <a:solidFill>
+        <a:schemeClr val="phClr"/>
+      </a:solidFill>
+    </cs:spPr>
+  </cs:dataPoint>
+  <cs:dataPoint3D>
+    <cs:lnRef idx="0"/>
+    <cs:fillRef idx="1">
+      <cs:styleClr val="auto"/>
+    </cs:fillRef>
+    <cs:effectRef idx="0"/>
+    <cs:fontRef idx="minor">
+      <a:schemeClr val="tx1"/>
+    </cs:fontRef>
+    <cs:spPr>
+      <a:solidFill>
+        <a:schemeClr val="phClr"/>
+      </a:solidFill>
+    </cs:spPr>
+  </cs:dataPoint3D>
+  <cs:dataPointLine>
+    <cs:lnRef idx="0">
+      <cs:styleClr val="auto"/>
+    </cs:lnRef>
+    <cs:fillRef idx="1"/>
+    <cs:effectRef idx="0"/>
+    <cs:fontRef idx="minor">
+      <a:schemeClr val="tx1"/>
+    </cs:fontRef>
+    <cs:spPr>
+      <a:ln w="28575" cap="rnd">
+        <a:solidFill>
+          <a:schemeClr val="phClr"/>
+        </a:solidFill>
+        <a:round/>
+      </a:ln>
+    </cs:spPr>
+  </cs:dataPointLine>
+  <cs:dataPointMarker>
+    <cs:lnRef idx="0">
+      <cs:styleClr val="auto"/>
+    </cs:lnRef>
+    <cs:fillRef idx="1">
+      <cs:styleClr val="auto"/>
+    </cs:fillRef>
+    <cs:effectRef idx="0"/>
+    <cs:fontRef idx="minor">
+      <a:schemeClr val="tx1"/>
+    </cs:fontRef>
+    <cs:spPr>
+      <a:solidFill>
+        <a:schemeClr val="phClr"/>
+      </a:solidFill>
+      <a:ln w="9525">
+        <a:solidFill>
+          <a:schemeClr val="phClr"/>
+        </a:solidFill>
+      </a:ln>
+    </cs:spPr>
+  </cs:dataPointMarker>
+  <cs:dataPointMarkerLayout symbol="circle" size="5"/>
+  <cs:dataPointWireframe>
+    <cs:lnRef idx="0">
+      <cs:styleClr val="auto"/>
+    </cs:lnRef>
+    <cs:fillRef idx="1"/>
+    <cs:effectRef idx="0"/>
+    <cs:fontRef idx="minor">
+      <a:schemeClr val="tx1"/>
+    </cs:fontRef>
+    <cs:spPr>
+      <a:ln w="9525" cap="rnd">
+        <a:solidFill>
+          <a:schemeClr val="phClr"/>
+        </a:solidFill>
+        <a:round/>
+      </a:ln>
+    </cs:spPr>
+  </cs:dataPointWireframe>
+  <cs:dataTable>
+    <cs:lnRef idx="0"/>
+    <cs:fillRef idx="0"/>
+    <cs:effectRef idx="0"/>
+    <cs:fontRef idx="minor">
+      <a:schemeClr val="tx1">
+        <a:lumMod val="65000"/>
+        <a:lumOff val="35000"/>
+      </a:schemeClr>
+    </cs:fontRef>
+    <cs:spPr>
+      <a:noFill/>
+      <a:ln w="9525" cap="flat" cmpd="sng" algn="ctr">
+        <a:solidFill>
+          <a:schemeClr val="tx1">
+            <a:lumMod val="15000"/>
+            <a:lumOff val="85000"/>
+          </a:schemeClr>
+        </a:solidFill>
+        <a:round/>
+      </a:ln>
+    </cs:spPr>
+    <cs:defRPr sz="1197" kern="1200"/>
+  </cs:dataTable>
+  <cs:downBar>
+    <cs:lnRef idx="0"/>
+    <cs:fillRef idx="0"/>
+    <cs:effectRef idx="0"/>
+    <cs:fontRef idx="minor">
+      <a:schemeClr val="dk1"/>
+    </cs:fontRef>
+    <cs:spPr>
+      <a:solidFill>
+        <a:schemeClr val="dk1">
+          <a:lumMod val="65000"/>
+          <a:lumOff val="35000"/>
+        </a:schemeClr>
+      </a:solidFill>
+      <a:ln w="9525">
+        <a:solidFill>
+          <a:schemeClr val="tx1">
+            <a:lumMod val="65000"/>
+            <a:lumOff val="35000"/>
+          </a:schemeClr>
+        </a:solidFill>
+      </a:ln>
+    </cs:spPr>
+  </cs:downBar>
+  <cs:dropLine>
+    <cs:lnRef idx="0"/>
+    <cs:fillRef idx="0"/>
+    <cs:effectRef idx="0"/>
+    <cs:fontRef idx="minor">
+      <a:schemeClr val="tx1"/>
+    </cs:fontRef>
+    <cs:spPr>
+      <a:ln w="9525" cap="flat" cmpd="sng" algn="ctr">
+        <a:solidFill>
+          <a:schemeClr val="tx1">
+            <a:lumMod val="35000"/>
+            <a:lumOff val="65000"/>
+          </a:schemeClr>
+        </a:solidFill>
+        <a:round/>
+      </a:ln>
+    </cs:spPr>
+  </cs:dropLine>
+  <cs:errorBar>
+    <cs:lnRef idx="0"/>
+    <cs:fillRef idx="0"/>
+    <cs:effectRef idx="0"/>
+    <cs:fontRef idx="minor">
+      <a:schemeClr val="tx1"/>
+    </cs:fontRef>
+    <cs:spPr>
+      <a:ln w="9525" cap="flat" cmpd="sng" algn="ctr">
+        <a:solidFill>
+          <a:schemeClr val="tx1">
+            <a:lumMod val="65000"/>
+            <a:lumOff val="35000"/>
+          </a:schemeClr>
+        </a:solidFill>
+        <a:round/>
+      </a:ln>
+    </cs:spPr>
+  </cs:errorBar>
+  <cs:floor>
+    <cs:lnRef idx="0"/>
+    <cs:fillRef idx="0"/>
+    <cs:effectRef idx="0"/>
+    <cs:fontRef idx="minor">
+      <a:schemeClr val="tx1"/>
+    </cs:fontRef>
+    <cs:spPr>
+      <a:noFill/>
+      <a:ln>
+        <a:noFill/>
+      </a:ln>
+    </cs:spPr>
+  </cs:floor>
+  <cs:gridlineMajor>
+    <cs:lnRef idx="0"/>
+    <cs:fillRef idx="0"/>
+    <cs:effectRef idx="0"/>
+    <cs:fontRef idx="minor">
+      <a:schemeClr val="tx1"/>
+    </cs:fontRef>
+    <cs:spPr>
+      <a:ln w="9525" cap="flat" cmpd="sng" algn="ctr">
+        <a:solidFill>
+          <a:schemeClr val="tx1">
+            <a:lumMod val="15000"/>
+            <a:lumOff val="85000"/>
+          </a:schemeClr>
+        </a:solidFill>
+        <a:round/>
+      </a:ln>
+    </cs:spPr>
+  </cs:gridlineMajor>
+  <cs:gridlineMinor>
+    <cs:lnRef idx="0"/>
+    <cs:fillRef idx="0"/>
+    <cs:effectRef idx="0"/>
+    <cs:fontRef idx="minor">
+      <a:schemeClr val="tx1"/>
+    </cs:fontRef>
+    <cs:spPr>
+      <a:ln w="9525" cap="flat" cmpd="sng" algn="ctr">
+        <a:solidFill>
+          <a:schemeClr val="tx1">
+            <a:lumMod val="5000"/>
+            <a:lumOff val="95000"/>
+          </a:schemeClr>
+        </a:solidFill>
+        <a:round/>
+      </a:ln>
+    </cs:spPr>
+  </cs:gridlineMinor>
+  <cs:hiLoLine>
+    <cs:lnRef idx="0"/>
+    <cs:fillRef idx="0"/>
+    <cs:effectRef idx="0"/>
+    <cs:fontRef idx="minor">
+      <a:schemeClr val="tx1"/>
+    </cs:fontRef>
+    <cs:spPr>
+      <a:ln w="9525" cap="flat" cmpd="sng" algn="ctr">
+        <a:solidFill>
+          <a:schemeClr val="tx1">
+            <a:lumMod val="75000"/>
+            <a:lumOff val="25000"/>
+          </a:schemeClr>
+        </a:solidFill>
+        <a:round/>
+      </a:ln>
+    </cs:spPr>
+  </cs:hiLoLine>
+  <cs:leaderLine>
+    <cs:lnRef idx="0"/>
+    <cs:fillRef idx="0"/>
+    <cs:effectRef idx="0"/>
+    <cs:fontRef idx="minor">
+      <a:schemeClr val="tx1"/>
+    </cs:fontRef>
+    <cs:spPr>
+      <a:ln w="9525" cap="flat" cmpd="sng" algn="ctr">
+        <a:solidFill>
+          <a:schemeClr val="tx1">
+            <a:lumMod val="35000"/>
+            <a:lumOff val="65000"/>
+          </a:schemeClr>
+        </a:solidFill>
+        <a:round/>
+      </a:ln>
+    </cs:spPr>
+  </cs:leaderLine>
+  <cs:legend>
+    <cs:lnRef idx="0"/>
+    <cs:fillRef idx="0"/>
+    <cs:effectRef idx="0"/>
+    <cs:fontRef idx="minor">
+      <a:schemeClr val="tx1">
+        <a:lumMod val="65000"/>
+        <a:lumOff val="35000"/>
+      </a:schemeClr>
+    </cs:fontRef>
+    <cs:defRPr sz="1197" kern="1200"/>
+  </cs:legend>
+  <cs:plotArea mods="allowNoFillOverride allowNoLineOverride">
+    <cs:lnRef idx="0"/>
+    <cs:fillRef idx="0"/>
+    <cs:effectRef idx="0"/>
+    <cs:fontRef idx="minor">
+      <a:schemeClr val="tx1"/>
+    </cs:fontRef>
+  </cs:plotArea>
+  <cs:plotArea3D mods="allowNoFillOverride allowNoLineOverride">
+    <cs:lnRef idx="0"/>
+    <cs:fillRef idx="0"/>
+    <cs:effectRef idx="0"/>
+    <cs:fontRef idx="minor">
+      <a:schemeClr val="tx1"/>
+    </cs:fontRef>
+  </cs:plotArea3D>
+  <cs:seriesAxis>
+    <cs:lnRef idx="0"/>
+    <cs:fillRef idx="0"/>
+    <cs:effectRef idx="0"/>
+    <cs:fontRef idx="minor">
+      <a:schemeClr val="tx1">
+        <a:lumMod val="65000"/>
+        <a:lumOff val="35000"/>
+      </a:schemeClr>
+    </cs:fontRef>
+    <cs:defRPr sz="1197" kern="1200"/>
+  </cs:seriesAxis>
+  <cs:seriesLine>
+    <cs:lnRef idx="0"/>
+    <cs:fillRef idx="0"/>
+    <cs:effectRef idx="0"/>
+    <cs:fontRef idx="minor">
+      <a:schemeClr val="tx1"/>
+    </cs:fontRef>
+    <cs:spPr>
+      <a:ln w="9525" cap="flat" cmpd="sng" algn="ctr">
+        <a:solidFill>
+          <a:schemeClr val="tx1">
+            <a:lumMod val="35000"/>
+            <a:lumOff val="65000"/>
+          </a:schemeClr>
+        </a:solidFill>
+        <a:round/>
+      </a:ln>
+    </cs:spPr>
+  </cs:seriesLine>
+  <cs:title>
+    <cs:lnRef idx="0"/>
+    <cs:fillRef idx="0"/>
+    <cs:effectRef idx="0"/>
+    <cs:fontRef idx="minor">
+      <a:schemeClr val="tx1">
+        <a:lumMod val="65000"/>
+        <a:lumOff val="35000"/>
+      </a:schemeClr>
+    </cs:fontRef>
+    <cs:defRPr sz="1862" b="0" kern="1200" spc="0" baseline="0"/>
+  </cs:title>
+  <cs:trendline>
+    <cs:lnRef idx="0">
+      <cs:styleClr val="auto"/>
+    </cs:lnRef>
+    <cs:fillRef idx="0"/>
+    <cs:effectRef idx="0"/>
+    <cs:fontRef idx="minor">
+      <a:schemeClr val="tx1"/>
+    </cs:fontRef>
+    <cs:spPr>
+      <a:ln w="19050" cap="rnd">
+        <a:solidFill>
+          <a:schemeClr val="phClr"/>
+        </a:solidFill>
+        <a:prstDash val="sysDot"/>
+      </a:ln>
+    </cs:spPr>
+  </cs:trendline>
+  <cs:trendlineLabel>
+    <cs:lnRef idx="0"/>
+    <cs:fillRef idx="0"/>
+    <cs:effectRef idx="0"/>
+    <cs:fontRef idx="minor">
+      <a:schemeClr val="tx1">
+        <a:lumMod val="65000"/>
+        <a:lumOff val="35000"/>
+      </a:schemeClr>
+    </cs:fontRef>
+    <cs:defRPr sz="1197" kern="1200"/>
+  </cs:trendlineLabel>
+  <cs:upBar>
+    <cs:lnRef idx="0"/>
+    <cs:fillRef idx="0"/>
+    <cs:effectRef idx="0"/>
+    <cs:fontRef idx="minor">
+      <a:schemeClr val="dk1"/>
+    </cs:fontRef>
+    <cs:spPr>
+      <a:solidFill>
+        <a:schemeClr val="lt1"/>
+      </a:solidFill>
+      <a:ln w="9525">
+        <a:solidFill>
+          <a:schemeClr val="tx1">
+            <a:lumMod val="15000"/>
+            <a:lumOff val="85000"/>
+          </a:schemeClr>
+        </a:solidFill>
+      </a:ln>
+    </cs:spPr>
+  </cs:upBar>
+  <cs:valueAxis>
+    <cs:lnRef idx="0"/>
+    <cs:fillRef idx="0"/>
+    <cs:effectRef idx="0"/>
+    <cs:fontRef idx="minor">
+      <a:schemeClr val="tx1">
+        <a:lumMod val="65000"/>
+        <a:lumOff val="35000"/>
+      </a:schemeClr>
+    </cs:fontRef>
+    <cs:defRPr sz="1197" kern="1200"/>
+  </cs:valueAxis>
+  <cs:wall>
+    <cs:lnRef idx="0"/>
+    <cs:fillRef idx="0"/>
+    <cs:effectRef idx="0"/>
+    <cs:fontRef idx="minor">
+      <a:schemeClr val="tx1"/>
+    </cs:fontRef>
+    <cs:spPr>
+      <a:noFill/>
+      <a:ln>
+        <a:noFill/>
+      </a:ln>
+    </cs:spPr>
+  </cs:wall>
+</cs:chartStyle>
+</file>
+
+<file path=ppt/charts/style4.xml><?xml version="1.0" encoding="utf-8"?>
+<cs:chartStyle xmlns:cs="http://schemas.microsoft.com/office/drawing/2012/chartStyle" xmlns:a="http://schemas.openxmlformats.org/drawingml/2006/main" id="227">
+  <cs:axisTitle>
+    <cs:lnRef idx="0"/>
+    <cs:fillRef idx="0"/>
+    <cs:effectRef idx="0"/>
+    <cs:fontRef idx="minor">
+      <a:schemeClr val="tx1">
+        <a:lumMod val="65000"/>
+        <a:lumOff val="35000"/>
+      </a:schemeClr>
+    </cs:fontRef>
+    <cs:defRPr sz="1330" kern="1200"/>
+  </cs:axisTitle>
+  <cs:categoryAxis>
+    <cs:lnRef idx="0"/>
+    <cs:fillRef idx="0"/>
+    <cs:effectRef idx="0"/>
+    <cs:fontRef idx="minor">
+      <a:schemeClr val="tx1">
+        <a:lumMod val="65000"/>
+        <a:lumOff val="35000"/>
+      </a:schemeClr>
+    </cs:fontRef>
+    <cs:spPr>
+      <a:ln w="9525" cap="flat" cmpd="sng" algn="ctr">
+        <a:solidFill>
+          <a:schemeClr val="tx1">
+            <a:lumMod val="15000"/>
+            <a:lumOff val="85000"/>
+          </a:schemeClr>
+        </a:solidFill>
+        <a:round/>
+      </a:ln>
+    </cs:spPr>
+    <cs:defRPr sz="1197" kern="1200"/>
+  </cs:categoryAxis>
+  <cs:chartArea mods="allowNoFillOverride allowNoLineOverride">
+    <cs:lnRef idx="0"/>
+    <cs:fillRef idx="0"/>
+    <cs:effectRef idx="0"/>
+    <cs:fontRef idx="minor">
+      <a:schemeClr val="tx1"/>
+    </cs:fontRef>
+    <cs:spPr>
+      <a:solidFill>
+        <a:schemeClr val="bg1"/>
+      </a:solidFill>
+      <a:ln w="9525" cap="flat" cmpd="sng" algn="ctr">
+        <a:solidFill>
+          <a:schemeClr val="tx1">
+            <a:lumMod val="15000"/>
+            <a:lumOff val="85000"/>
+          </a:schemeClr>
+        </a:solidFill>
+        <a:round/>
+      </a:ln>
+    </cs:spPr>
+    <cs:defRPr sz="1330" kern="1200"/>
+  </cs:chartArea>
+  <cs:dataLabel>
+    <cs:lnRef idx="0"/>
+    <cs:fillRef idx="0"/>
+    <cs:effectRef idx="0"/>
+    <cs:fontRef idx="minor">
+      <a:schemeClr val="tx1">
+        <a:lumMod val="75000"/>
+        <a:lumOff val="25000"/>
+      </a:schemeClr>
+    </cs:fontRef>
+    <cs:defRPr sz="1197" kern="1200"/>
+  </cs:dataLabel>
+  <cs:dataLabelCallout>
+    <cs:lnRef idx="0"/>
+    <cs:fillRef idx="0"/>
+    <cs:effectRef idx="0"/>
+    <cs:fontRef idx="minor">
+      <a:schemeClr val="dk1">
+        <a:lumMod val="65000"/>
+        <a:lumOff val="35000"/>
+      </a:schemeClr>
+    </cs:fontRef>
+    <cs:spPr>
+      <a:solidFill>
+        <a:schemeClr val="lt1"/>
+      </a:solidFill>
+      <a:ln>
+        <a:solidFill>
+          <a:schemeClr val="dk1">
+            <a:lumMod val="25000"/>
+            <a:lumOff val="75000"/>
+          </a:schemeClr>
+        </a:solidFill>
+      </a:ln>
+    </cs:spPr>
+    <cs:defRPr sz="1197" kern="1200"/>
+    <cs:bodyPr rot="0" spcFirstLastPara="1" vertOverflow="clip" horzOverflow="clip" vert="horz" wrap="square" lIns="36576" tIns="18288" rIns="36576" bIns="18288" anchor="ctr" anchorCtr="1">
+      <a:spAutoFit/>
+    </cs:bodyPr>
+  </cs:dataLabelCallout>
+  <cs:dataPoint>
+    <cs:lnRef idx="0"/>
+    <cs:fillRef idx="1">
+      <cs:styleClr val="auto"/>
+    </cs:fillRef>
+    <cs:effectRef idx="0"/>
+    <cs:fontRef idx="minor">
+      <a:schemeClr val="tx1"/>
+    </cs:fontRef>
+    <cs:spPr>
+      <a:solidFill>
+        <a:schemeClr val="phClr"/>
+      </a:solidFill>
+    </cs:spPr>
+  </cs:dataPoint>
+  <cs:dataPoint3D>
+    <cs:lnRef idx="0"/>
+    <cs:fillRef idx="1">
+      <cs:styleClr val="auto"/>
+    </cs:fillRef>
+    <cs:effectRef idx="0"/>
+    <cs:fontRef idx="minor">
+      <a:schemeClr val="tx1"/>
+    </cs:fontRef>
+    <cs:spPr>
+      <a:solidFill>
+        <a:schemeClr val="phClr"/>
+      </a:solidFill>
+    </cs:spPr>
+  </cs:dataPoint3D>
+  <cs:dataPointLine>
+    <cs:lnRef idx="0">
+      <cs:styleClr val="auto"/>
+    </cs:lnRef>
+    <cs:fillRef idx="1"/>
+    <cs:effectRef idx="0"/>
+    <cs:fontRef idx="minor">
+      <a:schemeClr val="tx1"/>
+    </cs:fontRef>
+    <cs:spPr>
+      <a:ln w="28575" cap="rnd">
+        <a:solidFill>
+          <a:schemeClr val="phClr"/>
+        </a:solidFill>
+        <a:round/>
+      </a:ln>
+    </cs:spPr>
+  </cs:dataPointLine>
+  <cs:dataPointMarker>
+    <cs:lnRef idx="0">
+      <cs:styleClr val="auto"/>
+    </cs:lnRef>
+    <cs:fillRef idx="1">
+      <cs:styleClr val="auto"/>
+    </cs:fillRef>
+    <cs:effectRef idx="0"/>
+    <cs:fontRef idx="minor">
+      <a:schemeClr val="tx1"/>
+    </cs:fontRef>
+    <cs:spPr>
+      <a:solidFill>
+        <a:schemeClr val="phClr"/>
+      </a:solidFill>
+      <a:ln w="9525">
+        <a:solidFill>
+          <a:schemeClr val="phClr"/>
+        </a:solidFill>
+      </a:ln>
+    </cs:spPr>
+  </cs:dataPointMarker>
+  <cs:dataPointMarkerLayout symbol="circle" size="5"/>
+  <cs:dataPointWireframe>
+    <cs:lnRef idx="0">
+      <cs:styleClr val="auto"/>
+    </cs:lnRef>
+    <cs:fillRef idx="1"/>
+    <cs:effectRef idx="0"/>
+    <cs:fontRef idx="minor">
+      <a:schemeClr val="tx1"/>
+    </cs:fontRef>
+    <cs:spPr>
+      <a:ln w="9525" cap="rnd">
+        <a:solidFill>
+          <a:schemeClr val="phClr"/>
+        </a:solidFill>
+        <a:round/>
+      </a:ln>
+    </cs:spPr>
+  </cs:dataPointWireframe>
+  <cs:dataTable>
+    <cs:lnRef idx="0"/>
+    <cs:fillRef idx="0"/>
+    <cs:effectRef idx="0"/>
+    <cs:fontRef idx="minor">
+      <a:schemeClr val="tx1">
+        <a:lumMod val="65000"/>
+        <a:lumOff val="35000"/>
+      </a:schemeClr>
+    </cs:fontRef>
+    <cs:spPr>
+      <a:noFill/>
+      <a:ln w="9525" cap="flat" cmpd="sng" algn="ctr">
+        <a:solidFill>
+          <a:schemeClr val="tx1">
+            <a:lumMod val="15000"/>
+            <a:lumOff val="85000"/>
+          </a:schemeClr>
+        </a:solidFill>
+        <a:round/>
+      </a:ln>
+    </cs:spPr>
+    <cs:defRPr sz="1197" kern="1200"/>
+  </cs:dataTable>
+  <cs:downBar>
+    <cs:lnRef idx="0"/>
+    <cs:fillRef idx="0"/>
+    <cs:effectRef idx="0"/>
+    <cs:fontRef idx="minor">
+      <a:schemeClr val="dk1"/>
+    </cs:fontRef>
+    <cs:spPr>
+      <a:solidFill>
+        <a:schemeClr val="dk1">
+          <a:lumMod val="65000"/>
+          <a:lumOff val="35000"/>
+        </a:schemeClr>
+      </a:solidFill>
+      <a:ln w="9525">
+        <a:solidFill>
+          <a:schemeClr val="tx1">
+            <a:lumMod val="65000"/>
+            <a:lumOff val="35000"/>
+          </a:schemeClr>
+        </a:solidFill>
+      </a:ln>
+    </cs:spPr>
+  </cs:downBar>
+  <cs:dropLine>
+    <cs:lnRef idx="0"/>
+    <cs:fillRef idx="0"/>
+    <cs:effectRef idx="0"/>
+    <cs:fontRef idx="minor">
+      <a:schemeClr val="tx1"/>
+    </cs:fontRef>
+    <cs:spPr>
+      <a:ln w="9525" cap="flat" cmpd="sng" algn="ctr">
+        <a:solidFill>
+          <a:schemeClr val="tx1">
+            <a:lumMod val="35000"/>
+            <a:lumOff val="65000"/>
+          </a:schemeClr>
+        </a:solidFill>
+        <a:round/>
+      </a:ln>
+    </cs:spPr>
+  </cs:dropLine>
+  <cs:errorBar>
+    <cs:lnRef idx="0"/>
+    <cs:fillRef idx="0"/>
+    <cs:effectRef idx="0"/>
+    <cs:fontRef idx="minor">
+      <a:schemeClr val="tx1"/>
+    </cs:fontRef>
+    <cs:spPr>
+      <a:ln w="9525" cap="flat" cmpd="sng" algn="ctr">
+        <a:solidFill>
+          <a:schemeClr val="tx1">
+            <a:lumMod val="65000"/>
+            <a:lumOff val="35000"/>
+          </a:schemeClr>
+        </a:solidFill>
+        <a:round/>
+      </a:ln>
+    </cs:spPr>
+  </cs:errorBar>
+  <cs:floor>
+    <cs:lnRef idx="0"/>
+    <cs:fillRef idx="0"/>
+    <cs:effectRef idx="0"/>
+    <cs:fontRef idx="minor">
+      <a:schemeClr val="tx1"/>
+    </cs:fontRef>
+    <cs:spPr>
+      <a:noFill/>
+      <a:ln>
+        <a:noFill/>
+      </a:ln>
+    </cs:spPr>
+  </cs:floor>
+  <cs:gridlineMajor>
+    <cs:lnRef idx="0"/>
+    <cs:fillRef idx="0"/>
+    <cs:effectRef idx="0"/>
+    <cs:fontRef idx="minor">
+      <a:schemeClr val="tx1"/>
+    </cs:fontRef>
+    <cs:spPr>
+      <a:ln w="9525" cap="flat" cmpd="sng" algn="ctr">
+        <a:solidFill>
+          <a:schemeClr val="tx1">
+            <a:lumMod val="15000"/>
+            <a:lumOff val="85000"/>
+          </a:schemeClr>
+        </a:solidFill>
+        <a:round/>
+      </a:ln>
+    </cs:spPr>
+  </cs:gridlineMajor>
+  <cs:gridlineMinor>
+    <cs:lnRef idx="0"/>
+    <cs:fillRef idx="0"/>
+    <cs:effectRef idx="0"/>
+    <cs:fontRef idx="minor">
+      <a:schemeClr val="tx1"/>
+    </cs:fontRef>
+    <cs:spPr>
+      <a:ln w="9525" cap="flat" cmpd="sng" algn="ctr">
+        <a:solidFill>
+          <a:schemeClr val="tx1">
+            <a:lumMod val="5000"/>
+            <a:lumOff val="95000"/>
+          </a:schemeClr>
+        </a:solidFill>
+        <a:round/>
+      </a:ln>
+    </cs:spPr>
+  </cs:gridlineMinor>
+  <cs:hiLoLine>
+    <cs:lnRef idx="0"/>
+    <cs:fillRef idx="0"/>
+    <cs:effectRef idx="0"/>
+    <cs:fontRef idx="minor">
+      <a:schemeClr val="tx1"/>
+    </cs:fontRef>
+    <cs:spPr>
+      <a:ln w="9525" cap="flat" cmpd="sng" algn="ctr">
+        <a:solidFill>
+          <a:schemeClr val="tx1">
+            <a:lumMod val="75000"/>
+            <a:lumOff val="25000"/>
+          </a:schemeClr>
+        </a:solidFill>
+        <a:round/>
+      </a:ln>
+    </cs:spPr>
+  </cs:hiLoLine>
+  <cs:leaderLine>
+    <cs:lnRef idx="0"/>
+    <cs:fillRef idx="0"/>
+    <cs:effectRef idx="0"/>
+    <cs:fontRef idx="minor">
+      <a:schemeClr val="tx1"/>
+    </cs:fontRef>
+    <cs:spPr>
+      <a:ln w="9525" cap="flat" cmpd="sng" algn="ctr">
+        <a:solidFill>
+          <a:schemeClr val="tx1">
+            <a:lumMod val="35000"/>
+            <a:lumOff val="65000"/>
+          </a:schemeClr>
+        </a:solidFill>
+        <a:round/>
+      </a:ln>
+    </cs:spPr>
+  </cs:leaderLine>
+  <cs:legend>
+    <cs:lnRef idx="0"/>
+    <cs:fillRef idx="0"/>
+    <cs:effectRef idx="0"/>
+    <cs:fontRef idx="minor">
+      <a:schemeClr val="tx1">
+        <a:lumMod val="65000"/>
+        <a:lumOff val="35000"/>
+      </a:schemeClr>
+    </cs:fontRef>
+    <cs:defRPr sz="1197" kern="1200"/>
+  </cs:legend>
+  <cs:plotArea mods="allowNoFillOverride allowNoLineOverride">
+    <cs:lnRef idx="0"/>
+    <cs:fillRef idx="0"/>
+    <cs:effectRef idx="0"/>
+    <cs:fontRef idx="minor">
+      <a:schemeClr val="tx1"/>
+    </cs:fontRef>
+  </cs:plotArea>
+  <cs:plotArea3D mods="allowNoFillOverride allowNoLineOverride">
+    <cs:lnRef idx="0"/>
+    <cs:fillRef idx="0"/>
+    <cs:effectRef idx="0"/>
+    <cs:fontRef idx="minor">
+      <a:schemeClr val="tx1"/>
+    </cs:fontRef>
+  </cs:plotArea3D>
+  <cs:seriesAxis>
+    <cs:lnRef idx="0"/>
+    <cs:fillRef idx="0"/>
+    <cs:effectRef idx="0"/>
+    <cs:fontRef idx="minor">
+      <a:schemeClr val="tx1">
+        <a:lumMod val="65000"/>
+        <a:lumOff val="35000"/>
+      </a:schemeClr>
+    </cs:fontRef>
+    <cs:defRPr sz="1197" kern="1200"/>
+  </cs:seriesAxis>
+  <cs:seriesLine>
+    <cs:lnRef idx="0"/>
+    <cs:fillRef idx="0"/>
+    <cs:effectRef idx="0"/>
+    <cs:fontRef idx="minor">
+      <a:schemeClr val="tx1"/>
+    </cs:fontRef>
+    <cs:spPr>
+      <a:ln w="9525" cap="flat" cmpd="sng" algn="ctr">
+        <a:solidFill>
+          <a:schemeClr val="tx1">
+            <a:lumMod val="35000"/>
+            <a:lumOff val="65000"/>
+          </a:schemeClr>
+        </a:solidFill>
+        <a:round/>
+      </a:ln>
+    </cs:spPr>
+  </cs:seriesLine>
+  <cs:title>
+    <cs:lnRef idx="0"/>
+    <cs:fillRef idx="0"/>
+    <cs:effectRef idx="0"/>
+    <cs:fontRef idx="minor">
+      <a:schemeClr val="tx1">
+        <a:lumMod val="65000"/>
+        <a:lumOff val="35000"/>
+      </a:schemeClr>
+    </cs:fontRef>
+    <cs:defRPr sz="1862" b="0" kern="1200" spc="0" baseline="0"/>
+  </cs:title>
+  <cs:trendline>
+    <cs:lnRef idx="0">
+      <cs:styleClr val="auto"/>
+    </cs:lnRef>
+    <cs:fillRef idx="0"/>
+    <cs:effectRef idx="0"/>
+    <cs:fontRef idx="minor">
+      <a:schemeClr val="tx1"/>
+    </cs:fontRef>
+    <cs:spPr>
+      <a:ln w="19050" cap="rnd">
+        <a:solidFill>
+          <a:schemeClr val="phClr"/>
+        </a:solidFill>
+        <a:prstDash val="sysDot"/>
+      </a:ln>
+    </cs:spPr>
+  </cs:trendline>
+  <cs:trendlineLabel>
+    <cs:lnRef idx="0"/>
+    <cs:fillRef idx="0"/>
+    <cs:effectRef idx="0"/>
+    <cs:fontRef idx="minor">
+      <a:schemeClr val="tx1">
+        <a:lumMod val="65000"/>
+        <a:lumOff val="35000"/>
+      </a:schemeClr>
+    </cs:fontRef>
+    <cs:defRPr sz="1197" kern="1200"/>
+  </cs:trendlineLabel>
+  <cs:upBar>
+    <cs:lnRef idx="0"/>
+    <cs:fillRef idx="0"/>
+    <cs:effectRef idx="0"/>
+    <cs:fontRef idx="minor">
+      <a:schemeClr val="dk1"/>
+    </cs:fontRef>
+    <cs:spPr>
+      <a:solidFill>
+        <a:schemeClr val="lt1"/>
+      </a:solidFill>
+      <a:ln w="9525">
+        <a:solidFill>
+          <a:schemeClr val="tx1">
+            <a:lumMod val="15000"/>
+            <a:lumOff val="85000"/>
+          </a:schemeClr>
+        </a:solidFill>
+      </a:ln>
+    </cs:spPr>
+  </cs:upBar>
+  <cs:valueAxis>
+    <cs:lnRef idx="0"/>
+    <cs:fillRef idx="0"/>
+    <cs:effectRef idx="0"/>
+    <cs:fontRef idx="minor">
+      <a:schemeClr val="tx1">
+        <a:lumMod val="65000"/>
+        <a:lumOff val="35000"/>
+      </a:schemeClr>
+    </cs:fontRef>
+    <cs:defRPr sz="1197" kern="1200"/>
+  </cs:valueAxis>
+  <cs:wall>
+    <cs:lnRef idx="0"/>
+    <cs:fillRef idx="0"/>
+    <cs:effectRef idx="0"/>
+    <cs:fontRef idx="minor">
+      <a:schemeClr val="tx1"/>
+    </cs:fontRef>
+    <cs:spPr>
+      <a:noFill/>
+      <a:ln>
+        <a:noFill/>
+      </a:ln>
+    </cs:spPr>
+  </cs:wall>
+</cs:chartStyle>
+</file>
+
+<file path=ppt/charts/style5.xml><?xml version="1.0" encoding="utf-8"?>
+<cs:chartStyle xmlns:cs="http://schemas.microsoft.com/office/drawing/2012/chartStyle" xmlns:a="http://schemas.openxmlformats.org/drawingml/2006/main" id="227">
+  <cs:axisTitle>
+    <cs:lnRef idx="0"/>
+    <cs:fillRef idx="0"/>
+    <cs:effectRef idx="0"/>
+    <cs:fontRef idx="minor">
+      <a:schemeClr val="tx1">
+        <a:lumMod val="65000"/>
+        <a:lumOff val="35000"/>
+      </a:schemeClr>
+    </cs:fontRef>
+    <cs:defRPr sz="1330" kern="1200"/>
+  </cs:axisTitle>
+  <cs:categoryAxis>
+    <cs:lnRef idx="0"/>
+    <cs:fillRef idx="0"/>
+    <cs:effectRef idx="0"/>
+    <cs:fontRef idx="minor">
+      <a:schemeClr val="tx1">
+        <a:lumMod val="65000"/>
+        <a:lumOff val="35000"/>
+      </a:schemeClr>
+    </cs:fontRef>
+    <cs:spPr>
+      <a:ln w="9525" cap="flat" cmpd="sng" algn="ctr">
+        <a:solidFill>
+          <a:schemeClr val="tx1">
+            <a:lumMod val="15000"/>
+            <a:lumOff val="85000"/>
+          </a:schemeClr>
+        </a:solidFill>
+        <a:round/>
+      </a:ln>
+    </cs:spPr>
+    <cs:defRPr sz="1197" kern="1200"/>
+  </cs:categoryAxis>
+  <cs:chartArea mods="allowNoFillOverride allowNoLineOverride">
+    <cs:lnRef idx="0"/>
+    <cs:fillRef idx="0"/>
+    <cs:effectRef idx="0"/>
+    <cs:fontRef idx="minor">
+      <a:schemeClr val="tx1"/>
+    </cs:fontRef>
+    <cs:spPr>
+      <a:solidFill>
+        <a:schemeClr val="bg1"/>
+      </a:solidFill>
+      <a:ln w="9525" cap="flat" cmpd="sng" algn="ctr">
+        <a:solidFill>
+          <a:schemeClr val="tx1">
+            <a:lumMod val="15000"/>
+            <a:lumOff val="85000"/>
+          </a:schemeClr>
+        </a:solidFill>
+        <a:round/>
+      </a:ln>
+    </cs:spPr>
+    <cs:defRPr sz="1330" kern="1200"/>
+  </cs:chartArea>
+  <cs:dataLabel>
+    <cs:lnRef idx="0"/>
+    <cs:fillRef idx="0"/>
+    <cs:effectRef idx="0"/>
+    <cs:fontRef idx="minor">
+      <a:schemeClr val="tx1">
+        <a:lumMod val="75000"/>
+        <a:lumOff val="25000"/>
+      </a:schemeClr>
+    </cs:fontRef>
+    <cs:defRPr sz="1197" kern="1200"/>
+  </cs:dataLabel>
+  <cs:dataLabelCallout>
+    <cs:lnRef idx="0"/>
+    <cs:fillRef idx="0"/>
+    <cs:effectRef idx="0"/>
+    <cs:fontRef idx="minor">
+      <a:schemeClr val="dk1">
+        <a:lumMod val="65000"/>
+        <a:lumOff val="35000"/>
+      </a:schemeClr>
+    </cs:fontRef>
+    <cs:spPr>
+      <a:solidFill>
+        <a:schemeClr val="lt1"/>
+      </a:solidFill>
+      <a:ln>
+        <a:solidFill>
+          <a:schemeClr val="dk1">
+            <a:lumMod val="25000"/>
+            <a:lumOff val="75000"/>
+          </a:schemeClr>
+        </a:solidFill>
+      </a:ln>
+    </cs:spPr>
+    <cs:defRPr sz="1197" kern="1200"/>
+    <cs:bodyPr rot="0" spcFirstLastPara="1" vertOverflow="clip" horzOverflow="clip" vert="horz" wrap="square" lIns="36576" tIns="18288" rIns="36576" bIns="18288" anchor="ctr" anchorCtr="1">
+      <a:spAutoFit/>
+    </cs:bodyPr>
+  </cs:dataLabelCallout>
+  <cs:dataPoint>
+    <cs:lnRef idx="0"/>
+    <cs:fillRef idx="1">
+      <cs:styleClr val="auto"/>
+    </cs:fillRef>
+    <cs:effectRef idx="0"/>
+    <cs:fontRef idx="minor">
+      <a:schemeClr val="tx1"/>
+    </cs:fontRef>
+    <cs:spPr>
+      <a:solidFill>
+        <a:schemeClr val="phClr"/>
+      </a:solidFill>
+    </cs:spPr>
+  </cs:dataPoint>
+  <cs:dataPoint3D>
+    <cs:lnRef idx="0"/>
+    <cs:fillRef idx="1">
+      <cs:styleClr val="auto"/>
+    </cs:fillRef>
+    <cs:effectRef idx="0"/>
+    <cs:fontRef idx="minor">
+      <a:schemeClr val="tx1"/>
+    </cs:fontRef>
+    <cs:spPr>
+      <a:solidFill>
+        <a:schemeClr val="phClr"/>
+      </a:solidFill>
+    </cs:spPr>
+  </cs:dataPoint3D>
+  <cs:dataPointLine>
+    <cs:lnRef idx="0">
+      <cs:styleClr val="auto"/>
+    </cs:lnRef>
+    <cs:fillRef idx="1"/>
+    <cs:effectRef idx="0"/>
+    <cs:fontRef idx="minor">
+      <a:schemeClr val="tx1"/>
+    </cs:fontRef>
+    <cs:spPr>
+      <a:ln w="28575" cap="rnd">
+        <a:solidFill>
+          <a:schemeClr val="phClr"/>
+        </a:solidFill>
+        <a:round/>
+      </a:ln>
+    </cs:spPr>
+  </cs:dataPointLine>
+  <cs:dataPointMarker>
+    <cs:lnRef idx="0">
+      <cs:styleClr val="auto"/>
+    </cs:lnRef>
+    <cs:fillRef idx="1">
+      <cs:styleClr val="auto"/>
+    </cs:fillRef>
+    <cs:effectRef idx="0"/>
+    <cs:fontRef idx="minor">
+      <a:schemeClr val="tx1"/>
+    </cs:fontRef>
+    <cs:spPr>
+      <a:solidFill>
+        <a:schemeClr val="phClr"/>
+      </a:solidFill>
+      <a:ln w="9525">
+        <a:solidFill>
+          <a:schemeClr val="phClr"/>
+        </a:solidFill>
+      </a:ln>
+    </cs:spPr>
+  </cs:dataPointMarker>
+  <cs:dataPointMarkerLayout symbol="circle" size="5"/>
+  <cs:dataPointWireframe>
+    <cs:lnRef idx="0">
+      <cs:styleClr val="auto"/>
+    </cs:lnRef>
+    <cs:fillRef idx="1"/>
+    <cs:effectRef idx="0"/>
+    <cs:fontRef idx="minor">
+      <a:schemeClr val="tx1"/>
+    </cs:fontRef>
+    <cs:spPr>
+      <a:ln w="9525" cap="rnd">
+        <a:solidFill>
+          <a:schemeClr val="phClr"/>
+        </a:solidFill>
+        <a:round/>
+      </a:ln>
+    </cs:spPr>
+  </cs:dataPointWireframe>
+  <cs:dataTable>
+    <cs:lnRef idx="0"/>
+    <cs:fillRef idx="0"/>
+    <cs:effectRef idx="0"/>
+    <cs:fontRef idx="minor">
+      <a:schemeClr val="tx1">
+        <a:lumMod val="65000"/>
+        <a:lumOff val="35000"/>
+      </a:schemeClr>
+    </cs:fontRef>
+    <cs:spPr>
+      <a:noFill/>
+      <a:ln w="9525" cap="flat" cmpd="sng" algn="ctr">
+        <a:solidFill>
+          <a:schemeClr val="tx1">
+            <a:lumMod val="15000"/>
+            <a:lumOff val="85000"/>
+          </a:schemeClr>
+        </a:solidFill>
+        <a:round/>
+      </a:ln>
+    </cs:spPr>
+    <cs:defRPr sz="1197" kern="1200"/>
+  </cs:dataTable>
+  <cs:downBar>
+    <cs:lnRef idx="0"/>
+    <cs:fillRef idx="0"/>
+    <cs:effectRef idx="0"/>
+    <cs:fontRef idx="minor">
+      <a:schemeClr val="dk1"/>
+    </cs:fontRef>
+    <cs:spPr>
+      <a:solidFill>
+        <a:schemeClr val="dk1">
+          <a:lumMod val="65000"/>
+          <a:lumOff val="35000"/>
+        </a:schemeClr>
+      </a:solidFill>
+      <a:ln w="9525">
+        <a:solidFill>
+          <a:schemeClr val="tx1">
+            <a:lumMod val="65000"/>
+            <a:lumOff val="35000"/>
+          </a:schemeClr>
+        </a:solidFill>
+      </a:ln>
+    </cs:spPr>
+  </cs:downBar>
+  <cs:dropLine>
+    <cs:lnRef idx="0"/>
+    <cs:fillRef idx="0"/>
+    <cs:effectRef idx="0"/>
+    <cs:fontRef idx="minor">
+      <a:schemeClr val="tx1"/>
+    </cs:fontRef>
+    <cs:spPr>
+      <a:ln w="9525" cap="flat" cmpd="sng" algn="ctr">
+        <a:solidFill>
+          <a:schemeClr val="tx1">
+            <a:lumMod val="35000"/>
+            <a:lumOff val="65000"/>
+          </a:schemeClr>
+        </a:solidFill>
+        <a:round/>
+      </a:ln>
+    </cs:spPr>
+  </cs:dropLine>
+  <cs:errorBar>
+    <cs:lnRef idx="0"/>
+    <cs:fillRef idx="0"/>
+    <cs:effectRef idx="0"/>
+    <cs:fontRef idx="minor">
+      <a:schemeClr val="tx1"/>
+    </cs:fontRef>
+    <cs:spPr>
+      <a:ln w="9525" cap="flat" cmpd="sng" algn="ctr">
+        <a:solidFill>
+          <a:schemeClr val="tx1">
+            <a:lumMod val="65000"/>
+            <a:lumOff val="35000"/>
+          </a:schemeClr>
+        </a:solidFill>
+        <a:round/>
+      </a:ln>
+    </cs:spPr>
+  </cs:errorBar>
+  <cs:floor>
+    <cs:lnRef idx="0"/>
+    <cs:fillRef idx="0"/>
+    <cs:effectRef idx="0"/>
+    <cs:fontRef idx="minor">
+      <a:schemeClr val="tx1"/>
+    </cs:fontRef>
+    <cs:spPr>
+      <a:noFill/>
+      <a:ln>
+        <a:noFill/>
+      </a:ln>
+    </cs:spPr>
+  </cs:floor>
+  <cs:gridlineMajor>
+    <cs:lnRef idx="0"/>
+    <cs:fillRef idx="0"/>
+    <cs:effectRef idx="0"/>
+    <cs:fontRef idx="minor">
+      <a:schemeClr val="tx1"/>
+    </cs:fontRef>
+    <cs:spPr>
+      <a:ln w="9525" cap="flat" cmpd="sng" algn="ctr">
+        <a:solidFill>
+          <a:schemeClr val="tx1">
+            <a:lumMod val="15000"/>
+            <a:lumOff val="85000"/>
+          </a:schemeClr>
+        </a:solidFill>
+        <a:round/>
+      </a:ln>
+    </cs:spPr>
+  </cs:gridlineMajor>
+  <cs:gridlineMinor>
+    <cs:lnRef idx="0"/>
+    <cs:fillRef idx="0"/>
+    <cs:effectRef idx="0"/>
+    <cs:fontRef idx="minor">
+      <a:schemeClr val="tx1"/>
+    </cs:fontRef>
+    <cs:spPr>
+      <a:ln w="9525" cap="flat" cmpd="sng" algn="ctr">
+        <a:solidFill>
+          <a:schemeClr val="tx1">
+            <a:lumMod val="5000"/>
+            <a:lumOff val="95000"/>
+          </a:schemeClr>
+        </a:solidFill>
+        <a:round/>
+      </a:ln>
+    </cs:spPr>
+  </cs:gridlineMinor>
+  <cs:hiLoLine>
+    <cs:lnRef idx="0"/>
+    <cs:fillRef idx="0"/>
+    <cs:effectRef idx="0"/>
+    <cs:fontRef idx="minor">
+      <a:schemeClr val="tx1"/>
+    </cs:fontRef>
+    <cs:spPr>
+      <a:ln w="9525" cap="flat" cmpd="sng" algn="ctr">
+        <a:solidFill>
+          <a:schemeClr val="tx1">
+            <a:lumMod val="75000"/>
+            <a:lumOff val="25000"/>
+          </a:schemeClr>
+        </a:solidFill>
+        <a:round/>
+      </a:ln>
+    </cs:spPr>
+  </cs:hiLoLine>
+  <cs:leaderLine>
+    <cs:lnRef idx="0"/>
+    <cs:fillRef idx="0"/>
+    <cs:effectRef idx="0"/>
+    <cs:fontRef idx="minor">
+      <a:schemeClr val="tx1"/>
+    </cs:fontRef>
+    <cs:spPr>
+      <a:ln w="9525" cap="flat" cmpd="sng" algn="ctr">
+        <a:solidFill>
+          <a:schemeClr val="tx1">
+            <a:lumMod val="35000"/>
+            <a:lumOff val="65000"/>
+          </a:schemeClr>
+        </a:solidFill>
+        <a:round/>
+      </a:ln>
+    </cs:spPr>
+  </cs:leaderLine>
+  <cs:legend>
+    <cs:lnRef idx="0"/>
+    <cs:fillRef idx="0"/>
+    <cs:effectRef idx="0"/>
+    <cs:fontRef idx="minor">
+      <a:schemeClr val="tx1">
+        <a:lumMod val="65000"/>
+        <a:lumOff val="35000"/>
+      </a:schemeClr>
+    </cs:fontRef>
+    <cs:defRPr sz="1197" kern="1200"/>
+  </cs:legend>
+  <cs:plotArea mods="allowNoFillOverride allowNoLineOverride">
+    <cs:lnRef idx="0"/>
+    <cs:fillRef idx="0"/>
+    <cs:effectRef idx="0"/>
+    <cs:fontRef idx="minor">
+      <a:schemeClr val="tx1"/>
+    </cs:fontRef>
+  </cs:plotArea>
+  <cs:plotArea3D mods="allowNoFillOverride allowNoLineOverride">
+    <cs:lnRef idx="0"/>
+    <cs:fillRef idx="0"/>
+    <cs:effectRef idx="0"/>
+    <cs:fontRef idx="minor">
+      <a:schemeClr val="tx1"/>
+    </cs:fontRef>
+  </cs:plotArea3D>
+  <cs:seriesAxis>
+    <cs:lnRef idx="0"/>
+    <cs:fillRef idx="0"/>
+    <cs:effectRef idx="0"/>
+    <cs:fontRef idx="minor">
+      <a:schemeClr val="tx1">
+        <a:lumMod val="65000"/>
+        <a:lumOff val="35000"/>
+      </a:schemeClr>
+    </cs:fontRef>
+    <cs:defRPr sz="1197" kern="1200"/>
+  </cs:seriesAxis>
+  <cs:seriesLine>
+    <cs:lnRef idx="0"/>
+    <cs:fillRef idx="0"/>
+    <cs:effectRef idx="0"/>
+    <cs:fontRef idx="minor">
+      <a:schemeClr val="tx1"/>
+    </cs:fontRef>
+    <cs:spPr>
+      <a:ln w="9525" cap="flat" cmpd="sng" algn="ctr">
+        <a:solidFill>
+          <a:schemeClr val="tx1">
+            <a:lumMod val="35000"/>
+            <a:lumOff val="65000"/>
+          </a:schemeClr>
+        </a:solidFill>
+        <a:round/>
+      </a:ln>
+    </cs:spPr>
+  </cs:seriesLine>
+  <cs:title>
+    <cs:lnRef idx="0"/>
+    <cs:fillRef idx="0"/>
+    <cs:effectRef idx="0"/>
+    <cs:fontRef idx="minor">
+      <a:schemeClr val="tx1">
+        <a:lumMod val="65000"/>
+        <a:lumOff val="35000"/>
+      </a:schemeClr>
+    </cs:fontRef>
+    <cs:defRPr sz="1862" b="0" kern="1200" spc="0" baseline="0"/>
+  </cs:title>
+  <cs:trendline>
+    <cs:lnRef idx="0">
+      <cs:styleClr val="auto"/>
+    </cs:lnRef>
+    <cs:fillRef idx="0"/>
+    <cs:effectRef idx="0"/>
+    <cs:fontRef idx="minor">
+      <a:schemeClr val="tx1"/>
+    </cs:fontRef>
+    <cs:spPr>
+      <a:ln w="19050" cap="rnd">
+        <a:solidFill>
+          <a:schemeClr val="phClr"/>
+        </a:solidFill>
+        <a:prstDash val="sysDot"/>
+      </a:ln>
+    </cs:spPr>
+  </cs:trendline>
+  <cs:trendlineLabel>
+    <cs:lnRef idx="0"/>
+    <cs:fillRef idx="0"/>
+    <cs:effectRef idx="0"/>
+    <cs:fontRef idx="minor">
+      <a:schemeClr val="tx1">
+        <a:lumMod val="65000"/>
+        <a:lumOff val="35000"/>
+      </a:schemeClr>
+    </cs:fontRef>
+    <cs:defRPr sz="1197" kern="1200"/>
+  </cs:trendlineLabel>
+  <cs:upBar>
+    <cs:lnRef idx="0"/>
+    <cs:fillRef idx="0"/>
+    <cs:effectRef idx="0"/>
+    <cs:fontRef idx="minor">
+      <a:schemeClr val="dk1"/>
+    </cs:fontRef>
+    <cs:spPr>
+      <a:solidFill>
+        <a:schemeClr val="lt1"/>
+      </a:solidFill>
+      <a:ln w="9525">
+        <a:solidFill>
+          <a:schemeClr val="tx1">
+            <a:lumMod val="15000"/>
+            <a:lumOff val="85000"/>
+          </a:schemeClr>
+        </a:solidFill>
+      </a:ln>
+    </cs:spPr>
+  </cs:upBar>
+  <cs:valueAxis>
+    <cs:lnRef idx="0"/>
+    <cs:fillRef idx="0"/>
+    <cs:effectRef idx="0"/>
+    <cs:fontRef idx="minor">
+      <a:schemeClr val="tx1">
+        <a:lumMod val="65000"/>
+        <a:lumOff val="35000"/>
+      </a:schemeClr>
+    </cs:fontRef>
+    <cs:defRPr sz="1197" kern="1200"/>
+  </cs:valueAxis>
+  <cs:wall>
+    <cs:lnRef idx="0"/>
+    <cs:fillRef idx="0"/>
+    <cs:effectRef idx="0"/>
+    <cs:fontRef idx="minor">
+      <a:schemeClr val="tx1"/>
+    </cs:fontRef>
+    <cs:spPr>
+      <a:noFill/>
+      <a:ln>
+        <a:noFill/>
+      </a:ln>
+    </cs:spPr>
+  </cs:wall>
+</cs:chartStyle>
+</file>
+
+<file path=ppt/charts/style6.xml><?xml version="1.0" encoding="utf-8"?>
+<cs:chartStyle xmlns:cs="http://schemas.microsoft.com/office/drawing/2012/chartStyle" xmlns:a="http://schemas.openxmlformats.org/drawingml/2006/main" id="227">
+  <cs:axisTitle>
+    <cs:lnRef idx="0"/>
+    <cs:fillRef idx="0"/>
+    <cs:effectRef idx="0"/>
+    <cs:fontRef idx="minor">
+      <a:schemeClr val="tx1">
+        <a:lumMod val="65000"/>
+        <a:lumOff val="35000"/>
+      </a:schemeClr>
+    </cs:fontRef>
+    <cs:defRPr sz="1330" kern="1200"/>
+  </cs:axisTitle>
+  <cs:categoryAxis>
+    <cs:lnRef idx="0"/>
+    <cs:fillRef idx="0"/>
+    <cs:effectRef idx="0"/>
+    <cs:fontRef idx="minor">
+      <a:schemeClr val="tx1">
+        <a:lumMod val="65000"/>
+        <a:lumOff val="35000"/>
+      </a:schemeClr>
+    </cs:fontRef>
+    <cs:spPr>
+      <a:ln w="9525" cap="flat" cmpd="sng" algn="ctr">
+        <a:solidFill>
+          <a:schemeClr val="tx1">
+            <a:lumMod val="15000"/>
+            <a:lumOff val="85000"/>
+          </a:schemeClr>
+        </a:solidFill>
+        <a:round/>
+      </a:ln>
+    </cs:spPr>
+    <cs:defRPr sz="1197" kern="1200"/>
+  </cs:categoryAxis>
+  <cs:chartArea mods="allowNoFillOverride allowNoLineOverride">
+    <cs:lnRef idx="0"/>
+    <cs:fillRef idx="0"/>
+    <cs:effectRef idx="0"/>
+    <cs:fontRef idx="minor">
+      <a:schemeClr val="tx1"/>
+    </cs:fontRef>
+    <cs:spPr>
+      <a:solidFill>
+        <a:schemeClr val="bg1"/>
+      </a:solidFill>
+      <a:ln w="9525" cap="flat" cmpd="sng" algn="ctr">
+        <a:solidFill>
+          <a:schemeClr val="tx1">
+            <a:lumMod val="15000"/>
+            <a:lumOff val="85000"/>
+          </a:schemeClr>
+        </a:solidFill>
+        <a:round/>
+      </a:ln>
+    </cs:spPr>
+    <cs:defRPr sz="1330" kern="1200"/>
+  </cs:chartArea>
+  <cs:dataLabel>
+    <cs:lnRef idx="0"/>
+    <cs:fillRef idx="0"/>
+    <cs:effectRef idx="0"/>
+    <cs:fontRef idx="minor">
+      <a:schemeClr val="tx1">
+        <a:lumMod val="75000"/>
+        <a:lumOff val="25000"/>
+      </a:schemeClr>
+    </cs:fontRef>
+    <cs:defRPr sz="1197" kern="1200"/>
+  </cs:dataLabel>
+  <cs:dataLabelCallout>
+    <cs:lnRef idx="0"/>
+    <cs:fillRef idx="0"/>
+    <cs:effectRef idx="0"/>
+    <cs:fontRef idx="minor">
+      <a:schemeClr val="dk1">
+        <a:lumMod val="65000"/>
+        <a:lumOff val="35000"/>
+      </a:schemeClr>
+    </cs:fontRef>
+    <cs:spPr>
+      <a:solidFill>
+        <a:schemeClr val="lt1"/>
+      </a:solidFill>
+      <a:ln>
+        <a:solidFill>
+          <a:schemeClr val="dk1">
+            <a:lumMod val="25000"/>
+            <a:lumOff val="75000"/>
+          </a:schemeClr>
+        </a:solidFill>
+      </a:ln>
+    </cs:spPr>
+    <cs:defRPr sz="1197" kern="1200"/>
+    <cs:bodyPr rot="0" spcFirstLastPara="1" vertOverflow="clip" horzOverflow="clip" vert="horz" wrap="square" lIns="36576" tIns="18288" rIns="36576" bIns="18288" anchor="ctr" anchorCtr="1">
+      <a:spAutoFit/>
+    </cs:bodyPr>
+  </cs:dataLabelCallout>
+  <cs:dataPoint>
+    <cs:lnRef idx="0"/>
+    <cs:fillRef idx="1">
+      <cs:styleClr val="auto"/>
+    </cs:fillRef>
+    <cs:effectRef idx="0"/>
+    <cs:fontRef idx="minor">
+      <a:schemeClr val="tx1"/>
+    </cs:fontRef>
+    <cs:spPr>
+      <a:solidFill>
+        <a:schemeClr val="phClr"/>
+      </a:solidFill>
+    </cs:spPr>
+  </cs:dataPoint>
+  <cs:dataPoint3D>
+    <cs:lnRef idx="0"/>
+    <cs:fillRef idx="1">
+      <cs:styleClr val="auto"/>
+    </cs:fillRef>
+    <cs:effectRef idx="0"/>
+    <cs:fontRef idx="minor">
+      <a:schemeClr val="tx1"/>
+    </cs:fontRef>
+    <cs:spPr>
+      <a:solidFill>
+        <a:schemeClr val="phClr"/>
+      </a:solidFill>
+    </cs:spPr>
+  </cs:dataPoint3D>
+  <cs:dataPointLine>
+    <cs:lnRef idx="0">
+      <cs:styleClr val="auto"/>
+    </cs:lnRef>
+    <cs:fillRef idx="1"/>
+    <cs:effectRef idx="0"/>
+    <cs:fontRef idx="minor">
+      <a:schemeClr val="tx1"/>
+    </cs:fontRef>
+    <cs:spPr>
+      <a:ln w="28575" cap="rnd">
+        <a:solidFill>
+          <a:schemeClr val="phClr"/>
+        </a:solidFill>
+        <a:round/>
+      </a:ln>
+    </cs:spPr>
+  </cs:dataPointLine>
+  <cs:dataPointMarker>
+    <cs:lnRef idx="0">
+      <cs:styleClr val="auto"/>
+    </cs:lnRef>
+    <cs:fillRef idx="1">
+      <cs:styleClr val="auto"/>
+    </cs:fillRef>
+    <cs:effectRef idx="0"/>
+    <cs:fontRef idx="minor">
+      <a:schemeClr val="tx1"/>
+    </cs:fontRef>
+    <cs:spPr>
+      <a:solidFill>
+        <a:schemeClr val="phClr"/>
+      </a:solidFill>
+      <a:ln w="9525">
+        <a:solidFill>
+          <a:schemeClr val="phClr"/>
+        </a:solidFill>
+      </a:ln>
+    </cs:spPr>
+  </cs:dataPointMarker>
+  <cs:dataPointMarkerLayout symbol="circle" size="5"/>
+  <cs:dataPointWireframe>
+    <cs:lnRef idx="0">
+      <cs:styleClr val="auto"/>
+    </cs:lnRef>
+    <cs:fillRef idx="1"/>
+    <cs:effectRef idx="0"/>
+    <cs:fontRef idx="minor">
+      <a:schemeClr val="tx1"/>
+    </cs:fontRef>
+    <cs:spPr>
+      <a:ln w="9525" cap="rnd">
+        <a:solidFill>
+          <a:schemeClr val="phClr"/>
+        </a:solidFill>
+        <a:round/>
+      </a:ln>
+    </cs:spPr>
+  </cs:dataPointWireframe>
+  <cs:dataTable>
+    <cs:lnRef idx="0"/>
+    <cs:fillRef idx="0"/>
+    <cs:effectRef idx="0"/>
+    <cs:fontRef idx="minor">
+      <a:schemeClr val="tx1">
+        <a:lumMod val="65000"/>
+        <a:lumOff val="35000"/>
+      </a:schemeClr>
+    </cs:fontRef>
+    <cs:spPr>
+      <a:noFill/>
+      <a:ln w="9525" cap="flat" cmpd="sng" algn="ctr">
+        <a:solidFill>
+          <a:schemeClr val="tx1">
+            <a:lumMod val="15000"/>
+            <a:lumOff val="85000"/>
+          </a:schemeClr>
+        </a:solidFill>
+        <a:round/>
+      </a:ln>
+    </cs:spPr>
+    <cs:defRPr sz="1197" kern="1200"/>
+  </cs:dataTable>
+  <cs:downBar>
+    <cs:lnRef idx="0"/>
+    <cs:fillRef idx="0"/>
+    <cs:effectRef idx="0"/>
+    <cs:fontRef idx="minor">
+      <a:schemeClr val="dk1"/>
+    </cs:fontRef>
+    <cs:spPr>
+      <a:solidFill>
+        <a:schemeClr val="dk1">
+          <a:lumMod val="65000"/>
+          <a:lumOff val="35000"/>
+        </a:schemeClr>
+      </a:solidFill>
+      <a:ln w="9525">
+        <a:solidFill>
+          <a:schemeClr val="tx1">
+            <a:lumMod val="65000"/>
+            <a:lumOff val="35000"/>
+          </a:schemeClr>
+        </a:solidFill>
+      </a:ln>
+    </cs:spPr>
+  </cs:downBar>
+  <cs:dropLine>
+    <cs:lnRef idx="0"/>
+    <cs:fillRef idx="0"/>
+    <cs:effectRef idx="0"/>
+    <cs:fontRef idx="minor">
+      <a:schemeClr val="tx1"/>
+    </cs:fontRef>
+    <cs:spPr>
+      <a:ln w="9525" cap="flat" cmpd="sng" algn="ctr">
+        <a:solidFill>
+          <a:schemeClr val="tx1">
+            <a:lumMod val="35000"/>
+            <a:lumOff val="65000"/>
+          </a:schemeClr>
+        </a:solidFill>
+        <a:round/>
+      </a:ln>
+    </cs:spPr>
+  </cs:dropLine>
+  <cs:errorBar>
+    <cs:lnRef idx="0"/>
+    <cs:fillRef idx="0"/>
+    <cs:effectRef idx="0"/>
+    <cs:fontRef idx="minor">
+      <a:schemeClr val="tx1"/>
+    </cs:fontRef>
+    <cs:spPr>
+      <a:ln w="9525" cap="flat" cmpd="sng" algn="ctr">
+        <a:solidFill>
+          <a:schemeClr val="tx1">
+            <a:lumMod val="65000"/>
+            <a:lumOff val="35000"/>
+          </a:schemeClr>
+        </a:solidFill>
+        <a:round/>
+      </a:ln>
+    </cs:spPr>
+  </cs:errorBar>
+  <cs:floor>
+    <cs:lnRef idx="0"/>
+    <cs:fillRef idx="0"/>
+    <cs:effectRef idx="0"/>
+    <cs:fontRef idx="minor">
+      <a:schemeClr val="tx1"/>
+    </cs:fontRef>
+    <cs:spPr>
+      <a:noFill/>
+      <a:ln>
+        <a:noFill/>
+      </a:ln>
+    </cs:spPr>
+  </cs:floor>
+  <cs:gridlineMajor>
+    <cs:lnRef idx="0"/>
+    <cs:fillRef idx="0"/>
+    <cs:effectRef idx="0"/>
+    <cs:fontRef idx="minor">
+      <a:schemeClr val="tx1"/>
+    </cs:fontRef>
+    <cs:spPr>
+      <a:ln w="9525" cap="flat" cmpd="sng" algn="ctr">
+        <a:solidFill>
+          <a:schemeClr val="tx1">
+            <a:lumMod val="15000"/>
+            <a:lumOff val="85000"/>
+          </a:schemeClr>
+        </a:solidFill>
+        <a:round/>
+      </a:ln>
+    </cs:spPr>
+  </cs:gridlineMajor>
+  <cs:gridlineMinor>
+    <cs:lnRef idx="0"/>
+    <cs:fillRef idx="0"/>
+    <cs:effectRef idx="0"/>
+    <cs:fontRef idx="minor">
+      <a:schemeClr val="tx1"/>
+    </cs:fontRef>
+    <cs:spPr>
+      <a:ln w="9525" cap="flat" cmpd="sng" algn="ctr">
+        <a:solidFill>
+          <a:schemeClr val="tx1">
+            <a:lumMod val="5000"/>
+            <a:lumOff val="95000"/>
+          </a:schemeClr>
+        </a:solidFill>
+        <a:round/>
+      </a:ln>
+    </cs:spPr>
+  </cs:gridlineMinor>
+  <cs:hiLoLine>
+    <cs:lnRef idx="0"/>
+    <cs:fillRef idx="0"/>
+    <cs:effectRef idx="0"/>
+    <cs:fontRef idx="minor">
+      <a:schemeClr val="tx1"/>
+    </cs:fontRef>
+    <cs:spPr>
+      <a:ln w="9525" cap="flat" cmpd="sng" algn="ctr">
+        <a:solidFill>
+          <a:schemeClr val="tx1">
+            <a:lumMod val="75000"/>
+            <a:lumOff val="25000"/>
+          </a:schemeClr>
+        </a:solidFill>
+        <a:round/>
+      </a:ln>
+    </cs:spPr>
+  </cs:hiLoLine>
+  <cs:leaderLine>
+    <cs:lnRef idx="0"/>
+    <cs:fillRef idx="0"/>
+    <cs:effectRef idx="0"/>
+    <cs:fontRef idx="minor">
+      <a:schemeClr val="tx1"/>
+    </cs:fontRef>
+    <cs:spPr>
+      <a:ln w="9525" cap="flat" cmpd="sng" algn="ctr">
+        <a:solidFill>
+          <a:schemeClr val="tx1">
+            <a:lumMod val="35000"/>
+            <a:lumOff val="65000"/>
+          </a:schemeClr>
+        </a:solidFill>
+        <a:round/>
+      </a:ln>
+    </cs:spPr>
+  </cs:leaderLine>
+  <cs:legend>
+    <cs:lnRef idx="0"/>
+    <cs:fillRef idx="0"/>
+    <cs:effectRef idx="0"/>
+    <cs:fontRef idx="minor">
+      <a:schemeClr val="tx1">
+        <a:lumMod val="65000"/>
+        <a:lumOff val="35000"/>
+      </a:schemeClr>
+    </cs:fontRef>
+    <cs:defRPr sz="1197" kern="1200"/>
+  </cs:legend>
+  <cs:plotArea mods="allowNoFillOverride allowNoLineOverride">
+    <cs:lnRef idx="0"/>
+    <cs:fillRef idx="0"/>
+    <cs:effectRef idx="0"/>
+    <cs:fontRef idx="minor">
+      <a:schemeClr val="tx1"/>
+    </cs:fontRef>
+  </cs:plotArea>
+  <cs:plotArea3D mods="allowNoFillOverride allowNoLineOverride">
+    <cs:lnRef idx="0"/>
+    <cs:fillRef idx="0"/>
+    <cs:effectRef idx="0"/>
+    <cs:fontRef idx="minor">
+      <a:schemeClr val="tx1"/>
+    </cs:fontRef>
+  </cs:plotArea3D>
+  <cs:seriesAxis>
+    <cs:lnRef idx="0"/>
+    <cs:fillRef idx="0"/>
+    <cs:effectRef idx="0"/>
+    <cs:fontRef idx="minor">
+      <a:schemeClr val="tx1">
+        <a:lumMod val="65000"/>
+        <a:lumOff val="35000"/>
+      </a:schemeClr>
+    </cs:fontRef>
+    <cs:defRPr sz="1197" kern="1200"/>
+  </cs:seriesAxis>
+  <cs:seriesLine>
+    <cs:lnRef idx="0"/>
+    <cs:fillRef idx="0"/>
+    <cs:effectRef idx="0"/>
+    <cs:fontRef idx="minor">
+      <a:schemeClr val="tx1"/>
+    </cs:fontRef>
+    <cs:spPr>
+      <a:ln w="9525" cap="flat" cmpd="sng" algn="ctr">
+        <a:solidFill>
+          <a:schemeClr val="tx1">
+            <a:lumMod val="35000"/>
+            <a:lumOff val="65000"/>
+          </a:schemeClr>
+        </a:solidFill>
+        <a:round/>
+      </a:ln>
+    </cs:spPr>
+  </cs:seriesLine>
+  <cs:title>
+    <cs:lnRef idx="0"/>
+    <cs:fillRef idx="0"/>
+    <cs:effectRef idx="0"/>
+    <cs:fontRef idx="minor">
+      <a:schemeClr val="tx1">
+        <a:lumMod val="65000"/>
+        <a:lumOff val="35000"/>
+      </a:schemeClr>
+    </cs:fontRef>
+    <cs:defRPr sz="1862" b="0" kern="1200" spc="0" baseline="0"/>
+  </cs:title>
+  <cs:trendline>
+    <cs:lnRef idx="0">
+      <cs:styleClr val="auto"/>
+    </cs:lnRef>
+    <cs:fillRef idx="0"/>
+    <cs:effectRef idx="0"/>
+    <cs:fontRef idx="minor">
+      <a:schemeClr val="tx1"/>
+    </cs:fontRef>
+    <cs:spPr>
+      <a:ln w="19050" cap="rnd">
+        <a:solidFill>
+          <a:schemeClr val="phClr"/>
+        </a:solidFill>
+        <a:prstDash val="sysDot"/>
+      </a:ln>
+    </cs:spPr>
+  </cs:trendline>
+  <cs:trendlineLabel>
+    <cs:lnRef idx="0"/>
+    <cs:fillRef idx="0"/>
+    <cs:effectRef idx="0"/>
+    <cs:fontRef idx="minor">
+      <a:schemeClr val="tx1">
+        <a:lumMod val="65000"/>
+        <a:lumOff val="35000"/>
+      </a:schemeClr>
+    </cs:fontRef>
+    <cs:defRPr sz="1197" kern="1200"/>
+  </cs:trendlineLabel>
+  <cs:upBar>
+    <cs:lnRef idx="0"/>
+    <cs:fillRef idx="0"/>
+    <cs:effectRef idx="0"/>
+    <cs:fontRef idx="minor">
+      <a:schemeClr val="dk1"/>
+    </cs:fontRef>
+    <cs:spPr>
+      <a:solidFill>
+        <a:schemeClr val="lt1"/>
+      </a:solidFill>
+      <a:ln w="9525">
+        <a:solidFill>
+          <a:schemeClr val="tx1">
+            <a:lumMod val="15000"/>
+            <a:lumOff val="85000"/>
+          </a:schemeClr>
+        </a:solidFill>
+      </a:ln>
+    </cs:spPr>
+  </cs:upBar>
+  <cs:valueAxis>
+    <cs:lnRef idx="0"/>
+    <cs:fillRef idx="0"/>
+    <cs:effectRef idx="0"/>
+    <cs:fontRef idx="minor">
+      <a:schemeClr val="tx1">
+        <a:lumMod val="65000"/>
+        <a:lumOff val="35000"/>
+      </a:schemeClr>
+    </cs:fontRef>
+    <cs:defRPr sz="1197" kern="1200"/>
+  </cs:valueAxis>
+  <cs:wall>
+    <cs:lnRef idx="0"/>
+    <cs:fillRef idx="0"/>
+    <cs:effectRef idx="0"/>
+    <cs:fontRef idx="minor">
+      <a:schemeClr val="tx1"/>
+    </cs:fontRef>
+    <cs:spPr>
+      <a:noFill/>
+      <a:ln>
+        <a:noFill/>
+      </a:ln>
+    </cs:spPr>
+  </cs:wall>
+</cs:chartStyle>
 </file>
 
 <file path=ppt/slideLayouts/slideLayout1.xml><?xml version="1.0" encoding="utf-8"?>
@@ -290,7 +6009,7 @@
             <a:fld id="{5387A8D8-D198-47E4-B17E-83A121B2A68F}" type="datetimeFigureOut">
               <a:rPr lang="en-US" smtClean="0"/>
               <a:pPr/>
-              <a:t>5/14/2018</a:t>
+              <a:t>5/31/18</a:t>
             </a:fld>
             <a:endParaRPr lang="en-US"/>
           </a:p>
@@ -457,7 +6176,7 @@
             <a:fld id="{5387A8D8-D198-47E4-B17E-83A121B2A68F}" type="datetimeFigureOut">
               <a:rPr lang="en-US" smtClean="0"/>
               <a:pPr/>
-              <a:t>5/14/2018</a:t>
+              <a:t>5/31/18</a:t>
             </a:fld>
             <a:endParaRPr lang="en-US"/>
           </a:p>
@@ -634,7 +6353,7 @@
             <a:fld id="{5387A8D8-D198-47E4-B17E-83A121B2A68F}" type="datetimeFigureOut">
               <a:rPr lang="en-US" smtClean="0"/>
               <a:pPr/>
-              <a:t>5/14/2018</a:t>
+              <a:t>5/31/18</a:t>
             </a:fld>
             <a:endParaRPr lang="en-US"/>
           </a:p>
@@ -801,7 +6520,7 @@
             <a:fld id="{5387A8D8-D198-47E4-B17E-83A121B2A68F}" type="datetimeFigureOut">
               <a:rPr lang="en-US" smtClean="0"/>
               <a:pPr/>
-              <a:t>5/14/2018</a:t>
+              <a:t>5/31/18</a:t>
             </a:fld>
             <a:endParaRPr lang="en-US"/>
           </a:p>
@@ -1044,7 +6763,7 @@
             <a:fld id="{5387A8D8-D198-47E4-B17E-83A121B2A68F}" type="datetimeFigureOut">
               <a:rPr lang="en-US" smtClean="0"/>
               <a:pPr/>
-              <a:t>5/14/2018</a:t>
+              <a:t>5/31/18</a:t>
             </a:fld>
             <a:endParaRPr lang="en-US"/>
           </a:p>
@@ -1329,7 +7048,7 @@
             <a:fld id="{5387A8D8-D198-47E4-B17E-83A121B2A68F}" type="datetimeFigureOut">
               <a:rPr lang="en-US" smtClean="0"/>
               <a:pPr/>
-              <a:t>5/14/2018</a:t>
+              <a:t>5/31/18</a:t>
             </a:fld>
             <a:endParaRPr lang="en-US"/>
           </a:p>
@@ -1748,7 +7467,7 @@
             <a:fld id="{5387A8D8-D198-47E4-B17E-83A121B2A68F}" type="datetimeFigureOut">
               <a:rPr lang="en-US" smtClean="0"/>
               <a:pPr/>
-              <a:t>5/14/2018</a:t>
+              <a:t>5/31/18</a:t>
             </a:fld>
             <a:endParaRPr lang="en-US"/>
           </a:p>
@@ -1863,7 +7582,7 @@
             <a:fld id="{5387A8D8-D198-47E4-B17E-83A121B2A68F}" type="datetimeFigureOut">
               <a:rPr lang="en-US" smtClean="0"/>
               <a:pPr/>
-              <a:t>5/14/2018</a:t>
+              <a:t>5/31/18</a:t>
             </a:fld>
             <a:endParaRPr lang="en-US"/>
           </a:p>
@@ -1955,7 +7674,7 @@
             <a:fld id="{5387A8D8-D198-47E4-B17E-83A121B2A68F}" type="datetimeFigureOut">
               <a:rPr lang="en-US" smtClean="0"/>
               <a:pPr/>
-              <a:t>5/14/2018</a:t>
+              <a:t>5/31/18</a:t>
             </a:fld>
             <a:endParaRPr lang="en-US"/>
           </a:p>
@@ -2229,7 +7948,7 @@
             <a:fld id="{5387A8D8-D198-47E4-B17E-83A121B2A68F}" type="datetimeFigureOut">
               <a:rPr lang="en-US" smtClean="0"/>
               <a:pPr/>
-              <a:t>5/14/2018</a:t>
+              <a:t>5/31/18</a:t>
             </a:fld>
             <a:endParaRPr lang="en-US"/>
           </a:p>
@@ -2479,7 +8198,7 @@
             <a:fld id="{5387A8D8-D198-47E4-B17E-83A121B2A68F}" type="datetimeFigureOut">
               <a:rPr lang="en-US" smtClean="0"/>
               <a:pPr/>
-              <a:t>5/14/2018</a:t>
+              <a:t>5/31/18</a:t>
             </a:fld>
             <a:endParaRPr lang="en-US"/>
           </a:p>
@@ -2689,7 +8408,7 @@
             <a:fld id="{5387A8D8-D198-47E4-B17E-83A121B2A68F}" type="datetimeFigureOut">
               <a:rPr lang="en-US" smtClean="0"/>
               <a:pPr/>
-              <a:t>5/14/2018</a:t>
+              <a:t>5/31/18</a:t>
             </a:fld>
             <a:endParaRPr lang="en-US"/>
           </a:p>
@@ -3096,7 +8815,7 @@
         <p:spPr/>
         <p:txBody>
           <a:bodyPr>
-            <a:normAutofit fontScale="70000" lnSpcReduction="20000"/>
+            <a:normAutofit fontScale="85000" lnSpcReduction="20000"/>
           </a:bodyPr>
           <a:lstStyle/>
           <a:p>
@@ -3130,26 +8849,20 @@
             </a:r>
             <a:r>
               <a:rPr lang="en-US" dirty="0"/>
-              <a:t>-Z strain larvae. What effect does nutrition availability have on 5</a:t>
+              <a:t>-Z strain larvae. What effect does nutrition availability have on </a:t>
             </a:r>
             <a:r>
-              <a:rPr lang="en-US" baseline="30000" dirty="0"/>
+              <a:rPr lang="en-US" dirty="0" smtClean="0"/>
+              <a:t>the digestive efficiency of 5</a:t>
+            </a:r>
+            <a:r>
+              <a:rPr lang="en-US" baseline="30000" dirty="0" smtClean="0"/>
               <a:t>th</a:t>
             </a:r>
             <a:r>
-              <a:rPr lang="en-US" dirty="0"/>
-              <a:t> </a:t>
+              <a:rPr lang="en-US" dirty="0" smtClean="0"/>
+              <a:t> instar ECB larvae.</a:t>
             </a:r>
-            <a:r>
-              <a:rPr lang="en-US" dirty="0" err="1"/>
-              <a:t>instar</a:t>
-            </a:r>
-            <a:r>
-              <a:rPr lang="en-US" dirty="0"/>
-              <a:t> development, wet mass, dry mass, lean mass, lipid mass, and the onset of the wandering stage in both diapause and non diapause treated larvae.</a:t>
-            </a:r>
-          </a:p>
-          <a:p>
             <a:endParaRPr lang="en-US" dirty="0"/>
           </a:p>
         </p:txBody>
@@ -3355,11 +9068,7 @@
           <a:p>
             <a:r>
               <a:rPr lang="en-US" dirty="0" smtClean="0"/>
-              <a:t>All </a:t>
-            </a:r>
-            <a:r>
-              <a:rPr lang="en-US" dirty="0" smtClean="0"/>
-              <a:t>larvae starved for 30mins to assay for wandering and before being dried.</a:t>
+              <a:t>All larvae starved for 30mins to assay for wandering and before being dried.</a:t>
             </a:r>
           </a:p>
         </p:txBody>
@@ -4512,7 +10221,2381 @@
     </p:spTree>
     <p:extLst>
       <p:ext uri="{BB962C8B-B14F-4D97-AF65-F5344CB8AC3E}">
-        <p14:creationId xmlns="" xmlns:p14="http://schemas.microsoft.com/office/powerpoint/2010/main" val="1350941246"/>
+        <p14:creationId xmlns:p14="http://schemas.microsoft.com/office/powerpoint/2010/main" val="1350941246"/>
+      </p:ext>
+    </p:extLst>
+  </p:cSld>
+  <p:clrMapOvr>
+    <a:masterClrMapping/>
+  </p:clrMapOvr>
+  <p:timing>
+    <p:tnLst>
+      <p:par>
+        <p:cTn id="1" dur="indefinite" restart="never" nodeType="tmRoot"/>
+      </p:par>
+    </p:tnLst>
+  </p:timing>
+</p:sld>
+</file>
+
+<file path=ppt/slides/slide3.xml><?xml version="1.0" encoding="utf-8"?>
+<p:sld xmlns:a="http://schemas.openxmlformats.org/drawingml/2006/main" xmlns:r="http://schemas.openxmlformats.org/officeDocument/2006/relationships" xmlns:p="http://schemas.openxmlformats.org/presentationml/2006/main">
+  <p:cSld>
+    <p:spTree>
+      <p:nvGrpSpPr>
+        <p:cNvPr id="1" name=""/>
+        <p:cNvGrpSpPr/>
+        <p:nvPr/>
+      </p:nvGrpSpPr>
+      <p:grpSpPr>
+        <a:xfrm>
+          <a:off x="0" y="0"/>
+          <a:ext cx="0" cy="0"/>
+          <a:chOff x="0" y="0"/>
+          <a:chExt cx="0" cy="0"/>
+        </a:xfrm>
+      </p:grpSpPr>
+      <p:sp>
+        <p:nvSpPr>
+          <p:cNvPr id="2" name="Title 1"/>
+          <p:cNvSpPr>
+            <a:spLocks noGrp="1"/>
+          </p:cNvSpPr>
+          <p:nvPr>
+            <p:ph type="title"/>
+          </p:nvPr>
+        </p:nvSpPr>
+        <p:spPr/>
+        <p:txBody>
+          <a:bodyPr/>
+          <a:lstStyle/>
+          <a:p>
+            <a:endParaRPr lang="en-US"/>
+          </a:p>
+        </p:txBody>
+      </p:sp>
+      <p:sp>
+        <p:nvSpPr>
+          <p:cNvPr id="3" name="Content Placeholder 2"/>
+          <p:cNvSpPr>
+            <a:spLocks noGrp="1"/>
+          </p:cNvSpPr>
+          <p:nvPr>
+            <p:ph idx="1"/>
+          </p:nvPr>
+        </p:nvSpPr>
+        <p:spPr/>
+        <p:txBody>
+          <a:bodyPr/>
+          <a:lstStyle/>
+          <a:p>
+            <a:endParaRPr lang="en-US"/>
+          </a:p>
+        </p:txBody>
+      </p:sp>
+    </p:spTree>
+    <p:extLst>
+      <p:ext uri="{BB962C8B-B14F-4D97-AF65-F5344CB8AC3E}">
+        <p14:creationId xmlns:p14="http://schemas.microsoft.com/office/powerpoint/2010/main" val="81110736"/>
+      </p:ext>
+    </p:extLst>
+  </p:cSld>
+  <p:clrMapOvr>
+    <a:masterClrMapping/>
+  </p:clrMapOvr>
+</p:sld>
+</file>
+
+<file path=ppt/slides/slide4.xml><?xml version="1.0" encoding="utf-8"?>
+<p:sld xmlns:a="http://schemas.openxmlformats.org/drawingml/2006/main" xmlns:r="http://schemas.openxmlformats.org/officeDocument/2006/relationships" xmlns:p="http://schemas.openxmlformats.org/presentationml/2006/main">
+  <p:cSld>
+    <p:spTree>
+      <p:nvGrpSpPr>
+        <p:cNvPr id="1" name=""/>
+        <p:cNvGrpSpPr/>
+        <p:nvPr/>
+      </p:nvGrpSpPr>
+      <p:grpSpPr>
+        <a:xfrm>
+          <a:off x="0" y="0"/>
+          <a:ext cx="0" cy="0"/>
+          <a:chOff x="0" y="0"/>
+          <a:chExt cx="0" cy="0"/>
+        </a:xfrm>
+      </p:grpSpPr>
+      <p:graphicFrame>
+        <p:nvGraphicFramePr>
+          <p:cNvPr id="17" name="Chart 16"/>
+          <p:cNvGraphicFramePr/>
+          <p:nvPr>
+            <p:extLst/>
+          </p:nvPr>
+        </p:nvGraphicFramePr>
+        <p:xfrm>
+          <a:off x="638508" y="2363390"/>
+          <a:ext cx="3322466" cy="3263504"/>
+        </p:xfrm>
+        <a:graphic>
+          <a:graphicData uri="http://schemas.openxmlformats.org/drawingml/2006/chart">
+            <c:chart xmlns:c="http://schemas.openxmlformats.org/drawingml/2006/chart" xmlns:r="http://schemas.openxmlformats.org/officeDocument/2006/relationships" r:id="rId2"/>
+          </a:graphicData>
+        </a:graphic>
+      </p:graphicFrame>
+      <p:graphicFrame>
+        <p:nvGraphicFramePr>
+          <p:cNvPr id="18" name="Chart 17"/>
+          <p:cNvGraphicFramePr/>
+          <p:nvPr>
+            <p:extLst/>
+          </p:nvPr>
+        </p:nvGraphicFramePr>
+        <p:xfrm>
+          <a:off x="4891254" y="2363390"/>
+          <a:ext cx="3322466" cy="3263504"/>
+        </p:xfrm>
+        <a:graphic>
+          <a:graphicData uri="http://schemas.openxmlformats.org/drawingml/2006/chart">
+            <c:chart xmlns:c="http://schemas.openxmlformats.org/drawingml/2006/chart" xmlns:r="http://schemas.openxmlformats.org/officeDocument/2006/relationships" r:id="rId3"/>
+          </a:graphicData>
+        </a:graphic>
+      </p:graphicFrame>
+      <p:sp>
+        <p:nvSpPr>
+          <p:cNvPr id="20" name="TextBox 19"/>
+          <p:cNvSpPr txBox="1"/>
+          <p:nvPr/>
+        </p:nvSpPr>
+        <p:spPr>
+          <a:xfrm>
+            <a:off x="1702101" y="2026229"/>
+            <a:ext cx="1928733" cy="461665"/>
+          </a:xfrm>
+          <a:prstGeom prst="rect">
+            <a:avLst/>
+          </a:prstGeom>
+          <a:noFill/>
+        </p:spPr>
+        <p:txBody>
+          <a:bodyPr wrap="none" rtlCol="0">
+            <a:spAutoFit/>
+          </a:bodyPr>
+          <a:lstStyle/>
+          <a:p>
+            <a:r>
+              <a:rPr lang="en-US" sz="2400" dirty="0"/>
+              <a:t>Non Diapause</a:t>
+            </a:r>
+            <a:endParaRPr lang="en-US" sz="2400" dirty="0"/>
+          </a:p>
+        </p:txBody>
+      </p:sp>
+      <p:sp>
+        <p:nvSpPr>
+          <p:cNvPr id="21" name="Title 1"/>
+          <p:cNvSpPr txBox="1">
+            <a:spLocks/>
+          </p:cNvSpPr>
+          <p:nvPr/>
+        </p:nvSpPr>
+        <p:spPr>
+          <a:xfrm>
+            <a:off x="628650" y="1131094"/>
+            <a:ext cx="7886700" cy="994172"/>
+          </a:xfrm>
+          <a:prstGeom prst="rect">
+            <a:avLst/>
+          </a:prstGeom>
+        </p:spPr>
+        <p:txBody>
+          <a:bodyPr vert="horz" lIns="68580" tIns="34290" rIns="68580" bIns="34290" rtlCol="0" anchor="ctr">
+            <a:normAutofit fontScale="97500"/>
+          </a:bodyPr>
+          <a:lstStyle>
+            <a:lvl1pPr algn="l" defTabSz="914400" rtl="0" eaLnBrk="1" latinLnBrk="0" hangingPunct="1">
+              <a:lnSpc>
+                <a:spcPct val="90000"/>
+              </a:lnSpc>
+              <a:spcBef>
+                <a:spcPct val="0"/>
+              </a:spcBef>
+              <a:buNone/>
+              <a:defRPr sz="4800" b="1" kern="1200">
+                <a:solidFill>
+                  <a:schemeClr val="tx1"/>
+                </a:solidFill>
+                <a:latin typeface="+mj-lt"/>
+                <a:ea typeface="+mj-ea"/>
+                <a:cs typeface="+mj-cs"/>
+              </a:defRPr>
+            </a:lvl1pPr>
+          </a:lstStyle>
+          <a:p>
+            <a:r>
+              <a:rPr lang="en-US" sz="3300" dirty="0"/>
+              <a:t>Prediction 1: </a:t>
+            </a:r>
+            <a:r>
+              <a:rPr lang="en-US" sz="3300" dirty="0" smtClean="0"/>
+              <a:t>Changes in diet </a:t>
+            </a:r>
+            <a:r>
+              <a:rPr lang="en-US" sz="3300" dirty="0" err="1" smtClean="0"/>
+              <a:t>availibility</a:t>
+            </a:r>
+            <a:r>
+              <a:rPr lang="en-US" sz="3300" dirty="0" smtClean="0"/>
+              <a:t> has no effect on </a:t>
+            </a:r>
+            <a:endParaRPr lang="en-US" sz="3300" dirty="0"/>
+          </a:p>
+        </p:txBody>
+      </p:sp>
+      <p:sp>
+        <p:nvSpPr>
+          <p:cNvPr id="40" name="TextBox 39"/>
+          <p:cNvSpPr txBox="1"/>
+          <p:nvPr/>
+        </p:nvSpPr>
+        <p:spPr>
+          <a:xfrm>
+            <a:off x="6287137" y="2025038"/>
+            <a:ext cx="1337226" cy="461665"/>
+          </a:xfrm>
+          <a:prstGeom prst="rect">
+            <a:avLst/>
+          </a:prstGeom>
+          <a:noFill/>
+        </p:spPr>
+        <p:txBody>
+          <a:bodyPr wrap="none" rtlCol="0">
+            <a:spAutoFit/>
+          </a:bodyPr>
+          <a:lstStyle/>
+          <a:p>
+            <a:r>
+              <a:rPr lang="en-US" sz="2400" dirty="0"/>
+              <a:t>Diapause</a:t>
+            </a:r>
+            <a:endParaRPr lang="en-US" sz="2400" dirty="0"/>
+          </a:p>
+        </p:txBody>
+      </p:sp>
+      <p:sp>
+        <p:nvSpPr>
+          <p:cNvPr id="2" name="TextBox 1"/>
+          <p:cNvSpPr txBox="1"/>
+          <p:nvPr/>
+        </p:nvSpPr>
+        <p:spPr>
+          <a:xfrm rot="19572131">
+            <a:off x="3102067" y="2799543"/>
+            <a:ext cx="2177199" cy="1200329"/>
+          </a:xfrm>
+          <a:prstGeom prst="rect">
+            <a:avLst/>
+          </a:prstGeom>
+          <a:noFill/>
+        </p:spPr>
+        <p:txBody>
+          <a:bodyPr wrap="none" rtlCol="0">
+            <a:spAutoFit/>
+          </a:bodyPr>
+          <a:lstStyle/>
+          <a:p>
+            <a:r>
+              <a:rPr lang="en-US" sz="7200" b="1" dirty="0">
+                <a:solidFill>
+                  <a:srgbClr val="FF0000"/>
+                </a:solidFill>
+              </a:rPr>
+              <a:t>NULL</a:t>
+            </a:r>
+            <a:endParaRPr lang="en-US" sz="7200" b="1" dirty="0">
+              <a:solidFill>
+                <a:srgbClr val="FF0000"/>
+              </a:solidFill>
+            </a:endParaRPr>
+          </a:p>
+        </p:txBody>
+      </p:sp>
+    </p:spTree>
+    <p:extLst>
+      <p:ext uri="{BB962C8B-B14F-4D97-AF65-F5344CB8AC3E}">
+        <p14:creationId xmlns:p14="http://schemas.microsoft.com/office/powerpoint/2010/main" val="290077461"/>
+      </p:ext>
+    </p:extLst>
+  </p:cSld>
+  <p:clrMapOvr>
+    <a:masterClrMapping/>
+  </p:clrMapOvr>
+  <p:timing>
+    <p:tnLst>
+      <p:par>
+        <p:cTn id="1" dur="indefinite" restart="never" nodeType="tmRoot">
+          <p:childTnLst>
+            <p:seq concurrent="1" nextAc="seek">
+              <p:cTn id="2" dur="indefinite" nodeType="mainSeq">
+                <p:childTnLst>
+                  <p:par>
+                    <p:cTn id="3" fill="hold">
+                      <p:stCondLst>
+                        <p:cond delay="indefinite"/>
+                      </p:stCondLst>
+                      <p:childTnLst>
+                        <p:par>
+                          <p:cTn id="4" fill="hold">
+                            <p:stCondLst>
+                              <p:cond delay="0"/>
+                            </p:stCondLst>
+                            <p:childTnLst>
+                              <p:par>
+                                <p:cTn id="5" presetID="1" presetClass="entr" presetSubtype="0" fill="hold" grpId="0" nodeType="clickEffect">
+                                  <p:stCondLst>
+                                    <p:cond delay="0"/>
+                                  </p:stCondLst>
+                                  <p:childTnLst>
+                                    <p:set>
+                                      <p:cBhvr>
+                                        <p:cTn id="6" dur="1" fill="hold">
+                                          <p:stCondLst>
+                                            <p:cond delay="0"/>
+                                          </p:stCondLst>
+                                        </p:cTn>
+                                        <p:tgtEl>
+                                          <p:spTgt spid="2"/>
+                                        </p:tgtEl>
+                                        <p:attrNameLst>
+                                          <p:attrName>style.visibility</p:attrName>
+                                        </p:attrNameLst>
+                                      </p:cBhvr>
+                                      <p:to>
+                                        <p:strVal val="visible"/>
+                                      </p:to>
+                                    </p:set>
+                                  </p:childTnLst>
+                                </p:cTn>
+                              </p:par>
+                            </p:childTnLst>
+                          </p:cTn>
+                        </p:par>
+                      </p:childTnLst>
+                    </p:cTn>
+                  </p:par>
+                </p:childTnLst>
+              </p:cTn>
+              <p:prevCondLst>
+                <p:cond evt="onPrev" delay="0">
+                  <p:tgtEl>
+                    <p:sldTgt/>
+                  </p:tgtEl>
+                </p:cond>
+              </p:prevCondLst>
+              <p:nextCondLst>
+                <p:cond evt="onNext" delay="0">
+                  <p:tgtEl>
+                    <p:sldTgt/>
+                  </p:tgtEl>
+                </p:cond>
+              </p:nextCondLst>
+            </p:seq>
+          </p:childTnLst>
+        </p:cTn>
+      </p:par>
+    </p:tnLst>
+    <p:bldLst>
+      <p:bldP spid="2" grpId="0"/>
+    </p:bldLst>
+  </p:timing>
+</p:sld>
+</file>
+
+<file path=ppt/slides/slide5.xml><?xml version="1.0" encoding="utf-8"?>
+<p:sld xmlns:a="http://schemas.openxmlformats.org/drawingml/2006/main" xmlns:r="http://schemas.openxmlformats.org/officeDocument/2006/relationships" xmlns:p="http://schemas.openxmlformats.org/presentationml/2006/main">
+  <p:cSld>
+    <p:spTree>
+      <p:nvGrpSpPr>
+        <p:cNvPr id="1" name=""/>
+        <p:cNvGrpSpPr/>
+        <p:nvPr/>
+      </p:nvGrpSpPr>
+      <p:grpSpPr>
+        <a:xfrm>
+          <a:off x="0" y="0"/>
+          <a:ext cx="0" cy="0"/>
+          <a:chOff x="0" y="0"/>
+          <a:chExt cx="0" cy="0"/>
+        </a:xfrm>
+      </p:grpSpPr>
+      <p:sp>
+        <p:nvSpPr>
+          <p:cNvPr id="4" name="Rectangle 3"/>
+          <p:cNvSpPr/>
+          <p:nvPr/>
+        </p:nvSpPr>
+        <p:spPr>
+          <a:xfrm>
+            <a:off x="6822228" y="940670"/>
+            <a:ext cx="1395460" cy="314903"/>
+          </a:xfrm>
+          <a:prstGeom prst="rect">
+            <a:avLst/>
+          </a:prstGeom>
+          <a:solidFill>
+            <a:schemeClr val="accent2"/>
+          </a:solidFill>
+          <a:ln>
+            <a:noFill/>
+          </a:ln>
+        </p:spPr>
+        <p:style>
+          <a:lnRef idx="2">
+            <a:schemeClr val="accent1">
+              <a:shade val="50000"/>
+            </a:schemeClr>
+          </a:lnRef>
+          <a:fillRef idx="1">
+            <a:schemeClr val="accent1"/>
+          </a:fillRef>
+          <a:effectRef idx="0">
+            <a:schemeClr val="accent1"/>
+          </a:effectRef>
+          <a:fontRef idx="minor">
+            <a:schemeClr val="lt1"/>
+          </a:fontRef>
+        </p:style>
+        <p:txBody>
+          <a:bodyPr rtlCol="0" anchor="ctr"/>
+          <a:lstStyle/>
+          <a:p>
+            <a:pPr algn="ctr"/>
+            <a:r>
+              <a:rPr lang="en-US" sz="1350" dirty="0"/>
+              <a:t>Long Diapause</a:t>
+            </a:r>
+            <a:endParaRPr lang="en-US" sz="1350" dirty="0"/>
+          </a:p>
+        </p:txBody>
+      </p:sp>
+      <p:sp>
+        <p:nvSpPr>
+          <p:cNvPr id="5" name="Rectangle 4"/>
+          <p:cNvSpPr/>
+          <p:nvPr/>
+        </p:nvSpPr>
+        <p:spPr>
+          <a:xfrm>
+            <a:off x="4891677" y="940670"/>
+            <a:ext cx="1395460" cy="314903"/>
+          </a:xfrm>
+          <a:prstGeom prst="rect">
+            <a:avLst/>
+          </a:prstGeom>
+          <a:solidFill>
+            <a:schemeClr val="bg1">
+              <a:lumMod val="65000"/>
+            </a:schemeClr>
+          </a:solidFill>
+          <a:ln>
+            <a:noFill/>
+          </a:ln>
+        </p:spPr>
+        <p:style>
+          <a:lnRef idx="2">
+            <a:schemeClr val="accent1">
+              <a:shade val="50000"/>
+            </a:schemeClr>
+          </a:lnRef>
+          <a:fillRef idx="1">
+            <a:schemeClr val="accent1"/>
+          </a:fillRef>
+          <a:effectRef idx="0">
+            <a:schemeClr val="accent1"/>
+          </a:effectRef>
+          <a:fontRef idx="minor">
+            <a:schemeClr val="lt1"/>
+          </a:fontRef>
+        </p:style>
+        <p:txBody>
+          <a:bodyPr rtlCol="0" anchor="ctr"/>
+          <a:lstStyle/>
+          <a:p>
+            <a:pPr algn="ctr"/>
+            <a:r>
+              <a:rPr lang="en-US" sz="1350" dirty="0"/>
+              <a:t>Short Diapause</a:t>
+            </a:r>
+            <a:endParaRPr lang="en-US" sz="1350" dirty="0"/>
+          </a:p>
+        </p:txBody>
+      </p:sp>
+      <p:sp>
+        <p:nvSpPr>
+          <p:cNvPr id="6" name="Rectangle 5"/>
+          <p:cNvSpPr/>
+          <p:nvPr/>
+        </p:nvSpPr>
+        <p:spPr>
+          <a:xfrm>
+            <a:off x="2977954" y="940670"/>
+            <a:ext cx="1378633" cy="314903"/>
+          </a:xfrm>
+          <a:prstGeom prst="rect">
+            <a:avLst/>
+          </a:prstGeom>
+          <a:ln>
+            <a:noFill/>
+          </a:ln>
+        </p:spPr>
+        <p:style>
+          <a:lnRef idx="2">
+            <a:schemeClr val="accent1">
+              <a:shade val="50000"/>
+            </a:schemeClr>
+          </a:lnRef>
+          <a:fillRef idx="1">
+            <a:schemeClr val="accent1"/>
+          </a:fillRef>
+          <a:effectRef idx="0">
+            <a:schemeClr val="accent1"/>
+          </a:effectRef>
+          <a:fontRef idx="minor">
+            <a:schemeClr val="lt1"/>
+          </a:fontRef>
+        </p:style>
+        <p:txBody>
+          <a:bodyPr rtlCol="0" anchor="ctr"/>
+          <a:lstStyle/>
+          <a:p>
+            <a:pPr algn="ctr"/>
+            <a:r>
+              <a:rPr lang="en-US" sz="1350" dirty="0"/>
+              <a:t>Fall</a:t>
+            </a:r>
+            <a:endParaRPr lang="en-US" sz="1350" dirty="0"/>
+          </a:p>
+        </p:txBody>
+      </p:sp>
+      <p:sp>
+        <p:nvSpPr>
+          <p:cNvPr id="7" name="Rectangle 6"/>
+          <p:cNvSpPr/>
+          <p:nvPr/>
+        </p:nvSpPr>
+        <p:spPr>
+          <a:xfrm>
+            <a:off x="1044330" y="940669"/>
+            <a:ext cx="1395460" cy="314903"/>
+          </a:xfrm>
+          <a:prstGeom prst="rect">
+            <a:avLst/>
+          </a:prstGeom>
+          <a:solidFill>
+            <a:srgbClr val="92D050"/>
+          </a:solidFill>
+          <a:ln>
+            <a:noFill/>
+          </a:ln>
+        </p:spPr>
+        <p:style>
+          <a:lnRef idx="2">
+            <a:schemeClr val="accent1">
+              <a:shade val="50000"/>
+            </a:schemeClr>
+          </a:lnRef>
+          <a:fillRef idx="1">
+            <a:schemeClr val="accent1"/>
+          </a:fillRef>
+          <a:effectRef idx="0">
+            <a:schemeClr val="accent1"/>
+          </a:effectRef>
+          <a:fontRef idx="minor">
+            <a:schemeClr val="lt1"/>
+          </a:fontRef>
+        </p:style>
+        <p:txBody>
+          <a:bodyPr rtlCol="0" anchor="ctr"/>
+          <a:lstStyle/>
+          <a:p>
+            <a:pPr algn="ctr"/>
+            <a:r>
+              <a:rPr lang="en-US" sz="1350" dirty="0">
+                <a:solidFill>
+                  <a:sysClr val="windowText" lastClr="000000"/>
+                </a:solidFill>
+              </a:rPr>
+              <a:t>Summer</a:t>
+            </a:r>
+            <a:endParaRPr lang="en-US" sz="1350" dirty="0">
+              <a:solidFill>
+                <a:sysClr val="windowText" lastClr="000000"/>
+              </a:solidFill>
+            </a:endParaRPr>
+          </a:p>
+        </p:txBody>
+      </p:sp>
+      <p:sp>
+        <p:nvSpPr>
+          <p:cNvPr id="8" name="Title 1"/>
+          <p:cNvSpPr txBox="1">
+            <a:spLocks/>
+          </p:cNvSpPr>
+          <p:nvPr/>
+        </p:nvSpPr>
+        <p:spPr>
+          <a:xfrm>
+            <a:off x="628650" y="1195390"/>
+            <a:ext cx="7886700" cy="994172"/>
+          </a:xfrm>
+          <a:prstGeom prst="rect">
+            <a:avLst/>
+          </a:prstGeom>
+        </p:spPr>
+        <p:txBody>
+          <a:bodyPr vert="horz" lIns="68580" tIns="34290" rIns="68580" bIns="34290" rtlCol="0" anchor="ctr">
+            <a:normAutofit fontScale="97500"/>
+          </a:bodyPr>
+          <a:lstStyle>
+            <a:lvl1pPr algn="l" defTabSz="914400" rtl="0" eaLnBrk="1" latinLnBrk="0" hangingPunct="1">
+              <a:lnSpc>
+                <a:spcPct val="90000"/>
+              </a:lnSpc>
+              <a:spcBef>
+                <a:spcPct val="0"/>
+              </a:spcBef>
+              <a:buNone/>
+              <a:defRPr sz="4800" b="1" kern="1200">
+                <a:solidFill>
+                  <a:schemeClr val="tx1"/>
+                </a:solidFill>
+                <a:latin typeface="+mj-lt"/>
+                <a:ea typeface="+mj-ea"/>
+                <a:cs typeface="+mj-cs"/>
+              </a:defRPr>
+            </a:lvl1pPr>
+          </a:lstStyle>
+          <a:p>
+            <a:r>
+              <a:rPr lang="en-US" sz="3300" dirty="0"/>
+              <a:t>Prediction 2: </a:t>
+            </a:r>
+            <a:r>
+              <a:rPr lang="en-US" sz="3300"/>
+              <a:t>Stored resources increased </a:t>
+            </a:r>
+            <a:r>
+              <a:rPr lang="en-US" sz="3300" dirty="0"/>
+              <a:t>in diapausing larvae</a:t>
+            </a:r>
+            <a:endParaRPr lang="en-US" sz="3300" dirty="0"/>
+          </a:p>
+        </p:txBody>
+      </p:sp>
+      <p:graphicFrame>
+        <p:nvGraphicFramePr>
+          <p:cNvPr id="11" name="Chart 10"/>
+          <p:cNvGraphicFramePr/>
+          <p:nvPr>
+            <p:extLst/>
+          </p:nvPr>
+        </p:nvGraphicFramePr>
+        <p:xfrm>
+          <a:off x="628650" y="2522994"/>
+          <a:ext cx="3322466" cy="3034191"/>
+        </p:xfrm>
+        <a:graphic>
+          <a:graphicData uri="http://schemas.openxmlformats.org/drawingml/2006/chart">
+            <c:chart xmlns:c="http://schemas.openxmlformats.org/drawingml/2006/chart" xmlns:r="http://schemas.openxmlformats.org/officeDocument/2006/relationships" r:id="rId2"/>
+          </a:graphicData>
+        </a:graphic>
+      </p:graphicFrame>
+      <p:sp>
+        <p:nvSpPr>
+          <p:cNvPr id="13" name="TextBox 12"/>
+          <p:cNvSpPr txBox="1"/>
+          <p:nvPr/>
+        </p:nvSpPr>
+        <p:spPr>
+          <a:xfrm>
+            <a:off x="1379337" y="2226469"/>
+            <a:ext cx="1954381" cy="461665"/>
+          </a:xfrm>
+          <a:prstGeom prst="rect">
+            <a:avLst/>
+          </a:prstGeom>
+          <a:noFill/>
+        </p:spPr>
+        <p:txBody>
+          <a:bodyPr wrap="none" rtlCol="0">
+            <a:spAutoFit/>
+          </a:bodyPr>
+          <a:lstStyle/>
+          <a:p>
+            <a:r>
+              <a:rPr lang="en-US" sz="2400" dirty="0"/>
+              <a:t>Non-Diapause</a:t>
+            </a:r>
+            <a:endParaRPr lang="en-US" sz="2400" dirty="0"/>
+          </a:p>
+        </p:txBody>
+      </p:sp>
+      <p:graphicFrame>
+        <p:nvGraphicFramePr>
+          <p:cNvPr id="18" name="Chart 17"/>
+          <p:cNvGraphicFramePr/>
+          <p:nvPr>
+            <p:extLst/>
+          </p:nvPr>
+        </p:nvGraphicFramePr>
+        <p:xfrm>
+          <a:off x="5192884" y="2522994"/>
+          <a:ext cx="3322466" cy="3034191"/>
+        </p:xfrm>
+        <a:graphic>
+          <a:graphicData uri="http://schemas.openxmlformats.org/drawingml/2006/chart">
+            <c:chart xmlns:c="http://schemas.openxmlformats.org/drawingml/2006/chart" xmlns:r="http://schemas.openxmlformats.org/officeDocument/2006/relationships" r:id="rId3"/>
+          </a:graphicData>
+        </a:graphic>
+      </p:graphicFrame>
+      <p:sp>
+        <p:nvSpPr>
+          <p:cNvPr id="19" name="TextBox 18"/>
+          <p:cNvSpPr txBox="1"/>
+          <p:nvPr/>
+        </p:nvSpPr>
+        <p:spPr>
+          <a:xfrm>
+            <a:off x="6207786" y="2226469"/>
+            <a:ext cx="1337226" cy="461665"/>
+          </a:xfrm>
+          <a:prstGeom prst="rect">
+            <a:avLst/>
+          </a:prstGeom>
+          <a:noFill/>
+        </p:spPr>
+        <p:txBody>
+          <a:bodyPr wrap="none" rtlCol="0">
+            <a:spAutoFit/>
+          </a:bodyPr>
+          <a:lstStyle/>
+          <a:p>
+            <a:r>
+              <a:rPr lang="en-US" sz="2400" dirty="0"/>
+              <a:t>Diapause</a:t>
+            </a:r>
+            <a:endParaRPr lang="en-US" sz="2400" dirty="0"/>
+          </a:p>
+        </p:txBody>
+      </p:sp>
+      <p:grpSp>
+        <p:nvGrpSpPr>
+          <p:cNvPr id="20" name="Group 19"/>
+          <p:cNvGrpSpPr/>
+          <p:nvPr/>
+        </p:nvGrpSpPr>
+        <p:grpSpPr>
+          <a:xfrm>
+            <a:off x="3667270" y="3917332"/>
+            <a:ext cx="1774820" cy="1196282"/>
+            <a:chOff x="4670306" y="1690688"/>
+            <a:chExt cx="6281320" cy="4425554"/>
+          </a:xfrm>
+        </p:grpSpPr>
+        <p:pic>
+          <p:nvPicPr>
+            <p:cNvPr id="21" name="Content Placeholder 7"/>
+            <p:cNvPicPr>
+              <a:picLocks noChangeAspect="1"/>
+            </p:cNvPicPr>
+            <p:nvPr/>
+          </p:nvPicPr>
+          <p:blipFill rotWithShape="1">
+            <a:blip r:embed="rId4">
+              <a:extLst>
+                <a:ext uri="{28A0092B-C50C-407E-A947-70E740481C1C}">
+                  <a14:useLocalDpi xmlns:a14="http://schemas.microsoft.com/office/drawing/2010/main" val="0"/>
+                </a:ext>
+              </a:extLst>
+            </a:blip>
+            <a:srcRect r="47106"/>
+            <a:stretch/>
+          </p:blipFill>
+          <p:spPr>
+            <a:xfrm>
+              <a:off x="8900311" y="1764904"/>
+              <a:ext cx="2051315" cy="4351338"/>
+            </a:xfrm>
+            <a:prstGeom prst="rect">
+              <a:avLst/>
+            </a:prstGeom>
+          </p:spPr>
+        </p:pic>
+        <p:pic>
+          <p:nvPicPr>
+            <p:cNvPr id="22" name="Content Placeholder 7"/>
+            <p:cNvPicPr>
+              <a:picLocks noChangeAspect="1"/>
+            </p:cNvPicPr>
+            <p:nvPr/>
+          </p:nvPicPr>
+          <p:blipFill rotWithShape="1">
+            <a:blip r:embed="rId4">
+              <a:extLst>
+                <a:ext uri="{28A0092B-C50C-407E-A947-70E740481C1C}">
+                  <a14:useLocalDpi xmlns:a14="http://schemas.microsoft.com/office/drawing/2010/main" val="0"/>
+                </a:ext>
+              </a:extLst>
+            </a:blip>
+            <a:srcRect r="45557"/>
+            <a:stretch/>
+          </p:blipFill>
+          <p:spPr>
+            <a:xfrm>
+              <a:off x="4670306" y="1690688"/>
+              <a:ext cx="2111415" cy="4351338"/>
+            </a:xfrm>
+            <a:prstGeom prst="rect">
+              <a:avLst/>
+            </a:prstGeom>
+          </p:spPr>
+        </p:pic>
+        <p:grpSp>
+          <p:nvGrpSpPr>
+            <p:cNvPr id="23" name="Group 22"/>
+            <p:cNvGrpSpPr/>
+            <p:nvPr/>
+          </p:nvGrpSpPr>
+          <p:grpSpPr>
+            <a:xfrm>
+              <a:off x="5001966" y="2723603"/>
+              <a:ext cx="1779755" cy="1327418"/>
+              <a:chOff x="2904184" y="3284101"/>
+              <a:chExt cx="1779755" cy="1327418"/>
+            </a:xfrm>
+          </p:grpSpPr>
+          <p:pic>
+            <p:nvPicPr>
+              <p:cNvPr id="35" name="Picture 34"/>
+              <p:cNvPicPr>
+                <a:picLocks noChangeAspect="1"/>
+              </p:cNvPicPr>
+              <p:nvPr/>
+            </p:nvPicPr>
+            <p:blipFill>
+              <a:blip r:embed="rId5">
+                <a:duotone>
+                  <a:schemeClr val="accent6">
+                    <a:shade val="45000"/>
+                    <a:satMod val="135000"/>
+                  </a:schemeClr>
+                  <a:prstClr val="white"/>
+                </a:duotone>
+                <a:extLst>
+                  <a:ext uri="{28A0092B-C50C-407E-A947-70E740481C1C}">
+                    <a14:useLocalDpi xmlns:a14="http://schemas.microsoft.com/office/drawing/2010/main" val="0"/>
+                  </a:ext>
+                </a:extLst>
+              </a:blip>
+              <a:stretch>
+                <a:fillRect/>
+              </a:stretch>
+            </p:blipFill>
+            <p:spPr>
+              <a:xfrm>
+                <a:off x="2904184" y="3284102"/>
+                <a:ext cx="1779755" cy="1327417"/>
+              </a:xfrm>
+              <a:prstGeom prst="rect">
+                <a:avLst/>
+              </a:prstGeom>
+            </p:spPr>
+          </p:pic>
+          <p:pic>
+            <p:nvPicPr>
+              <p:cNvPr id="36" name="Picture 35"/>
+              <p:cNvPicPr>
+                <a:picLocks noChangeAspect="1"/>
+              </p:cNvPicPr>
+              <p:nvPr/>
+            </p:nvPicPr>
+            <p:blipFill rotWithShape="1">
+              <a:blip r:embed="rId6">
+                <a:duotone>
+                  <a:schemeClr val="accent2">
+                    <a:shade val="45000"/>
+                    <a:satMod val="135000"/>
+                  </a:schemeClr>
+                  <a:prstClr val="white"/>
+                </a:duotone>
+                <a:extLst>
+                  <a:ext uri="{BEBA8EAE-BF5A-486C-A8C5-ECC9F3942E4B}">
+                    <a14:imgProps xmlns:a14="http://schemas.microsoft.com/office/drawing/2010/main">
+                      <a14:imgLayer r:embed="rId7">
+                        <a14:imgEffect>
+                          <a14:saturation sat="400000"/>
+                        </a14:imgEffect>
+                      </a14:imgLayer>
+                    </a14:imgProps>
+                  </a:ext>
+                  <a:ext uri="{28A0092B-C50C-407E-A947-70E740481C1C}">
+                    <a14:useLocalDpi xmlns:a14="http://schemas.microsoft.com/office/drawing/2010/main" val="0"/>
+                  </a:ext>
+                </a:extLst>
+              </a:blip>
+              <a:srcRect r="53118"/>
+              <a:stretch/>
+            </p:blipFill>
+            <p:spPr>
+              <a:xfrm>
+                <a:off x="2904185" y="3284101"/>
+                <a:ext cx="834390" cy="1327417"/>
+              </a:xfrm>
+              <a:prstGeom prst="rect">
+                <a:avLst/>
+              </a:prstGeom>
+            </p:spPr>
+          </p:pic>
+        </p:grpSp>
+        <p:grpSp>
+          <p:nvGrpSpPr>
+            <p:cNvPr id="24" name="Group 23"/>
+            <p:cNvGrpSpPr/>
+            <p:nvPr/>
+          </p:nvGrpSpPr>
+          <p:grpSpPr>
+            <a:xfrm>
+              <a:off x="4989229" y="4185957"/>
+              <a:ext cx="1779755" cy="1327418"/>
+              <a:chOff x="7128992" y="3909348"/>
+              <a:chExt cx="1779755" cy="1327418"/>
+            </a:xfrm>
+          </p:grpSpPr>
+          <p:pic>
+            <p:nvPicPr>
+              <p:cNvPr id="33" name="Picture 32"/>
+              <p:cNvPicPr>
+                <a:picLocks noChangeAspect="1"/>
+              </p:cNvPicPr>
+              <p:nvPr/>
+            </p:nvPicPr>
+            <p:blipFill>
+              <a:blip r:embed="rId5">
+                <a:duotone>
+                  <a:schemeClr val="accent6">
+                    <a:shade val="45000"/>
+                    <a:satMod val="135000"/>
+                  </a:schemeClr>
+                  <a:prstClr val="white"/>
+                </a:duotone>
+                <a:extLst>
+                  <a:ext uri="{28A0092B-C50C-407E-A947-70E740481C1C}">
+                    <a14:useLocalDpi xmlns:a14="http://schemas.microsoft.com/office/drawing/2010/main" val="0"/>
+                  </a:ext>
+                </a:extLst>
+              </a:blip>
+              <a:stretch>
+                <a:fillRect/>
+              </a:stretch>
+            </p:blipFill>
+            <p:spPr>
+              <a:xfrm>
+                <a:off x="7128992" y="3909349"/>
+                <a:ext cx="1779755" cy="1327417"/>
+              </a:xfrm>
+              <a:prstGeom prst="rect">
+                <a:avLst/>
+              </a:prstGeom>
+            </p:spPr>
+          </p:pic>
+          <p:pic>
+            <p:nvPicPr>
+              <p:cNvPr id="34" name="Picture 33"/>
+              <p:cNvPicPr>
+                <a:picLocks noChangeAspect="1"/>
+              </p:cNvPicPr>
+              <p:nvPr/>
+            </p:nvPicPr>
+            <p:blipFill rotWithShape="1">
+              <a:blip r:embed="rId8">
+                <a:duotone>
+                  <a:schemeClr val="accent3">
+                    <a:shade val="45000"/>
+                    <a:satMod val="135000"/>
+                  </a:schemeClr>
+                  <a:prstClr val="white"/>
+                </a:duotone>
+                <a:extLst>
+                  <a:ext uri="{BEBA8EAE-BF5A-486C-A8C5-ECC9F3942E4B}">
+                    <a14:imgProps xmlns:a14="http://schemas.microsoft.com/office/drawing/2010/main">
+                      <a14:imgLayer r:embed="rId9">
+                        <a14:imgEffect>
+                          <a14:colorTemperature colorTemp="4700"/>
+                        </a14:imgEffect>
+                        <a14:imgEffect>
+                          <a14:saturation sat="400000"/>
+                        </a14:imgEffect>
+                      </a14:imgLayer>
+                    </a14:imgProps>
+                  </a:ext>
+                  <a:ext uri="{28A0092B-C50C-407E-A947-70E740481C1C}">
+                    <a14:useLocalDpi xmlns:a14="http://schemas.microsoft.com/office/drawing/2010/main" val="0"/>
+                  </a:ext>
+                </a:extLst>
+              </a:blip>
+              <a:srcRect r="47855"/>
+              <a:stretch/>
+            </p:blipFill>
+            <p:spPr>
+              <a:xfrm>
+                <a:off x="7128992" y="3909348"/>
+                <a:ext cx="928050" cy="1327417"/>
+              </a:xfrm>
+              <a:prstGeom prst="rect">
+                <a:avLst/>
+              </a:prstGeom>
+            </p:spPr>
+          </p:pic>
+        </p:grpSp>
+        <p:grpSp>
+          <p:nvGrpSpPr>
+            <p:cNvPr id="25" name="Group 24"/>
+            <p:cNvGrpSpPr/>
+            <p:nvPr/>
+          </p:nvGrpSpPr>
+          <p:grpSpPr>
+            <a:xfrm>
+              <a:off x="9163214" y="4260173"/>
+              <a:ext cx="1779755" cy="1327418"/>
+              <a:chOff x="838199" y="3854667"/>
+              <a:chExt cx="1779755" cy="1327418"/>
+            </a:xfrm>
+          </p:grpSpPr>
+          <p:pic>
+            <p:nvPicPr>
+              <p:cNvPr id="31" name="Picture 30"/>
+              <p:cNvPicPr>
+                <a:picLocks noChangeAspect="1"/>
+              </p:cNvPicPr>
+              <p:nvPr/>
+            </p:nvPicPr>
+            <p:blipFill>
+              <a:blip r:embed="rId6">
+                <a:duotone>
+                  <a:schemeClr val="accent1">
+                    <a:shade val="45000"/>
+                    <a:satMod val="135000"/>
+                  </a:schemeClr>
+                  <a:prstClr val="white"/>
+                </a:duotone>
+                <a:extLst>
+                  <a:ext uri="{BEBA8EAE-BF5A-486C-A8C5-ECC9F3942E4B}">
+                    <a14:imgProps xmlns:a14="http://schemas.microsoft.com/office/drawing/2010/main">
+                      <a14:imgLayer r:embed="rId10">
+                        <a14:imgEffect>
+                          <a14:saturation sat="400000"/>
+                        </a14:imgEffect>
+                      </a14:imgLayer>
+                    </a14:imgProps>
+                  </a:ext>
+                  <a:ext uri="{28A0092B-C50C-407E-A947-70E740481C1C}">
+                    <a14:useLocalDpi xmlns:a14="http://schemas.microsoft.com/office/drawing/2010/main" val="0"/>
+                  </a:ext>
+                </a:extLst>
+              </a:blip>
+              <a:stretch>
+                <a:fillRect/>
+              </a:stretch>
+            </p:blipFill>
+            <p:spPr>
+              <a:xfrm>
+                <a:off x="838199" y="3854668"/>
+                <a:ext cx="1779755" cy="1327417"/>
+              </a:xfrm>
+              <a:prstGeom prst="rect">
+                <a:avLst/>
+              </a:prstGeom>
+            </p:spPr>
+          </p:pic>
+          <p:pic>
+            <p:nvPicPr>
+              <p:cNvPr id="32" name="Picture 31"/>
+              <p:cNvPicPr>
+                <a:picLocks noChangeAspect="1"/>
+              </p:cNvPicPr>
+              <p:nvPr/>
+            </p:nvPicPr>
+            <p:blipFill rotWithShape="1">
+              <a:blip r:embed="rId8">
+                <a:duotone>
+                  <a:schemeClr val="accent3">
+                    <a:shade val="45000"/>
+                    <a:satMod val="135000"/>
+                  </a:schemeClr>
+                  <a:prstClr val="white"/>
+                </a:duotone>
+                <a:extLst>
+                  <a:ext uri="{BEBA8EAE-BF5A-486C-A8C5-ECC9F3942E4B}">
+                    <a14:imgProps xmlns:a14="http://schemas.microsoft.com/office/drawing/2010/main">
+                      <a14:imgLayer r:embed="rId11">
+                        <a14:imgEffect>
+                          <a14:colorTemperature colorTemp="4700"/>
+                        </a14:imgEffect>
+                        <a14:imgEffect>
+                          <a14:saturation sat="400000"/>
+                        </a14:imgEffect>
+                      </a14:imgLayer>
+                    </a14:imgProps>
+                  </a:ext>
+                  <a:ext uri="{28A0092B-C50C-407E-A947-70E740481C1C}">
+                    <a14:useLocalDpi xmlns:a14="http://schemas.microsoft.com/office/drawing/2010/main" val="0"/>
+                  </a:ext>
+                </a:extLst>
+              </a:blip>
+              <a:srcRect r="52145"/>
+              <a:stretch/>
+            </p:blipFill>
+            <p:spPr>
+              <a:xfrm>
+                <a:off x="838199" y="3854667"/>
+                <a:ext cx="851705" cy="1327417"/>
+              </a:xfrm>
+              <a:prstGeom prst="rect">
+                <a:avLst/>
+              </a:prstGeom>
+            </p:spPr>
+          </p:pic>
+        </p:grpSp>
+        <p:grpSp>
+          <p:nvGrpSpPr>
+            <p:cNvPr id="26" name="Group 25"/>
+            <p:cNvGrpSpPr/>
+            <p:nvPr/>
+          </p:nvGrpSpPr>
+          <p:grpSpPr>
+            <a:xfrm>
+              <a:off x="9171871" y="2805434"/>
+              <a:ext cx="1779755" cy="1327417"/>
+              <a:chOff x="838199" y="3854668"/>
+              <a:chExt cx="1779755" cy="1327417"/>
+            </a:xfrm>
+          </p:grpSpPr>
+          <p:pic>
+            <p:nvPicPr>
+              <p:cNvPr id="29" name="Picture 28"/>
+              <p:cNvPicPr>
+                <a:picLocks noChangeAspect="1"/>
+              </p:cNvPicPr>
+              <p:nvPr/>
+            </p:nvPicPr>
+            <p:blipFill>
+              <a:blip r:embed="rId6">
+                <a:duotone>
+                  <a:schemeClr val="accent1">
+                    <a:shade val="45000"/>
+                    <a:satMod val="135000"/>
+                  </a:schemeClr>
+                  <a:prstClr val="white"/>
+                </a:duotone>
+                <a:extLst>
+                  <a:ext uri="{BEBA8EAE-BF5A-486C-A8C5-ECC9F3942E4B}">
+                    <a14:imgProps xmlns:a14="http://schemas.microsoft.com/office/drawing/2010/main">
+                      <a14:imgLayer r:embed="rId12">
+                        <a14:imgEffect>
+                          <a14:saturation sat="400000"/>
+                        </a14:imgEffect>
+                      </a14:imgLayer>
+                    </a14:imgProps>
+                  </a:ext>
+                  <a:ext uri="{28A0092B-C50C-407E-A947-70E740481C1C}">
+                    <a14:useLocalDpi xmlns:a14="http://schemas.microsoft.com/office/drawing/2010/main" val="0"/>
+                  </a:ext>
+                </a:extLst>
+              </a:blip>
+              <a:stretch>
+                <a:fillRect/>
+              </a:stretch>
+            </p:blipFill>
+            <p:spPr>
+              <a:xfrm>
+                <a:off x="838199" y="3854668"/>
+                <a:ext cx="1779755" cy="1327417"/>
+              </a:xfrm>
+              <a:prstGeom prst="rect">
+                <a:avLst/>
+              </a:prstGeom>
+            </p:spPr>
+          </p:pic>
+          <p:pic>
+            <p:nvPicPr>
+              <p:cNvPr id="30" name="Picture 29"/>
+              <p:cNvPicPr>
+                <a:picLocks noChangeAspect="1"/>
+              </p:cNvPicPr>
+              <p:nvPr/>
+            </p:nvPicPr>
+            <p:blipFill rotWithShape="1">
+              <a:blip r:embed="rId6">
+                <a:duotone>
+                  <a:schemeClr val="accent2">
+                    <a:shade val="45000"/>
+                    <a:satMod val="135000"/>
+                  </a:schemeClr>
+                  <a:prstClr val="white"/>
+                </a:duotone>
+                <a:extLst>
+                  <a:ext uri="{BEBA8EAE-BF5A-486C-A8C5-ECC9F3942E4B}">
+                    <a14:imgProps xmlns:a14="http://schemas.microsoft.com/office/drawing/2010/main">
+                      <a14:imgLayer r:embed="rId13">
+                        <a14:imgEffect>
+                          <a14:saturation sat="400000"/>
+                        </a14:imgEffect>
+                      </a14:imgLayer>
+                    </a14:imgProps>
+                  </a:ext>
+                  <a:ext uri="{28A0092B-C50C-407E-A947-70E740481C1C}">
+                    <a14:useLocalDpi xmlns:a14="http://schemas.microsoft.com/office/drawing/2010/main" val="0"/>
+                  </a:ext>
+                </a:extLst>
+              </a:blip>
+              <a:srcRect r="52145"/>
+              <a:stretch/>
+            </p:blipFill>
+            <p:spPr>
+              <a:xfrm>
+                <a:off x="838199" y="3854668"/>
+                <a:ext cx="851706" cy="1327417"/>
+              </a:xfrm>
+              <a:prstGeom prst="rect">
+                <a:avLst/>
+              </a:prstGeom>
+            </p:spPr>
+          </p:pic>
+        </p:grpSp>
+      </p:grpSp>
+      <p:sp>
+        <p:nvSpPr>
+          <p:cNvPr id="39" name="L-Shape 38"/>
+          <p:cNvSpPr/>
+          <p:nvPr/>
+        </p:nvSpPr>
+        <p:spPr>
+          <a:xfrm rot="2959092">
+            <a:off x="4466250" y="4478110"/>
+            <a:ext cx="272435" cy="264290"/>
+          </a:xfrm>
+          <a:prstGeom prst="corner">
+            <a:avLst>
+              <a:gd name="adj1" fmla="val 19420"/>
+              <a:gd name="adj2" fmla="val 18146"/>
+            </a:avLst>
+          </a:prstGeom>
+          <a:solidFill>
+            <a:schemeClr val="tx1"/>
+          </a:solidFill>
+          <a:ln>
+            <a:noFill/>
+          </a:ln>
+        </p:spPr>
+        <p:style>
+          <a:lnRef idx="2">
+            <a:schemeClr val="dk1">
+              <a:shade val="50000"/>
+            </a:schemeClr>
+          </a:lnRef>
+          <a:fillRef idx="1">
+            <a:schemeClr val="dk1"/>
+          </a:fillRef>
+          <a:effectRef idx="0">
+            <a:schemeClr val="dk1"/>
+          </a:effectRef>
+          <a:fontRef idx="minor">
+            <a:schemeClr val="lt1"/>
+          </a:fontRef>
+        </p:style>
+        <p:txBody>
+          <a:bodyPr rtlCol="0" anchor="ctr"/>
+          <a:lstStyle/>
+          <a:p>
+            <a:pPr algn="ctr"/>
+            <a:endParaRPr lang="en-US" sz="1350"/>
+          </a:p>
+        </p:txBody>
+      </p:sp>
+      <p:sp>
+        <p:nvSpPr>
+          <p:cNvPr id="40" name="7-Point Star 39"/>
+          <p:cNvSpPr/>
+          <p:nvPr/>
+        </p:nvSpPr>
+        <p:spPr>
+          <a:xfrm>
+            <a:off x="8217687" y="2718172"/>
+            <a:ext cx="365612" cy="230204"/>
+          </a:xfrm>
+          <a:prstGeom prst="star7">
+            <a:avLst/>
+          </a:prstGeom>
+          <a:solidFill>
+            <a:schemeClr val="tx1"/>
+          </a:solidFill>
+          <a:ln>
+            <a:noFill/>
+          </a:ln>
+        </p:spPr>
+        <p:style>
+          <a:lnRef idx="2">
+            <a:schemeClr val="accent1">
+              <a:shade val="50000"/>
+            </a:schemeClr>
+          </a:lnRef>
+          <a:fillRef idx="1">
+            <a:schemeClr val="accent1"/>
+          </a:fillRef>
+          <a:effectRef idx="0">
+            <a:schemeClr val="accent1"/>
+          </a:effectRef>
+          <a:fontRef idx="minor">
+            <a:schemeClr val="lt1"/>
+          </a:fontRef>
+        </p:style>
+        <p:txBody>
+          <a:bodyPr rtlCol="0" anchor="ctr"/>
+          <a:lstStyle/>
+          <a:p>
+            <a:pPr algn="ctr"/>
+            <a:endParaRPr lang="en-US" sz="1350"/>
+          </a:p>
+        </p:txBody>
+      </p:sp>
+    </p:spTree>
+    <p:extLst>
+      <p:ext uri="{BB962C8B-B14F-4D97-AF65-F5344CB8AC3E}">
+        <p14:creationId xmlns:p14="http://schemas.microsoft.com/office/powerpoint/2010/main" val="816950422"/>
+      </p:ext>
+    </p:extLst>
+  </p:cSld>
+  <p:clrMapOvr>
+    <a:masterClrMapping/>
+  </p:clrMapOvr>
+  <p:timing>
+    <p:tnLst>
+      <p:par>
+        <p:cTn id="1" dur="indefinite" restart="never" nodeType="tmRoot"/>
+      </p:par>
+    </p:tnLst>
+  </p:timing>
+</p:sld>
+</file>
+
+<file path=ppt/slides/slide6.xml><?xml version="1.0" encoding="utf-8"?>
+<p:sld xmlns:a="http://schemas.openxmlformats.org/drawingml/2006/main" xmlns:r="http://schemas.openxmlformats.org/officeDocument/2006/relationships" xmlns:p="http://schemas.openxmlformats.org/presentationml/2006/main">
+  <p:cSld>
+    <p:spTree>
+      <p:nvGrpSpPr>
+        <p:cNvPr id="1" name=""/>
+        <p:cNvGrpSpPr/>
+        <p:nvPr/>
+      </p:nvGrpSpPr>
+      <p:grpSpPr>
+        <a:xfrm>
+          <a:off x="0" y="0"/>
+          <a:ext cx="0" cy="0"/>
+          <a:chOff x="0" y="0"/>
+          <a:chExt cx="0" cy="0"/>
+        </a:xfrm>
+      </p:grpSpPr>
+      <p:sp>
+        <p:nvSpPr>
+          <p:cNvPr id="4" name="Rectangle 3"/>
+          <p:cNvSpPr/>
+          <p:nvPr/>
+        </p:nvSpPr>
+        <p:spPr>
+          <a:xfrm>
+            <a:off x="6822228" y="940670"/>
+            <a:ext cx="1395460" cy="314903"/>
+          </a:xfrm>
+          <a:prstGeom prst="rect">
+            <a:avLst/>
+          </a:prstGeom>
+          <a:solidFill>
+            <a:schemeClr val="accent2"/>
+          </a:solidFill>
+          <a:ln>
+            <a:noFill/>
+          </a:ln>
+        </p:spPr>
+        <p:style>
+          <a:lnRef idx="2">
+            <a:schemeClr val="accent1">
+              <a:shade val="50000"/>
+            </a:schemeClr>
+          </a:lnRef>
+          <a:fillRef idx="1">
+            <a:schemeClr val="accent1"/>
+          </a:fillRef>
+          <a:effectRef idx="0">
+            <a:schemeClr val="accent1"/>
+          </a:effectRef>
+          <a:fontRef idx="minor">
+            <a:schemeClr val="lt1"/>
+          </a:fontRef>
+        </p:style>
+        <p:txBody>
+          <a:bodyPr rtlCol="0" anchor="ctr"/>
+          <a:lstStyle/>
+          <a:p>
+            <a:pPr algn="ctr"/>
+            <a:r>
+              <a:rPr lang="en-US" sz="1350" dirty="0"/>
+              <a:t>Long Diapause</a:t>
+            </a:r>
+            <a:endParaRPr lang="en-US" sz="1350" dirty="0"/>
+          </a:p>
+        </p:txBody>
+      </p:sp>
+      <p:sp>
+        <p:nvSpPr>
+          <p:cNvPr id="5" name="Rectangle 4"/>
+          <p:cNvSpPr/>
+          <p:nvPr/>
+        </p:nvSpPr>
+        <p:spPr>
+          <a:xfrm>
+            <a:off x="4891677" y="940670"/>
+            <a:ext cx="1395460" cy="314903"/>
+          </a:xfrm>
+          <a:prstGeom prst="rect">
+            <a:avLst/>
+          </a:prstGeom>
+          <a:solidFill>
+            <a:schemeClr val="bg1">
+              <a:lumMod val="65000"/>
+            </a:schemeClr>
+          </a:solidFill>
+          <a:ln>
+            <a:noFill/>
+          </a:ln>
+        </p:spPr>
+        <p:style>
+          <a:lnRef idx="2">
+            <a:schemeClr val="accent1">
+              <a:shade val="50000"/>
+            </a:schemeClr>
+          </a:lnRef>
+          <a:fillRef idx="1">
+            <a:schemeClr val="accent1"/>
+          </a:fillRef>
+          <a:effectRef idx="0">
+            <a:schemeClr val="accent1"/>
+          </a:effectRef>
+          <a:fontRef idx="minor">
+            <a:schemeClr val="lt1"/>
+          </a:fontRef>
+        </p:style>
+        <p:txBody>
+          <a:bodyPr rtlCol="0" anchor="ctr"/>
+          <a:lstStyle/>
+          <a:p>
+            <a:pPr algn="ctr"/>
+            <a:r>
+              <a:rPr lang="en-US" sz="1350" dirty="0"/>
+              <a:t>Short Diapause</a:t>
+            </a:r>
+            <a:endParaRPr lang="en-US" sz="1350" dirty="0"/>
+          </a:p>
+        </p:txBody>
+      </p:sp>
+      <p:sp>
+        <p:nvSpPr>
+          <p:cNvPr id="6" name="Rectangle 5"/>
+          <p:cNvSpPr/>
+          <p:nvPr/>
+        </p:nvSpPr>
+        <p:spPr>
+          <a:xfrm>
+            <a:off x="2977954" y="940670"/>
+            <a:ext cx="1378633" cy="314903"/>
+          </a:xfrm>
+          <a:prstGeom prst="rect">
+            <a:avLst/>
+          </a:prstGeom>
+          <a:ln>
+            <a:noFill/>
+          </a:ln>
+        </p:spPr>
+        <p:style>
+          <a:lnRef idx="2">
+            <a:schemeClr val="accent1">
+              <a:shade val="50000"/>
+            </a:schemeClr>
+          </a:lnRef>
+          <a:fillRef idx="1">
+            <a:schemeClr val="accent1"/>
+          </a:fillRef>
+          <a:effectRef idx="0">
+            <a:schemeClr val="accent1"/>
+          </a:effectRef>
+          <a:fontRef idx="minor">
+            <a:schemeClr val="lt1"/>
+          </a:fontRef>
+        </p:style>
+        <p:txBody>
+          <a:bodyPr rtlCol="0" anchor="ctr"/>
+          <a:lstStyle/>
+          <a:p>
+            <a:pPr algn="ctr"/>
+            <a:r>
+              <a:rPr lang="en-US" sz="1350" dirty="0"/>
+              <a:t>Fall</a:t>
+            </a:r>
+            <a:endParaRPr lang="en-US" sz="1350" dirty="0"/>
+          </a:p>
+        </p:txBody>
+      </p:sp>
+      <p:sp>
+        <p:nvSpPr>
+          <p:cNvPr id="7" name="Rectangle 6"/>
+          <p:cNvSpPr/>
+          <p:nvPr/>
+        </p:nvSpPr>
+        <p:spPr>
+          <a:xfrm>
+            <a:off x="1044330" y="940669"/>
+            <a:ext cx="1395460" cy="314903"/>
+          </a:xfrm>
+          <a:prstGeom prst="rect">
+            <a:avLst/>
+          </a:prstGeom>
+          <a:solidFill>
+            <a:srgbClr val="92D050"/>
+          </a:solidFill>
+          <a:ln>
+            <a:noFill/>
+          </a:ln>
+        </p:spPr>
+        <p:style>
+          <a:lnRef idx="2">
+            <a:schemeClr val="accent1">
+              <a:shade val="50000"/>
+            </a:schemeClr>
+          </a:lnRef>
+          <a:fillRef idx="1">
+            <a:schemeClr val="accent1"/>
+          </a:fillRef>
+          <a:effectRef idx="0">
+            <a:schemeClr val="accent1"/>
+          </a:effectRef>
+          <a:fontRef idx="minor">
+            <a:schemeClr val="lt1"/>
+          </a:fontRef>
+        </p:style>
+        <p:txBody>
+          <a:bodyPr rtlCol="0" anchor="ctr"/>
+          <a:lstStyle/>
+          <a:p>
+            <a:pPr algn="ctr"/>
+            <a:r>
+              <a:rPr lang="en-US" sz="1350" dirty="0">
+                <a:solidFill>
+                  <a:sysClr val="windowText" lastClr="000000"/>
+                </a:solidFill>
+              </a:rPr>
+              <a:t>Summer</a:t>
+            </a:r>
+            <a:endParaRPr lang="en-US" sz="1350" dirty="0">
+              <a:solidFill>
+                <a:sysClr val="windowText" lastClr="000000"/>
+              </a:solidFill>
+            </a:endParaRPr>
+          </a:p>
+        </p:txBody>
+      </p:sp>
+      <p:sp>
+        <p:nvSpPr>
+          <p:cNvPr id="8" name="Title 1"/>
+          <p:cNvSpPr txBox="1">
+            <a:spLocks/>
+          </p:cNvSpPr>
+          <p:nvPr/>
+        </p:nvSpPr>
+        <p:spPr>
+          <a:xfrm>
+            <a:off x="628650" y="1206106"/>
+            <a:ext cx="7886700" cy="994172"/>
+          </a:xfrm>
+          <a:prstGeom prst="rect">
+            <a:avLst/>
+          </a:prstGeom>
+        </p:spPr>
+        <p:txBody>
+          <a:bodyPr vert="horz" lIns="68580" tIns="34290" rIns="68580" bIns="34290" rtlCol="0" anchor="ctr">
+            <a:normAutofit fontScale="97500"/>
+          </a:bodyPr>
+          <a:lstStyle>
+            <a:lvl1pPr algn="l" defTabSz="914400" rtl="0" eaLnBrk="1" latinLnBrk="0" hangingPunct="1">
+              <a:lnSpc>
+                <a:spcPct val="90000"/>
+              </a:lnSpc>
+              <a:spcBef>
+                <a:spcPct val="0"/>
+              </a:spcBef>
+              <a:buNone/>
+              <a:defRPr sz="4800" b="1" kern="1200">
+                <a:solidFill>
+                  <a:schemeClr val="tx1"/>
+                </a:solidFill>
+                <a:latin typeface="+mj-lt"/>
+                <a:ea typeface="+mj-ea"/>
+                <a:cs typeface="+mj-cs"/>
+              </a:defRPr>
+            </a:lvl1pPr>
+          </a:lstStyle>
+          <a:p>
+            <a:r>
+              <a:rPr lang="en-US" sz="3300" dirty="0"/>
+              <a:t>Prediction 3: </a:t>
+            </a:r>
+            <a:r>
+              <a:rPr lang="en-US" sz="3300"/>
+              <a:t>Stored resources differs </a:t>
+            </a:r>
+            <a:r>
+              <a:rPr lang="en-US" sz="3300" dirty="0"/>
+              <a:t>by photoperiod and ecotype</a:t>
+            </a:r>
+            <a:endParaRPr lang="en-US" sz="3300" dirty="0"/>
+          </a:p>
+        </p:txBody>
+      </p:sp>
+      <p:graphicFrame>
+        <p:nvGraphicFramePr>
+          <p:cNvPr id="11" name="Chart 10"/>
+          <p:cNvGraphicFramePr/>
+          <p:nvPr>
+            <p:extLst/>
+          </p:nvPr>
+        </p:nvGraphicFramePr>
+        <p:xfrm>
+          <a:off x="628650" y="2618972"/>
+          <a:ext cx="3322466" cy="3034191"/>
+        </p:xfrm>
+        <a:graphic>
+          <a:graphicData uri="http://schemas.openxmlformats.org/drawingml/2006/chart">
+            <c:chart xmlns:c="http://schemas.openxmlformats.org/drawingml/2006/chart" xmlns:r="http://schemas.openxmlformats.org/officeDocument/2006/relationships" r:id="rId2"/>
+          </a:graphicData>
+        </a:graphic>
+      </p:graphicFrame>
+      <p:sp>
+        <p:nvSpPr>
+          <p:cNvPr id="13" name="TextBox 12"/>
+          <p:cNvSpPr txBox="1"/>
+          <p:nvPr/>
+        </p:nvSpPr>
+        <p:spPr>
+          <a:xfrm>
+            <a:off x="1379337" y="2322447"/>
+            <a:ext cx="1954381" cy="461665"/>
+          </a:xfrm>
+          <a:prstGeom prst="rect">
+            <a:avLst/>
+          </a:prstGeom>
+          <a:noFill/>
+        </p:spPr>
+        <p:txBody>
+          <a:bodyPr wrap="none" rtlCol="0">
+            <a:spAutoFit/>
+          </a:bodyPr>
+          <a:lstStyle/>
+          <a:p>
+            <a:r>
+              <a:rPr lang="en-US" sz="2400" dirty="0"/>
+              <a:t>Non-Diapause</a:t>
+            </a:r>
+            <a:endParaRPr lang="en-US" sz="2400" dirty="0"/>
+          </a:p>
+        </p:txBody>
+      </p:sp>
+      <p:grpSp>
+        <p:nvGrpSpPr>
+          <p:cNvPr id="15" name="Group 14"/>
+          <p:cNvGrpSpPr/>
+          <p:nvPr/>
+        </p:nvGrpSpPr>
+        <p:grpSpPr>
+          <a:xfrm>
+            <a:off x="3257550" y="4171299"/>
+            <a:ext cx="2003420" cy="1226633"/>
+            <a:chOff x="4670306" y="1690688"/>
+            <a:chExt cx="6281320" cy="4425554"/>
+          </a:xfrm>
+        </p:grpSpPr>
+        <p:pic>
+          <p:nvPicPr>
+            <p:cNvPr id="16" name="Content Placeholder 7"/>
+            <p:cNvPicPr>
+              <a:picLocks noChangeAspect="1"/>
+            </p:cNvPicPr>
+            <p:nvPr/>
+          </p:nvPicPr>
+          <p:blipFill rotWithShape="1">
+            <a:blip r:embed="rId3">
+              <a:extLst>
+                <a:ext uri="{28A0092B-C50C-407E-A947-70E740481C1C}">
+                  <a14:useLocalDpi xmlns:a14="http://schemas.microsoft.com/office/drawing/2010/main" val="0"/>
+                </a:ext>
+              </a:extLst>
+            </a:blip>
+            <a:srcRect r="47106"/>
+            <a:stretch/>
+          </p:blipFill>
+          <p:spPr>
+            <a:xfrm>
+              <a:off x="8900311" y="1764904"/>
+              <a:ext cx="2051315" cy="4351338"/>
+            </a:xfrm>
+            <a:prstGeom prst="rect">
+              <a:avLst/>
+            </a:prstGeom>
+          </p:spPr>
+        </p:pic>
+        <p:pic>
+          <p:nvPicPr>
+            <p:cNvPr id="17" name="Content Placeholder 7"/>
+            <p:cNvPicPr>
+              <a:picLocks noChangeAspect="1"/>
+            </p:cNvPicPr>
+            <p:nvPr/>
+          </p:nvPicPr>
+          <p:blipFill rotWithShape="1">
+            <a:blip r:embed="rId3">
+              <a:extLst>
+                <a:ext uri="{28A0092B-C50C-407E-A947-70E740481C1C}">
+                  <a14:useLocalDpi xmlns:a14="http://schemas.microsoft.com/office/drawing/2010/main" val="0"/>
+                </a:ext>
+              </a:extLst>
+            </a:blip>
+            <a:srcRect r="45557"/>
+            <a:stretch/>
+          </p:blipFill>
+          <p:spPr>
+            <a:xfrm>
+              <a:off x="4670306" y="1690688"/>
+              <a:ext cx="2111415" cy="4351338"/>
+            </a:xfrm>
+            <a:prstGeom prst="rect">
+              <a:avLst/>
+            </a:prstGeom>
+          </p:spPr>
+        </p:pic>
+        <p:grpSp>
+          <p:nvGrpSpPr>
+            <p:cNvPr id="18" name="Group 17"/>
+            <p:cNvGrpSpPr/>
+            <p:nvPr/>
+          </p:nvGrpSpPr>
+          <p:grpSpPr>
+            <a:xfrm>
+              <a:off x="5001966" y="2723603"/>
+              <a:ext cx="1779755" cy="1327418"/>
+              <a:chOff x="2904184" y="3284101"/>
+              <a:chExt cx="1779755" cy="1327418"/>
+            </a:xfrm>
+          </p:grpSpPr>
+          <p:pic>
+            <p:nvPicPr>
+              <p:cNvPr id="30" name="Picture 29"/>
+              <p:cNvPicPr>
+                <a:picLocks noChangeAspect="1"/>
+              </p:cNvPicPr>
+              <p:nvPr/>
+            </p:nvPicPr>
+            <p:blipFill>
+              <a:blip r:embed="rId4">
+                <a:duotone>
+                  <a:schemeClr val="accent6">
+                    <a:shade val="45000"/>
+                    <a:satMod val="135000"/>
+                  </a:schemeClr>
+                  <a:prstClr val="white"/>
+                </a:duotone>
+                <a:extLst>
+                  <a:ext uri="{28A0092B-C50C-407E-A947-70E740481C1C}">
+                    <a14:useLocalDpi xmlns:a14="http://schemas.microsoft.com/office/drawing/2010/main" val="0"/>
+                  </a:ext>
+                </a:extLst>
+              </a:blip>
+              <a:stretch>
+                <a:fillRect/>
+              </a:stretch>
+            </p:blipFill>
+            <p:spPr>
+              <a:xfrm>
+                <a:off x="2904184" y="3284102"/>
+                <a:ext cx="1779755" cy="1327417"/>
+              </a:xfrm>
+              <a:prstGeom prst="rect">
+                <a:avLst/>
+              </a:prstGeom>
+            </p:spPr>
+          </p:pic>
+          <p:pic>
+            <p:nvPicPr>
+              <p:cNvPr id="31" name="Picture 30"/>
+              <p:cNvPicPr>
+                <a:picLocks noChangeAspect="1"/>
+              </p:cNvPicPr>
+              <p:nvPr/>
+            </p:nvPicPr>
+            <p:blipFill rotWithShape="1">
+              <a:blip r:embed="rId5">
+                <a:duotone>
+                  <a:schemeClr val="accent2">
+                    <a:shade val="45000"/>
+                    <a:satMod val="135000"/>
+                  </a:schemeClr>
+                  <a:prstClr val="white"/>
+                </a:duotone>
+                <a:extLst>
+                  <a:ext uri="{BEBA8EAE-BF5A-486C-A8C5-ECC9F3942E4B}">
+                    <a14:imgProps xmlns:a14="http://schemas.microsoft.com/office/drawing/2010/main">
+                      <a14:imgLayer r:embed="rId6">
+                        <a14:imgEffect>
+                          <a14:saturation sat="400000"/>
+                        </a14:imgEffect>
+                      </a14:imgLayer>
+                    </a14:imgProps>
+                  </a:ext>
+                  <a:ext uri="{28A0092B-C50C-407E-A947-70E740481C1C}">
+                    <a14:useLocalDpi xmlns:a14="http://schemas.microsoft.com/office/drawing/2010/main" val="0"/>
+                  </a:ext>
+                </a:extLst>
+              </a:blip>
+              <a:srcRect r="53118"/>
+              <a:stretch/>
+            </p:blipFill>
+            <p:spPr>
+              <a:xfrm>
+                <a:off x="2904185" y="3284101"/>
+                <a:ext cx="834390" cy="1327417"/>
+              </a:xfrm>
+              <a:prstGeom prst="rect">
+                <a:avLst/>
+              </a:prstGeom>
+            </p:spPr>
+          </p:pic>
+        </p:grpSp>
+        <p:grpSp>
+          <p:nvGrpSpPr>
+            <p:cNvPr id="19" name="Group 18"/>
+            <p:cNvGrpSpPr/>
+            <p:nvPr/>
+          </p:nvGrpSpPr>
+          <p:grpSpPr>
+            <a:xfrm>
+              <a:off x="4989229" y="4185957"/>
+              <a:ext cx="1779755" cy="1327418"/>
+              <a:chOff x="7128992" y="3909348"/>
+              <a:chExt cx="1779755" cy="1327418"/>
+            </a:xfrm>
+          </p:grpSpPr>
+          <p:pic>
+            <p:nvPicPr>
+              <p:cNvPr id="28" name="Picture 27"/>
+              <p:cNvPicPr>
+                <a:picLocks noChangeAspect="1"/>
+              </p:cNvPicPr>
+              <p:nvPr/>
+            </p:nvPicPr>
+            <p:blipFill>
+              <a:blip r:embed="rId4">
+                <a:duotone>
+                  <a:schemeClr val="accent6">
+                    <a:shade val="45000"/>
+                    <a:satMod val="135000"/>
+                  </a:schemeClr>
+                  <a:prstClr val="white"/>
+                </a:duotone>
+                <a:extLst>
+                  <a:ext uri="{28A0092B-C50C-407E-A947-70E740481C1C}">
+                    <a14:useLocalDpi xmlns:a14="http://schemas.microsoft.com/office/drawing/2010/main" val="0"/>
+                  </a:ext>
+                </a:extLst>
+              </a:blip>
+              <a:stretch>
+                <a:fillRect/>
+              </a:stretch>
+            </p:blipFill>
+            <p:spPr>
+              <a:xfrm>
+                <a:off x="7128992" y="3909349"/>
+                <a:ext cx="1779755" cy="1327417"/>
+              </a:xfrm>
+              <a:prstGeom prst="rect">
+                <a:avLst/>
+              </a:prstGeom>
+            </p:spPr>
+          </p:pic>
+          <p:pic>
+            <p:nvPicPr>
+              <p:cNvPr id="29" name="Picture 28"/>
+              <p:cNvPicPr>
+                <a:picLocks noChangeAspect="1"/>
+              </p:cNvPicPr>
+              <p:nvPr/>
+            </p:nvPicPr>
+            <p:blipFill rotWithShape="1">
+              <a:blip r:embed="rId7">
+                <a:duotone>
+                  <a:schemeClr val="accent3">
+                    <a:shade val="45000"/>
+                    <a:satMod val="135000"/>
+                  </a:schemeClr>
+                  <a:prstClr val="white"/>
+                </a:duotone>
+                <a:extLst>
+                  <a:ext uri="{BEBA8EAE-BF5A-486C-A8C5-ECC9F3942E4B}">
+                    <a14:imgProps xmlns:a14="http://schemas.microsoft.com/office/drawing/2010/main">
+                      <a14:imgLayer r:embed="rId8">
+                        <a14:imgEffect>
+                          <a14:colorTemperature colorTemp="4700"/>
+                        </a14:imgEffect>
+                        <a14:imgEffect>
+                          <a14:saturation sat="400000"/>
+                        </a14:imgEffect>
+                      </a14:imgLayer>
+                    </a14:imgProps>
+                  </a:ext>
+                  <a:ext uri="{28A0092B-C50C-407E-A947-70E740481C1C}">
+                    <a14:useLocalDpi xmlns:a14="http://schemas.microsoft.com/office/drawing/2010/main" val="0"/>
+                  </a:ext>
+                </a:extLst>
+              </a:blip>
+              <a:srcRect r="47855"/>
+              <a:stretch/>
+            </p:blipFill>
+            <p:spPr>
+              <a:xfrm>
+                <a:off x="7128992" y="3909348"/>
+                <a:ext cx="928050" cy="1327417"/>
+              </a:xfrm>
+              <a:prstGeom prst="rect">
+                <a:avLst/>
+              </a:prstGeom>
+            </p:spPr>
+          </p:pic>
+        </p:grpSp>
+        <p:grpSp>
+          <p:nvGrpSpPr>
+            <p:cNvPr id="20" name="Group 19"/>
+            <p:cNvGrpSpPr/>
+            <p:nvPr/>
+          </p:nvGrpSpPr>
+          <p:grpSpPr>
+            <a:xfrm>
+              <a:off x="9163214" y="4260173"/>
+              <a:ext cx="1779755" cy="1327418"/>
+              <a:chOff x="838199" y="3854667"/>
+              <a:chExt cx="1779755" cy="1327418"/>
+            </a:xfrm>
+          </p:grpSpPr>
+          <p:pic>
+            <p:nvPicPr>
+              <p:cNvPr id="26" name="Picture 25"/>
+              <p:cNvPicPr>
+                <a:picLocks noChangeAspect="1"/>
+              </p:cNvPicPr>
+              <p:nvPr/>
+            </p:nvPicPr>
+            <p:blipFill>
+              <a:blip r:embed="rId5">
+                <a:duotone>
+                  <a:schemeClr val="accent1">
+                    <a:shade val="45000"/>
+                    <a:satMod val="135000"/>
+                  </a:schemeClr>
+                  <a:prstClr val="white"/>
+                </a:duotone>
+                <a:extLst>
+                  <a:ext uri="{BEBA8EAE-BF5A-486C-A8C5-ECC9F3942E4B}">
+                    <a14:imgProps xmlns:a14="http://schemas.microsoft.com/office/drawing/2010/main">
+                      <a14:imgLayer r:embed="rId9">
+                        <a14:imgEffect>
+                          <a14:saturation sat="400000"/>
+                        </a14:imgEffect>
+                      </a14:imgLayer>
+                    </a14:imgProps>
+                  </a:ext>
+                  <a:ext uri="{28A0092B-C50C-407E-A947-70E740481C1C}">
+                    <a14:useLocalDpi xmlns:a14="http://schemas.microsoft.com/office/drawing/2010/main" val="0"/>
+                  </a:ext>
+                </a:extLst>
+              </a:blip>
+              <a:stretch>
+                <a:fillRect/>
+              </a:stretch>
+            </p:blipFill>
+            <p:spPr>
+              <a:xfrm>
+                <a:off x="838199" y="3854668"/>
+                <a:ext cx="1779755" cy="1327417"/>
+              </a:xfrm>
+              <a:prstGeom prst="rect">
+                <a:avLst/>
+              </a:prstGeom>
+            </p:spPr>
+          </p:pic>
+          <p:pic>
+            <p:nvPicPr>
+              <p:cNvPr id="27" name="Picture 26"/>
+              <p:cNvPicPr>
+                <a:picLocks noChangeAspect="1"/>
+              </p:cNvPicPr>
+              <p:nvPr/>
+            </p:nvPicPr>
+            <p:blipFill rotWithShape="1">
+              <a:blip r:embed="rId7">
+                <a:duotone>
+                  <a:schemeClr val="accent3">
+                    <a:shade val="45000"/>
+                    <a:satMod val="135000"/>
+                  </a:schemeClr>
+                  <a:prstClr val="white"/>
+                </a:duotone>
+                <a:extLst>
+                  <a:ext uri="{BEBA8EAE-BF5A-486C-A8C5-ECC9F3942E4B}">
+                    <a14:imgProps xmlns:a14="http://schemas.microsoft.com/office/drawing/2010/main">
+                      <a14:imgLayer r:embed="rId10">
+                        <a14:imgEffect>
+                          <a14:colorTemperature colorTemp="4700"/>
+                        </a14:imgEffect>
+                        <a14:imgEffect>
+                          <a14:saturation sat="400000"/>
+                        </a14:imgEffect>
+                      </a14:imgLayer>
+                    </a14:imgProps>
+                  </a:ext>
+                  <a:ext uri="{28A0092B-C50C-407E-A947-70E740481C1C}">
+                    <a14:useLocalDpi xmlns:a14="http://schemas.microsoft.com/office/drawing/2010/main" val="0"/>
+                  </a:ext>
+                </a:extLst>
+              </a:blip>
+              <a:srcRect r="52145"/>
+              <a:stretch/>
+            </p:blipFill>
+            <p:spPr>
+              <a:xfrm>
+                <a:off x="838199" y="3854667"/>
+                <a:ext cx="851705" cy="1327417"/>
+              </a:xfrm>
+              <a:prstGeom prst="rect">
+                <a:avLst/>
+              </a:prstGeom>
+            </p:spPr>
+          </p:pic>
+        </p:grpSp>
+        <p:grpSp>
+          <p:nvGrpSpPr>
+            <p:cNvPr id="21" name="Group 20"/>
+            <p:cNvGrpSpPr/>
+            <p:nvPr/>
+          </p:nvGrpSpPr>
+          <p:grpSpPr>
+            <a:xfrm>
+              <a:off x="9171871" y="2805434"/>
+              <a:ext cx="1779755" cy="1327417"/>
+              <a:chOff x="838199" y="3854668"/>
+              <a:chExt cx="1779755" cy="1327417"/>
+            </a:xfrm>
+          </p:grpSpPr>
+          <p:pic>
+            <p:nvPicPr>
+              <p:cNvPr id="24" name="Picture 23"/>
+              <p:cNvPicPr>
+                <a:picLocks noChangeAspect="1"/>
+              </p:cNvPicPr>
+              <p:nvPr/>
+            </p:nvPicPr>
+            <p:blipFill>
+              <a:blip r:embed="rId5">
+                <a:duotone>
+                  <a:schemeClr val="accent1">
+                    <a:shade val="45000"/>
+                    <a:satMod val="135000"/>
+                  </a:schemeClr>
+                  <a:prstClr val="white"/>
+                </a:duotone>
+                <a:extLst>
+                  <a:ext uri="{BEBA8EAE-BF5A-486C-A8C5-ECC9F3942E4B}">
+                    <a14:imgProps xmlns:a14="http://schemas.microsoft.com/office/drawing/2010/main">
+                      <a14:imgLayer r:embed="rId11">
+                        <a14:imgEffect>
+                          <a14:saturation sat="400000"/>
+                        </a14:imgEffect>
+                      </a14:imgLayer>
+                    </a14:imgProps>
+                  </a:ext>
+                  <a:ext uri="{28A0092B-C50C-407E-A947-70E740481C1C}">
+                    <a14:useLocalDpi xmlns:a14="http://schemas.microsoft.com/office/drawing/2010/main" val="0"/>
+                  </a:ext>
+                </a:extLst>
+              </a:blip>
+              <a:stretch>
+                <a:fillRect/>
+              </a:stretch>
+            </p:blipFill>
+            <p:spPr>
+              <a:xfrm>
+                <a:off x="838199" y="3854668"/>
+                <a:ext cx="1779755" cy="1327417"/>
+              </a:xfrm>
+              <a:prstGeom prst="rect">
+                <a:avLst/>
+              </a:prstGeom>
+            </p:spPr>
+          </p:pic>
+          <p:pic>
+            <p:nvPicPr>
+              <p:cNvPr id="25" name="Picture 24"/>
+              <p:cNvPicPr>
+                <a:picLocks noChangeAspect="1"/>
+              </p:cNvPicPr>
+              <p:nvPr/>
+            </p:nvPicPr>
+            <p:blipFill rotWithShape="1">
+              <a:blip r:embed="rId5">
+                <a:duotone>
+                  <a:schemeClr val="accent2">
+                    <a:shade val="45000"/>
+                    <a:satMod val="135000"/>
+                  </a:schemeClr>
+                  <a:prstClr val="white"/>
+                </a:duotone>
+                <a:extLst>
+                  <a:ext uri="{BEBA8EAE-BF5A-486C-A8C5-ECC9F3942E4B}">
+                    <a14:imgProps xmlns:a14="http://schemas.microsoft.com/office/drawing/2010/main">
+                      <a14:imgLayer r:embed="rId12">
+                        <a14:imgEffect>
+                          <a14:saturation sat="400000"/>
+                        </a14:imgEffect>
+                      </a14:imgLayer>
+                    </a14:imgProps>
+                  </a:ext>
+                  <a:ext uri="{28A0092B-C50C-407E-A947-70E740481C1C}">
+                    <a14:useLocalDpi xmlns:a14="http://schemas.microsoft.com/office/drawing/2010/main" val="0"/>
+                  </a:ext>
+                </a:extLst>
+              </a:blip>
+              <a:srcRect r="52145"/>
+              <a:stretch/>
+            </p:blipFill>
+            <p:spPr>
+              <a:xfrm>
+                <a:off x="838199" y="3854668"/>
+                <a:ext cx="851706" cy="1327417"/>
+              </a:xfrm>
+              <a:prstGeom prst="rect">
+                <a:avLst/>
+              </a:prstGeom>
+            </p:spPr>
+          </p:pic>
+        </p:grpSp>
+      </p:grpSp>
+      <p:sp>
+        <p:nvSpPr>
+          <p:cNvPr id="32" name="Donut 31"/>
+          <p:cNvSpPr/>
+          <p:nvPr/>
+        </p:nvSpPr>
+        <p:spPr>
+          <a:xfrm>
+            <a:off x="4657250" y="4399590"/>
+            <a:ext cx="600959" cy="483894"/>
+          </a:xfrm>
+          <a:prstGeom prst="donut">
+            <a:avLst>
+              <a:gd name="adj" fmla="val 10078"/>
+            </a:avLst>
+          </a:prstGeom>
+          <a:solidFill>
+            <a:srgbClr val="FF0000"/>
+          </a:solidFill>
+          <a:ln>
+            <a:noFill/>
+          </a:ln>
+        </p:spPr>
+        <p:style>
+          <a:lnRef idx="2">
+            <a:schemeClr val="accent1">
+              <a:shade val="50000"/>
+            </a:schemeClr>
+          </a:lnRef>
+          <a:fillRef idx="1">
+            <a:schemeClr val="accent1"/>
+          </a:fillRef>
+          <a:effectRef idx="0">
+            <a:schemeClr val="accent1"/>
+          </a:effectRef>
+          <a:fontRef idx="minor">
+            <a:schemeClr val="lt1"/>
+          </a:fontRef>
+        </p:style>
+        <p:txBody>
+          <a:bodyPr rtlCol="0" anchor="ctr"/>
+          <a:lstStyle/>
+          <a:p>
+            <a:pPr algn="ctr"/>
+            <a:endParaRPr lang="en-US" sz="1350">
+              <a:solidFill>
+                <a:schemeClr val="tx1"/>
+              </a:solidFill>
+            </a:endParaRPr>
+          </a:p>
+        </p:txBody>
+      </p:sp>
+      <p:graphicFrame>
+        <p:nvGraphicFramePr>
+          <p:cNvPr id="51" name="Chart 50"/>
+          <p:cNvGraphicFramePr/>
+          <p:nvPr>
+            <p:extLst/>
+          </p:nvPr>
+        </p:nvGraphicFramePr>
+        <p:xfrm>
+          <a:off x="4895221" y="2618972"/>
+          <a:ext cx="3322466" cy="3034191"/>
+        </p:xfrm>
+        <a:graphic>
+          <a:graphicData uri="http://schemas.openxmlformats.org/drawingml/2006/chart">
+            <c:chart xmlns:c="http://schemas.openxmlformats.org/drawingml/2006/chart" xmlns:r="http://schemas.openxmlformats.org/officeDocument/2006/relationships" r:id="rId13"/>
+          </a:graphicData>
+        </a:graphic>
+      </p:graphicFrame>
+      <p:sp>
+        <p:nvSpPr>
+          <p:cNvPr id="52" name="TextBox 51"/>
+          <p:cNvSpPr txBox="1"/>
+          <p:nvPr/>
+        </p:nvSpPr>
+        <p:spPr>
+          <a:xfrm>
+            <a:off x="5910123" y="2322447"/>
+            <a:ext cx="1337226" cy="461665"/>
+          </a:xfrm>
+          <a:prstGeom prst="rect">
+            <a:avLst/>
+          </a:prstGeom>
+          <a:noFill/>
+        </p:spPr>
+        <p:txBody>
+          <a:bodyPr wrap="none" rtlCol="0">
+            <a:spAutoFit/>
+          </a:bodyPr>
+          <a:lstStyle/>
+          <a:p>
+            <a:r>
+              <a:rPr lang="en-US" sz="2400" dirty="0"/>
+              <a:t>Diapause</a:t>
+            </a:r>
+            <a:endParaRPr lang="en-US" sz="2400" dirty="0"/>
+          </a:p>
+        </p:txBody>
+      </p:sp>
+      <p:sp>
+        <p:nvSpPr>
+          <p:cNvPr id="53" name="7-Point Star 52"/>
+          <p:cNvSpPr/>
+          <p:nvPr/>
+        </p:nvSpPr>
+        <p:spPr>
+          <a:xfrm>
+            <a:off x="7759443" y="2899952"/>
+            <a:ext cx="365612" cy="230204"/>
+          </a:xfrm>
+          <a:prstGeom prst="star7">
+            <a:avLst/>
+          </a:prstGeom>
+          <a:solidFill>
+            <a:schemeClr val="tx1"/>
+          </a:solidFill>
+          <a:ln>
+            <a:noFill/>
+          </a:ln>
+        </p:spPr>
+        <p:style>
+          <a:lnRef idx="2">
+            <a:schemeClr val="accent1">
+              <a:shade val="50000"/>
+            </a:schemeClr>
+          </a:lnRef>
+          <a:fillRef idx="1">
+            <a:schemeClr val="accent1"/>
+          </a:fillRef>
+          <a:effectRef idx="0">
+            <a:schemeClr val="accent1"/>
+          </a:effectRef>
+          <a:fontRef idx="minor">
+            <a:schemeClr val="lt1"/>
+          </a:fontRef>
+        </p:style>
+        <p:txBody>
+          <a:bodyPr rtlCol="0" anchor="ctr"/>
+          <a:lstStyle/>
+          <a:p>
+            <a:pPr algn="ctr"/>
+            <a:endParaRPr lang="en-US" sz="1350"/>
+          </a:p>
+        </p:txBody>
+      </p:sp>
+      <p:sp>
+        <p:nvSpPr>
+          <p:cNvPr id="54" name="7-Point Star 53"/>
+          <p:cNvSpPr/>
+          <p:nvPr/>
+        </p:nvSpPr>
+        <p:spPr>
+          <a:xfrm>
+            <a:off x="7759443" y="3378992"/>
+            <a:ext cx="365612" cy="230204"/>
+          </a:xfrm>
+          <a:prstGeom prst="star7">
+            <a:avLst/>
+          </a:prstGeom>
+          <a:solidFill>
+            <a:schemeClr val="tx1"/>
+          </a:solidFill>
+          <a:ln>
+            <a:noFill/>
+          </a:ln>
+        </p:spPr>
+        <p:style>
+          <a:lnRef idx="2">
+            <a:schemeClr val="accent1">
+              <a:shade val="50000"/>
+            </a:schemeClr>
+          </a:lnRef>
+          <a:fillRef idx="1">
+            <a:schemeClr val="accent1"/>
+          </a:fillRef>
+          <a:effectRef idx="0">
+            <a:schemeClr val="accent1"/>
+          </a:effectRef>
+          <a:fontRef idx="minor">
+            <a:schemeClr val="lt1"/>
+          </a:fontRef>
+        </p:style>
+        <p:txBody>
+          <a:bodyPr rtlCol="0" anchor="ctr"/>
+          <a:lstStyle/>
+          <a:p>
+            <a:pPr algn="ctr"/>
+            <a:endParaRPr lang="en-US" sz="1350"/>
+          </a:p>
+        </p:txBody>
+      </p:sp>
+    </p:spTree>
+    <p:extLst>
+      <p:ext uri="{BB962C8B-B14F-4D97-AF65-F5344CB8AC3E}">
+        <p14:creationId xmlns:p14="http://schemas.microsoft.com/office/powerpoint/2010/main" val="926952367"/>
       </p:ext>
     </p:extLst>
   </p:cSld>

--- a/Documents/20180509_Undergrad Project_Nutrition and Wandering.pptx
+++ b/Documents/20180509_Undergrad Project_Nutrition and Wandering.pptx
@@ -6,11 +6,14 @@
   </p:sldMasterIdLst>
   <p:sldIdLst>
     <p:sldId id="256" r:id="rId2"/>
-    <p:sldId id="258" r:id="rId3"/>
-    <p:sldId id="263" r:id="rId4"/>
-    <p:sldId id="260" r:id="rId5"/>
-    <p:sldId id="261" r:id="rId6"/>
-    <p:sldId id="262" r:id="rId7"/>
+    <p:sldId id="263" r:id="rId3"/>
+    <p:sldId id="266" r:id="rId4"/>
+    <p:sldId id="264" r:id="rId5"/>
+    <p:sldId id="265" r:id="rId6"/>
+    <p:sldId id="258" r:id="rId7"/>
+    <p:sldId id="260" r:id="rId8"/>
+    <p:sldId id="261" r:id="rId9"/>
+    <p:sldId id="262" r:id="rId10"/>
   </p:sldIdLst>
   <p:sldSz cx="9144000" cy="6858000" type="screen4x3"/>
   <p:notesSz cx="7010400" cy="9296400"/>
@@ -111,7 +114,7 @@
   </p:defaultTextStyle>
   <p:extLst>
     <p:ext uri="{EFAFB233-063F-42B5-8137-9DF3F51BA10A}">
-      <p15:sldGuideLst xmlns:p15="http://schemas.microsoft.com/office/powerpoint/2012/main">
+      <p15:sldGuideLst xmlns:p15="http://schemas.microsoft.com/office/powerpoint/2012/main" xmlns="">
         <p15:guide id="1" orient="horz" pos="2160">
           <p15:clr>
             <a:srgbClr val="A4A3A4"/>
@@ -130,17 +133,7 @@
 
 <file path=ppt/charts/chart1.xml><?xml version="1.0" encoding="utf-8"?>
 <c:chartSpace xmlns:c="http://schemas.openxmlformats.org/drawingml/2006/chart" xmlns:a="http://schemas.openxmlformats.org/drawingml/2006/main" xmlns:r="http://schemas.openxmlformats.org/officeDocument/2006/relationships">
-  <c:date1904 val="0"/>
   <c:lang val="en-US"/>
-  <c:roundedCorners val="0"/>
-  <mc:AlternateContent xmlns:mc="http://schemas.openxmlformats.org/markup-compatibility/2006">
-    <mc:Choice xmlns:c14="http://schemas.microsoft.com/office/drawing/2007/8/2/chart" Requires="c14">
-      <c14:style val="102"/>
-    </mc:Choice>
-    <mc:Fallback>
-      <c:style val="2"/>
-    </mc:Fallback>
-  </mc:AlternateContent>
   <c:chart>
     <c:autoTitleDeleted val="1"/>
     <c:plotArea>
@@ -149,15 +142,1625 @@
           <c:layoutTarget val="inner"/>
           <c:xMode val="edge"/>
           <c:yMode val="edge"/>
-          <c:x val="0.0558730158730159"/>
-          <c:y val="0.0379423524442367"/>
-          <c:w val="0.890545981752281"/>
+          <c:x val="0.19857751387633926"/>
+          <c:y val="0.17196423884514436"/>
+          <c:w val="0.72050446194225726"/>
+          <c:h val="0.54833366141732287"/>
+        </c:manualLayout>
+      </c:layout>
+      <c:lineChart>
+        <c:grouping val="standard"/>
+        <c:ser>
+          <c:idx val="0"/>
+          <c:order val="0"/>
+          <c:tx>
+            <c:strRef>
+              <c:f>Sheet1!$B$1</c:f>
+              <c:strCache>
+                <c:ptCount val="1"/>
+                <c:pt idx="0">
+                  <c:v>Dry Diet</c:v>
+                </c:pt>
+              </c:strCache>
+            </c:strRef>
+          </c:tx>
+          <c:spPr>
+            <a:ln>
+              <a:noFill/>
+            </a:ln>
+          </c:spPr>
+          <c:marker>
+            <c:spPr>
+              <a:solidFill>
+                <a:srgbClr val="FF0000"/>
+              </a:solidFill>
+              <a:ln>
+                <a:noFill/>
+              </a:ln>
+            </c:spPr>
+          </c:marker>
+          <c:trendline>
+            <c:spPr>
+              <a:ln w="25400">
+                <a:solidFill>
+                  <a:srgbClr val="FF0000"/>
+                </a:solidFill>
+              </a:ln>
+            </c:spPr>
+            <c:trendlineType val="linear"/>
+          </c:trendline>
+          <c:cat>
+            <c:numRef>
+              <c:f>Sheet1!$A$2:$A$7</c:f>
+              <c:numCache>
+                <c:formatCode>General</c:formatCode>
+                <c:ptCount val="6"/>
+                <c:pt idx="0">
+                  <c:v>1</c:v>
+                </c:pt>
+                <c:pt idx="1">
+                  <c:v>2.5</c:v>
+                </c:pt>
+                <c:pt idx="2">
+                  <c:v>5</c:v>
+                </c:pt>
+                <c:pt idx="3">
+                  <c:v>10</c:v>
+                </c:pt>
+                <c:pt idx="4">
+                  <c:v>20</c:v>
+                </c:pt>
+                <c:pt idx="5">
+                  <c:v>40</c:v>
+                </c:pt>
+              </c:numCache>
+            </c:numRef>
+          </c:cat>
+          <c:val>
+            <c:numRef>
+              <c:f>Sheet1!$B$2:$B$7</c:f>
+              <c:numCache>
+                <c:formatCode>General</c:formatCode>
+                <c:ptCount val="6"/>
+                <c:pt idx="0">
+                  <c:v>0.65</c:v>
+                </c:pt>
+                <c:pt idx="1">
+                  <c:v>1.625</c:v>
+                </c:pt>
+                <c:pt idx="2">
+                  <c:v>3.25</c:v>
+                </c:pt>
+                <c:pt idx="3">
+                  <c:v>6.5</c:v>
+                </c:pt>
+                <c:pt idx="4">
+                  <c:v>13</c:v>
+                </c:pt>
+                <c:pt idx="5">
+                  <c:v>26</c:v>
+                </c:pt>
+              </c:numCache>
+            </c:numRef>
+          </c:val>
+        </c:ser>
+        <c:marker val="1"/>
+        <c:axId val="47851008"/>
+        <c:axId val="48048000"/>
+      </c:lineChart>
+      <c:catAx>
+        <c:axId val="47851008"/>
+        <c:scaling>
+          <c:orientation val="minMax"/>
+        </c:scaling>
+        <c:axPos val="b"/>
+        <c:title>
+          <c:tx>
+            <c:rich>
+              <a:bodyPr/>
+              <a:lstStyle/>
+              <a:p>
+                <a:pPr>
+                  <a:defRPr/>
+                </a:pPr>
+                <a:r>
+                  <a:rPr lang="en-US" dirty="0" smtClean="0"/>
+                  <a:t>Dry Mass</a:t>
+                </a:r>
+                <a:r>
+                  <a:rPr lang="en-US" baseline="0" dirty="0" smtClean="0"/>
+                  <a:t> (g)</a:t>
+                </a:r>
+                <a:endParaRPr lang="en-US" dirty="0"/>
+              </a:p>
+            </c:rich>
+          </c:tx>
+          <c:layout/>
+        </c:title>
+        <c:numFmt formatCode="General" sourceLinked="1"/>
+        <c:tickLblPos val="nextTo"/>
+        <c:crossAx val="48048000"/>
+        <c:crosses val="autoZero"/>
+        <c:auto val="1"/>
+        <c:lblAlgn val="ctr"/>
+        <c:lblOffset val="100"/>
+      </c:catAx>
+      <c:valAx>
+        <c:axId val="48048000"/>
+        <c:scaling>
+          <c:orientation val="minMax"/>
+          <c:min val="0"/>
+        </c:scaling>
+        <c:axPos val="l"/>
+        <c:majorGridlines/>
+        <c:title>
+          <c:tx>
+            <c:rich>
+              <a:bodyPr rot="-5400000" vert="horz"/>
+              <a:lstStyle/>
+              <a:p>
+                <a:pPr>
+                  <a:defRPr/>
+                </a:pPr>
+                <a:r>
+                  <a:rPr lang="en-US" dirty="0" smtClean="0"/>
+                  <a:t>Wet Mass (g)</a:t>
+                </a:r>
+                <a:endParaRPr lang="en-US" dirty="0"/>
+              </a:p>
+            </c:rich>
+          </c:tx>
+          <c:layout/>
+        </c:title>
+        <c:numFmt formatCode="General" sourceLinked="1"/>
+        <c:tickLblPos val="nextTo"/>
+        <c:crossAx val="47851008"/>
+        <c:crosses val="autoZero"/>
+        <c:crossBetween val="between"/>
+      </c:valAx>
+    </c:plotArea>
+    <c:legend>
+      <c:legendPos val="r"/>
+      <c:legendEntry>
+        <c:idx val="0"/>
+        <c:delete val="1"/>
+      </c:legendEntry>
+      <c:legendEntry>
+        <c:idx val="1"/>
+        <c:delete val="1"/>
+      </c:legendEntry>
+      <c:layout>
+        <c:manualLayout>
+          <c:xMode val="edge"/>
+          <c:yMode val="edge"/>
+          <c:x val="0.57165289789595974"/>
+          <c:y val="0.88444956880389947"/>
+          <c:w val="0.42561486166688173"/>
+          <c:h val="0.11205324334458193"/>
+        </c:manualLayout>
+      </c:layout>
+      <c:txPr>
+        <a:bodyPr/>
+        <a:lstStyle/>
+        <a:p>
+          <a:pPr>
+            <a:defRPr sz="1400"/>
+          </a:pPr>
+          <a:endParaRPr lang="en-US"/>
+        </a:p>
+      </c:txPr>
+    </c:legend>
+    <c:plotVisOnly val="1"/>
+  </c:chart>
+  <c:txPr>
+    <a:bodyPr/>
+    <a:lstStyle/>
+    <a:p>
+      <a:pPr>
+        <a:defRPr sz="1800"/>
+      </a:pPr>
+      <a:endParaRPr lang="en-US"/>
+    </a:p>
+  </c:txPr>
+  <c:externalData r:id="rId1"/>
+</c:chartSpace>
+</file>
+
+<file path=ppt/charts/chart2.xml><?xml version="1.0" encoding="utf-8"?>
+<c:chartSpace xmlns:c="http://schemas.openxmlformats.org/drawingml/2006/chart" xmlns:a="http://schemas.openxmlformats.org/drawingml/2006/main" xmlns:r="http://schemas.openxmlformats.org/officeDocument/2006/relationships">
+  <c:lang val="en-US"/>
+  <c:chart>
+    <c:plotArea>
+      <c:layout/>
+      <c:stockChart>
+        <c:ser>
+          <c:idx val="0"/>
+          <c:order val="0"/>
+          <c:tx>
+            <c:strRef>
+              <c:f>Sheet1!$B$1</c:f>
+              <c:strCache>
+                <c:ptCount val="1"/>
+                <c:pt idx="0">
+                  <c:v>Treatment 1</c:v>
+                </c:pt>
+              </c:strCache>
+            </c:strRef>
+          </c:tx>
+          <c:spPr>
+            <a:ln w="28575">
+              <a:noFill/>
+            </a:ln>
+          </c:spPr>
+          <c:marker>
+            <c:symbol val="none"/>
+          </c:marker>
+          <c:cat>
+            <c:strRef>
+              <c:f>Sheet1!$A$2:$A$11</c:f>
+              <c:strCache>
+                <c:ptCount val="10"/>
+                <c:pt idx="0">
+                  <c:v>Day 1</c:v>
+                </c:pt>
+                <c:pt idx="1">
+                  <c:v>Day 2 </c:v>
+                </c:pt>
+                <c:pt idx="2">
+                  <c:v>Day 3</c:v>
+                </c:pt>
+                <c:pt idx="3">
+                  <c:v>Day 4</c:v>
+                </c:pt>
+                <c:pt idx="4">
+                  <c:v>Day 5</c:v>
+                </c:pt>
+                <c:pt idx="5">
+                  <c:v>Day 6</c:v>
+                </c:pt>
+                <c:pt idx="6">
+                  <c:v>Day 7</c:v>
+                </c:pt>
+                <c:pt idx="7">
+                  <c:v>Day 8</c:v>
+                </c:pt>
+                <c:pt idx="8">
+                  <c:v>Day 9</c:v>
+                </c:pt>
+                <c:pt idx="9">
+                  <c:v>Day 10</c:v>
+                </c:pt>
+              </c:strCache>
+            </c:strRef>
+          </c:cat>
+          <c:val>
+            <c:numRef>
+              <c:f>Sheet1!$B$2:$B$11</c:f>
+              <c:numCache>
+                <c:formatCode>General</c:formatCode>
+                <c:ptCount val="10"/>
+                <c:pt idx="0">
+                  <c:v>100</c:v>
+                </c:pt>
+                <c:pt idx="1">
+                  <c:v>100</c:v>
+                </c:pt>
+                <c:pt idx="2">
+                  <c:v>100</c:v>
+                </c:pt>
+                <c:pt idx="3">
+                  <c:v>100</c:v>
+                </c:pt>
+                <c:pt idx="4">
+                  <c:v>100</c:v>
+                </c:pt>
+                <c:pt idx="5">
+                  <c:v>100</c:v>
+                </c:pt>
+                <c:pt idx="6">
+                  <c:v>100</c:v>
+                </c:pt>
+                <c:pt idx="7">
+                  <c:v>100</c:v>
+                </c:pt>
+                <c:pt idx="8">
+                  <c:v>100</c:v>
+                </c:pt>
+                <c:pt idx="9">
+                  <c:v>100</c:v>
+                </c:pt>
+              </c:numCache>
+            </c:numRef>
+          </c:val>
+        </c:ser>
+        <c:ser>
+          <c:idx val="1"/>
+          <c:order val="1"/>
+          <c:tx>
+            <c:strRef>
+              <c:f>Sheet1!$C$1</c:f>
+              <c:strCache>
+                <c:ptCount val="1"/>
+                <c:pt idx="0">
+                  <c:v>Treatment 2</c:v>
+                </c:pt>
+              </c:strCache>
+            </c:strRef>
+          </c:tx>
+          <c:spPr>
+            <a:ln w="28575">
+              <a:noFill/>
+            </a:ln>
+          </c:spPr>
+          <c:marker>
+            <c:symbol val="none"/>
+          </c:marker>
+          <c:cat>
+            <c:strRef>
+              <c:f>Sheet1!$A$2:$A$11</c:f>
+              <c:strCache>
+                <c:ptCount val="10"/>
+                <c:pt idx="0">
+                  <c:v>Day 1</c:v>
+                </c:pt>
+                <c:pt idx="1">
+                  <c:v>Day 2 </c:v>
+                </c:pt>
+                <c:pt idx="2">
+                  <c:v>Day 3</c:v>
+                </c:pt>
+                <c:pt idx="3">
+                  <c:v>Day 4</c:v>
+                </c:pt>
+                <c:pt idx="4">
+                  <c:v>Day 5</c:v>
+                </c:pt>
+                <c:pt idx="5">
+                  <c:v>Day 6</c:v>
+                </c:pt>
+                <c:pt idx="6">
+                  <c:v>Day 7</c:v>
+                </c:pt>
+                <c:pt idx="7">
+                  <c:v>Day 8</c:v>
+                </c:pt>
+                <c:pt idx="8">
+                  <c:v>Day 9</c:v>
+                </c:pt>
+                <c:pt idx="9">
+                  <c:v>Day 10</c:v>
+                </c:pt>
+              </c:strCache>
+            </c:strRef>
+          </c:cat>
+          <c:val>
+            <c:numRef>
+              <c:f>Sheet1!$C$2:$C$11</c:f>
+              <c:numCache>
+                <c:formatCode>General</c:formatCode>
+                <c:ptCount val="10"/>
+                <c:pt idx="0">
+                  <c:v>100</c:v>
+                </c:pt>
+                <c:pt idx="1">
+                  <c:v>100</c:v>
+                </c:pt>
+                <c:pt idx="2">
+                  <c:v>100</c:v>
+                </c:pt>
+                <c:pt idx="3">
+                  <c:v>100</c:v>
+                </c:pt>
+                <c:pt idx="4">
+                  <c:v>100</c:v>
+                </c:pt>
+                <c:pt idx="5">
+                  <c:v>100</c:v>
+                </c:pt>
+                <c:pt idx="6">
+                  <c:v>100</c:v>
+                </c:pt>
+                <c:pt idx="7">
+                  <c:v>100</c:v>
+                </c:pt>
+                <c:pt idx="8">
+                  <c:v>100</c:v>
+                </c:pt>
+                <c:pt idx="9">
+                  <c:v>0</c:v>
+                </c:pt>
+              </c:numCache>
+            </c:numRef>
+          </c:val>
+        </c:ser>
+        <c:ser>
+          <c:idx val="2"/>
+          <c:order val="2"/>
+          <c:tx>
+            <c:strRef>
+              <c:f>Sheet1!$D$1</c:f>
+              <c:strCache>
+                <c:ptCount val="1"/>
+                <c:pt idx="0">
+                  <c:v>Treatment 3</c:v>
+                </c:pt>
+              </c:strCache>
+            </c:strRef>
+          </c:tx>
+          <c:spPr>
+            <a:ln w="28575">
+              <a:noFill/>
+            </a:ln>
+          </c:spPr>
+          <c:marker>
+            <c:symbol val="none"/>
+          </c:marker>
+          <c:cat>
+            <c:strRef>
+              <c:f>Sheet1!$A$2:$A$11</c:f>
+              <c:strCache>
+                <c:ptCount val="10"/>
+                <c:pt idx="0">
+                  <c:v>Day 1</c:v>
+                </c:pt>
+                <c:pt idx="1">
+                  <c:v>Day 2 </c:v>
+                </c:pt>
+                <c:pt idx="2">
+                  <c:v>Day 3</c:v>
+                </c:pt>
+                <c:pt idx="3">
+                  <c:v>Day 4</c:v>
+                </c:pt>
+                <c:pt idx="4">
+                  <c:v>Day 5</c:v>
+                </c:pt>
+                <c:pt idx="5">
+                  <c:v>Day 6</c:v>
+                </c:pt>
+                <c:pt idx="6">
+                  <c:v>Day 7</c:v>
+                </c:pt>
+                <c:pt idx="7">
+                  <c:v>Day 8</c:v>
+                </c:pt>
+                <c:pt idx="8">
+                  <c:v>Day 9</c:v>
+                </c:pt>
+                <c:pt idx="9">
+                  <c:v>Day 10</c:v>
+                </c:pt>
+              </c:strCache>
+            </c:strRef>
+          </c:cat>
+          <c:val>
+            <c:numRef>
+              <c:f>Sheet1!$D$2:$D$11</c:f>
+              <c:numCache>
+                <c:formatCode>General</c:formatCode>
+                <c:ptCount val="10"/>
+                <c:pt idx="0">
+                  <c:v>100</c:v>
+                </c:pt>
+                <c:pt idx="1">
+                  <c:v>100</c:v>
+                </c:pt>
+                <c:pt idx="2">
+                  <c:v>100</c:v>
+                </c:pt>
+                <c:pt idx="3">
+                  <c:v>100</c:v>
+                </c:pt>
+                <c:pt idx="4">
+                  <c:v>100</c:v>
+                </c:pt>
+                <c:pt idx="5">
+                  <c:v>100</c:v>
+                </c:pt>
+                <c:pt idx="6">
+                  <c:v>100</c:v>
+                </c:pt>
+                <c:pt idx="7">
+                  <c:v>100</c:v>
+                </c:pt>
+                <c:pt idx="8">
+                  <c:v>0</c:v>
+                </c:pt>
+                <c:pt idx="9">
+                  <c:v>0</c:v>
+                </c:pt>
+              </c:numCache>
+            </c:numRef>
+          </c:val>
+        </c:ser>
+        <c:ser>
+          <c:idx val="3"/>
+          <c:order val="3"/>
+          <c:tx>
+            <c:strRef>
+              <c:f>Sheet1!$E$1</c:f>
+              <c:strCache>
+                <c:ptCount val="1"/>
+                <c:pt idx="0">
+                  <c:v>Treatment 4</c:v>
+                </c:pt>
+              </c:strCache>
+            </c:strRef>
+          </c:tx>
+          <c:spPr>
+            <a:ln w="28575">
+              <a:noFill/>
+            </a:ln>
+          </c:spPr>
+          <c:marker>
+            <c:symbol val="none"/>
+          </c:marker>
+          <c:cat>
+            <c:strRef>
+              <c:f>Sheet1!$A$2:$A$11</c:f>
+              <c:strCache>
+                <c:ptCount val="10"/>
+                <c:pt idx="0">
+                  <c:v>Day 1</c:v>
+                </c:pt>
+                <c:pt idx="1">
+                  <c:v>Day 2 </c:v>
+                </c:pt>
+                <c:pt idx="2">
+                  <c:v>Day 3</c:v>
+                </c:pt>
+                <c:pt idx="3">
+                  <c:v>Day 4</c:v>
+                </c:pt>
+                <c:pt idx="4">
+                  <c:v>Day 5</c:v>
+                </c:pt>
+                <c:pt idx="5">
+                  <c:v>Day 6</c:v>
+                </c:pt>
+                <c:pt idx="6">
+                  <c:v>Day 7</c:v>
+                </c:pt>
+                <c:pt idx="7">
+                  <c:v>Day 8</c:v>
+                </c:pt>
+                <c:pt idx="8">
+                  <c:v>Day 9</c:v>
+                </c:pt>
+                <c:pt idx="9">
+                  <c:v>Day 10</c:v>
+                </c:pt>
+              </c:strCache>
+            </c:strRef>
+          </c:cat>
+          <c:val>
+            <c:numRef>
+              <c:f>Sheet1!$E$2:$E$11</c:f>
+              <c:numCache>
+                <c:formatCode>General</c:formatCode>
+                <c:ptCount val="10"/>
+                <c:pt idx="0">
+                  <c:v>100</c:v>
+                </c:pt>
+                <c:pt idx="1">
+                  <c:v>100</c:v>
+                </c:pt>
+                <c:pt idx="2">
+                  <c:v>100</c:v>
+                </c:pt>
+                <c:pt idx="3">
+                  <c:v>100</c:v>
+                </c:pt>
+                <c:pt idx="4">
+                  <c:v>100</c:v>
+                </c:pt>
+                <c:pt idx="5">
+                  <c:v>100</c:v>
+                </c:pt>
+                <c:pt idx="6">
+                  <c:v>100</c:v>
+                </c:pt>
+                <c:pt idx="7">
+                  <c:v>0</c:v>
+                </c:pt>
+                <c:pt idx="8">
+                  <c:v>0</c:v>
+                </c:pt>
+                <c:pt idx="9">
+                  <c:v>0</c:v>
+                </c:pt>
+              </c:numCache>
+            </c:numRef>
+          </c:val>
+        </c:ser>
+        <c:ser>
+          <c:idx val="4"/>
+          <c:order val="4"/>
+          <c:tx>
+            <c:strRef>
+              <c:f>Sheet1!$F$1</c:f>
+              <c:strCache>
+                <c:ptCount val="1"/>
+                <c:pt idx="0">
+                  <c:v>Treatment 5</c:v>
+                </c:pt>
+              </c:strCache>
+            </c:strRef>
+          </c:tx>
+          <c:spPr>
+            <a:ln w="28575">
+              <a:noFill/>
+            </a:ln>
+          </c:spPr>
+          <c:marker>
+            <c:symbol val="none"/>
+          </c:marker>
+          <c:cat>
+            <c:strRef>
+              <c:f>Sheet1!$A$2:$A$11</c:f>
+              <c:strCache>
+                <c:ptCount val="10"/>
+                <c:pt idx="0">
+                  <c:v>Day 1</c:v>
+                </c:pt>
+                <c:pt idx="1">
+                  <c:v>Day 2 </c:v>
+                </c:pt>
+                <c:pt idx="2">
+                  <c:v>Day 3</c:v>
+                </c:pt>
+                <c:pt idx="3">
+                  <c:v>Day 4</c:v>
+                </c:pt>
+                <c:pt idx="4">
+                  <c:v>Day 5</c:v>
+                </c:pt>
+                <c:pt idx="5">
+                  <c:v>Day 6</c:v>
+                </c:pt>
+                <c:pt idx="6">
+                  <c:v>Day 7</c:v>
+                </c:pt>
+                <c:pt idx="7">
+                  <c:v>Day 8</c:v>
+                </c:pt>
+                <c:pt idx="8">
+                  <c:v>Day 9</c:v>
+                </c:pt>
+                <c:pt idx="9">
+                  <c:v>Day 10</c:v>
+                </c:pt>
+              </c:strCache>
+            </c:strRef>
+          </c:cat>
+          <c:val>
+            <c:numRef>
+              <c:f>Sheet1!$F$2:$F$11</c:f>
+              <c:numCache>
+                <c:formatCode>General</c:formatCode>
+                <c:ptCount val="10"/>
+                <c:pt idx="0">
+                  <c:v>100</c:v>
+                </c:pt>
+                <c:pt idx="1">
+                  <c:v>100</c:v>
+                </c:pt>
+                <c:pt idx="2">
+                  <c:v>100</c:v>
+                </c:pt>
+                <c:pt idx="3">
+                  <c:v>100</c:v>
+                </c:pt>
+                <c:pt idx="4">
+                  <c:v>100</c:v>
+                </c:pt>
+                <c:pt idx="5">
+                  <c:v>100</c:v>
+                </c:pt>
+                <c:pt idx="6">
+                  <c:v>0</c:v>
+                </c:pt>
+                <c:pt idx="7">
+                  <c:v>0</c:v>
+                </c:pt>
+                <c:pt idx="8">
+                  <c:v>0</c:v>
+                </c:pt>
+                <c:pt idx="9">
+                  <c:v>0</c:v>
+                </c:pt>
+              </c:numCache>
+            </c:numRef>
+          </c:val>
+        </c:ser>
+        <c:ser>
+          <c:idx val="5"/>
+          <c:order val="5"/>
+          <c:tx>
+            <c:strRef>
+              <c:f>Sheet1!$G$1</c:f>
+              <c:strCache>
+                <c:ptCount val="1"/>
+                <c:pt idx="0">
+                  <c:v>Treatment 6</c:v>
+                </c:pt>
+              </c:strCache>
+            </c:strRef>
+          </c:tx>
+          <c:spPr>
+            <a:ln w="28575">
+              <a:noFill/>
+            </a:ln>
+          </c:spPr>
+          <c:marker>
+            <c:symbol val="none"/>
+          </c:marker>
+          <c:cat>
+            <c:strRef>
+              <c:f>Sheet1!$A$2:$A$11</c:f>
+              <c:strCache>
+                <c:ptCount val="10"/>
+                <c:pt idx="0">
+                  <c:v>Day 1</c:v>
+                </c:pt>
+                <c:pt idx="1">
+                  <c:v>Day 2 </c:v>
+                </c:pt>
+                <c:pt idx="2">
+                  <c:v>Day 3</c:v>
+                </c:pt>
+                <c:pt idx="3">
+                  <c:v>Day 4</c:v>
+                </c:pt>
+                <c:pt idx="4">
+                  <c:v>Day 5</c:v>
+                </c:pt>
+                <c:pt idx="5">
+                  <c:v>Day 6</c:v>
+                </c:pt>
+                <c:pt idx="6">
+                  <c:v>Day 7</c:v>
+                </c:pt>
+                <c:pt idx="7">
+                  <c:v>Day 8</c:v>
+                </c:pt>
+                <c:pt idx="8">
+                  <c:v>Day 9</c:v>
+                </c:pt>
+                <c:pt idx="9">
+                  <c:v>Day 10</c:v>
+                </c:pt>
+              </c:strCache>
+            </c:strRef>
+          </c:cat>
+          <c:val>
+            <c:numRef>
+              <c:f>Sheet1!$G$2:$G$11</c:f>
+              <c:numCache>
+                <c:formatCode>General</c:formatCode>
+                <c:ptCount val="10"/>
+                <c:pt idx="0">
+                  <c:v>100</c:v>
+                </c:pt>
+                <c:pt idx="1">
+                  <c:v>100</c:v>
+                </c:pt>
+                <c:pt idx="2">
+                  <c:v>100</c:v>
+                </c:pt>
+                <c:pt idx="3">
+                  <c:v>100</c:v>
+                </c:pt>
+                <c:pt idx="4">
+                  <c:v>100</c:v>
+                </c:pt>
+                <c:pt idx="5">
+                  <c:v>0</c:v>
+                </c:pt>
+                <c:pt idx="6">
+                  <c:v>0</c:v>
+                </c:pt>
+                <c:pt idx="7">
+                  <c:v>0</c:v>
+                </c:pt>
+                <c:pt idx="8">
+                  <c:v>0</c:v>
+                </c:pt>
+                <c:pt idx="9">
+                  <c:v>0</c:v>
+                </c:pt>
+              </c:numCache>
+            </c:numRef>
+          </c:val>
+        </c:ser>
+        <c:ser>
+          <c:idx val="6"/>
+          <c:order val="6"/>
+          <c:tx>
+            <c:strRef>
+              <c:f>Sheet1!$H$1</c:f>
+              <c:strCache>
+                <c:ptCount val="1"/>
+                <c:pt idx="0">
+                  <c:v>Treatment 7</c:v>
+                </c:pt>
+              </c:strCache>
+            </c:strRef>
+          </c:tx>
+          <c:spPr>
+            <a:ln w="28575">
+              <a:noFill/>
+            </a:ln>
+          </c:spPr>
+          <c:marker>
+            <c:symbol val="none"/>
+          </c:marker>
+          <c:cat>
+            <c:strRef>
+              <c:f>Sheet1!$A$2:$A$11</c:f>
+              <c:strCache>
+                <c:ptCount val="10"/>
+                <c:pt idx="0">
+                  <c:v>Day 1</c:v>
+                </c:pt>
+                <c:pt idx="1">
+                  <c:v>Day 2 </c:v>
+                </c:pt>
+                <c:pt idx="2">
+                  <c:v>Day 3</c:v>
+                </c:pt>
+                <c:pt idx="3">
+                  <c:v>Day 4</c:v>
+                </c:pt>
+                <c:pt idx="4">
+                  <c:v>Day 5</c:v>
+                </c:pt>
+                <c:pt idx="5">
+                  <c:v>Day 6</c:v>
+                </c:pt>
+                <c:pt idx="6">
+                  <c:v>Day 7</c:v>
+                </c:pt>
+                <c:pt idx="7">
+                  <c:v>Day 8</c:v>
+                </c:pt>
+                <c:pt idx="8">
+                  <c:v>Day 9</c:v>
+                </c:pt>
+                <c:pt idx="9">
+                  <c:v>Day 10</c:v>
+                </c:pt>
+              </c:strCache>
+            </c:strRef>
+          </c:cat>
+          <c:val>
+            <c:numRef>
+              <c:f>Sheet1!$H$2:$H$11</c:f>
+              <c:numCache>
+                <c:formatCode>General</c:formatCode>
+                <c:ptCount val="10"/>
+                <c:pt idx="0">
+                  <c:v>100</c:v>
+                </c:pt>
+                <c:pt idx="1">
+                  <c:v>100</c:v>
+                </c:pt>
+                <c:pt idx="2">
+                  <c:v>100</c:v>
+                </c:pt>
+                <c:pt idx="3">
+                  <c:v>100</c:v>
+                </c:pt>
+                <c:pt idx="4">
+                  <c:v>0</c:v>
+                </c:pt>
+                <c:pt idx="5">
+                  <c:v>0</c:v>
+                </c:pt>
+                <c:pt idx="6">
+                  <c:v>0</c:v>
+                </c:pt>
+                <c:pt idx="7">
+                  <c:v>0</c:v>
+                </c:pt>
+                <c:pt idx="8">
+                  <c:v>0</c:v>
+                </c:pt>
+                <c:pt idx="9">
+                  <c:v>0</c:v>
+                </c:pt>
+              </c:numCache>
+            </c:numRef>
+          </c:val>
+        </c:ser>
+        <c:ser>
+          <c:idx val="7"/>
+          <c:order val="7"/>
+          <c:tx>
+            <c:strRef>
+              <c:f>Sheet1!$I$1</c:f>
+              <c:strCache>
+                <c:ptCount val="1"/>
+                <c:pt idx="0">
+                  <c:v>Treatment 8</c:v>
+                </c:pt>
+              </c:strCache>
+            </c:strRef>
+          </c:tx>
+          <c:spPr>
+            <a:ln w="28575">
+              <a:noFill/>
+            </a:ln>
+          </c:spPr>
+          <c:marker>
+            <c:symbol val="none"/>
+          </c:marker>
+          <c:cat>
+            <c:strRef>
+              <c:f>Sheet1!$A$2:$A$11</c:f>
+              <c:strCache>
+                <c:ptCount val="10"/>
+                <c:pt idx="0">
+                  <c:v>Day 1</c:v>
+                </c:pt>
+                <c:pt idx="1">
+                  <c:v>Day 2 </c:v>
+                </c:pt>
+                <c:pt idx="2">
+                  <c:v>Day 3</c:v>
+                </c:pt>
+                <c:pt idx="3">
+                  <c:v>Day 4</c:v>
+                </c:pt>
+                <c:pt idx="4">
+                  <c:v>Day 5</c:v>
+                </c:pt>
+                <c:pt idx="5">
+                  <c:v>Day 6</c:v>
+                </c:pt>
+                <c:pt idx="6">
+                  <c:v>Day 7</c:v>
+                </c:pt>
+                <c:pt idx="7">
+                  <c:v>Day 8</c:v>
+                </c:pt>
+                <c:pt idx="8">
+                  <c:v>Day 9</c:v>
+                </c:pt>
+                <c:pt idx="9">
+                  <c:v>Day 10</c:v>
+                </c:pt>
+              </c:strCache>
+            </c:strRef>
+          </c:cat>
+          <c:val>
+            <c:numRef>
+              <c:f>Sheet1!$I$2:$I$11</c:f>
+              <c:numCache>
+                <c:formatCode>General</c:formatCode>
+                <c:ptCount val="10"/>
+                <c:pt idx="0">
+                  <c:v>100</c:v>
+                </c:pt>
+                <c:pt idx="1">
+                  <c:v>100</c:v>
+                </c:pt>
+                <c:pt idx="2">
+                  <c:v>100</c:v>
+                </c:pt>
+                <c:pt idx="3">
+                  <c:v>0</c:v>
+                </c:pt>
+                <c:pt idx="4">
+                  <c:v>0</c:v>
+                </c:pt>
+                <c:pt idx="5">
+                  <c:v>0</c:v>
+                </c:pt>
+                <c:pt idx="6">
+                  <c:v>0</c:v>
+                </c:pt>
+                <c:pt idx="7">
+                  <c:v>0</c:v>
+                </c:pt>
+                <c:pt idx="8">
+                  <c:v>0</c:v>
+                </c:pt>
+                <c:pt idx="9">
+                  <c:v>0</c:v>
+                </c:pt>
+              </c:numCache>
+            </c:numRef>
+          </c:val>
+        </c:ser>
+        <c:ser>
+          <c:idx val="8"/>
+          <c:order val="8"/>
+          <c:tx>
+            <c:strRef>
+              <c:f>Sheet1!$J$1</c:f>
+              <c:strCache>
+                <c:ptCount val="1"/>
+                <c:pt idx="0">
+                  <c:v>Treatment 9</c:v>
+                </c:pt>
+              </c:strCache>
+            </c:strRef>
+          </c:tx>
+          <c:spPr>
+            <a:ln w="28575">
+              <a:noFill/>
+            </a:ln>
+          </c:spPr>
+          <c:marker>
+            <c:symbol val="none"/>
+          </c:marker>
+          <c:cat>
+            <c:strRef>
+              <c:f>Sheet1!$A$2:$A$11</c:f>
+              <c:strCache>
+                <c:ptCount val="10"/>
+                <c:pt idx="0">
+                  <c:v>Day 1</c:v>
+                </c:pt>
+                <c:pt idx="1">
+                  <c:v>Day 2 </c:v>
+                </c:pt>
+                <c:pt idx="2">
+                  <c:v>Day 3</c:v>
+                </c:pt>
+                <c:pt idx="3">
+                  <c:v>Day 4</c:v>
+                </c:pt>
+                <c:pt idx="4">
+                  <c:v>Day 5</c:v>
+                </c:pt>
+                <c:pt idx="5">
+                  <c:v>Day 6</c:v>
+                </c:pt>
+                <c:pt idx="6">
+                  <c:v>Day 7</c:v>
+                </c:pt>
+                <c:pt idx="7">
+                  <c:v>Day 8</c:v>
+                </c:pt>
+                <c:pt idx="8">
+                  <c:v>Day 9</c:v>
+                </c:pt>
+                <c:pt idx="9">
+                  <c:v>Day 10</c:v>
+                </c:pt>
+              </c:strCache>
+            </c:strRef>
+          </c:cat>
+          <c:val>
+            <c:numRef>
+              <c:f>Sheet1!$J$2:$J$11</c:f>
+              <c:numCache>
+                <c:formatCode>General</c:formatCode>
+                <c:ptCount val="10"/>
+                <c:pt idx="0">
+                  <c:v>100</c:v>
+                </c:pt>
+                <c:pt idx="1">
+                  <c:v>100</c:v>
+                </c:pt>
+                <c:pt idx="2">
+                  <c:v>11</c:v>
+                </c:pt>
+                <c:pt idx="3">
+                  <c:v>0</c:v>
+                </c:pt>
+                <c:pt idx="4">
+                  <c:v>0</c:v>
+                </c:pt>
+                <c:pt idx="5">
+                  <c:v>0</c:v>
+                </c:pt>
+                <c:pt idx="6">
+                  <c:v>0</c:v>
+                </c:pt>
+                <c:pt idx="7">
+                  <c:v>0</c:v>
+                </c:pt>
+                <c:pt idx="8">
+                  <c:v>0</c:v>
+                </c:pt>
+                <c:pt idx="9">
+                  <c:v>0</c:v>
+                </c:pt>
+              </c:numCache>
+            </c:numRef>
+          </c:val>
+        </c:ser>
+        <c:ser>
+          <c:idx val="9"/>
+          <c:order val="9"/>
+          <c:tx>
+            <c:strRef>
+              <c:f>Sheet1!$K$1</c:f>
+              <c:strCache>
+                <c:ptCount val="1"/>
+                <c:pt idx="0">
+                  <c:v>Treatment 10</c:v>
+                </c:pt>
+              </c:strCache>
+            </c:strRef>
+          </c:tx>
+          <c:spPr>
+            <a:ln w="28575">
+              <a:noFill/>
+            </a:ln>
+          </c:spPr>
+          <c:marker>
+            <c:symbol val="none"/>
+          </c:marker>
+          <c:cat>
+            <c:strRef>
+              <c:f>Sheet1!$A$2:$A$11</c:f>
+              <c:strCache>
+                <c:ptCount val="10"/>
+                <c:pt idx="0">
+                  <c:v>Day 1</c:v>
+                </c:pt>
+                <c:pt idx="1">
+                  <c:v>Day 2 </c:v>
+                </c:pt>
+                <c:pt idx="2">
+                  <c:v>Day 3</c:v>
+                </c:pt>
+                <c:pt idx="3">
+                  <c:v>Day 4</c:v>
+                </c:pt>
+                <c:pt idx="4">
+                  <c:v>Day 5</c:v>
+                </c:pt>
+                <c:pt idx="5">
+                  <c:v>Day 6</c:v>
+                </c:pt>
+                <c:pt idx="6">
+                  <c:v>Day 7</c:v>
+                </c:pt>
+                <c:pt idx="7">
+                  <c:v>Day 8</c:v>
+                </c:pt>
+                <c:pt idx="8">
+                  <c:v>Day 9</c:v>
+                </c:pt>
+                <c:pt idx="9">
+                  <c:v>Day 10</c:v>
+                </c:pt>
+              </c:strCache>
+            </c:strRef>
+          </c:cat>
+          <c:val>
+            <c:numRef>
+              <c:f>Sheet1!$K$2:$K$11</c:f>
+              <c:numCache>
+                <c:formatCode>General</c:formatCode>
+                <c:ptCount val="10"/>
+                <c:pt idx="0">
+                  <c:v>100</c:v>
+                </c:pt>
+                <c:pt idx="1">
+                  <c:v>0</c:v>
+                </c:pt>
+                <c:pt idx="2">
+                  <c:v>0</c:v>
+                </c:pt>
+                <c:pt idx="3">
+                  <c:v>0</c:v>
+                </c:pt>
+                <c:pt idx="4">
+                  <c:v>0</c:v>
+                </c:pt>
+                <c:pt idx="5">
+                  <c:v>0</c:v>
+                </c:pt>
+                <c:pt idx="6">
+                  <c:v>0</c:v>
+                </c:pt>
+                <c:pt idx="7">
+                  <c:v>0</c:v>
+                </c:pt>
+                <c:pt idx="8">
+                  <c:v>0</c:v>
+                </c:pt>
+                <c:pt idx="9">
+                  <c:v>0</c:v>
+                </c:pt>
+              </c:numCache>
+            </c:numRef>
+          </c:val>
+        </c:ser>
+        <c:hiLowLines/>
+        <c:upDownBars>
+          <c:gapWidth val="150"/>
+          <c:upBars/>
+          <c:downBars/>
+        </c:upDownBars>
+        <c:axId val="120628352"/>
+        <c:axId val="120630656"/>
+      </c:stockChart>
+      <c:catAx>
+        <c:axId val="120628352"/>
+        <c:scaling>
+          <c:orientation val="minMax"/>
+        </c:scaling>
+        <c:axPos val="b"/>
+        <c:numFmt formatCode="m/d/yyyy" sourceLinked="1"/>
+        <c:tickLblPos val="nextTo"/>
+        <c:crossAx val="120630656"/>
+        <c:crosses val="autoZero"/>
+        <c:auto val="1"/>
+        <c:lblAlgn val="ctr"/>
+        <c:lblOffset val="100"/>
+      </c:catAx>
+      <c:valAx>
+        <c:axId val="120630656"/>
+        <c:scaling>
+          <c:orientation val="minMax"/>
+        </c:scaling>
+        <c:axPos val="l"/>
+        <c:majorGridlines/>
+        <c:numFmt formatCode="General" sourceLinked="1"/>
+        <c:tickLblPos val="nextTo"/>
+        <c:crossAx val="120628352"/>
+        <c:crosses val="autoZero"/>
+        <c:crossBetween val="between"/>
+      </c:valAx>
+    </c:plotArea>
+    <c:legend>
+      <c:legendPos val="r"/>
+      <c:layout/>
+    </c:legend>
+    <c:plotVisOnly val="1"/>
+  </c:chart>
+  <c:txPr>
+    <a:bodyPr/>
+    <a:lstStyle/>
+    <a:p>
+      <a:pPr>
+        <a:defRPr sz="1800"/>
+      </a:pPr>
+      <a:endParaRPr lang="en-US"/>
+    </a:p>
+  </c:txPr>
+  <c:externalData r:id="rId1"/>
+</c:chartSpace>
+</file>
+
+<file path=ppt/charts/chart3.xml><?xml version="1.0" encoding="utf-8"?>
+<c:chartSpace xmlns:c="http://schemas.openxmlformats.org/drawingml/2006/chart" xmlns:a="http://schemas.openxmlformats.org/drawingml/2006/main" xmlns:r="http://schemas.openxmlformats.org/officeDocument/2006/relationships">
+  <c:lang val="en-US"/>
+  <c:chart>
+    <c:autoTitleDeleted val="1"/>
+    <c:plotArea>
+      <c:layout>
+        <c:manualLayout>
+          <c:layoutTarget val="inner"/>
+          <c:xMode val="edge"/>
+          <c:yMode val="edge"/>
+          <c:x val="0.22023882260947139"/>
+          <c:y val="6.6214422904044209E-2"/>
+          <c:w val="0.72618019266412359"/>
+          <c:h val="0.77307028233366915"/>
+        </c:manualLayout>
+      </c:layout>
+      <c:lineChart>
+        <c:grouping val="standard"/>
+        <c:ser>
+          <c:idx val="0"/>
+          <c:order val="0"/>
+          <c:tx>
+            <c:strRef>
+              <c:f>Sheet1!$B$1</c:f>
+              <c:strCache>
+                <c:ptCount val="1"/>
+                <c:pt idx="0">
+                  <c:v>UZ</c:v>
+                </c:pt>
+              </c:strCache>
+            </c:strRef>
+          </c:tx>
+          <c:spPr>
+            <a:ln w="127000" cap="rnd">
+              <a:solidFill>
+                <a:schemeClr val="bg2">
+                  <a:lumMod val="75000"/>
+                </a:schemeClr>
+              </a:solidFill>
+              <a:round/>
+            </a:ln>
+            <a:effectLst/>
+          </c:spPr>
+          <c:marker>
+            <c:symbol val="none"/>
+          </c:marker>
+          <c:cat>
+            <c:numRef>
+              <c:f>Sheet1!$A$2:$A$12</c:f>
+              <c:numCache>
+                <c:formatCode>General</c:formatCode>
+                <c:ptCount val="11"/>
+                <c:pt idx="0">
+                  <c:v>0</c:v>
+                </c:pt>
+                <c:pt idx="1">
+                  <c:v>1</c:v>
+                </c:pt>
+                <c:pt idx="2">
+                  <c:v>2</c:v>
+                </c:pt>
+                <c:pt idx="3">
+                  <c:v>3</c:v>
+                </c:pt>
+                <c:pt idx="4">
+                  <c:v>4</c:v>
+                </c:pt>
+                <c:pt idx="5">
+                  <c:v>5</c:v>
+                </c:pt>
+                <c:pt idx="6">
+                  <c:v>6</c:v>
+                </c:pt>
+                <c:pt idx="7">
+                  <c:v>7</c:v>
+                </c:pt>
+                <c:pt idx="8">
+                  <c:v>8</c:v>
+                </c:pt>
+                <c:pt idx="9">
+                  <c:v>9</c:v>
+                </c:pt>
+                <c:pt idx="10">
+                  <c:v>10</c:v>
+                </c:pt>
+              </c:numCache>
+            </c:numRef>
+          </c:cat>
+          <c:val>
+            <c:numRef>
+              <c:f>Sheet1!$B$2:$B$12</c:f>
+              <c:numCache>
+                <c:formatCode>General</c:formatCode>
+                <c:ptCount val="11"/>
+                <c:pt idx="0">
+                  <c:v>100</c:v>
+                </c:pt>
+                <c:pt idx="1">
+                  <c:v>100</c:v>
+                </c:pt>
+                <c:pt idx="2">
+                  <c:v>100</c:v>
+                </c:pt>
+                <c:pt idx="3">
+                  <c:v>100</c:v>
+                </c:pt>
+                <c:pt idx="4">
+                  <c:v>100</c:v>
+                </c:pt>
+                <c:pt idx="5">
+                  <c:v>100</c:v>
+                </c:pt>
+                <c:pt idx="6">
+                  <c:v>100</c:v>
+                </c:pt>
+                <c:pt idx="7">
+                  <c:v>100</c:v>
+                </c:pt>
+                <c:pt idx="8">
+                  <c:v>100</c:v>
+                </c:pt>
+                <c:pt idx="9">
+                  <c:v>100</c:v>
+                </c:pt>
+                <c:pt idx="10">
+                  <c:v>100</c:v>
+                </c:pt>
+              </c:numCache>
+            </c:numRef>
+          </c:val>
+          <c:extLst xmlns:c16r2="http://schemas.microsoft.com/office/drawing/2015/06/chart">
+            <c:ext xmlns:c16="http://schemas.microsoft.com/office/drawing/2014/chart" uri="{C3380CC4-5D6E-409C-BE32-E72D297353CC}">
+              <c16:uniqueId val="{00000000-C102-4688-8C5F-F87F9B2D1098}"/>
+            </c:ext>
+          </c:extLst>
+        </c:ser>
+        <c:dLbls/>
+        <c:marker val="1"/>
+        <c:axId val="51134848"/>
+        <c:axId val="51136768"/>
+      </c:lineChart>
+      <c:catAx>
+        <c:axId val="51134848"/>
+        <c:scaling>
+          <c:orientation val="minMax"/>
+        </c:scaling>
+        <c:axPos val="b"/>
+        <c:title>
+          <c:tx>
+            <c:rich>
+              <a:bodyPr rot="0" spcFirstLastPara="1" vertOverflow="ellipsis" vert="horz" wrap="square" anchor="ctr" anchorCtr="1"/>
+              <a:lstStyle/>
+              <a:p>
+                <a:pPr>
+                  <a:defRPr sz="2400" b="0" i="0" u="none" strike="noStrike" kern="1200" baseline="0">
+                    <a:solidFill>
+                      <a:schemeClr val="tx1">
+                        <a:lumMod val="65000"/>
+                        <a:lumOff val="35000"/>
+                      </a:schemeClr>
+                    </a:solidFill>
+                    <a:latin typeface="+mn-lt"/>
+                    <a:ea typeface="+mn-ea"/>
+                    <a:cs typeface="+mn-cs"/>
+                  </a:defRPr>
+                </a:pPr>
+                <a:r>
+                  <a:rPr lang="en-US" sz="2400" b="1" dirty="0" smtClean="0"/>
+                  <a:t>Days in 5</a:t>
+                </a:r>
+                <a:r>
+                  <a:rPr lang="en-US" sz="2400" b="1" baseline="30000" dirty="0" smtClean="0"/>
+                  <a:t>th</a:t>
+                </a:r>
+                <a:r>
+                  <a:rPr lang="en-US" sz="2400" b="1" dirty="0" smtClean="0"/>
+                  <a:t> </a:t>
+                </a:r>
+                <a:r>
+                  <a:rPr lang="en-US" sz="2400" b="1" dirty="0" err="1" smtClean="0"/>
+                  <a:t>instar</a:t>
+                </a:r>
+                <a:endParaRPr lang="en-US" sz="2400" b="1" dirty="0"/>
+              </a:p>
+            </c:rich>
+          </c:tx>
+          <c:layout/>
+          <c:spPr>
+            <a:noFill/>
+            <a:ln>
+              <a:noFill/>
+            </a:ln>
+            <a:effectLst/>
+          </c:spPr>
+        </c:title>
+        <c:numFmt formatCode="General" sourceLinked="1"/>
+        <c:tickLblPos val="nextTo"/>
+        <c:crossAx val="51136768"/>
+        <c:crosses val="autoZero"/>
+        <c:auto val="1"/>
+        <c:lblAlgn val="ctr"/>
+        <c:lblOffset val="100"/>
+      </c:catAx>
+      <c:valAx>
+        <c:axId val="51136768"/>
+        <c:scaling>
+          <c:orientation val="minMax"/>
+        </c:scaling>
+        <c:axPos val="l"/>
+        <c:majorGridlines>
+          <c:spPr>
+            <a:ln w="9525" cap="flat" cmpd="sng" algn="ctr">
+              <a:solidFill>
+                <a:schemeClr val="tx1">
+                  <a:lumMod val="15000"/>
+                  <a:lumOff val="85000"/>
+                </a:schemeClr>
+              </a:solidFill>
+              <a:round/>
+            </a:ln>
+            <a:effectLst/>
+          </c:spPr>
+        </c:majorGridlines>
+        <c:title>
+          <c:tx>
+            <c:rich>
+              <a:bodyPr rot="-5400000" spcFirstLastPara="1" vertOverflow="ellipsis" vert="horz" wrap="square" anchor="ctr" anchorCtr="1"/>
+              <a:lstStyle/>
+              <a:p>
+                <a:pPr marL="0" marR="0" indent="0" algn="ctr" defTabSz="914400" rtl="0" eaLnBrk="1" fontAlgn="auto" latinLnBrk="0" hangingPunct="1">
+                  <a:lnSpc>
+                    <a:spcPct val="100000"/>
+                  </a:lnSpc>
+                  <a:spcBef>
+                    <a:spcPts val="0"/>
+                  </a:spcBef>
+                  <a:spcAft>
+                    <a:spcPts val="0"/>
+                  </a:spcAft>
+                  <a:buClrTx/>
+                  <a:buSzTx/>
+                  <a:buFontTx/>
+                  <a:buNone/>
+                  <a:tabLst/>
+                  <a:defRPr sz="2400" b="0" i="0" u="none" strike="noStrike" kern="1200" baseline="0">
+                    <a:solidFill>
+                      <a:prstClr val="black">
+                        <a:lumMod val="65000"/>
+                        <a:lumOff val="35000"/>
+                      </a:prstClr>
+                    </a:solidFill>
+                    <a:latin typeface="+mn-lt"/>
+                    <a:ea typeface="+mn-ea"/>
+                    <a:cs typeface="+mn-cs"/>
+                  </a:defRPr>
+                </a:pPr>
+                <a:r>
+                  <a:rPr lang="en-US" sz="2400" b="1" dirty="0" smtClean="0"/>
+                  <a:t>efficiency</a:t>
+                </a:r>
+                <a:endParaRPr lang="en-US" sz="2400" b="1" dirty="0"/>
+              </a:p>
+            </c:rich>
+          </c:tx>
+          <c:layout/>
+          <c:spPr>
+            <a:noFill/>
+            <a:ln>
+              <a:noFill/>
+            </a:ln>
+            <a:effectLst/>
+          </c:spPr>
+        </c:title>
+        <c:numFmt formatCode="General" sourceLinked="0"/>
+        <c:tickLblPos val="nextTo"/>
+        <c:crossAx val="51134848"/>
+        <c:crosses val="autoZero"/>
+        <c:crossBetween val="between"/>
+      </c:valAx>
+      <c:spPr>
+        <a:noFill/>
+        <a:ln>
+          <a:noFill/>
+        </a:ln>
+        <a:effectLst/>
+      </c:spPr>
+    </c:plotArea>
+    <c:plotVisOnly val="1"/>
+    <c:dispBlanksAs val="gap"/>
+  </c:chart>
+  <c:spPr>
+    <a:noFill/>
+    <a:ln>
+      <a:noFill/>
+    </a:ln>
+    <a:effectLst/>
+  </c:spPr>
+  <c:txPr>
+    <a:bodyPr/>
+    <a:lstStyle/>
+    <a:p>
+      <a:pPr>
+        <a:defRPr/>
+      </a:pPr>
+      <a:endParaRPr lang="en-US"/>
+    </a:p>
+  </c:txPr>
+  <c:externalData r:id="rId1"/>
+</c:chartSpace>
+</file>
+
+<file path=ppt/charts/chart4.xml><?xml version="1.0" encoding="utf-8"?>
+<c:chartSpace xmlns:c="http://schemas.openxmlformats.org/drawingml/2006/chart" xmlns:a="http://schemas.openxmlformats.org/drawingml/2006/main" xmlns:r="http://schemas.openxmlformats.org/officeDocument/2006/relationships">
+  <c:lang val="en-US"/>
+  <c:chart>
+    <c:autoTitleDeleted val="1"/>
+    <c:plotArea>
+      <c:layout>
+        <c:manualLayout>
+          <c:layoutTarget val="inner"/>
+          <c:xMode val="edge"/>
+          <c:yMode val="edge"/>
+          <c:x val="5.5873015873015908E-2"/>
+          <c:y val="3.7942352444236709E-2"/>
+          <c:w val="0.89054598175228084"/>
           <c:h val="0.801342483622279"/>
         </c:manualLayout>
       </c:layout>
       <c:lineChart>
         <c:grouping val="standard"/>
-        <c:varyColors val="0"/>
         <c:ser>
           <c:idx val="0"/>
           <c:order val="0"/>
@@ -202,110 +1805,36 @@
                 <c:formatCode>General</c:formatCode>
                 <c:ptCount val="5"/>
                 <c:pt idx="0">
-                  <c:v>0.0</c:v>
+                  <c:v>0</c:v>
                 </c:pt>
                 <c:pt idx="1">
-                  <c:v>100.0</c:v>
+                  <c:v>100</c:v>
                 </c:pt>
                 <c:pt idx="2">
-                  <c:v>100.0</c:v>
+                  <c:v>100</c:v>
                 </c:pt>
                 <c:pt idx="3">
-                  <c:v>100.0</c:v>
+                  <c:v>100</c:v>
                 </c:pt>
                 <c:pt idx="4">
-                  <c:v>100.0</c:v>
+                  <c:v>100</c:v>
                 </c:pt>
               </c:numCache>
             </c:numRef>
           </c:val>
-          <c:smooth val="0"/>
           <c:extLst xmlns:c16r2="http://schemas.microsoft.com/office/drawing/2015/06/chart">
             <c:ext xmlns:c16="http://schemas.microsoft.com/office/drawing/2014/chart" uri="{C3380CC4-5D6E-409C-BE32-E72D297353CC}">
-              <c16:uniqueId val="{00000000-C102-4688-8C5F-F87F9B2D1098}"/>
+              <c16:uniqueId val="{00000000-7A90-4E51-97C5-F70409DDE204}"/>
             </c:ext>
           </c:extLst>
         </c:ser>
-        <c:ser>
-          <c:idx val="1"/>
-          <c:order val="1"/>
-          <c:tx>
-            <c:strRef>
-              <c:f>Sheet1!$C$1</c:f>
-              <c:strCache>
-                <c:ptCount val="1"/>
-                <c:pt idx="0">
-                  <c:v>BE</c:v>
-                </c:pt>
-              </c:strCache>
-            </c:strRef>
-          </c:tx>
-          <c:spPr>
-            <a:ln w="127000" cap="rnd">
-              <a:solidFill>
-                <a:schemeClr val="accent2"/>
-              </a:solidFill>
-              <a:round/>
-            </a:ln>
-            <a:effectLst/>
-          </c:spPr>
-          <c:marker>
-            <c:symbol val="none"/>
-          </c:marker>
-          <c:cat>
-            <c:numRef>
-              <c:f>Sheet1!$A$2:$A$6</c:f>
-              <c:numCache>
-                <c:formatCode>General</c:formatCode>
-                <c:ptCount val="5"/>
-              </c:numCache>
-            </c:numRef>
-          </c:cat>
-          <c:val>
-            <c:numRef>
-              <c:f>Sheet1!$C$2:$C$6</c:f>
-              <c:numCache>
-                <c:formatCode>General</c:formatCode>
-                <c:ptCount val="5"/>
-                <c:pt idx="0">
-                  <c:v>0.0</c:v>
-                </c:pt>
-                <c:pt idx="1">
-                  <c:v>95.0</c:v>
-                </c:pt>
-                <c:pt idx="2">
-                  <c:v>95.0</c:v>
-                </c:pt>
-                <c:pt idx="3">
-                  <c:v>95.0</c:v>
-                </c:pt>
-                <c:pt idx="4">
-                  <c:v>95.0</c:v>
-                </c:pt>
-              </c:numCache>
-            </c:numRef>
-          </c:val>
-          <c:smooth val="0"/>
-          <c:extLst xmlns:c16r2="http://schemas.microsoft.com/office/drawing/2015/06/chart">
-            <c:ext xmlns:c16="http://schemas.microsoft.com/office/drawing/2014/chart" uri="{C3380CC4-5D6E-409C-BE32-E72D297353CC}">
-              <c16:uniqueId val="{00000001-C102-4688-8C5F-F87F9B2D1098}"/>
-            </c:ext>
-          </c:extLst>
-        </c:ser>
-        <c:dLbls>
-          <c:showLegendKey val="0"/>
-          <c:showVal val="0"/>
-          <c:showCatName val="0"/>
-          <c:showSerName val="0"/>
-          <c:showPercent val="0"/>
-          <c:showBubbleSize val="0"/>
-        </c:dLbls>
-        <c:smooth val="0"/>
-        <c:axId val="1366662848"/>
-        <c:axId val="1366515488"/>
+        <c:dLbls/>
+        <c:marker val="1"/>
+        <c:axId val="51884416"/>
+        <c:axId val="51886336"/>
       </c:lineChart>
       <c:catAx>
-        <c:axId val="1366662848"/>
+        <c:axId val="51884416"/>
         <c:scaling>
           <c:orientation val="minMax"/>
         </c:scaling>
@@ -331,15 +1860,26 @@
                   </a:defRPr>
                 </a:pPr>
                 <a:r>
-                  <a:rPr lang="en-US" sz="2400" b="1" dirty="0" smtClean="0"/>
-                  <a:t>Time</a:t>
+                  <a:rPr lang="en-US" sz="1800" b="1" i="0" baseline="0" dirty="0" smtClean="0"/>
+                  <a:t>Days in 5</a:t>
                 </a:r>
-                <a:endParaRPr lang="en-US" sz="2400" b="1" dirty="0"/>
+                <a:r>
+                  <a:rPr lang="en-US" sz="1800" b="1" i="0" baseline="30000" dirty="0" smtClean="0"/>
+                  <a:t>th</a:t>
+                </a:r>
+                <a:r>
+                  <a:rPr lang="en-US" sz="1800" b="1" i="0" baseline="0" dirty="0" smtClean="0"/>
+                  <a:t> </a:t>
+                </a:r>
+                <a:r>
+                  <a:rPr lang="en-US" sz="1800" b="1" i="0" baseline="0" dirty="0" err="1" smtClean="0"/>
+                  <a:t>instar</a:t>
+                </a:r>
+                <a:endParaRPr lang="en-US" sz="1800" b="1" i="0" baseline="0" dirty="0"/>
               </a:p>
             </c:rich>
           </c:tx>
           <c:layout/>
-          <c:overlay val="0"/>
           <c:spPr>
             <a:noFill/>
             <a:ln>
@@ -347,40 +1887,18 @@
             </a:ln>
             <a:effectLst/>
           </c:spPr>
-          <c:txPr>
-            <a:bodyPr rot="0" spcFirstLastPara="1" vertOverflow="ellipsis" vert="horz" wrap="square" anchor="ctr" anchorCtr="1"/>
-            <a:lstStyle/>
-            <a:p>
-              <a:pPr>
-                <a:defRPr sz="2400" b="0" i="0" u="none" strike="noStrike" kern="1200" baseline="0">
-                  <a:solidFill>
-                    <a:schemeClr val="tx1">
-                      <a:lumMod val="65000"/>
-                      <a:lumOff val="35000"/>
-                    </a:schemeClr>
-                  </a:solidFill>
-                  <a:latin typeface="+mn-lt"/>
-                  <a:ea typeface="+mn-ea"/>
-                  <a:cs typeface="+mn-cs"/>
-                </a:defRPr>
-              </a:pPr>
-              <a:endParaRPr lang="en-US"/>
-            </a:p>
-          </c:txPr>
         </c:title>
         <c:numFmt formatCode="General" sourceLinked="1"/>
         <c:majorTickMark val="none"/>
-        <c:minorTickMark val="none"/>
-        <c:tickLblPos val="nextTo"/>
-        <c:crossAx val="1366515488"/>
+        <c:tickLblPos val="none"/>
+        <c:crossAx val="51886336"/>
         <c:crosses val="autoZero"/>
         <c:auto val="1"/>
         <c:lblAlgn val="ctr"/>
         <c:lblOffset val="100"/>
-        <c:noMultiLvlLbl val="0"/>
       </c:catAx>
       <c:valAx>
-        <c:axId val="1366515488"/>
+        <c:axId val="51886336"/>
         <c:scaling>
           <c:orientation val="minMax"/>
         </c:scaling>
@@ -400,68 +1918,10 @@
             <a:effectLst/>
           </c:spPr>
         </c:majorGridlines>
-        <c:title>
-          <c:tx>
-            <c:rich>
-              <a:bodyPr rot="-5400000" spcFirstLastPara="1" vertOverflow="ellipsis" vert="horz" wrap="square" anchor="ctr" anchorCtr="1"/>
-              <a:lstStyle/>
-              <a:p>
-                <a:pPr>
-                  <a:defRPr sz="2400" b="0" i="0" u="none" strike="noStrike" kern="1200" baseline="0">
-                    <a:solidFill>
-                      <a:schemeClr val="tx1">
-                        <a:lumMod val="65000"/>
-                        <a:lumOff val="35000"/>
-                      </a:schemeClr>
-                    </a:solidFill>
-                    <a:latin typeface="+mn-lt"/>
-                    <a:ea typeface="+mn-ea"/>
-                    <a:cs typeface="+mn-cs"/>
-                  </a:defRPr>
-                </a:pPr>
-                <a:r>
-                  <a:rPr lang="en-US" sz="2400" b="1" dirty="0" smtClean="0"/>
-                  <a:t>Stored Resources</a:t>
-                </a:r>
-                <a:endParaRPr lang="en-US" sz="2400" b="1" dirty="0"/>
-              </a:p>
-            </c:rich>
-          </c:tx>
-          <c:layout/>
-          <c:overlay val="0"/>
-          <c:spPr>
-            <a:noFill/>
-            <a:ln>
-              <a:noFill/>
-            </a:ln>
-            <a:effectLst/>
-          </c:spPr>
-          <c:txPr>
-            <a:bodyPr rot="-5400000" spcFirstLastPara="1" vertOverflow="ellipsis" vert="horz" wrap="square" anchor="ctr" anchorCtr="1"/>
-            <a:lstStyle/>
-            <a:p>
-              <a:pPr>
-                <a:defRPr sz="2400" b="0" i="0" u="none" strike="noStrike" kern="1200" baseline="0">
-                  <a:solidFill>
-                    <a:schemeClr val="tx1">
-                      <a:lumMod val="65000"/>
-                      <a:lumOff val="35000"/>
-                    </a:schemeClr>
-                  </a:solidFill>
-                  <a:latin typeface="+mn-lt"/>
-                  <a:ea typeface="+mn-ea"/>
-                  <a:cs typeface="+mn-cs"/>
-                </a:defRPr>
-              </a:pPr>
-              <a:endParaRPr lang="en-US"/>
-            </a:p>
-          </c:txPr>
-        </c:title>
         <c:numFmt formatCode="General" sourceLinked="0"/>
         <c:majorTickMark val="none"/>
-        <c:minorTickMark val="none"/>
-        <c:tickLblPos val="nextTo"/>
-        <c:crossAx val="1366662848"/>
+        <c:tickLblPos val="none"/>
+        <c:crossAx val="51884416"/>
         <c:crosses val="autoZero"/>
         <c:crossBetween val="between"/>
       </c:valAx>
@@ -474,18 +1934,17 @@
       </c:spPr>
     </c:plotArea>
     <c:legend>
-      <c:legendPos val="t"/>
+      <c:legendPos val="r"/>
       <c:layout>
         <c:manualLayout>
           <c:xMode val="edge"/>
           <c:yMode val="edge"/>
-          <c:x val="0.467223361687277"/>
-          <c:y val="0.0145932124785526"/>
-          <c:w val="0.297785033433756"/>
-          <c:h val="0.0868447819957907"/>
+          <c:x val="0.50421471645078009"/>
+          <c:y val="2.205137821975681E-2"/>
+          <c:w val="0.47129225269607794"/>
+          <c:h val="0.100734992317306"/>
         </c:manualLayout>
       </c:layout>
-      <c:overlay val="0"/>
       <c:spPr>
         <a:noFill/>
         <a:ln>
@@ -516,7 +1975,6 @@
     </c:legend>
     <c:plotVisOnly val="1"/>
     <c:dispBlanksAs val="gap"/>
-    <c:showDLblsOverMax val="0"/>
   </c:chart>
   <c:spPr>
     <a:noFill/>
@@ -535,25 +1993,13 @@
       <a:endParaRPr lang="en-US"/>
     </a:p>
   </c:txPr>
-  <c:externalData r:id="rId3">
-    <c:autoUpdate val="0"/>
-  </c:externalData>
+  <c:externalData r:id="rId1"/>
 </c:chartSpace>
 </file>
 
-<file path=ppt/charts/chart2.xml><?xml version="1.0" encoding="utf-8"?>
+<file path=ppt/charts/chart5.xml><?xml version="1.0" encoding="utf-8"?>
 <c:chartSpace xmlns:c="http://schemas.openxmlformats.org/drawingml/2006/chart" xmlns:a="http://schemas.openxmlformats.org/drawingml/2006/main" xmlns:r="http://schemas.openxmlformats.org/officeDocument/2006/relationships">
-  <c:date1904 val="0"/>
   <c:lang val="en-US"/>
-  <c:roundedCorners val="0"/>
-  <mc:AlternateContent xmlns:mc="http://schemas.openxmlformats.org/markup-compatibility/2006">
-    <mc:Choice xmlns:c14="http://schemas.microsoft.com/office/drawing/2007/8/2/chart" Requires="c14">
-      <c14:style val="102"/>
-    </mc:Choice>
-    <mc:Fallback>
-      <c:style val="2"/>
-    </mc:Fallback>
-  </mc:AlternateContent>
   <c:chart>
     <c:autoTitleDeleted val="1"/>
     <c:plotArea>
@@ -562,15 +2008,14 @@
           <c:layoutTarget val="inner"/>
           <c:xMode val="edge"/>
           <c:yMode val="edge"/>
-          <c:x val="0.0558730158730159"/>
-          <c:y val="0.0379423524442367"/>
-          <c:w val="0.890545981752281"/>
+          <c:x val="5.5873015873015908E-2"/>
+          <c:y val="3.7942352444236709E-2"/>
+          <c:w val="0.89054598175228084"/>
           <c:h val="0.801342483622279"/>
         </c:manualLayout>
       </c:layout>
       <c:lineChart>
         <c:grouping val="standard"/>
-        <c:varyColors val="0"/>
         <c:ser>
           <c:idx val="0"/>
           <c:order val="0"/>
@@ -615,27 +2060,26 @@
                 <c:formatCode>General</c:formatCode>
                 <c:ptCount val="5"/>
                 <c:pt idx="0">
-                  <c:v>0.0</c:v>
+                  <c:v>0</c:v>
                 </c:pt>
                 <c:pt idx="1">
-                  <c:v>100.0</c:v>
+                  <c:v>50</c:v>
                 </c:pt>
                 <c:pt idx="2">
-                  <c:v>100.0</c:v>
+                  <c:v>50</c:v>
                 </c:pt>
                 <c:pt idx="3">
-                  <c:v>100.0</c:v>
+                  <c:v>50</c:v>
                 </c:pt>
                 <c:pt idx="4">
-                  <c:v>100.0</c:v>
+                  <c:v>50</c:v>
                 </c:pt>
               </c:numCache>
             </c:numRef>
           </c:val>
-          <c:smooth val="0"/>
           <c:extLst xmlns:c16r2="http://schemas.microsoft.com/office/drawing/2015/06/chart">
             <c:ext xmlns:c16="http://schemas.microsoft.com/office/drawing/2014/chart" uri="{C3380CC4-5D6E-409C-BE32-E72D297353CC}">
-              <c16:uniqueId val="{00000000-7A90-4E51-97C5-F70409DDE204}"/>
+              <c16:uniqueId val="{00000000-DA30-41E3-B146-8ECB64B042CF}"/>
             </c:ext>
           </c:extLst>
         </c:ser>
@@ -681,400 +2125,36 @@
                 <c:formatCode>General</c:formatCode>
                 <c:ptCount val="5"/>
                 <c:pt idx="0">
-                  <c:v>0.0</c:v>
+                  <c:v>0</c:v>
                 </c:pt>
                 <c:pt idx="1">
-                  <c:v>95.0</c:v>
+                  <c:v>45</c:v>
                 </c:pt>
                 <c:pt idx="2">
-                  <c:v>95.0</c:v>
+                  <c:v>45</c:v>
                 </c:pt>
                 <c:pt idx="3">
-                  <c:v>95.0</c:v>
+                  <c:v>45</c:v>
                 </c:pt>
                 <c:pt idx="4">
-                  <c:v>95.0</c:v>
+                  <c:v>45</c:v>
                 </c:pt>
               </c:numCache>
             </c:numRef>
           </c:val>
-          <c:smooth val="0"/>
-          <c:extLst xmlns:c16r2="http://schemas.microsoft.com/office/drawing/2015/06/chart">
-            <c:ext xmlns:c16="http://schemas.microsoft.com/office/drawing/2014/chart" uri="{C3380CC4-5D6E-409C-BE32-E72D297353CC}">
-              <c16:uniqueId val="{00000001-7A90-4E51-97C5-F70409DDE204}"/>
-            </c:ext>
-          </c:extLst>
-        </c:ser>
-        <c:dLbls>
-          <c:showLegendKey val="0"/>
-          <c:showVal val="0"/>
-          <c:showCatName val="0"/>
-          <c:showSerName val="0"/>
-          <c:showPercent val="0"/>
-          <c:showBubbleSize val="0"/>
-        </c:dLbls>
-        <c:smooth val="0"/>
-        <c:axId val="1315701376"/>
-        <c:axId val="1322557856"/>
-      </c:lineChart>
-      <c:catAx>
-        <c:axId val="1315701376"/>
-        <c:scaling>
-          <c:orientation val="minMax"/>
-        </c:scaling>
-        <c:delete val="1"/>
-        <c:axPos val="b"/>
-        <c:title>
-          <c:tx>
-            <c:rich>
-              <a:bodyPr rot="0" spcFirstLastPara="1" vertOverflow="ellipsis" vert="horz" wrap="square" anchor="ctr" anchorCtr="1"/>
-              <a:lstStyle/>
-              <a:p>
-                <a:pPr>
-                  <a:defRPr sz="2400" b="0" i="0" u="none" strike="noStrike" kern="1200" baseline="0">
-                    <a:solidFill>
-                      <a:schemeClr val="tx1">
-                        <a:lumMod val="65000"/>
-                        <a:lumOff val="35000"/>
-                      </a:schemeClr>
-                    </a:solidFill>
-                    <a:latin typeface="+mn-lt"/>
-                    <a:ea typeface="+mn-ea"/>
-                    <a:cs typeface="+mn-cs"/>
-                  </a:defRPr>
-                </a:pPr>
-                <a:r>
-                  <a:rPr lang="en-US" sz="2400" b="1" dirty="0" smtClean="0"/>
-                  <a:t>Time</a:t>
-                </a:r>
-                <a:endParaRPr lang="en-US" sz="2400" b="1" dirty="0"/>
-              </a:p>
-            </c:rich>
-          </c:tx>
-          <c:layout/>
-          <c:overlay val="0"/>
-          <c:spPr>
-            <a:noFill/>
-            <a:ln>
-              <a:noFill/>
-            </a:ln>
-            <a:effectLst/>
-          </c:spPr>
-          <c:txPr>
-            <a:bodyPr rot="0" spcFirstLastPara="1" vertOverflow="ellipsis" vert="horz" wrap="square" anchor="ctr" anchorCtr="1"/>
-            <a:lstStyle/>
-            <a:p>
-              <a:pPr>
-                <a:defRPr sz="2400" b="0" i="0" u="none" strike="noStrike" kern="1200" baseline="0">
-                  <a:solidFill>
-                    <a:schemeClr val="tx1">
-                      <a:lumMod val="65000"/>
-                      <a:lumOff val="35000"/>
-                    </a:schemeClr>
-                  </a:solidFill>
-                  <a:latin typeface="+mn-lt"/>
-                  <a:ea typeface="+mn-ea"/>
-                  <a:cs typeface="+mn-cs"/>
-                </a:defRPr>
-              </a:pPr>
-              <a:endParaRPr lang="en-US"/>
-            </a:p>
-          </c:txPr>
-        </c:title>
-        <c:numFmt formatCode="General" sourceLinked="1"/>
-        <c:majorTickMark val="none"/>
-        <c:minorTickMark val="none"/>
-        <c:tickLblPos val="nextTo"/>
-        <c:crossAx val="1322557856"/>
-        <c:crosses val="autoZero"/>
-        <c:auto val="1"/>
-        <c:lblAlgn val="ctr"/>
-        <c:lblOffset val="100"/>
-        <c:noMultiLvlLbl val="0"/>
-      </c:catAx>
-      <c:valAx>
-        <c:axId val="1322557856"/>
-        <c:scaling>
-          <c:orientation val="minMax"/>
-        </c:scaling>
-        <c:delete val="1"/>
-        <c:axPos val="l"/>
-        <c:majorGridlines>
-          <c:spPr>
-            <a:ln w="9525" cap="flat" cmpd="sng" algn="ctr">
-              <a:solidFill>
-                <a:schemeClr val="tx1">
-                  <a:lumMod val="15000"/>
-                  <a:lumOff val="85000"/>
-                </a:schemeClr>
-              </a:solidFill>
-              <a:round/>
-            </a:ln>
-            <a:effectLst/>
-          </c:spPr>
-        </c:majorGridlines>
-        <c:numFmt formatCode="General" sourceLinked="0"/>
-        <c:majorTickMark val="none"/>
-        <c:minorTickMark val="none"/>
-        <c:tickLblPos val="nextTo"/>
-        <c:crossAx val="1315701376"/>
-        <c:crosses val="autoZero"/>
-        <c:crossBetween val="between"/>
-      </c:valAx>
-      <c:spPr>
-        <a:noFill/>
-        <a:ln>
-          <a:noFill/>
-        </a:ln>
-        <a:effectLst/>
-      </c:spPr>
-    </c:plotArea>
-    <c:legend>
-      <c:legendPos val="r"/>
-      <c:layout>
-        <c:manualLayout>
-          <c:xMode val="edge"/>
-          <c:yMode val="edge"/>
-          <c:x val="0.50421471645078"/>
-          <c:y val="0.0220513782197568"/>
-          <c:w val="0.471292252696078"/>
-          <c:h val="0.100734992317306"/>
-        </c:manualLayout>
-      </c:layout>
-      <c:overlay val="0"/>
-      <c:spPr>
-        <a:noFill/>
-        <a:ln>
-          <a:noFill/>
-        </a:ln>
-        <a:effectLst/>
-      </c:spPr>
-      <c:txPr>
-        <a:bodyPr rot="0" spcFirstLastPara="1" vertOverflow="ellipsis" vert="horz" wrap="square" anchor="ctr" anchorCtr="1"/>
-        <a:lstStyle/>
-        <a:p>
-          <a:pPr>
-            <a:defRPr sz="1800" b="0" i="0" u="none" strike="noStrike" kern="1200" baseline="0">
-              <a:solidFill>
-                <a:schemeClr val="tx1">
-                  <a:lumMod val="65000"/>
-                  <a:lumOff val="35000"/>
-                </a:schemeClr>
-              </a:solidFill>
-              <a:latin typeface="+mn-lt"/>
-              <a:ea typeface="+mn-ea"/>
-              <a:cs typeface="+mn-cs"/>
-            </a:defRPr>
-          </a:pPr>
-          <a:endParaRPr lang="en-US"/>
-        </a:p>
-      </c:txPr>
-    </c:legend>
-    <c:plotVisOnly val="1"/>
-    <c:dispBlanksAs val="gap"/>
-    <c:showDLblsOverMax val="0"/>
-  </c:chart>
-  <c:spPr>
-    <a:noFill/>
-    <a:ln>
-      <a:noFill/>
-    </a:ln>
-    <a:effectLst/>
-  </c:spPr>
-  <c:txPr>
-    <a:bodyPr/>
-    <a:lstStyle/>
-    <a:p>
-      <a:pPr>
-        <a:defRPr/>
-      </a:pPr>
-      <a:endParaRPr lang="en-US"/>
-    </a:p>
-  </c:txPr>
-  <c:externalData r:id="rId3">
-    <c:autoUpdate val="0"/>
-  </c:externalData>
-</c:chartSpace>
-</file>
-
-<file path=ppt/charts/chart3.xml><?xml version="1.0" encoding="utf-8"?>
-<c:chartSpace xmlns:c="http://schemas.openxmlformats.org/drawingml/2006/chart" xmlns:a="http://schemas.openxmlformats.org/drawingml/2006/main" xmlns:r="http://schemas.openxmlformats.org/officeDocument/2006/relationships">
-  <c:date1904 val="0"/>
-  <c:lang val="en-US"/>
-  <c:roundedCorners val="0"/>
-  <mc:AlternateContent xmlns:mc="http://schemas.openxmlformats.org/markup-compatibility/2006">
-    <mc:Choice xmlns:c14="http://schemas.microsoft.com/office/drawing/2007/8/2/chart" Requires="c14">
-      <c14:style val="102"/>
-    </mc:Choice>
-    <mc:Fallback>
-      <c:style val="2"/>
-    </mc:Fallback>
-  </mc:AlternateContent>
-  <c:chart>
-    <c:autoTitleDeleted val="1"/>
-    <c:plotArea>
-      <c:layout>
-        <c:manualLayout>
-          <c:layoutTarget val="inner"/>
-          <c:xMode val="edge"/>
-          <c:yMode val="edge"/>
-          <c:x val="0.0558730158730159"/>
-          <c:y val="0.0379423524442367"/>
-          <c:w val="0.890545981752281"/>
-          <c:h val="0.801342483622279"/>
-        </c:manualLayout>
-      </c:layout>
-      <c:lineChart>
-        <c:grouping val="standard"/>
-        <c:varyColors val="0"/>
-        <c:ser>
-          <c:idx val="0"/>
-          <c:order val="0"/>
-          <c:tx>
-            <c:strRef>
-              <c:f>Sheet1!$B$1</c:f>
-              <c:strCache>
-                <c:ptCount val="1"/>
-                <c:pt idx="0">
-                  <c:v>UZ</c:v>
-                </c:pt>
-              </c:strCache>
-            </c:strRef>
-          </c:tx>
-          <c:spPr>
-            <a:ln w="127000" cap="rnd">
-              <a:solidFill>
-                <a:schemeClr val="bg2">
-                  <a:lumMod val="75000"/>
-                </a:schemeClr>
-              </a:solidFill>
-              <a:round/>
-            </a:ln>
-            <a:effectLst/>
-          </c:spPr>
-          <c:marker>
-            <c:symbol val="none"/>
-          </c:marker>
-          <c:cat>
-            <c:numRef>
-              <c:f>Sheet1!$A$2:$A$6</c:f>
-              <c:numCache>
-                <c:formatCode>General</c:formatCode>
-                <c:ptCount val="5"/>
-              </c:numCache>
-            </c:numRef>
-          </c:cat>
-          <c:val>
-            <c:numRef>
-              <c:f>Sheet1!$B$2:$B$6</c:f>
-              <c:numCache>
-                <c:formatCode>General</c:formatCode>
-                <c:ptCount val="5"/>
-                <c:pt idx="0">
-                  <c:v>0.0</c:v>
-                </c:pt>
-                <c:pt idx="1">
-                  <c:v>50.0</c:v>
-                </c:pt>
-                <c:pt idx="2">
-                  <c:v>50.0</c:v>
-                </c:pt>
-                <c:pt idx="3">
-                  <c:v>50.0</c:v>
-                </c:pt>
-                <c:pt idx="4">
-                  <c:v>50.0</c:v>
-                </c:pt>
-              </c:numCache>
-            </c:numRef>
-          </c:val>
-          <c:smooth val="0"/>
-          <c:extLst xmlns:c16r2="http://schemas.microsoft.com/office/drawing/2015/06/chart">
-            <c:ext xmlns:c16="http://schemas.microsoft.com/office/drawing/2014/chart" uri="{C3380CC4-5D6E-409C-BE32-E72D297353CC}">
-              <c16:uniqueId val="{00000000-DA30-41E3-B146-8ECB64B042CF}"/>
-            </c:ext>
-          </c:extLst>
-        </c:ser>
-        <c:ser>
-          <c:idx val="1"/>
-          <c:order val="1"/>
-          <c:tx>
-            <c:strRef>
-              <c:f>Sheet1!$C$1</c:f>
-              <c:strCache>
-                <c:ptCount val="1"/>
-                <c:pt idx="0">
-                  <c:v>BE</c:v>
-                </c:pt>
-              </c:strCache>
-            </c:strRef>
-          </c:tx>
-          <c:spPr>
-            <a:ln w="127000" cap="rnd">
-              <a:solidFill>
-                <a:schemeClr val="accent2"/>
-              </a:solidFill>
-              <a:round/>
-            </a:ln>
-            <a:effectLst/>
-          </c:spPr>
-          <c:marker>
-            <c:symbol val="none"/>
-          </c:marker>
-          <c:cat>
-            <c:numRef>
-              <c:f>Sheet1!$A$2:$A$6</c:f>
-              <c:numCache>
-                <c:formatCode>General</c:formatCode>
-                <c:ptCount val="5"/>
-              </c:numCache>
-            </c:numRef>
-          </c:cat>
-          <c:val>
-            <c:numRef>
-              <c:f>Sheet1!$C$2:$C$6</c:f>
-              <c:numCache>
-                <c:formatCode>General</c:formatCode>
-                <c:ptCount val="5"/>
-                <c:pt idx="0">
-                  <c:v>0.0</c:v>
-                </c:pt>
-                <c:pt idx="1">
-                  <c:v>45.0</c:v>
-                </c:pt>
-                <c:pt idx="2">
-                  <c:v>45.0</c:v>
-                </c:pt>
-                <c:pt idx="3">
-                  <c:v>45.0</c:v>
-                </c:pt>
-                <c:pt idx="4">
-                  <c:v>45.0</c:v>
-                </c:pt>
-              </c:numCache>
-            </c:numRef>
-          </c:val>
-          <c:smooth val="0"/>
           <c:extLst xmlns:c16r2="http://schemas.microsoft.com/office/drawing/2015/06/chart">
             <c:ext xmlns:c16="http://schemas.microsoft.com/office/drawing/2014/chart" uri="{C3380CC4-5D6E-409C-BE32-E72D297353CC}">
               <c16:uniqueId val="{00000001-DA30-41E3-B146-8ECB64B042CF}"/>
             </c:ext>
           </c:extLst>
         </c:ser>
-        <c:dLbls>
-          <c:showLegendKey val="0"/>
-          <c:showVal val="0"/>
-          <c:showCatName val="0"/>
-          <c:showSerName val="0"/>
-          <c:showPercent val="0"/>
-          <c:showBubbleSize val="0"/>
-        </c:dLbls>
-        <c:smooth val="0"/>
-        <c:axId val="1313019136"/>
-        <c:axId val="1312040528"/>
+        <c:dLbls/>
+        <c:marker val="1"/>
+        <c:axId val="52669440"/>
+        <c:axId val="52675712"/>
       </c:lineChart>
       <c:catAx>
-        <c:axId val="1313019136"/>
+        <c:axId val="52669440"/>
         <c:scaling>
           <c:orientation val="minMax"/>
         </c:scaling>
@@ -1108,7 +2188,6 @@
             </c:rich>
           </c:tx>
           <c:layout/>
-          <c:overlay val="0"/>
           <c:spPr>
             <a:noFill/>
             <a:ln>
@@ -1116,43 +2195,21 @@
             </a:ln>
             <a:effectLst/>
           </c:spPr>
-          <c:txPr>
-            <a:bodyPr rot="0" spcFirstLastPara="1" vertOverflow="ellipsis" vert="horz" wrap="square" anchor="ctr" anchorCtr="1"/>
-            <a:lstStyle/>
-            <a:p>
-              <a:pPr>
-                <a:defRPr sz="1330" b="0" i="0" u="none" strike="noStrike" kern="1200" baseline="0">
-                  <a:solidFill>
-                    <a:schemeClr val="tx1">
-                      <a:lumMod val="65000"/>
-                      <a:lumOff val="35000"/>
-                    </a:schemeClr>
-                  </a:solidFill>
-                  <a:latin typeface="+mn-lt"/>
-                  <a:ea typeface="+mn-ea"/>
-                  <a:cs typeface="+mn-cs"/>
-                </a:defRPr>
-              </a:pPr>
-              <a:endParaRPr lang="en-US"/>
-            </a:p>
-          </c:txPr>
         </c:title>
         <c:numFmt formatCode="General" sourceLinked="1"/>
         <c:majorTickMark val="none"/>
-        <c:minorTickMark val="none"/>
-        <c:tickLblPos val="nextTo"/>
-        <c:crossAx val="1312040528"/>
+        <c:tickLblPos val="none"/>
+        <c:crossAx val="52675712"/>
         <c:crosses val="autoZero"/>
         <c:auto val="1"/>
         <c:lblAlgn val="ctr"/>
         <c:lblOffset val="100"/>
-        <c:noMultiLvlLbl val="0"/>
       </c:catAx>
       <c:valAx>
-        <c:axId val="1312040528"/>
+        <c:axId val="52675712"/>
         <c:scaling>
           <c:orientation val="minMax"/>
-          <c:max val="100.0"/>
+          <c:max val="100"/>
         </c:scaling>
         <c:delete val="1"/>
         <c:axPos val="l"/>
@@ -1198,7 +2255,6 @@
             </c:rich>
           </c:tx>
           <c:layout/>
-          <c:overlay val="0"/>
           <c:spPr>
             <a:noFill/>
             <a:ln>
@@ -1206,32 +2262,10 @@
             </a:ln>
             <a:effectLst/>
           </c:spPr>
-          <c:txPr>
-            <a:bodyPr rot="-5400000" spcFirstLastPara="1" vertOverflow="ellipsis" vert="horz" wrap="square" anchor="ctr" anchorCtr="1"/>
-            <a:lstStyle/>
-            <a:p>
-              <a:pPr>
-                <a:defRPr sz="2400" b="1" i="0" u="none" strike="noStrike" kern="1200" baseline="0">
-                  <a:solidFill>
-                    <a:schemeClr val="tx1">
-                      <a:lumMod val="65000"/>
-                      <a:lumOff val="35000"/>
-                    </a:schemeClr>
-                  </a:solidFill>
-                  <a:latin typeface="+mn-lt"/>
-                  <a:ea typeface="+mn-ea"/>
-                  <a:cs typeface="+mn-cs"/>
-                </a:defRPr>
-              </a:pPr>
-              <a:endParaRPr lang="en-US"/>
-            </a:p>
-          </c:txPr>
         </c:title>
         <c:numFmt formatCode="General" sourceLinked="0"/>
-        <c:majorTickMark val="out"/>
-        <c:minorTickMark val="none"/>
-        <c:tickLblPos val="nextTo"/>
-        <c:crossAx val="1313019136"/>
+        <c:tickLblPos val="none"/>
+        <c:crossAx val="52669440"/>
         <c:crosses val="autoZero"/>
         <c:crossBetween val="between"/>
       </c:valAx>
@@ -1249,13 +2283,12 @@
         <c:manualLayout>
           <c:xMode val="edge"/>
           <c:yMode val="edge"/>
-          <c:x val="0.50421471645078"/>
-          <c:y val="0.0220513782197568"/>
-          <c:w val="0.471292252696078"/>
+          <c:x val="0.50421471645078009"/>
+          <c:y val="2.205137821975681E-2"/>
+          <c:w val="0.47129225269607794"/>
           <c:h val="0.100734992317306"/>
         </c:manualLayout>
       </c:layout>
-      <c:overlay val="0"/>
       <c:spPr>
         <a:noFill/>
         <a:ln>
@@ -1286,7 +2319,6 @@
     </c:legend>
     <c:plotVisOnly val="1"/>
     <c:dispBlanksAs val="gap"/>
-    <c:showDLblsOverMax val="0"/>
   </c:chart>
   <c:spPr>
     <a:noFill/>
@@ -1305,25 +2337,13 @@
       <a:endParaRPr lang="en-US"/>
     </a:p>
   </c:txPr>
-  <c:externalData r:id="rId3">
-    <c:autoUpdate val="0"/>
-  </c:externalData>
+  <c:externalData r:id="rId1"/>
 </c:chartSpace>
 </file>
 
-<file path=ppt/charts/chart4.xml><?xml version="1.0" encoding="utf-8"?>
+<file path=ppt/charts/chart6.xml><?xml version="1.0" encoding="utf-8"?>
 <c:chartSpace xmlns:c="http://schemas.openxmlformats.org/drawingml/2006/chart" xmlns:a="http://schemas.openxmlformats.org/drawingml/2006/main" xmlns:r="http://schemas.openxmlformats.org/officeDocument/2006/relationships">
-  <c:date1904 val="0"/>
   <c:lang val="en-US"/>
-  <c:roundedCorners val="0"/>
-  <mc:AlternateContent xmlns:mc="http://schemas.openxmlformats.org/markup-compatibility/2006">
-    <mc:Choice xmlns:c14="http://schemas.microsoft.com/office/drawing/2007/8/2/chart" Requires="c14">
-      <c14:style val="102"/>
-    </mc:Choice>
-    <mc:Fallback>
-      <c:style val="2"/>
-    </mc:Fallback>
-  </mc:AlternateContent>
   <c:chart>
     <c:autoTitleDeleted val="1"/>
     <c:plotArea>
@@ -1332,15 +2352,14 @@
           <c:layoutTarget val="inner"/>
           <c:xMode val="edge"/>
           <c:yMode val="edge"/>
-          <c:x val="0.0558730158730159"/>
-          <c:y val="0.0379423524442367"/>
-          <c:w val="0.890545981752281"/>
+          <c:x val="5.5873015873015908E-2"/>
+          <c:y val="3.7942352444236709E-2"/>
+          <c:w val="0.89054598175228084"/>
           <c:h val="0.801342483622279"/>
         </c:manualLayout>
       </c:layout>
       <c:lineChart>
         <c:grouping val="standard"/>
-        <c:varyColors val="0"/>
         <c:ser>
           <c:idx val="0"/>
           <c:order val="0"/>
@@ -1385,24 +2404,23 @@
                 <c:formatCode>General</c:formatCode>
                 <c:ptCount val="5"/>
                 <c:pt idx="0">
-                  <c:v>0.0</c:v>
+                  <c:v>0</c:v>
                 </c:pt>
                 <c:pt idx="1">
-                  <c:v>100.0</c:v>
+                  <c:v>100</c:v>
                 </c:pt>
                 <c:pt idx="2">
-                  <c:v>100.0</c:v>
+                  <c:v>100</c:v>
                 </c:pt>
                 <c:pt idx="3">
-                  <c:v>100.0</c:v>
+                  <c:v>100</c:v>
                 </c:pt>
                 <c:pt idx="4">
-                  <c:v>100.0</c:v>
+                  <c:v>100</c:v>
                 </c:pt>
               </c:numCache>
             </c:numRef>
           </c:val>
-          <c:smooth val="0"/>
           <c:extLst xmlns:c16r2="http://schemas.microsoft.com/office/drawing/2015/06/chart">
             <c:ext xmlns:c16="http://schemas.microsoft.com/office/drawing/2014/chart" uri="{C3380CC4-5D6E-409C-BE32-E72D297353CC}">
               <c16:uniqueId val="{00000000-6534-4E57-97B8-494A5D41BE07}"/>
@@ -1451,44 +2469,36 @@
                 <c:formatCode>General</c:formatCode>
                 <c:ptCount val="5"/>
                 <c:pt idx="0">
-                  <c:v>0.0</c:v>
+                  <c:v>0</c:v>
                 </c:pt>
                 <c:pt idx="1">
-                  <c:v>95.0</c:v>
+                  <c:v>95</c:v>
                 </c:pt>
                 <c:pt idx="2">
-                  <c:v>95.0</c:v>
+                  <c:v>95</c:v>
                 </c:pt>
                 <c:pt idx="3">
-                  <c:v>95.0</c:v>
+                  <c:v>95</c:v>
                 </c:pt>
                 <c:pt idx="4">
-                  <c:v>95.0</c:v>
+                  <c:v>95</c:v>
                 </c:pt>
               </c:numCache>
             </c:numRef>
           </c:val>
-          <c:smooth val="0"/>
           <c:extLst xmlns:c16r2="http://schemas.microsoft.com/office/drawing/2015/06/chart">
             <c:ext xmlns:c16="http://schemas.microsoft.com/office/drawing/2014/chart" uri="{C3380CC4-5D6E-409C-BE32-E72D297353CC}">
               <c16:uniqueId val="{00000001-6534-4E57-97B8-494A5D41BE07}"/>
             </c:ext>
           </c:extLst>
         </c:ser>
-        <c:dLbls>
-          <c:showLegendKey val="0"/>
-          <c:showVal val="0"/>
-          <c:showCatName val="0"/>
-          <c:showSerName val="0"/>
-          <c:showPercent val="0"/>
-          <c:showBubbleSize val="0"/>
-        </c:dLbls>
-        <c:smooth val="0"/>
-        <c:axId val="1352742240"/>
-        <c:axId val="1366355824"/>
+        <c:dLbls/>
+        <c:marker val="1"/>
+        <c:axId val="52408320"/>
+        <c:axId val="52410240"/>
       </c:lineChart>
       <c:catAx>
-        <c:axId val="1352742240"/>
+        <c:axId val="52408320"/>
         <c:scaling>
           <c:orientation val="minMax"/>
         </c:scaling>
@@ -1522,7 +2532,6 @@
             </c:rich>
           </c:tx>
           <c:layout/>
-          <c:overlay val="0"/>
           <c:spPr>
             <a:noFill/>
             <a:ln>
@@ -1530,40 +2539,18 @@
             </a:ln>
             <a:effectLst/>
           </c:spPr>
-          <c:txPr>
-            <a:bodyPr rot="0" spcFirstLastPara="1" vertOverflow="ellipsis" vert="horz" wrap="square" anchor="ctr" anchorCtr="1"/>
-            <a:lstStyle/>
-            <a:p>
-              <a:pPr>
-                <a:defRPr sz="2400" b="0" i="0" u="none" strike="noStrike" kern="1200" baseline="0">
-                  <a:solidFill>
-                    <a:schemeClr val="tx1">
-                      <a:lumMod val="65000"/>
-                      <a:lumOff val="35000"/>
-                    </a:schemeClr>
-                  </a:solidFill>
-                  <a:latin typeface="+mn-lt"/>
-                  <a:ea typeface="+mn-ea"/>
-                  <a:cs typeface="+mn-cs"/>
-                </a:defRPr>
-              </a:pPr>
-              <a:endParaRPr lang="en-US"/>
-            </a:p>
-          </c:txPr>
         </c:title>
         <c:numFmt formatCode="General" sourceLinked="1"/>
         <c:majorTickMark val="none"/>
-        <c:minorTickMark val="none"/>
-        <c:tickLblPos val="nextTo"/>
-        <c:crossAx val="1366355824"/>
+        <c:tickLblPos val="none"/>
+        <c:crossAx val="52410240"/>
         <c:crosses val="autoZero"/>
         <c:auto val="1"/>
         <c:lblAlgn val="ctr"/>
         <c:lblOffset val="100"/>
-        <c:noMultiLvlLbl val="0"/>
       </c:catAx>
       <c:valAx>
-        <c:axId val="1366355824"/>
+        <c:axId val="52410240"/>
         <c:scaling>
           <c:orientation val="minMax"/>
         </c:scaling>
@@ -1584,10 +2571,8 @@
           </c:spPr>
         </c:majorGridlines>
         <c:numFmt formatCode="General" sourceLinked="0"/>
-        <c:majorTickMark val="out"/>
-        <c:minorTickMark val="none"/>
-        <c:tickLblPos val="nextTo"/>
-        <c:crossAx val="1352742240"/>
+        <c:tickLblPos val="none"/>
+        <c:crossAx val="52408320"/>
         <c:crosses val="autoZero"/>
         <c:crossBetween val="between"/>
       </c:valAx>
@@ -1605,13 +2590,12 @@
         <c:manualLayout>
           <c:xMode val="edge"/>
           <c:yMode val="edge"/>
-          <c:x val="0.467223361687277"/>
-          <c:y val="0.0145932124785526"/>
-          <c:w val="0.297785033433756"/>
-          <c:h val="0.0868447819957907"/>
+          <c:x val="0.46722336168727707"/>
+          <c:y val="1.4593212478552603E-2"/>
+          <c:w val="0.29778503343375601"/>
+          <c:h val="8.684478199579071E-2"/>
         </c:manualLayout>
       </c:layout>
-      <c:overlay val="0"/>
       <c:spPr>
         <a:noFill/>
         <a:ln>
@@ -1642,7 +2626,6 @@
     </c:legend>
     <c:plotVisOnly val="1"/>
     <c:dispBlanksAs val="gap"/>
-    <c:showDLblsOverMax val="0"/>
   </c:chart>
   <c:spPr>
     <a:noFill/>
@@ -1661,25 +2644,13 @@
       <a:endParaRPr lang="en-US"/>
     </a:p>
   </c:txPr>
-  <c:externalData r:id="rId3">
-    <c:autoUpdate val="0"/>
-  </c:externalData>
+  <c:externalData r:id="rId1"/>
 </c:chartSpace>
 </file>
 
-<file path=ppt/charts/chart5.xml><?xml version="1.0" encoding="utf-8"?>
+<file path=ppt/charts/chart7.xml><?xml version="1.0" encoding="utf-8"?>
 <c:chartSpace xmlns:c="http://schemas.openxmlformats.org/drawingml/2006/chart" xmlns:a="http://schemas.openxmlformats.org/drawingml/2006/main" xmlns:r="http://schemas.openxmlformats.org/officeDocument/2006/relationships">
-  <c:date1904 val="0"/>
   <c:lang val="en-US"/>
-  <c:roundedCorners val="0"/>
-  <mc:AlternateContent xmlns:mc="http://schemas.openxmlformats.org/markup-compatibility/2006">
-    <mc:Choice xmlns:c14="http://schemas.microsoft.com/office/drawing/2007/8/2/chart" Requires="c14">
-      <c14:style val="102"/>
-    </mc:Choice>
-    <mc:Fallback>
-      <c:style val="2"/>
-    </mc:Fallback>
-  </mc:AlternateContent>
   <c:chart>
     <c:autoTitleDeleted val="1"/>
     <c:plotArea>
@@ -1688,15 +2659,14 @@
           <c:layoutTarget val="inner"/>
           <c:xMode val="edge"/>
           <c:yMode val="edge"/>
-          <c:x val="0.0558730158730159"/>
-          <c:y val="0.0379423524442367"/>
-          <c:w val="0.890545981752281"/>
+          <c:x val="5.5873015873015908E-2"/>
+          <c:y val="3.7942352444236709E-2"/>
+          <c:w val="0.89054598175228084"/>
           <c:h val="0.801342483622279"/>
         </c:manualLayout>
       </c:layout>
       <c:lineChart>
         <c:grouping val="standard"/>
-        <c:varyColors val="0"/>
         <c:ser>
           <c:idx val="0"/>
           <c:order val="0"/>
@@ -1741,24 +2711,23 @@
                 <c:formatCode>General</c:formatCode>
                 <c:ptCount val="5"/>
                 <c:pt idx="0">
-                  <c:v>0.0</c:v>
+                  <c:v>0</c:v>
                 </c:pt>
                 <c:pt idx="1">
-                  <c:v>50.0</c:v>
+                  <c:v>50</c:v>
                 </c:pt>
                 <c:pt idx="2">
-                  <c:v>50.0</c:v>
+                  <c:v>50</c:v>
                 </c:pt>
                 <c:pt idx="3">
-                  <c:v>50.0</c:v>
+                  <c:v>50</c:v>
                 </c:pt>
                 <c:pt idx="4">
-                  <c:v>50.0</c:v>
+                  <c:v>50</c:v>
                 </c:pt>
               </c:numCache>
             </c:numRef>
           </c:val>
-          <c:smooth val="0"/>
           <c:extLst xmlns:c16r2="http://schemas.microsoft.com/office/drawing/2015/06/chart">
             <c:ext xmlns:c16="http://schemas.microsoft.com/office/drawing/2014/chart" uri="{C3380CC4-5D6E-409C-BE32-E72D297353CC}">
               <c16:uniqueId val="{00000000-FDE1-4DC0-8445-677C9F3EC2C3}"/>
@@ -1807,44 +2776,36 @@
                 <c:formatCode>General</c:formatCode>
                 <c:ptCount val="5"/>
                 <c:pt idx="0">
-                  <c:v>0.0</c:v>
+                  <c:v>0</c:v>
                 </c:pt>
                 <c:pt idx="1">
-                  <c:v>45.0</c:v>
+                  <c:v>45</c:v>
                 </c:pt>
                 <c:pt idx="2">
-                  <c:v>45.0</c:v>
+                  <c:v>45</c:v>
                 </c:pt>
                 <c:pt idx="3">
-                  <c:v>45.0</c:v>
+                  <c:v>45</c:v>
                 </c:pt>
                 <c:pt idx="4">
-                  <c:v>45.0</c:v>
+                  <c:v>45</c:v>
                 </c:pt>
               </c:numCache>
             </c:numRef>
           </c:val>
-          <c:smooth val="0"/>
           <c:extLst xmlns:c16r2="http://schemas.microsoft.com/office/drawing/2015/06/chart">
             <c:ext xmlns:c16="http://schemas.microsoft.com/office/drawing/2014/chart" uri="{C3380CC4-5D6E-409C-BE32-E72D297353CC}">
               <c16:uniqueId val="{00000001-FDE1-4DC0-8445-677C9F3EC2C3}"/>
             </c:ext>
           </c:extLst>
         </c:ser>
-        <c:dLbls>
-          <c:showLegendKey val="0"/>
-          <c:showVal val="0"/>
-          <c:showCatName val="0"/>
-          <c:showSerName val="0"/>
-          <c:showPercent val="0"/>
-          <c:showBubbleSize val="0"/>
-        </c:dLbls>
-        <c:smooth val="0"/>
-        <c:axId val="1363981056"/>
-        <c:axId val="1373255904"/>
+        <c:dLbls/>
+        <c:marker val="1"/>
+        <c:axId val="55217152"/>
+        <c:axId val="55231616"/>
       </c:lineChart>
       <c:catAx>
-        <c:axId val="1363981056"/>
+        <c:axId val="55217152"/>
         <c:scaling>
           <c:orientation val="minMax"/>
         </c:scaling>
@@ -1918,7 +2879,6 @@
             </c:rich>
           </c:tx>
           <c:layout/>
-          <c:overlay val="0"/>
           <c:spPr>
             <a:noFill/>
             <a:ln>
@@ -1926,57 +2886,21 @@
             </a:ln>
             <a:effectLst/>
           </c:spPr>
-          <c:txPr>
-            <a:bodyPr rot="0" spcFirstLastPara="1" vertOverflow="ellipsis" vert="horz" wrap="square" anchor="ctr" anchorCtr="1"/>
-            <a:lstStyle/>
-            <a:p>
-              <a:pPr marL="0" marR="0" indent="0" algn="ctr" defTabSz="914400" rtl="0" eaLnBrk="1" fontAlgn="auto" latinLnBrk="0" hangingPunct="1">
-                <a:lnSpc>
-                  <a:spcPct val="100000"/>
-                </a:lnSpc>
-                <a:spcBef>
-                  <a:spcPts val="0"/>
-                </a:spcBef>
-                <a:spcAft>
-                  <a:spcPts val="0"/>
-                </a:spcAft>
-                <a:buClrTx/>
-                <a:buSzTx/>
-                <a:buFontTx/>
-                <a:buNone/>
-                <a:tabLst/>
-                <a:defRPr sz="1330" b="0" i="0" u="none" strike="noStrike" kern="1200" baseline="0">
-                  <a:solidFill>
-                    <a:schemeClr val="tx1">
-                      <a:lumMod val="65000"/>
-                      <a:lumOff val="35000"/>
-                    </a:schemeClr>
-                  </a:solidFill>
-                  <a:latin typeface="+mn-lt"/>
-                  <a:ea typeface="+mn-ea"/>
-                  <a:cs typeface="+mn-cs"/>
-                </a:defRPr>
-              </a:pPr>
-              <a:endParaRPr lang="en-US"/>
-            </a:p>
-          </c:txPr>
         </c:title>
         <c:numFmt formatCode="General" sourceLinked="1"/>
         <c:majorTickMark val="none"/>
-        <c:minorTickMark val="none"/>
-        <c:tickLblPos val="nextTo"/>
-        <c:crossAx val="1373255904"/>
+        <c:tickLblPos val="none"/>
+        <c:crossAx val="55231616"/>
         <c:crosses val="autoZero"/>
         <c:auto val="1"/>
         <c:lblAlgn val="ctr"/>
         <c:lblOffset val="100"/>
-        <c:noMultiLvlLbl val="0"/>
       </c:catAx>
       <c:valAx>
-        <c:axId val="1373255904"/>
+        <c:axId val="55231616"/>
         <c:scaling>
           <c:orientation val="minMax"/>
-          <c:max val="100.0"/>
+          <c:max val="100"/>
         </c:scaling>
         <c:delete val="1"/>
         <c:axPos val="l"/>
@@ -2022,7 +2946,6 @@
             </c:rich>
           </c:tx>
           <c:layout/>
-          <c:overlay val="0"/>
           <c:spPr>
             <a:noFill/>
             <a:ln>
@@ -2030,32 +2953,10 @@
             </a:ln>
             <a:effectLst/>
           </c:spPr>
-          <c:txPr>
-            <a:bodyPr rot="-5400000" spcFirstLastPara="1" vertOverflow="ellipsis" vert="horz" wrap="square" anchor="ctr" anchorCtr="1"/>
-            <a:lstStyle/>
-            <a:p>
-              <a:pPr>
-                <a:defRPr sz="2400" b="1" i="0" u="none" strike="noStrike" kern="1200" baseline="0">
-                  <a:solidFill>
-                    <a:schemeClr val="tx1">
-                      <a:lumMod val="65000"/>
-                      <a:lumOff val="35000"/>
-                    </a:schemeClr>
-                  </a:solidFill>
-                  <a:latin typeface="+mn-lt"/>
-                  <a:ea typeface="+mn-ea"/>
-                  <a:cs typeface="+mn-cs"/>
-                </a:defRPr>
-              </a:pPr>
-              <a:endParaRPr lang="en-US"/>
-            </a:p>
-          </c:txPr>
         </c:title>
         <c:numFmt formatCode="General" sourceLinked="0"/>
-        <c:majorTickMark val="out"/>
-        <c:minorTickMark val="none"/>
-        <c:tickLblPos val="nextTo"/>
-        <c:crossAx val="1363981056"/>
+        <c:tickLblPos val="none"/>
+        <c:crossAx val="55217152"/>
         <c:crosses val="autoZero"/>
         <c:crossBetween val="between"/>
       </c:valAx>
@@ -2073,13 +2974,12 @@
         <c:manualLayout>
           <c:xMode val="edge"/>
           <c:yMode val="edge"/>
-          <c:x val="0.50421471645078"/>
-          <c:y val="0.0220513782197568"/>
-          <c:w val="0.471292252696078"/>
+          <c:x val="0.50421471645078009"/>
+          <c:y val="2.205137821975681E-2"/>
+          <c:w val="0.47129225269607794"/>
           <c:h val="0.100734992317306"/>
         </c:manualLayout>
       </c:layout>
-      <c:overlay val="0"/>
       <c:spPr>
         <a:noFill/>
         <a:ln>
@@ -2110,7 +3010,6 @@
     </c:legend>
     <c:plotVisOnly val="1"/>
     <c:dispBlanksAs val="gap"/>
-    <c:showDLblsOverMax val="0"/>
   </c:chart>
   <c:spPr>
     <a:noFill/>
@@ -2129,25 +3028,13 @@
       <a:endParaRPr lang="en-US"/>
     </a:p>
   </c:txPr>
-  <c:externalData r:id="rId3">
-    <c:autoUpdate val="0"/>
-  </c:externalData>
+  <c:externalData r:id="rId1"/>
 </c:chartSpace>
 </file>
 
-<file path=ppt/charts/chart6.xml><?xml version="1.0" encoding="utf-8"?>
+<file path=ppt/charts/chart8.xml><?xml version="1.0" encoding="utf-8"?>
 <c:chartSpace xmlns:c="http://schemas.openxmlformats.org/drawingml/2006/chart" xmlns:a="http://schemas.openxmlformats.org/drawingml/2006/main" xmlns:r="http://schemas.openxmlformats.org/officeDocument/2006/relationships">
-  <c:date1904 val="0"/>
   <c:lang val="en-US"/>
-  <c:roundedCorners val="0"/>
-  <mc:AlternateContent xmlns:mc="http://schemas.openxmlformats.org/markup-compatibility/2006">
-    <mc:Choice xmlns:c14="http://schemas.microsoft.com/office/drawing/2007/8/2/chart" Requires="c14">
-      <c14:style val="102"/>
-    </mc:Choice>
-    <mc:Fallback>
-      <c:style val="2"/>
-    </mc:Fallback>
-  </mc:AlternateContent>
   <c:chart>
     <c:autoTitleDeleted val="1"/>
     <c:plotArea>
@@ -2156,15 +3043,14 @@
           <c:layoutTarget val="inner"/>
           <c:xMode val="edge"/>
           <c:yMode val="edge"/>
-          <c:x val="0.0558730158730159"/>
-          <c:y val="0.0379423524442367"/>
-          <c:w val="0.890545981752281"/>
+          <c:x val="5.5873015873015908E-2"/>
+          <c:y val="3.7942352444236709E-2"/>
+          <c:w val="0.89054598175228084"/>
           <c:h val="0.801342483622279"/>
         </c:manualLayout>
       </c:layout>
       <c:lineChart>
         <c:grouping val="standard"/>
-        <c:varyColors val="0"/>
         <c:ser>
           <c:idx val="0"/>
           <c:order val="0"/>
@@ -2209,24 +3095,23 @@
                 <c:formatCode>General</c:formatCode>
                 <c:ptCount val="5"/>
                 <c:pt idx="0">
-                  <c:v>0.0</c:v>
+                  <c:v>0</c:v>
                 </c:pt>
                 <c:pt idx="1">
-                  <c:v>100.0</c:v>
+                  <c:v>100</c:v>
                 </c:pt>
                 <c:pt idx="2">
-                  <c:v>100.0</c:v>
+                  <c:v>100</c:v>
                 </c:pt>
                 <c:pt idx="3">
-                  <c:v>100.0</c:v>
+                  <c:v>100</c:v>
                 </c:pt>
                 <c:pt idx="4">
-                  <c:v>100.0</c:v>
+                  <c:v>100</c:v>
                 </c:pt>
               </c:numCache>
             </c:numRef>
           </c:val>
-          <c:smooth val="0"/>
           <c:extLst xmlns:c16r2="http://schemas.microsoft.com/office/drawing/2015/06/chart">
             <c:ext xmlns:c16="http://schemas.microsoft.com/office/drawing/2014/chart" uri="{C3380CC4-5D6E-409C-BE32-E72D297353CC}">
               <c16:uniqueId val="{00000000-FFCC-4DE0-9B70-166908BF150A}"/>
@@ -2275,44 +3160,36 @@
                 <c:formatCode>General</c:formatCode>
                 <c:ptCount val="5"/>
                 <c:pt idx="0">
-                  <c:v>0.0</c:v>
+                  <c:v>0</c:v>
                 </c:pt>
                 <c:pt idx="1">
-                  <c:v>75.0</c:v>
+                  <c:v>75</c:v>
                 </c:pt>
                 <c:pt idx="2">
-                  <c:v>75.0</c:v>
+                  <c:v>75</c:v>
                 </c:pt>
                 <c:pt idx="3">
-                  <c:v>75.0</c:v>
+                  <c:v>75</c:v>
                 </c:pt>
                 <c:pt idx="4">
-                  <c:v>75.0</c:v>
+                  <c:v>75</c:v>
                 </c:pt>
               </c:numCache>
             </c:numRef>
           </c:val>
-          <c:smooth val="0"/>
           <c:extLst xmlns:c16r2="http://schemas.microsoft.com/office/drawing/2015/06/chart">
             <c:ext xmlns:c16="http://schemas.microsoft.com/office/drawing/2014/chart" uri="{C3380CC4-5D6E-409C-BE32-E72D297353CC}">
               <c16:uniqueId val="{00000001-FFCC-4DE0-9B70-166908BF150A}"/>
             </c:ext>
           </c:extLst>
         </c:ser>
-        <c:dLbls>
-          <c:showLegendKey val="0"/>
-          <c:showVal val="0"/>
-          <c:showCatName val="0"/>
-          <c:showSerName val="0"/>
-          <c:showPercent val="0"/>
-          <c:showBubbleSize val="0"/>
-        </c:dLbls>
-        <c:smooth val="0"/>
-        <c:axId val="1372966048"/>
-        <c:axId val="1372049696"/>
+        <c:dLbls/>
+        <c:marker val="1"/>
+        <c:axId val="55405568"/>
+        <c:axId val="55415936"/>
       </c:lineChart>
       <c:catAx>
-        <c:axId val="1372966048"/>
+        <c:axId val="55405568"/>
         <c:scaling>
           <c:orientation val="minMax"/>
         </c:scaling>
@@ -2346,7 +3223,6 @@
             </c:rich>
           </c:tx>
           <c:layout/>
-          <c:overlay val="0"/>
           <c:spPr>
             <a:noFill/>
             <a:ln>
@@ -2354,40 +3230,18 @@
             </a:ln>
             <a:effectLst/>
           </c:spPr>
-          <c:txPr>
-            <a:bodyPr rot="0" spcFirstLastPara="1" vertOverflow="ellipsis" vert="horz" wrap="square" anchor="ctr" anchorCtr="1"/>
-            <a:lstStyle/>
-            <a:p>
-              <a:pPr>
-                <a:defRPr sz="2400" b="0" i="0" u="none" strike="noStrike" kern="1200" baseline="0">
-                  <a:solidFill>
-                    <a:schemeClr val="tx1">
-                      <a:lumMod val="65000"/>
-                      <a:lumOff val="35000"/>
-                    </a:schemeClr>
-                  </a:solidFill>
-                  <a:latin typeface="+mn-lt"/>
-                  <a:ea typeface="+mn-ea"/>
-                  <a:cs typeface="+mn-cs"/>
-                </a:defRPr>
-              </a:pPr>
-              <a:endParaRPr lang="en-US"/>
-            </a:p>
-          </c:txPr>
         </c:title>
         <c:numFmt formatCode="General" sourceLinked="1"/>
         <c:majorTickMark val="none"/>
-        <c:minorTickMark val="none"/>
-        <c:tickLblPos val="nextTo"/>
-        <c:crossAx val="1372049696"/>
+        <c:tickLblPos val="none"/>
+        <c:crossAx val="55415936"/>
         <c:crosses val="autoZero"/>
         <c:auto val="1"/>
         <c:lblAlgn val="ctr"/>
         <c:lblOffset val="100"/>
-        <c:noMultiLvlLbl val="0"/>
       </c:catAx>
       <c:valAx>
-        <c:axId val="1372049696"/>
+        <c:axId val="55415936"/>
         <c:scaling>
           <c:orientation val="minMax"/>
         </c:scaling>
@@ -2408,10 +3262,8 @@
           </c:spPr>
         </c:majorGridlines>
         <c:numFmt formatCode="General" sourceLinked="0"/>
-        <c:majorTickMark val="out"/>
-        <c:minorTickMark val="none"/>
-        <c:tickLblPos val="nextTo"/>
-        <c:crossAx val="1372966048"/>
+        <c:tickLblPos val="none"/>
+        <c:crossAx val="55405568"/>
         <c:crosses val="autoZero"/>
         <c:crossBetween val="between"/>
       </c:valAx>
@@ -2429,13 +3281,12 @@
         <c:manualLayout>
           <c:xMode val="edge"/>
           <c:yMode val="edge"/>
-          <c:x val="0.467223361687277"/>
-          <c:y val="0.0145932124785526"/>
-          <c:w val="0.297785033433756"/>
-          <c:h val="0.0868447819957907"/>
+          <c:x val="0.46722336168727707"/>
+          <c:y val="1.4593212478552603E-2"/>
+          <c:w val="0.29778503343375601"/>
+          <c:h val="8.684478199579071E-2"/>
         </c:manualLayout>
       </c:layout>
-      <c:overlay val="0"/>
       <c:spPr>
         <a:noFill/>
         <a:ln>
@@ -2466,7 +3317,6 @@
     </c:legend>
     <c:plotVisOnly val="1"/>
     <c:dispBlanksAs val="gap"/>
-    <c:showDLblsOverMax val="0"/>
   </c:chart>
   <c:spPr>
     <a:noFill/>
@@ -2485,9 +3335,7 @@
       <a:endParaRPr lang="en-US"/>
     </a:p>
   </c:txPr>
-  <c:externalData r:id="rId3">
-    <c:autoUpdate val="0"/>
-  </c:externalData>
+  <c:externalData r:id="rId1"/>
 </c:chartSpace>
 </file>
 
@@ -6009,7 +6857,7 @@
             <a:fld id="{5387A8D8-D198-47E4-B17E-83A121B2A68F}" type="datetimeFigureOut">
               <a:rPr lang="en-US" smtClean="0"/>
               <a:pPr/>
-              <a:t>5/31/18</a:t>
+              <a:t>6/1/2018</a:t>
             </a:fld>
             <a:endParaRPr lang="en-US"/>
           </a:p>
@@ -6176,7 +7024,7 @@
             <a:fld id="{5387A8D8-D198-47E4-B17E-83A121B2A68F}" type="datetimeFigureOut">
               <a:rPr lang="en-US" smtClean="0"/>
               <a:pPr/>
-              <a:t>5/31/18</a:t>
+              <a:t>6/1/2018</a:t>
             </a:fld>
             <a:endParaRPr lang="en-US"/>
           </a:p>
@@ -6353,7 +7201,7 @@
             <a:fld id="{5387A8D8-D198-47E4-B17E-83A121B2A68F}" type="datetimeFigureOut">
               <a:rPr lang="en-US" smtClean="0"/>
               <a:pPr/>
-              <a:t>5/31/18</a:t>
+              <a:t>6/1/2018</a:t>
             </a:fld>
             <a:endParaRPr lang="en-US"/>
           </a:p>
@@ -6520,7 +7368,7 @@
             <a:fld id="{5387A8D8-D198-47E4-B17E-83A121B2A68F}" type="datetimeFigureOut">
               <a:rPr lang="en-US" smtClean="0"/>
               <a:pPr/>
-              <a:t>5/31/18</a:t>
+              <a:t>6/1/2018</a:t>
             </a:fld>
             <a:endParaRPr lang="en-US"/>
           </a:p>
@@ -6763,7 +7611,7 @@
             <a:fld id="{5387A8D8-D198-47E4-B17E-83A121B2A68F}" type="datetimeFigureOut">
               <a:rPr lang="en-US" smtClean="0"/>
               <a:pPr/>
-              <a:t>5/31/18</a:t>
+              <a:t>6/1/2018</a:t>
             </a:fld>
             <a:endParaRPr lang="en-US"/>
           </a:p>
@@ -7048,7 +7896,7 @@
             <a:fld id="{5387A8D8-D198-47E4-B17E-83A121B2A68F}" type="datetimeFigureOut">
               <a:rPr lang="en-US" smtClean="0"/>
               <a:pPr/>
-              <a:t>5/31/18</a:t>
+              <a:t>6/1/2018</a:t>
             </a:fld>
             <a:endParaRPr lang="en-US"/>
           </a:p>
@@ -7467,7 +8315,7 @@
             <a:fld id="{5387A8D8-D198-47E4-B17E-83A121B2A68F}" type="datetimeFigureOut">
               <a:rPr lang="en-US" smtClean="0"/>
               <a:pPr/>
-              <a:t>5/31/18</a:t>
+              <a:t>6/1/2018</a:t>
             </a:fld>
             <a:endParaRPr lang="en-US"/>
           </a:p>
@@ -7582,7 +8430,7 @@
             <a:fld id="{5387A8D8-D198-47E4-B17E-83A121B2A68F}" type="datetimeFigureOut">
               <a:rPr lang="en-US" smtClean="0"/>
               <a:pPr/>
-              <a:t>5/31/18</a:t>
+              <a:t>6/1/2018</a:t>
             </a:fld>
             <a:endParaRPr lang="en-US"/>
           </a:p>
@@ -7674,7 +8522,7 @@
             <a:fld id="{5387A8D8-D198-47E4-B17E-83A121B2A68F}" type="datetimeFigureOut">
               <a:rPr lang="en-US" smtClean="0"/>
               <a:pPr/>
-              <a:t>5/31/18</a:t>
+              <a:t>6/1/2018</a:t>
             </a:fld>
             <a:endParaRPr lang="en-US"/>
           </a:p>
@@ -7948,7 +8796,7 @@
             <a:fld id="{5387A8D8-D198-47E4-B17E-83A121B2A68F}" type="datetimeFigureOut">
               <a:rPr lang="en-US" smtClean="0"/>
               <a:pPr/>
-              <a:t>5/31/18</a:t>
+              <a:t>6/1/2018</a:t>
             </a:fld>
             <a:endParaRPr lang="en-US"/>
           </a:p>
@@ -8198,7 +9046,7 @@
             <a:fld id="{5387A8D8-D198-47E4-B17E-83A121B2A68F}" type="datetimeFigureOut">
               <a:rPr lang="en-US" smtClean="0"/>
               <a:pPr/>
-              <a:t>5/31/18</a:t>
+              <a:t>6/1/2018</a:t>
             </a:fld>
             <a:endParaRPr lang="en-US"/>
           </a:p>
@@ -8408,7 +9256,7 @@
             <a:fld id="{5387A8D8-D198-47E4-B17E-83A121B2A68F}" type="datetimeFigureOut">
               <a:rPr lang="en-US" smtClean="0"/>
               <a:pPr/>
-              <a:t>5/31/18</a:t>
+              <a:t>6/1/2018</a:t>
             </a:fld>
             <a:endParaRPr lang="en-US"/>
           </a:p>
@@ -8876,6 +9724,345 @@
 </file>
 
 <file path=ppt/slides/slide2.xml><?xml version="1.0" encoding="utf-8"?>
+<p:sld xmlns:a="http://schemas.openxmlformats.org/drawingml/2006/main" xmlns:r="http://schemas.openxmlformats.org/officeDocument/2006/relationships" xmlns:p="http://schemas.openxmlformats.org/presentationml/2006/main">
+  <p:cSld>
+    <p:spTree>
+      <p:nvGrpSpPr>
+        <p:cNvPr id="1" name=""/>
+        <p:cNvGrpSpPr/>
+        <p:nvPr/>
+      </p:nvGrpSpPr>
+      <p:grpSpPr>
+        <a:xfrm>
+          <a:off x="0" y="0"/>
+          <a:ext cx="0" cy="0"/>
+          <a:chOff x="0" y="0"/>
+          <a:chExt cx="0" cy="0"/>
+        </a:xfrm>
+      </p:grpSpPr>
+      <p:sp>
+        <p:nvSpPr>
+          <p:cNvPr id="2" name="Title 1"/>
+          <p:cNvSpPr>
+            <a:spLocks noGrp="1"/>
+          </p:cNvSpPr>
+          <p:nvPr>
+            <p:ph type="title"/>
+          </p:nvPr>
+        </p:nvSpPr>
+        <p:spPr/>
+        <p:txBody>
+          <a:bodyPr>
+            <a:normAutofit fontScale="90000"/>
+          </a:bodyPr>
+          <a:lstStyle/>
+          <a:p>
+            <a:r>
+              <a:rPr lang="en-US" dirty="0" smtClean="0"/>
+              <a:t>Measuring Consumption, Waste, and Ingestion</a:t>
+            </a:r>
+            <a:endParaRPr lang="en-US" dirty="0"/>
+          </a:p>
+        </p:txBody>
+      </p:sp>
+      <p:sp>
+        <p:nvSpPr>
+          <p:cNvPr id="3" name="Content Placeholder 2"/>
+          <p:cNvSpPr>
+            <a:spLocks noGrp="1"/>
+          </p:cNvSpPr>
+          <p:nvPr>
+            <p:ph idx="1"/>
+          </p:nvPr>
+        </p:nvSpPr>
+        <p:spPr>
+          <a:xfrm>
+            <a:off x="457200" y="1600201"/>
+            <a:ext cx="7848600" cy="1752599"/>
+          </a:xfrm>
+        </p:spPr>
+        <p:txBody>
+          <a:bodyPr>
+            <a:normAutofit/>
+          </a:bodyPr>
+          <a:lstStyle/>
+          <a:p>
+            <a:r>
+              <a:rPr lang="en-US" dirty="0" smtClean="0"/>
+              <a:t>D</a:t>
+            </a:r>
+            <a:r>
+              <a:rPr lang="en-US" dirty="0" smtClean="0"/>
+              <a:t>ry diet mass will be calculated by regression given wet diet mass</a:t>
+            </a:r>
+          </a:p>
+          <a:p>
+            <a:r>
+              <a:rPr lang="en-US" dirty="0" smtClean="0"/>
+              <a:t>Ingestion rate: </a:t>
+            </a:r>
+            <a:r>
+              <a:rPr lang="en-US" dirty="0" err="1" smtClean="0"/>
+              <a:t>diet</a:t>
+            </a:r>
+            <a:r>
+              <a:rPr lang="en-US" baseline="-25000" dirty="0" err="1" smtClean="0"/>
+              <a:t>initial</a:t>
+            </a:r>
+            <a:r>
+              <a:rPr lang="en-US" dirty="0" smtClean="0"/>
+              <a:t> – </a:t>
+            </a:r>
+            <a:r>
+              <a:rPr lang="en-US" dirty="0" err="1" smtClean="0"/>
+              <a:t>diet</a:t>
+            </a:r>
+            <a:r>
+              <a:rPr lang="en-US" baseline="-25000" dirty="0" err="1" smtClean="0"/>
+              <a:t>remaining</a:t>
+            </a:r>
+            <a:endParaRPr lang="en-US" baseline="-25000" dirty="0" smtClean="0"/>
+          </a:p>
+        </p:txBody>
+      </p:sp>
+      <p:graphicFrame>
+        <p:nvGraphicFramePr>
+          <p:cNvPr id="4" name="Chart 3"/>
+          <p:cNvGraphicFramePr/>
+          <p:nvPr/>
+        </p:nvGraphicFramePr>
+        <p:xfrm>
+          <a:off x="381000" y="3429000"/>
+          <a:ext cx="3962400" cy="3048000"/>
+        </p:xfrm>
+        <a:graphic>
+          <a:graphicData uri="http://schemas.openxmlformats.org/drawingml/2006/chart">
+            <c:chart xmlns:c="http://schemas.openxmlformats.org/drawingml/2006/chart" xmlns:r="http://schemas.openxmlformats.org/officeDocument/2006/relationships" r:id="rId2"/>
+          </a:graphicData>
+        </a:graphic>
+      </p:graphicFrame>
+    </p:spTree>
+  </p:cSld>
+  <p:clrMapOvr>
+    <a:masterClrMapping/>
+  </p:clrMapOvr>
+</p:sld>
+</file>
+
+<file path=ppt/slides/slide3.xml><?xml version="1.0" encoding="utf-8"?>
+<p:sld xmlns:a="http://schemas.openxmlformats.org/drawingml/2006/main" xmlns:r="http://schemas.openxmlformats.org/officeDocument/2006/relationships" xmlns:p="http://schemas.openxmlformats.org/presentationml/2006/main">
+  <p:cSld>
+    <p:spTree>
+      <p:nvGrpSpPr>
+        <p:cNvPr id="1" name=""/>
+        <p:cNvGrpSpPr/>
+        <p:nvPr/>
+      </p:nvGrpSpPr>
+      <p:grpSpPr>
+        <a:xfrm>
+          <a:off x="0" y="0"/>
+          <a:ext cx="0" cy="0"/>
+          <a:chOff x="0" y="0"/>
+          <a:chExt cx="0" cy="0"/>
+        </a:xfrm>
+      </p:grpSpPr>
+      <p:sp>
+        <p:nvSpPr>
+          <p:cNvPr id="2" name="Title 1"/>
+          <p:cNvSpPr>
+            <a:spLocks noGrp="1"/>
+          </p:cNvSpPr>
+          <p:nvPr>
+            <p:ph type="title"/>
+          </p:nvPr>
+        </p:nvSpPr>
+        <p:spPr/>
+        <p:txBody>
+          <a:bodyPr/>
+          <a:lstStyle/>
+          <a:p>
+            <a:endParaRPr lang="en-US"/>
+          </a:p>
+        </p:txBody>
+      </p:sp>
+      <p:graphicFrame>
+        <p:nvGraphicFramePr>
+          <p:cNvPr id="5" name="Content Placeholder 4"/>
+          <p:cNvGraphicFramePr>
+            <a:graphicFrameLocks noGrp="1"/>
+          </p:cNvGraphicFramePr>
+          <p:nvPr>
+            <p:ph idx="1"/>
+          </p:nvPr>
+        </p:nvGraphicFramePr>
+        <p:xfrm>
+          <a:off x="457200" y="1600200"/>
+          <a:ext cx="8229600" cy="4525963"/>
+        </p:xfrm>
+        <a:graphic>
+          <a:graphicData uri="http://schemas.openxmlformats.org/drawingml/2006/chart">
+            <c:chart xmlns:c="http://schemas.openxmlformats.org/drawingml/2006/chart" xmlns:r="http://schemas.openxmlformats.org/officeDocument/2006/relationships" r:id="rId2"/>
+          </a:graphicData>
+        </a:graphic>
+      </p:graphicFrame>
+    </p:spTree>
+  </p:cSld>
+  <p:clrMapOvr>
+    <a:masterClrMapping/>
+  </p:clrMapOvr>
+</p:sld>
+</file>
+
+<file path=ppt/slides/slide4.xml><?xml version="1.0" encoding="utf-8"?>
+<p:sld xmlns:a="http://schemas.openxmlformats.org/drawingml/2006/main" xmlns:r="http://schemas.openxmlformats.org/officeDocument/2006/relationships" xmlns:p="http://schemas.openxmlformats.org/presentationml/2006/main">
+  <p:cSld>
+    <p:spTree>
+      <p:nvGrpSpPr>
+        <p:cNvPr id="1" name=""/>
+        <p:cNvGrpSpPr/>
+        <p:nvPr/>
+      </p:nvGrpSpPr>
+      <p:grpSpPr>
+        <a:xfrm>
+          <a:off x="0" y="0"/>
+          <a:ext cx="0" cy="0"/>
+          <a:chOff x="0" y="0"/>
+          <a:chExt cx="0" cy="0"/>
+        </a:xfrm>
+      </p:grpSpPr>
+      <p:sp>
+        <p:nvSpPr>
+          <p:cNvPr id="2" name="Title 1"/>
+          <p:cNvSpPr>
+            <a:spLocks noGrp="1"/>
+          </p:cNvSpPr>
+          <p:nvPr>
+            <p:ph type="title"/>
+          </p:nvPr>
+        </p:nvSpPr>
+        <p:spPr/>
+        <p:txBody>
+          <a:bodyPr/>
+          <a:lstStyle/>
+          <a:p>
+            <a:endParaRPr lang="en-US"/>
+          </a:p>
+        </p:txBody>
+      </p:sp>
+      <p:sp>
+        <p:nvSpPr>
+          <p:cNvPr id="3" name="Content Placeholder 2"/>
+          <p:cNvSpPr>
+            <a:spLocks noGrp="1"/>
+          </p:cNvSpPr>
+          <p:nvPr>
+            <p:ph idx="1"/>
+          </p:nvPr>
+        </p:nvSpPr>
+        <p:spPr/>
+        <p:txBody>
+          <a:bodyPr/>
+          <a:lstStyle/>
+          <a:p>
+            <a:r>
+              <a:rPr lang="en-US" dirty="0" smtClean="0"/>
+              <a:t>Waste: </a:t>
+            </a:r>
+            <a:r>
+              <a:rPr lang="en-US" dirty="0" err="1" smtClean="0"/>
+              <a:t>frass</a:t>
+            </a:r>
+            <a:r>
+              <a:rPr lang="en-US" baseline="-25000" dirty="0" err="1" smtClean="0"/>
+              <a:t>weight</a:t>
+            </a:r>
+            <a:endParaRPr lang="en-US" dirty="0" smtClean="0"/>
+          </a:p>
+          <a:p>
+            <a:endParaRPr lang="en-US" dirty="0"/>
+          </a:p>
+        </p:txBody>
+      </p:sp>
+    </p:spTree>
+  </p:cSld>
+  <p:clrMapOvr>
+    <a:masterClrMapping/>
+  </p:clrMapOvr>
+</p:sld>
+</file>
+
+<file path=ppt/slides/slide5.xml><?xml version="1.0" encoding="utf-8"?>
+<p:sld xmlns:a="http://schemas.openxmlformats.org/drawingml/2006/main" xmlns:r="http://schemas.openxmlformats.org/officeDocument/2006/relationships" xmlns:p="http://schemas.openxmlformats.org/presentationml/2006/main">
+  <p:cSld>
+    <p:spTree>
+      <p:nvGrpSpPr>
+        <p:cNvPr id="1" name=""/>
+        <p:cNvGrpSpPr/>
+        <p:nvPr/>
+      </p:nvGrpSpPr>
+      <p:grpSpPr>
+        <a:xfrm>
+          <a:off x="0" y="0"/>
+          <a:ext cx="0" cy="0"/>
+          <a:chOff x="0" y="0"/>
+          <a:chExt cx="0" cy="0"/>
+        </a:xfrm>
+      </p:grpSpPr>
+      <p:sp>
+        <p:nvSpPr>
+          <p:cNvPr id="2" name="Title 1"/>
+          <p:cNvSpPr>
+            <a:spLocks noGrp="1"/>
+          </p:cNvSpPr>
+          <p:nvPr>
+            <p:ph type="title"/>
+          </p:nvPr>
+        </p:nvSpPr>
+        <p:spPr/>
+        <p:txBody>
+          <a:bodyPr/>
+          <a:lstStyle/>
+          <a:p>
+            <a:endParaRPr lang="en-US"/>
+          </a:p>
+        </p:txBody>
+      </p:sp>
+      <p:sp>
+        <p:nvSpPr>
+          <p:cNvPr id="3" name="Content Placeholder 2"/>
+          <p:cNvSpPr>
+            <a:spLocks noGrp="1"/>
+          </p:cNvSpPr>
+          <p:nvPr>
+            <p:ph idx="1"/>
+          </p:nvPr>
+        </p:nvSpPr>
+        <p:spPr/>
+        <p:txBody>
+          <a:bodyPr/>
+          <a:lstStyle/>
+          <a:p>
+            <a:r>
+              <a:rPr lang="en-US" dirty="0" smtClean="0"/>
+              <a:t>Digestion: ingestion - </a:t>
+            </a:r>
+            <a:r>
+              <a:rPr lang="en-US" dirty="0" err="1" smtClean="0"/>
+              <a:t>frass</a:t>
+            </a:r>
+            <a:endParaRPr lang="en-US" dirty="0" smtClean="0"/>
+          </a:p>
+        </p:txBody>
+      </p:sp>
+    </p:spTree>
+  </p:cSld>
+  <p:clrMapOvr>
+    <a:masterClrMapping/>
+  </p:clrMapOvr>
+</p:sld>
+</file>
+
+<file path=ppt/slides/slide6.xml><?xml version="1.0" encoding="utf-8"?>
 <p:sld xmlns:a="http://schemas.openxmlformats.org/drawingml/2006/main" xmlns:r="http://schemas.openxmlformats.org/officeDocument/2006/relationships" xmlns:p="http://schemas.openxmlformats.org/presentationml/2006/main">
   <p:cSld>
     <p:spTree>
@@ -10221,7 +11408,7 @@
     </p:spTree>
     <p:extLst>
       <p:ext uri="{BB962C8B-B14F-4D97-AF65-F5344CB8AC3E}">
-        <p14:creationId xmlns:p14="http://schemas.microsoft.com/office/powerpoint/2010/main" val="1350941246"/>
+        <p14:creationId xmlns:p14="http://schemas.microsoft.com/office/powerpoint/2010/main" xmlns="" val="1350941246"/>
       </p:ext>
     </p:extLst>
   </p:cSld>
@@ -10238,75 +11425,7 @@
 </p:sld>
 </file>
 
-<file path=ppt/slides/slide3.xml><?xml version="1.0" encoding="utf-8"?>
-<p:sld xmlns:a="http://schemas.openxmlformats.org/drawingml/2006/main" xmlns:r="http://schemas.openxmlformats.org/officeDocument/2006/relationships" xmlns:p="http://schemas.openxmlformats.org/presentationml/2006/main">
-  <p:cSld>
-    <p:spTree>
-      <p:nvGrpSpPr>
-        <p:cNvPr id="1" name=""/>
-        <p:cNvGrpSpPr/>
-        <p:nvPr/>
-      </p:nvGrpSpPr>
-      <p:grpSpPr>
-        <a:xfrm>
-          <a:off x="0" y="0"/>
-          <a:ext cx="0" cy="0"/>
-          <a:chOff x="0" y="0"/>
-          <a:chExt cx="0" cy="0"/>
-        </a:xfrm>
-      </p:grpSpPr>
-      <p:sp>
-        <p:nvSpPr>
-          <p:cNvPr id="2" name="Title 1"/>
-          <p:cNvSpPr>
-            <a:spLocks noGrp="1"/>
-          </p:cNvSpPr>
-          <p:nvPr>
-            <p:ph type="title"/>
-          </p:nvPr>
-        </p:nvSpPr>
-        <p:spPr/>
-        <p:txBody>
-          <a:bodyPr/>
-          <a:lstStyle/>
-          <a:p>
-            <a:endParaRPr lang="en-US"/>
-          </a:p>
-        </p:txBody>
-      </p:sp>
-      <p:sp>
-        <p:nvSpPr>
-          <p:cNvPr id="3" name="Content Placeholder 2"/>
-          <p:cNvSpPr>
-            <a:spLocks noGrp="1"/>
-          </p:cNvSpPr>
-          <p:nvPr>
-            <p:ph idx="1"/>
-          </p:nvPr>
-        </p:nvSpPr>
-        <p:spPr/>
-        <p:txBody>
-          <a:bodyPr/>
-          <a:lstStyle/>
-          <a:p>
-            <a:endParaRPr lang="en-US"/>
-          </a:p>
-        </p:txBody>
-      </p:sp>
-    </p:spTree>
-    <p:extLst>
-      <p:ext uri="{BB962C8B-B14F-4D97-AF65-F5344CB8AC3E}">
-        <p14:creationId xmlns:p14="http://schemas.microsoft.com/office/powerpoint/2010/main" val="81110736"/>
-      </p:ext>
-    </p:extLst>
-  </p:cSld>
-  <p:clrMapOvr>
-    <a:masterClrMapping/>
-  </p:clrMapOvr>
-</p:sld>
-</file>
-
-<file path=ppt/slides/slide4.xml><?xml version="1.0" encoding="utf-8"?>
+<file path=ppt/slides/slide7.xml><?xml version="1.0" encoding="utf-8"?>
 <p:sld xmlns:a="http://schemas.openxmlformats.org/drawingml/2006/main" xmlns:r="http://schemas.openxmlformats.org/officeDocument/2006/relationships" xmlns:p="http://schemas.openxmlformats.org/presentationml/2006/main">
   <p:cSld>
     <p:spTree>
@@ -10333,7 +11452,7 @@
         </p:nvGraphicFramePr>
         <p:xfrm>
           <a:off x="638508" y="2363390"/>
-          <a:ext cx="3322466" cy="3263504"/>
+          <a:ext cx="3322466" cy="3504010"/>
         </p:xfrm>
         <a:graphic>
           <a:graphicData uri="http://schemas.openxmlformats.org/drawingml/2006/chart">
@@ -10385,7 +11504,6 @@
               <a:rPr lang="en-US" sz="2400" dirty="0"/>
               <a:t>Non Diapause</a:t>
             </a:r>
-            <a:endParaRPr lang="en-US" sz="2400" dirty="0"/>
           </a:p>
         </p:txBody>
       </p:sp>
@@ -10399,8 +11517,8 @@
         </p:nvSpPr>
         <p:spPr>
           <a:xfrm>
-            <a:off x="628650" y="1131094"/>
-            <a:ext cx="7886700" cy="994172"/>
+            <a:off x="685800" y="457200"/>
+            <a:ext cx="7620000" cy="1219200"/>
           </a:xfrm>
           <a:prstGeom prst="rect">
             <a:avLst/>
@@ -10408,7 +11526,7 @@
         </p:spPr>
         <p:txBody>
           <a:bodyPr vert="horz" lIns="68580" tIns="34290" rIns="68580" bIns="34290" rtlCol="0" anchor="ctr">
-            <a:normAutofit fontScale="97500"/>
+            <a:normAutofit fontScale="90000"/>
           </a:bodyPr>
           <a:lstStyle>
             <a:lvl1pPr algn="l" defTabSz="914400" rtl="0" eaLnBrk="1" latinLnBrk="0" hangingPunct="1">
@@ -10439,12 +11557,16 @@
               <a:t>Changes in diet </a:t>
             </a:r>
             <a:r>
-              <a:rPr lang="en-US" sz="3300" dirty="0" err="1" smtClean="0"/>
-              <a:t>availibility</a:t>
+              <a:rPr lang="en-US" sz="3300" dirty="0" smtClean="0"/>
+              <a:t>access to nutrition has </a:t>
             </a:r>
             <a:r>
               <a:rPr lang="en-US" sz="3300" dirty="0" smtClean="0"/>
-              <a:t> has no effect on </a:t>
+              <a:t>no effect on </a:t>
+            </a:r>
+            <a:r>
+              <a:rPr lang="en-US" sz="3300" dirty="0" smtClean="0"/>
+              <a:t>digestive efficiency</a:t>
             </a:r>
             <a:endParaRPr lang="en-US" sz="3300" dirty="0"/>
           </a:p>
@@ -10476,7 +11598,6 @@
               <a:rPr lang="en-US" sz="2400" dirty="0"/>
               <a:t>Diapause</a:t>
             </a:r>
-            <a:endParaRPr lang="en-US" sz="2400" dirty="0"/>
           </a:p>
         </p:txBody>
       </p:sp>
@@ -10510,18 +11631,13 @@
               </a:rPr>
               <a:t>NULL</a:t>
             </a:r>
-            <a:endParaRPr lang="en-US" sz="7200" b="1" dirty="0">
-              <a:solidFill>
-                <a:srgbClr val="FF0000"/>
-              </a:solidFill>
-            </a:endParaRPr>
           </a:p>
         </p:txBody>
       </p:sp>
     </p:spTree>
     <p:extLst>
       <p:ext uri="{BB962C8B-B14F-4D97-AF65-F5344CB8AC3E}">
-        <p14:creationId xmlns:p14="http://schemas.microsoft.com/office/powerpoint/2010/main" val="290077461"/>
+        <p14:creationId xmlns:p14="http://schemas.microsoft.com/office/powerpoint/2010/main" xmlns="" val="290077461"/>
       </p:ext>
     </p:extLst>
   </p:cSld>
@@ -10609,7 +11725,7 @@
 </p:sld>
 </file>
 
-<file path=ppt/slides/slide5.xml><?xml version="1.0" encoding="utf-8"?>
+<file path=ppt/slides/slide8.xml><?xml version="1.0" encoding="utf-8"?>
 <p:sld xmlns:a="http://schemas.openxmlformats.org/drawingml/2006/main" xmlns:r="http://schemas.openxmlformats.org/officeDocument/2006/relationships" xmlns:p="http://schemas.openxmlformats.org/presentationml/2006/main">
   <p:cSld>
     <p:spTree>
@@ -10672,7 +11788,6 @@
               <a:rPr lang="en-US" sz="1350" dirty="0"/>
               <a:t>Long Diapause</a:t>
             </a:r>
-            <a:endParaRPr lang="en-US" sz="1350" dirty="0"/>
           </a:p>
         </p:txBody>
       </p:sp>
@@ -10724,7 +11839,6 @@
               <a:rPr lang="en-US" sz="1350" dirty="0"/>
               <a:t>Short Diapause</a:t>
             </a:r>
-            <a:endParaRPr lang="en-US" sz="1350" dirty="0"/>
           </a:p>
         </p:txBody>
       </p:sp>
@@ -10771,7 +11885,6 @@
               <a:rPr lang="en-US" sz="1350" dirty="0"/>
               <a:t>Fall</a:t>
             </a:r>
-            <a:endParaRPr lang="en-US" sz="1350" dirty="0"/>
           </a:p>
         </p:txBody>
       </p:sp>
@@ -10825,11 +11938,6 @@
               </a:rPr>
               <a:t>Summer</a:t>
             </a:r>
-            <a:endParaRPr lang="en-US" sz="1350" dirty="0">
-              <a:solidFill>
-                <a:sysClr val="windowText" lastClr="000000"/>
-              </a:solidFill>
-            </a:endParaRPr>
           </a:p>
         </p:txBody>
       </p:sp>
@@ -10886,7 +11994,6 @@
               <a:rPr lang="en-US" sz="3300" dirty="0"/>
               <a:t>in diapausing larvae</a:t>
             </a:r>
-            <a:endParaRPr lang="en-US" sz="3300" dirty="0"/>
           </a:p>
         </p:txBody>
       </p:sp>
@@ -10934,7 +12041,6 @@
               <a:rPr lang="en-US" sz="2400" dirty="0"/>
               <a:t>Non-Diapause</a:t>
             </a:r>
-            <a:endParaRPr lang="en-US" sz="2400" dirty="0"/>
           </a:p>
         </p:txBody>
       </p:sp>
@@ -10982,7 +12088,6 @@
               <a:rPr lang="en-US" sz="2400" dirty="0"/>
               <a:t>Diapause</a:t>
             </a:r>
-            <a:endParaRPr lang="en-US" sz="2400" dirty="0"/>
           </a:p>
         </p:txBody>
       </p:sp>
@@ -11009,10 +12114,10 @@
             <p:nvPr/>
           </p:nvPicPr>
           <p:blipFill rotWithShape="1">
-            <a:blip r:embed="rId4">
+            <a:blip r:embed="rId4" cstate="print">
               <a:extLst>
                 <a:ext uri="{28A0092B-C50C-407E-A947-70E740481C1C}">
-                  <a14:useLocalDpi xmlns:a14="http://schemas.microsoft.com/office/drawing/2010/main" val="0"/>
+                  <a14:useLocalDpi xmlns:a14="http://schemas.microsoft.com/office/drawing/2010/main" xmlns="" val="0"/>
                 </a:ext>
               </a:extLst>
             </a:blip>
@@ -11038,10 +12143,10 @@
             <p:nvPr/>
           </p:nvPicPr>
           <p:blipFill rotWithShape="1">
-            <a:blip r:embed="rId4">
+            <a:blip r:embed="rId4" cstate="print">
               <a:extLst>
                 <a:ext uri="{28A0092B-C50C-407E-A947-70E740481C1C}">
-                  <a14:useLocalDpi xmlns:a14="http://schemas.microsoft.com/office/drawing/2010/main" val="0"/>
+                  <a14:useLocalDpi xmlns:a14="http://schemas.microsoft.com/office/drawing/2010/main" xmlns="" val="0"/>
                 </a:ext>
               </a:extLst>
             </a:blip>
@@ -11081,7 +12186,7 @@
               <p:nvPr/>
             </p:nvPicPr>
             <p:blipFill>
-              <a:blip r:embed="rId5">
+              <a:blip r:embed="rId5" cstate="print">
                 <a:duotone>
                   <a:schemeClr val="accent6">
                     <a:shade val="45000"/>
@@ -11091,7 +12196,7 @@
                 </a:duotone>
                 <a:extLst>
                   <a:ext uri="{28A0092B-C50C-407E-A947-70E740481C1C}">
-                    <a14:useLocalDpi xmlns:a14="http://schemas.microsoft.com/office/drawing/2010/main" val="0"/>
+                    <a14:useLocalDpi xmlns:a14="http://schemas.microsoft.com/office/drawing/2010/main" xmlns="" val="0"/>
                   </a:ext>
                 </a:extLst>
               </a:blip>
@@ -11118,7 +12223,7 @@
               <p:nvPr/>
             </p:nvPicPr>
             <p:blipFill rotWithShape="1">
-              <a:blip r:embed="rId6">
+              <a:blip r:embed="rId6" cstate="print">
                 <a:duotone>
                   <a:schemeClr val="accent2">
                     <a:shade val="45000"/>
@@ -11128,7 +12233,7 @@
                 </a:duotone>
                 <a:extLst>
                   <a:ext uri="{BEBA8EAE-BF5A-486C-A8C5-ECC9F3942E4B}">
-                    <a14:imgProps xmlns:a14="http://schemas.microsoft.com/office/drawing/2010/main">
+                    <a14:imgProps xmlns:a14="http://schemas.microsoft.com/office/drawing/2010/main" xmlns="">
                       <a14:imgLayer r:embed="rId7">
                         <a14:imgEffect>
                           <a14:saturation sat="400000"/>
@@ -11137,7 +12242,7 @@
                     </a14:imgProps>
                   </a:ext>
                   <a:ext uri="{28A0092B-C50C-407E-A947-70E740481C1C}">
-                    <a14:useLocalDpi xmlns:a14="http://schemas.microsoft.com/office/drawing/2010/main" val="0"/>
+                    <a14:useLocalDpi xmlns:a14="http://schemas.microsoft.com/office/drawing/2010/main" xmlns="" val="0"/>
                   </a:ext>
                 </a:extLst>
               </a:blip>
@@ -11178,7 +12283,7 @@
               <p:nvPr/>
             </p:nvPicPr>
             <p:blipFill>
-              <a:blip r:embed="rId5">
+              <a:blip r:embed="rId5" cstate="print">
                 <a:duotone>
                   <a:schemeClr val="accent6">
                     <a:shade val="45000"/>
@@ -11188,7 +12293,7 @@
                 </a:duotone>
                 <a:extLst>
                   <a:ext uri="{28A0092B-C50C-407E-A947-70E740481C1C}">
-                    <a14:useLocalDpi xmlns:a14="http://schemas.microsoft.com/office/drawing/2010/main" val="0"/>
+                    <a14:useLocalDpi xmlns:a14="http://schemas.microsoft.com/office/drawing/2010/main" xmlns="" val="0"/>
                   </a:ext>
                 </a:extLst>
               </a:blip>
@@ -11215,7 +12320,7 @@
               <p:nvPr/>
             </p:nvPicPr>
             <p:blipFill rotWithShape="1">
-              <a:blip r:embed="rId8">
+              <a:blip r:embed="rId8" cstate="print">
                 <a:duotone>
                   <a:schemeClr val="accent3">
                     <a:shade val="45000"/>
@@ -11225,7 +12330,7 @@
                 </a:duotone>
                 <a:extLst>
                   <a:ext uri="{BEBA8EAE-BF5A-486C-A8C5-ECC9F3942E4B}">
-                    <a14:imgProps xmlns:a14="http://schemas.microsoft.com/office/drawing/2010/main">
+                    <a14:imgProps xmlns:a14="http://schemas.microsoft.com/office/drawing/2010/main" xmlns="">
                       <a14:imgLayer r:embed="rId9">
                         <a14:imgEffect>
                           <a14:colorTemperature colorTemp="4700"/>
@@ -11237,7 +12342,7 @@
                     </a14:imgProps>
                   </a:ext>
                   <a:ext uri="{28A0092B-C50C-407E-A947-70E740481C1C}">
-                    <a14:useLocalDpi xmlns:a14="http://schemas.microsoft.com/office/drawing/2010/main" val="0"/>
+                    <a14:useLocalDpi xmlns:a14="http://schemas.microsoft.com/office/drawing/2010/main" xmlns="" val="0"/>
                   </a:ext>
                 </a:extLst>
               </a:blip>
@@ -11278,7 +12383,7 @@
               <p:nvPr/>
             </p:nvPicPr>
             <p:blipFill>
-              <a:blip r:embed="rId6">
+              <a:blip r:embed="rId6" cstate="print">
                 <a:duotone>
                   <a:schemeClr val="accent1">
                     <a:shade val="45000"/>
@@ -11288,7 +12393,7 @@
                 </a:duotone>
                 <a:extLst>
                   <a:ext uri="{BEBA8EAE-BF5A-486C-A8C5-ECC9F3942E4B}">
-                    <a14:imgProps xmlns:a14="http://schemas.microsoft.com/office/drawing/2010/main">
+                    <a14:imgProps xmlns:a14="http://schemas.microsoft.com/office/drawing/2010/main" xmlns="">
                       <a14:imgLayer r:embed="rId10">
                         <a14:imgEffect>
                           <a14:saturation sat="400000"/>
@@ -11297,7 +12402,7 @@
                     </a14:imgProps>
                   </a:ext>
                   <a:ext uri="{28A0092B-C50C-407E-A947-70E740481C1C}">
-                    <a14:useLocalDpi xmlns:a14="http://schemas.microsoft.com/office/drawing/2010/main" val="0"/>
+                    <a14:useLocalDpi xmlns:a14="http://schemas.microsoft.com/office/drawing/2010/main" xmlns="" val="0"/>
                   </a:ext>
                 </a:extLst>
               </a:blip>
@@ -11324,7 +12429,7 @@
               <p:nvPr/>
             </p:nvPicPr>
             <p:blipFill rotWithShape="1">
-              <a:blip r:embed="rId8">
+              <a:blip r:embed="rId8" cstate="print">
                 <a:duotone>
                   <a:schemeClr val="accent3">
                     <a:shade val="45000"/>
@@ -11334,7 +12439,7 @@
                 </a:duotone>
                 <a:extLst>
                   <a:ext uri="{BEBA8EAE-BF5A-486C-A8C5-ECC9F3942E4B}">
-                    <a14:imgProps xmlns:a14="http://schemas.microsoft.com/office/drawing/2010/main">
+                    <a14:imgProps xmlns:a14="http://schemas.microsoft.com/office/drawing/2010/main" xmlns="">
                       <a14:imgLayer r:embed="rId11">
                         <a14:imgEffect>
                           <a14:colorTemperature colorTemp="4700"/>
@@ -11346,7 +12451,7 @@
                     </a14:imgProps>
                   </a:ext>
                   <a:ext uri="{28A0092B-C50C-407E-A947-70E740481C1C}">
-                    <a14:useLocalDpi xmlns:a14="http://schemas.microsoft.com/office/drawing/2010/main" val="0"/>
+                    <a14:useLocalDpi xmlns:a14="http://schemas.microsoft.com/office/drawing/2010/main" xmlns="" val="0"/>
                   </a:ext>
                 </a:extLst>
               </a:blip>
@@ -11387,7 +12492,7 @@
               <p:nvPr/>
             </p:nvPicPr>
             <p:blipFill>
-              <a:blip r:embed="rId6">
+              <a:blip r:embed="rId6" cstate="print">
                 <a:duotone>
                   <a:schemeClr val="accent1">
                     <a:shade val="45000"/>
@@ -11397,7 +12502,7 @@
                 </a:duotone>
                 <a:extLst>
                   <a:ext uri="{BEBA8EAE-BF5A-486C-A8C5-ECC9F3942E4B}">
-                    <a14:imgProps xmlns:a14="http://schemas.microsoft.com/office/drawing/2010/main">
+                    <a14:imgProps xmlns:a14="http://schemas.microsoft.com/office/drawing/2010/main" xmlns="">
                       <a14:imgLayer r:embed="rId12">
                         <a14:imgEffect>
                           <a14:saturation sat="400000"/>
@@ -11406,7 +12511,7 @@
                     </a14:imgProps>
                   </a:ext>
                   <a:ext uri="{28A0092B-C50C-407E-A947-70E740481C1C}">
-                    <a14:useLocalDpi xmlns:a14="http://schemas.microsoft.com/office/drawing/2010/main" val="0"/>
+                    <a14:useLocalDpi xmlns:a14="http://schemas.microsoft.com/office/drawing/2010/main" xmlns="" val="0"/>
                   </a:ext>
                 </a:extLst>
               </a:blip>
@@ -11433,7 +12538,7 @@
               <p:nvPr/>
             </p:nvPicPr>
             <p:blipFill rotWithShape="1">
-              <a:blip r:embed="rId6">
+              <a:blip r:embed="rId6" cstate="print">
                 <a:duotone>
                   <a:schemeClr val="accent2">
                     <a:shade val="45000"/>
@@ -11443,7 +12548,7 @@
                 </a:duotone>
                 <a:extLst>
                   <a:ext uri="{BEBA8EAE-BF5A-486C-A8C5-ECC9F3942E4B}">
-                    <a14:imgProps xmlns:a14="http://schemas.microsoft.com/office/drawing/2010/main">
+                    <a14:imgProps xmlns:a14="http://schemas.microsoft.com/office/drawing/2010/main" xmlns="">
                       <a14:imgLayer r:embed="rId13">
                         <a14:imgEffect>
                           <a14:saturation sat="400000"/>
@@ -11452,7 +12557,7 @@
                     </a14:imgProps>
                   </a:ext>
                   <a:ext uri="{28A0092B-C50C-407E-A947-70E740481C1C}">
-                    <a14:useLocalDpi xmlns:a14="http://schemas.microsoft.com/office/drawing/2010/main" val="0"/>
+                    <a14:useLocalDpi xmlns:a14="http://schemas.microsoft.com/office/drawing/2010/main" xmlns="" val="0"/>
                   </a:ext>
                 </a:extLst>
               </a:blip>
@@ -11569,7 +12674,7 @@
     </p:spTree>
     <p:extLst>
       <p:ext uri="{BB962C8B-B14F-4D97-AF65-F5344CB8AC3E}">
-        <p14:creationId xmlns:p14="http://schemas.microsoft.com/office/powerpoint/2010/main" val="816950422"/>
+        <p14:creationId xmlns:p14="http://schemas.microsoft.com/office/powerpoint/2010/main" xmlns="" val="816950422"/>
       </p:ext>
     </p:extLst>
   </p:cSld>
@@ -11586,7 +12691,7 @@
 </p:sld>
 </file>
 
-<file path=ppt/slides/slide6.xml><?xml version="1.0" encoding="utf-8"?>
+<file path=ppt/slides/slide9.xml><?xml version="1.0" encoding="utf-8"?>
 <p:sld xmlns:a="http://schemas.openxmlformats.org/drawingml/2006/main" xmlns:r="http://schemas.openxmlformats.org/officeDocument/2006/relationships" xmlns:p="http://schemas.openxmlformats.org/presentationml/2006/main">
   <p:cSld>
     <p:spTree>
@@ -11649,7 +12754,6 @@
               <a:rPr lang="en-US" sz="1350" dirty="0"/>
               <a:t>Long Diapause</a:t>
             </a:r>
-            <a:endParaRPr lang="en-US" sz="1350" dirty="0"/>
           </a:p>
         </p:txBody>
       </p:sp>
@@ -11701,7 +12805,6 @@
               <a:rPr lang="en-US" sz="1350" dirty="0"/>
               <a:t>Short Diapause</a:t>
             </a:r>
-            <a:endParaRPr lang="en-US" sz="1350" dirty="0"/>
           </a:p>
         </p:txBody>
       </p:sp>
@@ -11748,7 +12851,6 @@
               <a:rPr lang="en-US" sz="1350" dirty="0"/>
               <a:t>Fall</a:t>
             </a:r>
-            <a:endParaRPr lang="en-US" sz="1350" dirty="0"/>
           </a:p>
         </p:txBody>
       </p:sp>
@@ -11802,11 +12904,6 @@
               </a:rPr>
               <a:t>Summer</a:t>
             </a:r>
-            <a:endParaRPr lang="en-US" sz="1350" dirty="0">
-              <a:solidFill>
-                <a:sysClr val="windowText" lastClr="000000"/>
-              </a:solidFill>
-            </a:endParaRPr>
           </a:p>
         </p:txBody>
       </p:sp>
@@ -11863,7 +12960,6 @@
               <a:rPr lang="en-US" sz="3300" dirty="0"/>
               <a:t>by photoperiod and ecotype</a:t>
             </a:r>
-            <a:endParaRPr lang="en-US" sz="3300" dirty="0"/>
           </a:p>
         </p:txBody>
       </p:sp>
@@ -11911,7 +13007,6 @@
               <a:rPr lang="en-US" sz="2400" dirty="0"/>
               <a:t>Non-Diapause</a:t>
             </a:r>
-            <a:endParaRPr lang="en-US" sz="2400" dirty="0"/>
           </a:p>
         </p:txBody>
       </p:sp>
@@ -11938,10 +13033,10 @@
             <p:nvPr/>
           </p:nvPicPr>
           <p:blipFill rotWithShape="1">
-            <a:blip r:embed="rId3">
+            <a:blip r:embed="rId3" cstate="print">
               <a:extLst>
                 <a:ext uri="{28A0092B-C50C-407E-A947-70E740481C1C}">
-                  <a14:useLocalDpi xmlns:a14="http://schemas.microsoft.com/office/drawing/2010/main" val="0"/>
+                  <a14:useLocalDpi xmlns:a14="http://schemas.microsoft.com/office/drawing/2010/main" xmlns="" val="0"/>
                 </a:ext>
               </a:extLst>
             </a:blip>
@@ -11967,10 +13062,10 @@
             <p:nvPr/>
           </p:nvPicPr>
           <p:blipFill rotWithShape="1">
-            <a:blip r:embed="rId3">
+            <a:blip r:embed="rId3" cstate="print">
               <a:extLst>
                 <a:ext uri="{28A0092B-C50C-407E-A947-70E740481C1C}">
-                  <a14:useLocalDpi xmlns:a14="http://schemas.microsoft.com/office/drawing/2010/main" val="0"/>
+                  <a14:useLocalDpi xmlns:a14="http://schemas.microsoft.com/office/drawing/2010/main" xmlns="" val="0"/>
                 </a:ext>
               </a:extLst>
             </a:blip>
@@ -12010,7 +13105,7 @@
               <p:nvPr/>
             </p:nvPicPr>
             <p:blipFill>
-              <a:blip r:embed="rId4">
+              <a:blip r:embed="rId4" cstate="print">
                 <a:duotone>
                   <a:schemeClr val="accent6">
                     <a:shade val="45000"/>
@@ -12020,7 +13115,7 @@
                 </a:duotone>
                 <a:extLst>
                   <a:ext uri="{28A0092B-C50C-407E-A947-70E740481C1C}">
-                    <a14:useLocalDpi xmlns:a14="http://schemas.microsoft.com/office/drawing/2010/main" val="0"/>
+                    <a14:useLocalDpi xmlns:a14="http://schemas.microsoft.com/office/drawing/2010/main" xmlns="" val="0"/>
                   </a:ext>
                 </a:extLst>
               </a:blip>
@@ -12047,7 +13142,7 @@
               <p:nvPr/>
             </p:nvPicPr>
             <p:blipFill rotWithShape="1">
-              <a:blip r:embed="rId5">
+              <a:blip r:embed="rId5" cstate="print">
                 <a:duotone>
                   <a:schemeClr val="accent2">
                     <a:shade val="45000"/>
@@ -12057,7 +13152,7 @@
                 </a:duotone>
                 <a:extLst>
                   <a:ext uri="{BEBA8EAE-BF5A-486C-A8C5-ECC9F3942E4B}">
-                    <a14:imgProps xmlns:a14="http://schemas.microsoft.com/office/drawing/2010/main">
+                    <a14:imgProps xmlns:a14="http://schemas.microsoft.com/office/drawing/2010/main" xmlns="">
                       <a14:imgLayer r:embed="rId6">
                         <a14:imgEffect>
                           <a14:saturation sat="400000"/>
@@ -12066,7 +13161,7 @@
                     </a14:imgProps>
                   </a:ext>
                   <a:ext uri="{28A0092B-C50C-407E-A947-70E740481C1C}">
-                    <a14:useLocalDpi xmlns:a14="http://schemas.microsoft.com/office/drawing/2010/main" val="0"/>
+                    <a14:useLocalDpi xmlns:a14="http://schemas.microsoft.com/office/drawing/2010/main" xmlns="" val="0"/>
                   </a:ext>
                 </a:extLst>
               </a:blip>
@@ -12107,7 +13202,7 @@
               <p:nvPr/>
             </p:nvPicPr>
             <p:blipFill>
-              <a:blip r:embed="rId4">
+              <a:blip r:embed="rId4" cstate="print">
                 <a:duotone>
                   <a:schemeClr val="accent6">
                     <a:shade val="45000"/>
@@ -12117,7 +13212,7 @@
                 </a:duotone>
                 <a:extLst>
                   <a:ext uri="{28A0092B-C50C-407E-A947-70E740481C1C}">
-                    <a14:useLocalDpi xmlns:a14="http://schemas.microsoft.com/office/drawing/2010/main" val="0"/>
+                    <a14:useLocalDpi xmlns:a14="http://schemas.microsoft.com/office/drawing/2010/main" xmlns="" val="0"/>
                   </a:ext>
                 </a:extLst>
               </a:blip>
@@ -12144,7 +13239,7 @@
               <p:nvPr/>
             </p:nvPicPr>
             <p:blipFill rotWithShape="1">
-              <a:blip r:embed="rId7">
+              <a:blip r:embed="rId7" cstate="print">
                 <a:duotone>
                   <a:schemeClr val="accent3">
                     <a:shade val="45000"/>
@@ -12154,7 +13249,7 @@
                 </a:duotone>
                 <a:extLst>
                   <a:ext uri="{BEBA8EAE-BF5A-486C-A8C5-ECC9F3942E4B}">
-                    <a14:imgProps xmlns:a14="http://schemas.microsoft.com/office/drawing/2010/main">
+                    <a14:imgProps xmlns:a14="http://schemas.microsoft.com/office/drawing/2010/main" xmlns="">
                       <a14:imgLayer r:embed="rId8">
                         <a14:imgEffect>
                           <a14:colorTemperature colorTemp="4700"/>
@@ -12166,7 +13261,7 @@
                     </a14:imgProps>
                   </a:ext>
                   <a:ext uri="{28A0092B-C50C-407E-A947-70E740481C1C}">
-                    <a14:useLocalDpi xmlns:a14="http://schemas.microsoft.com/office/drawing/2010/main" val="0"/>
+                    <a14:useLocalDpi xmlns:a14="http://schemas.microsoft.com/office/drawing/2010/main" xmlns="" val="0"/>
                   </a:ext>
                 </a:extLst>
               </a:blip>
@@ -12207,7 +13302,7 @@
               <p:nvPr/>
             </p:nvPicPr>
             <p:blipFill>
-              <a:blip r:embed="rId5">
+              <a:blip r:embed="rId5" cstate="print">
                 <a:duotone>
                   <a:schemeClr val="accent1">
                     <a:shade val="45000"/>
@@ -12217,7 +13312,7 @@
                 </a:duotone>
                 <a:extLst>
                   <a:ext uri="{BEBA8EAE-BF5A-486C-A8C5-ECC9F3942E4B}">
-                    <a14:imgProps xmlns:a14="http://schemas.microsoft.com/office/drawing/2010/main">
+                    <a14:imgProps xmlns:a14="http://schemas.microsoft.com/office/drawing/2010/main" xmlns="">
                       <a14:imgLayer r:embed="rId9">
                         <a14:imgEffect>
                           <a14:saturation sat="400000"/>
@@ -12226,7 +13321,7 @@
                     </a14:imgProps>
                   </a:ext>
                   <a:ext uri="{28A0092B-C50C-407E-A947-70E740481C1C}">
-                    <a14:useLocalDpi xmlns:a14="http://schemas.microsoft.com/office/drawing/2010/main" val="0"/>
+                    <a14:useLocalDpi xmlns:a14="http://schemas.microsoft.com/office/drawing/2010/main" xmlns="" val="0"/>
                   </a:ext>
                 </a:extLst>
               </a:blip>
@@ -12253,7 +13348,7 @@
               <p:nvPr/>
             </p:nvPicPr>
             <p:blipFill rotWithShape="1">
-              <a:blip r:embed="rId7">
+              <a:blip r:embed="rId7" cstate="print">
                 <a:duotone>
                   <a:schemeClr val="accent3">
                     <a:shade val="45000"/>
@@ -12263,7 +13358,7 @@
                 </a:duotone>
                 <a:extLst>
                   <a:ext uri="{BEBA8EAE-BF5A-486C-A8C5-ECC9F3942E4B}">
-                    <a14:imgProps xmlns:a14="http://schemas.microsoft.com/office/drawing/2010/main">
+                    <a14:imgProps xmlns:a14="http://schemas.microsoft.com/office/drawing/2010/main" xmlns="">
                       <a14:imgLayer r:embed="rId10">
                         <a14:imgEffect>
                           <a14:colorTemperature colorTemp="4700"/>
@@ -12275,7 +13370,7 @@
                     </a14:imgProps>
                   </a:ext>
                   <a:ext uri="{28A0092B-C50C-407E-A947-70E740481C1C}">
-                    <a14:useLocalDpi xmlns:a14="http://schemas.microsoft.com/office/drawing/2010/main" val="0"/>
+                    <a14:useLocalDpi xmlns:a14="http://schemas.microsoft.com/office/drawing/2010/main" xmlns="" val="0"/>
                   </a:ext>
                 </a:extLst>
               </a:blip>
@@ -12316,7 +13411,7 @@
               <p:nvPr/>
             </p:nvPicPr>
             <p:blipFill>
-              <a:blip r:embed="rId5">
+              <a:blip r:embed="rId5" cstate="print">
                 <a:duotone>
                   <a:schemeClr val="accent1">
                     <a:shade val="45000"/>
@@ -12326,7 +13421,7 @@
                 </a:duotone>
                 <a:extLst>
                   <a:ext uri="{BEBA8EAE-BF5A-486C-A8C5-ECC9F3942E4B}">
-                    <a14:imgProps xmlns:a14="http://schemas.microsoft.com/office/drawing/2010/main">
+                    <a14:imgProps xmlns:a14="http://schemas.microsoft.com/office/drawing/2010/main" xmlns="">
                       <a14:imgLayer r:embed="rId11">
                         <a14:imgEffect>
                           <a14:saturation sat="400000"/>
@@ -12335,7 +13430,7 @@
                     </a14:imgProps>
                   </a:ext>
                   <a:ext uri="{28A0092B-C50C-407E-A947-70E740481C1C}">
-                    <a14:useLocalDpi xmlns:a14="http://schemas.microsoft.com/office/drawing/2010/main" val="0"/>
+                    <a14:useLocalDpi xmlns:a14="http://schemas.microsoft.com/office/drawing/2010/main" xmlns="" val="0"/>
                   </a:ext>
                 </a:extLst>
               </a:blip>
@@ -12362,7 +13457,7 @@
               <p:nvPr/>
             </p:nvPicPr>
             <p:blipFill rotWithShape="1">
-              <a:blip r:embed="rId5">
+              <a:blip r:embed="rId5" cstate="print">
                 <a:duotone>
                   <a:schemeClr val="accent2">
                     <a:shade val="45000"/>
@@ -12372,7 +13467,7 @@
                 </a:duotone>
                 <a:extLst>
                   <a:ext uri="{BEBA8EAE-BF5A-486C-A8C5-ECC9F3942E4B}">
-                    <a14:imgProps xmlns:a14="http://schemas.microsoft.com/office/drawing/2010/main">
+                    <a14:imgProps xmlns:a14="http://schemas.microsoft.com/office/drawing/2010/main" xmlns="">
                       <a14:imgLayer r:embed="rId12">
                         <a14:imgEffect>
                           <a14:saturation sat="400000"/>
@@ -12381,7 +13476,7 @@
                     </a14:imgProps>
                   </a:ext>
                   <a:ext uri="{28A0092B-C50C-407E-A947-70E740481C1C}">
-                    <a14:useLocalDpi xmlns:a14="http://schemas.microsoft.com/office/drawing/2010/main" val="0"/>
+                    <a14:useLocalDpi xmlns:a14="http://schemas.microsoft.com/office/drawing/2010/main" xmlns="" val="0"/>
                   </a:ext>
                 </a:extLst>
               </a:blip>
@@ -12496,7 +13591,6 @@
               <a:rPr lang="en-US" sz="2400" dirty="0"/>
               <a:t>Diapause</a:t>
             </a:r>
-            <a:endParaRPr lang="en-US" sz="2400" dirty="0"/>
           </a:p>
         </p:txBody>
       </p:sp>
@@ -12595,7 +13689,7 @@
     </p:spTree>
     <p:extLst>
       <p:ext uri="{BB962C8B-B14F-4D97-AF65-F5344CB8AC3E}">
-        <p14:creationId xmlns:p14="http://schemas.microsoft.com/office/powerpoint/2010/main" val="926952367"/>
+        <p14:creationId xmlns:p14="http://schemas.microsoft.com/office/powerpoint/2010/main" xmlns="" val="926952367"/>
       </p:ext>
     </p:extLst>
   </p:cSld>

--- a/Documents/20180509_Undergrad Project_Nutrition and Wandering.pptx
+++ b/Documents/20180509_Undergrad Project_Nutrition and Wandering.pptx
@@ -10,6 +10,7 @@
     <p:sldId id="267" r:id="rId4"/>
     <p:sldId id="265" r:id="rId5"/>
     <p:sldId id="258" r:id="rId6"/>
+    <p:sldId id="268" r:id="rId7"/>
   </p:sldIdLst>
   <p:sldSz cx="9144000" cy="6858000" type="screen4x3"/>
   <p:notesSz cx="7010400" cy="9296400"/>
@@ -110,7 +111,7 @@
   </p:defaultTextStyle>
   <p:extLst>
     <p:ext uri="{EFAFB233-063F-42B5-8137-9DF3F51BA10A}">
-      <p15:sldGuideLst xmlns="" xmlns:p15="http://schemas.microsoft.com/office/powerpoint/2012/main">
+      <p15:sldGuideLst xmlns:p15="http://schemas.microsoft.com/office/powerpoint/2012/main" xmlns="">
         <p15:guide id="1" orient="horz" pos="2160">
           <p15:clr>
             <a:srgbClr val="A4A3A4"/>
@@ -129,6 +130,7 @@
 
 <file path=ppt/charts/chart1.xml><?xml version="1.0" encoding="utf-8"?>
 <c:chartSpace xmlns:c="http://schemas.openxmlformats.org/drawingml/2006/chart" xmlns:a="http://schemas.openxmlformats.org/drawingml/2006/main" xmlns:r="http://schemas.openxmlformats.org/officeDocument/2006/relationships">
+  <c:date1904 val="1"/>
   <c:lang val="en-US"/>
   <c:chart>
     <c:autoTitleDeleted val="1"/>
@@ -139,9 +141,9 @@
           <c:xMode val="edge"/>
           <c:yMode val="edge"/>
           <c:x val="0.19857751387633929"/>
-          <c:y val="0.17196423884514442"/>
-          <c:w val="0.72050446194225715"/>
-          <c:h val="0.54833366141732276"/>
+          <c:y val="0.17196423884514447"/>
+          <c:w val="0.72050446194225692"/>
+          <c:h val="0.54833366141732265"/>
         </c:manualLayout>
       </c:layout>
       <c:lineChart>
@@ -219,7 +221,7 @@
                 <c:formatCode>General</c:formatCode>
                 <c:ptCount val="6"/>
                 <c:pt idx="0">
-                  <c:v>0.65000000000000013</c:v>
+                  <c:v>0.65000000000000024</c:v>
                 </c:pt>
                 <c:pt idx="1">
                   <c:v>1.625</c:v>
@@ -241,11 +243,11 @@
           </c:val>
         </c:ser>
         <c:marker val="1"/>
-        <c:axId val="39993728"/>
-        <c:axId val="39995648"/>
+        <c:axId val="86289408"/>
+        <c:axId val="48628864"/>
       </c:lineChart>
       <c:catAx>
-        <c:axId val="39993728"/>
+        <c:axId val="86289408"/>
         <c:scaling>
           <c:orientation val="minMax"/>
         </c:scaling>
@@ -275,14 +277,14 @@
         </c:title>
         <c:numFmt formatCode="General" sourceLinked="1"/>
         <c:tickLblPos val="nextTo"/>
-        <c:crossAx val="39995648"/>
+        <c:crossAx val="48628864"/>
         <c:crosses val="autoZero"/>
         <c:auto val="1"/>
         <c:lblAlgn val="ctr"/>
         <c:lblOffset val="100"/>
       </c:catAx>
       <c:valAx>
-        <c:axId val="39995648"/>
+        <c:axId val="48628864"/>
         <c:scaling>
           <c:orientation val="minMax"/>
           <c:min val="0"/>
@@ -310,7 +312,7 @@
         </c:title>
         <c:numFmt formatCode="General" sourceLinked="1"/>
         <c:tickLblPos val="nextTo"/>
-        <c:crossAx val="39993728"/>
+        <c:crossAx val="86289408"/>
         <c:crosses val="autoZero"/>
         <c:crossBetween val="between"/>
       </c:valAx>
@@ -329,10 +331,10 @@
         <c:manualLayout>
           <c:xMode val="edge"/>
           <c:yMode val="edge"/>
-          <c:x val="0.57165289789595963"/>
+          <c:x val="0.57165289789595952"/>
           <c:y val="0.88444956880389969"/>
-          <c:w val="0.42561486166688189"/>
-          <c:h val="0.11205324334458196"/>
+          <c:w val="0.42561486166688201"/>
+          <c:h val="0.11205324334458197"/>
         </c:manualLayout>
       </c:layout>
       <c:txPr>
@@ -373,9 +375,9 @@
           <c:layoutTarget val="inner"/>
           <c:xMode val="edge"/>
           <c:yMode val="edge"/>
-          <c:x val="4.4715447154471545E-2"/>
-          <c:y val="5.8510638297872342E-2"/>
-          <c:w val="0.71138211382113825"/>
+          <c:x val="4.4715447154471566E-2"/>
+          <c:y val="5.8510638297872349E-2"/>
+          <c:w val="0.71138211382113814"/>
           <c:h val="0.88297872340425532"/>
         </c:manualLayout>
       </c:layout>
@@ -469,11 +471,11 @@
             </c:numRef>
           </c:yVal>
         </c:ser>
-        <c:axId val="84140032"/>
-        <c:axId val="84520320"/>
+        <c:axId val="48329088"/>
+        <c:axId val="48330624"/>
       </c:scatterChart>
       <c:valAx>
-        <c:axId val="84140032"/>
+        <c:axId val="48329088"/>
         <c:scaling>
           <c:orientation val="minMax"/>
           <c:max val="2"/>
@@ -483,12 +485,12 @@
         <c:axPos val="b"/>
         <c:numFmt formatCode="General" sourceLinked="1"/>
         <c:tickLblPos val="none"/>
-        <c:crossAx val="84520320"/>
+        <c:crossAx val="48330624"/>
         <c:crosses val="autoZero"/>
         <c:crossBetween val="midCat"/>
       </c:valAx>
       <c:valAx>
-        <c:axId val="84520320"/>
+        <c:axId val="48330624"/>
         <c:scaling>
           <c:orientation val="minMax"/>
         </c:scaling>
@@ -496,7 +498,7 @@
         <c:axPos val="l"/>
         <c:numFmt formatCode="General" sourceLinked="1"/>
         <c:tickLblPos val="none"/>
-        <c:crossAx val="84140032"/>
+        <c:crossAx val="48329088"/>
         <c:crosses val="autoZero"/>
         <c:crossBetween val="midCat"/>
       </c:valAx>
@@ -535,9 +537,9 @@
           <c:layoutTarget val="inner"/>
           <c:xMode val="edge"/>
           <c:yMode val="edge"/>
-          <c:x val="4.4715447154471587E-2"/>
-          <c:y val="5.8510638297872362E-2"/>
-          <c:w val="0.71138211382113803"/>
+          <c:x val="4.4715447154471608E-2"/>
+          <c:y val="5.8510638297872369E-2"/>
+          <c:w val="0.71138211382113792"/>
           <c:h val="0.88297872340425532"/>
         </c:manualLayout>
       </c:layout>
@@ -631,11 +633,11 @@
             </c:numRef>
           </c:yVal>
         </c:ser>
-        <c:axId val="55314688"/>
-        <c:axId val="55461376"/>
+        <c:axId val="48904832"/>
+        <c:axId val="48906624"/>
       </c:scatterChart>
       <c:valAx>
-        <c:axId val="55314688"/>
+        <c:axId val="48904832"/>
         <c:scaling>
           <c:orientation val="minMax"/>
           <c:max val="2"/>
@@ -645,12 +647,12 @@
         <c:axPos val="b"/>
         <c:numFmt formatCode="General" sourceLinked="1"/>
         <c:tickLblPos val="none"/>
-        <c:crossAx val="55461376"/>
+        <c:crossAx val="48906624"/>
         <c:crosses val="autoZero"/>
         <c:crossBetween val="midCat"/>
       </c:valAx>
       <c:valAx>
-        <c:axId val="55461376"/>
+        <c:axId val="48906624"/>
         <c:scaling>
           <c:orientation val="minMax"/>
         </c:scaling>
@@ -658,7 +660,7 @@
         <c:axPos val="l"/>
         <c:numFmt formatCode="General" sourceLinked="1"/>
         <c:tickLblPos val="none"/>
-        <c:crossAx val="55314688"/>
+        <c:crossAx val="48904832"/>
         <c:crosses val="autoZero"/>
         <c:crossBetween val="midCat"/>
       </c:valAx>
@@ -689,6 +691,7 @@
 
 <file path=ppt/charts/chart4.xml><?xml version="1.0" encoding="utf-8"?>
 <c:chartSpace xmlns:c="http://schemas.openxmlformats.org/drawingml/2006/chart" xmlns:a="http://schemas.openxmlformats.org/drawingml/2006/main" xmlns:r="http://schemas.openxmlformats.org/officeDocument/2006/relationships">
+  <c:date1904 val="1"/>
   <c:lang val="en-US"/>
   <c:chart>
     <c:plotArea>
@@ -697,9 +700,9 @@
           <c:layoutTarget val="inner"/>
           <c:xMode val="edge"/>
           <c:yMode val="edge"/>
-          <c:x val="4.4715447154471628E-2"/>
-          <c:y val="5.8510638297872376E-2"/>
-          <c:w val="0.71138211382113781"/>
+          <c:x val="4.4715447154471649E-2"/>
+          <c:y val="5.8510638297872383E-2"/>
+          <c:w val="0.7113821138211377"/>
           <c:h val="0.88297872340425532"/>
         </c:manualLayout>
       </c:layout>
@@ -793,11 +796,11 @@
             </c:numRef>
           </c:yVal>
         </c:ser>
-        <c:axId val="90370048"/>
-        <c:axId val="90371968"/>
+        <c:axId val="48701440"/>
+        <c:axId val="48702976"/>
       </c:scatterChart>
       <c:valAx>
-        <c:axId val="90370048"/>
+        <c:axId val="48701440"/>
         <c:scaling>
           <c:orientation val="minMax"/>
           <c:max val="2"/>
@@ -807,12 +810,12 @@
         <c:axPos val="b"/>
         <c:numFmt formatCode="General" sourceLinked="1"/>
         <c:tickLblPos val="none"/>
-        <c:crossAx val="90371968"/>
+        <c:crossAx val="48702976"/>
         <c:crosses val="autoZero"/>
         <c:crossBetween val="midCat"/>
       </c:valAx>
       <c:valAx>
-        <c:axId val="90371968"/>
+        <c:axId val="48702976"/>
         <c:scaling>
           <c:orientation val="minMax"/>
         </c:scaling>
@@ -820,7 +823,7 @@
         <c:axPos val="l"/>
         <c:numFmt formatCode="General" sourceLinked="1"/>
         <c:tickLblPos val="none"/>
-        <c:crossAx val="90370048"/>
+        <c:crossAx val="48701440"/>
         <c:crosses val="autoZero"/>
         <c:crossBetween val="midCat"/>
       </c:valAx>
@@ -902,7 +905,7 @@
                   <c:v>44</c:v>
                 </c:pt>
                 <c:pt idx="1">
-                  <c:v>14.666666666666666</c:v>
+                  <c:v>14.666666666666668</c:v>
                 </c:pt>
               </c:numCache>
             </c:numRef>
@@ -954,7 +957,7 @@
                   <c:v>55</c:v>
                 </c:pt>
                 <c:pt idx="1">
-                  <c:v>18.333333333333332</c:v>
+                  <c:v>18.333333333333325</c:v>
                 </c:pt>
               </c:numCache>
             </c:numRef>
@@ -1058,7 +1061,7 @@
                   <c:v>25</c:v>
                 </c:pt>
                 <c:pt idx="1">
-                  <c:v>8.3333333333333339</c:v>
+                  <c:v>8.3333333333333357</c:v>
                 </c:pt>
               </c:numCache>
             </c:numRef>
@@ -1070,25 +1073,25 @@
           <c:upBars/>
           <c:downBars/>
         </c:upDownBars>
-        <c:axId val="51720576"/>
-        <c:axId val="52797824"/>
+        <c:axId val="49355776"/>
+        <c:axId val="49369856"/>
       </c:stockChart>
       <c:catAx>
-        <c:axId val="51720576"/>
+        <c:axId val="49355776"/>
         <c:scaling>
           <c:orientation val="minMax"/>
         </c:scaling>
         <c:axPos val="b"/>
         <c:numFmt formatCode="m/d/yyyy" sourceLinked="1"/>
         <c:tickLblPos val="nextTo"/>
-        <c:crossAx val="52797824"/>
+        <c:crossAx val="49369856"/>
         <c:crosses val="autoZero"/>
         <c:auto val="1"/>
         <c:lblAlgn val="ctr"/>
         <c:lblOffset val="100"/>
       </c:catAx>
       <c:valAx>
-        <c:axId val="52797824"/>
+        <c:axId val="49369856"/>
         <c:scaling>
           <c:orientation val="minMax"/>
         </c:scaling>
@@ -1097,7 +1100,7 @@
         <c:majorGridlines/>
         <c:numFmt formatCode="General" sourceLinked="1"/>
         <c:tickLblPos val="none"/>
-        <c:crossAx val="51720576"/>
+        <c:crossAx val="49355776"/>
         <c:crosses val="autoZero"/>
         <c:crossBetween val="between"/>
       </c:valAx>
@@ -1120,6 +1123,7 @@
 
 <file path=ppt/charts/chart6.xml><?xml version="1.0" encoding="utf-8"?>
 <c:chartSpace xmlns:c="http://schemas.openxmlformats.org/drawingml/2006/chart" xmlns:a="http://schemas.openxmlformats.org/drawingml/2006/main" xmlns:r="http://schemas.openxmlformats.org/officeDocument/2006/relationships">
+  <c:date1904 val="1"/>
   <c:lang val="en-US"/>
   <c:chart>
     <c:plotArea>
@@ -1339,25 +1343,25 @@
           <c:upBars/>
           <c:downBars/>
         </c:upDownBars>
-        <c:axId val="114020736"/>
-        <c:axId val="115369856"/>
+        <c:axId val="49392640"/>
+        <c:axId val="49402624"/>
       </c:stockChart>
       <c:catAx>
-        <c:axId val="114020736"/>
+        <c:axId val="49392640"/>
         <c:scaling>
           <c:orientation val="minMax"/>
         </c:scaling>
         <c:axPos val="b"/>
         <c:numFmt formatCode="m/d/yyyy" sourceLinked="1"/>
         <c:tickLblPos val="nextTo"/>
-        <c:crossAx val="115369856"/>
+        <c:crossAx val="49402624"/>
         <c:crosses val="autoZero"/>
         <c:auto val="1"/>
         <c:lblAlgn val="ctr"/>
         <c:lblOffset val="100"/>
       </c:catAx>
       <c:valAx>
-        <c:axId val="115369856"/>
+        <c:axId val="49402624"/>
         <c:scaling>
           <c:orientation val="minMax"/>
         </c:scaling>
@@ -1366,7 +1370,7 @@
         <c:majorGridlines/>
         <c:numFmt formatCode="General" sourceLinked="1"/>
         <c:tickLblPos val="none"/>
-        <c:crossAx val="114020736"/>
+        <c:crossAx val="49392640"/>
         <c:crosses val="autoZero"/>
         <c:crossBetween val="between"/>
       </c:valAx>
@@ -1437,7 +1441,7 @@
                 <c:formatCode>General</c:formatCode>
                 <c:ptCount val="2"/>
                 <c:pt idx="0">
-                  <c:v>14.666666666666666</c:v>
+                  <c:v>14.666666666666668</c:v>
                 </c:pt>
                 <c:pt idx="1">
                   <c:v>44</c:v>
@@ -1489,7 +1493,7 @@
                 <c:formatCode>General</c:formatCode>
                 <c:ptCount val="2"/>
                 <c:pt idx="0">
-                  <c:v>18.333333333333332</c:v>
+                  <c:v>18.333333333333325</c:v>
                 </c:pt>
                 <c:pt idx="1">
                   <c:v>55</c:v>
@@ -1593,7 +1597,7 @@
                 <c:formatCode>General</c:formatCode>
                 <c:ptCount val="2"/>
                 <c:pt idx="0">
-                  <c:v>8.3333333333333339</c:v>
+                  <c:v>8.3333333333333357</c:v>
                 </c:pt>
                 <c:pt idx="1">
                   <c:v>25</c:v>
@@ -1608,25 +1612,25 @@
           <c:upBars/>
           <c:downBars/>
         </c:upDownBars>
-        <c:axId val="122731904"/>
-        <c:axId val="124019840"/>
+        <c:axId val="49466368"/>
+        <c:axId val="49476352"/>
       </c:stockChart>
       <c:catAx>
-        <c:axId val="122731904"/>
+        <c:axId val="49466368"/>
         <c:scaling>
           <c:orientation val="minMax"/>
         </c:scaling>
         <c:axPos val="b"/>
         <c:numFmt formatCode="m/d/yyyy" sourceLinked="1"/>
         <c:tickLblPos val="nextTo"/>
-        <c:crossAx val="124019840"/>
+        <c:crossAx val="49476352"/>
         <c:crosses val="autoZero"/>
         <c:auto val="1"/>
         <c:lblAlgn val="ctr"/>
         <c:lblOffset val="100"/>
       </c:catAx>
       <c:valAx>
-        <c:axId val="124019840"/>
+        <c:axId val="49476352"/>
         <c:scaling>
           <c:orientation val="minMax"/>
         </c:scaling>
@@ -1635,11 +1639,272 @@
         <c:majorGridlines/>
         <c:numFmt formatCode="General" sourceLinked="1"/>
         <c:tickLblPos val="none"/>
-        <c:crossAx val="122731904"/>
+        <c:crossAx val="49466368"/>
         <c:crosses val="autoZero"/>
         <c:crossBetween val="between"/>
       </c:valAx>
     </c:plotArea>
+    <c:plotVisOnly val="1"/>
+  </c:chart>
+  <c:txPr>
+    <a:bodyPr/>
+    <a:lstStyle/>
+    <a:p>
+      <a:pPr>
+        <a:defRPr sz="1800"/>
+      </a:pPr>
+      <a:endParaRPr lang="en-US"/>
+    </a:p>
+  </c:txPr>
+  <c:externalData r:id="rId1"/>
+</c:chartSpace>
+</file>
+
+<file path=ppt/charts/chart8.xml><?xml version="1.0" encoding="utf-8"?>
+<c:chartSpace xmlns:c="http://schemas.openxmlformats.org/drawingml/2006/chart" xmlns:a="http://schemas.openxmlformats.org/drawingml/2006/main" xmlns:r="http://schemas.openxmlformats.org/officeDocument/2006/relationships">
+  <c:date1904 val="1"/>
+  <c:lang val="en-US"/>
+  <c:chart>
+    <c:autoTitleDeleted val="1"/>
+    <c:plotArea>
+      <c:layout>
+        <c:manualLayout>
+          <c:layoutTarget val="inner"/>
+          <c:xMode val="edge"/>
+          <c:yMode val="edge"/>
+          <c:x val="0.19857751387633929"/>
+          <c:y val="0.17196423884514458"/>
+          <c:w val="0.72050446194225648"/>
+          <c:h val="0.54833366141732232"/>
+        </c:manualLayout>
+      </c:layout>
+      <c:lineChart>
+        <c:grouping val="standard"/>
+        <c:ser>
+          <c:idx val="0"/>
+          <c:order val="0"/>
+          <c:tx>
+            <c:strRef>
+              <c:f>Sheet1!$B$1</c:f>
+              <c:strCache>
+                <c:ptCount val="1"/>
+                <c:pt idx="0">
+                  <c:v>Dry Diet</c:v>
+                </c:pt>
+              </c:strCache>
+            </c:strRef>
+          </c:tx>
+          <c:spPr>
+            <a:ln>
+              <a:noFill/>
+            </a:ln>
+          </c:spPr>
+          <c:marker>
+            <c:spPr>
+              <a:solidFill>
+                <a:srgbClr val="FF0000"/>
+              </a:solidFill>
+              <a:ln>
+                <a:noFill/>
+              </a:ln>
+            </c:spPr>
+          </c:marker>
+          <c:trendline>
+            <c:spPr>
+              <a:ln w="25400">
+                <a:solidFill>
+                  <a:srgbClr val="FF0000"/>
+                </a:solidFill>
+              </a:ln>
+            </c:spPr>
+            <c:trendlineType val="linear"/>
+          </c:trendline>
+          <c:cat>
+            <c:numRef>
+              <c:f>Sheet1!$A$2:$A$7</c:f>
+              <c:numCache>
+                <c:formatCode>General</c:formatCode>
+                <c:ptCount val="6"/>
+                <c:pt idx="0">
+                  <c:v>1</c:v>
+                </c:pt>
+                <c:pt idx="1">
+                  <c:v>2.5</c:v>
+                </c:pt>
+                <c:pt idx="2">
+                  <c:v>5</c:v>
+                </c:pt>
+                <c:pt idx="3">
+                  <c:v>10</c:v>
+                </c:pt>
+                <c:pt idx="4">
+                  <c:v>20</c:v>
+                </c:pt>
+                <c:pt idx="5">
+                  <c:v>40</c:v>
+                </c:pt>
+              </c:numCache>
+            </c:numRef>
+          </c:cat>
+          <c:val>
+            <c:numRef>
+              <c:f>Sheet1!$B$2:$B$7</c:f>
+              <c:numCache>
+                <c:formatCode>General</c:formatCode>
+                <c:ptCount val="6"/>
+                <c:pt idx="0">
+                  <c:v>0.65000000000000058</c:v>
+                </c:pt>
+                <c:pt idx="1">
+                  <c:v>1.625</c:v>
+                </c:pt>
+                <c:pt idx="2">
+                  <c:v>3.25</c:v>
+                </c:pt>
+                <c:pt idx="3">
+                  <c:v>6.5</c:v>
+                </c:pt>
+                <c:pt idx="4">
+                  <c:v>13</c:v>
+                </c:pt>
+                <c:pt idx="5">
+                  <c:v>26</c:v>
+                </c:pt>
+              </c:numCache>
+            </c:numRef>
+          </c:val>
+        </c:ser>
+        <c:marker val="1"/>
+        <c:axId val="91597824"/>
+        <c:axId val="91649920"/>
+      </c:lineChart>
+      <c:catAx>
+        <c:axId val="91597824"/>
+        <c:scaling>
+          <c:orientation val="minMax"/>
+        </c:scaling>
+        <c:axPos val="b"/>
+        <c:title>
+          <c:tx>
+            <c:rich>
+              <a:bodyPr/>
+              <a:lstStyle/>
+              <a:p>
+                <a:pPr>
+                  <a:defRPr/>
+                </a:pPr>
+                <a:r>
+                  <a:rPr lang="en-US" dirty="0" smtClean="0"/>
+                  <a:t>Time (days)</a:t>
+                </a:r>
+                <a:endParaRPr lang="en-US" dirty="0"/>
+              </a:p>
+            </c:rich>
+          </c:tx>
+          <c:layout/>
+        </c:title>
+        <c:numFmt formatCode="General" sourceLinked="1"/>
+        <c:tickLblPos val="nextTo"/>
+        <c:crossAx val="91649920"/>
+        <c:crosses val="autoZero"/>
+        <c:auto val="1"/>
+        <c:lblAlgn val="ctr"/>
+        <c:lblOffset val="100"/>
+      </c:catAx>
+      <c:valAx>
+        <c:axId val="91649920"/>
+        <c:scaling>
+          <c:orientation val="minMax"/>
+          <c:min val="0"/>
+        </c:scaling>
+        <c:axPos val="l"/>
+        <c:majorGridlines/>
+        <c:title>
+          <c:tx>
+            <c:rich>
+              <a:bodyPr rot="-5400000" vert="horz"/>
+              <a:lstStyle/>
+              <a:p>
+                <a:pPr>
+                  <a:defRPr/>
+                </a:pPr>
+                <a:r>
+                  <a:rPr lang="en-US" dirty="0" smtClean="0"/>
+                  <a:t>Dry </a:t>
+                </a:r>
+                <a:r>
+                  <a:rPr lang="en-US" dirty="0" smtClean="0"/>
+                  <a:t>Mass (g</a:t>
+                </a:r>
+                <a:r>
+                  <a:rPr lang="en-US" dirty="0" smtClean="0"/>
+                  <a:t>)</a:t>
+                </a:r>
+              </a:p>
+              <a:p>
+                <a:pPr>
+                  <a:defRPr/>
+                </a:pPr>
+                <a:r>
+                  <a:rPr lang="en-US" dirty="0" smtClean="0"/>
+                  <a:t>Lipid Mass (g)</a:t>
+                </a:r>
+              </a:p>
+              <a:p>
+                <a:pPr>
+                  <a:defRPr/>
+                </a:pPr>
+                <a:r>
+                  <a:rPr lang="en-US" dirty="0" err="1" smtClean="0"/>
+                  <a:t>Frass</a:t>
+                </a:r>
+                <a:r>
+                  <a:rPr lang="en-US" dirty="0" smtClean="0"/>
+                  <a:t> (g)</a:t>
+                </a:r>
+              </a:p>
+            </c:rich>
+          </c:tx>
+          <c:layout/>
+        </c:title>
+        <c:numFmt formatCode="General" sourceLinked="1"/>
+        <c:tickLblPos val="nextTo"/>
+        <c:crossAx val="91597824"/>
+        <c:crosses val="autoZero"/>
+        <c:crossBetween val="between"/>
+      </c:valAx>
+    </c:plotArea>
+    <c:legend>
+      <c:legendPos val="r"/>
+      <c:legendEntry>
+        <c:idx val="0"/>
+        <c:delete val="1"/>
+      </c:legendEntry>
+      <c:legendEntry>
+        <c:idx val="1"/>
+        <c:delete val="1"/>
+      </c:legendEntry>
+      <c:layout>
+        <c:manualLayout>
+          <c:xMode val="edge"/>
+          <c:yMode val="edge"/>
+          <c:x val="0.57165289789595952"/>
+          <c:y val="0.88444956880389969"/>
+          <c:w val="0.42561486166688223"/>
+          <c:h val="0.112053243344582"/>
+        </c:manualLayout>
+      </c:layout>
+      <c:txPr>
+        <a:bodyPr/>
+        <a:lstStyle/>
+        <a:p>
+          <a:pPr>
+            <a:defRPr sz="1400"/>
+          </a:pPr>
+          <a:endParaRPr lang="en-US"/>
+        </a:p>
+      </c:txPr>
+    </c:legend>
     <c:plotVisOnly val="1"/>
   </c:chart>
   <c:txPr>
@@ -1838,7 +2103,7 @@
             <a:fld id="{5387A8D8-D198-47E4-B17E-83A121B2A68F}" type="datetimeFigureOut">
               <a:rPr lang="en-US" smtClean="0"/>
               <a:pPr/>
-              <a:t>6/3/2018</a:t>
+              <a:t>6/19/2018</a:t>
             </a:fld>
             <a:endParaRPr lang="en-US"/>
           </a:p>
@@ -2005,7 +2270,7 @@
             <a:fld id="{5387A8D8-D198-47E4-B17E-83A121B2A68F}" type="datetimeFigureOut">
               <a:rPr lang="en-US" smtClean="0"/>
               <a:pPr/>
-              <a:t>6/3/2018</a:t>
+              <a:t>6/19/2018</a:t>
             </a:fld>
             <a:endParaRPr lang="en-US"/>
           </a:p>
@@ -2182,7 +2447,7 @@
             <a:fld id="{5387A8D8-D198-47E4-B17E-83A121B2A68F}" type="datetimeFigureOut">
               <a:rPr lang="en-US" smtClean="0"/>
               <a:pPr/>
-              <a:t>6/3/2018</a:t>
+              <a:t>6/19/2018</a:t>
             </a:fld>
             <a:endParaRPr lang="en-US"/>
           </a:p>
@@ -2349,7 +2614,7 @@
             <a:fld id="{5387A8D8-D198-47E4-B17E-83A121B2A68F}" type="datetimeFigureOut">
               <a:rPr lang="en-US" smtClean="0"/>
               <a:pPr/>
-              <a:t>6/3/2018</a:t>
+              <a:t>6/19/2018</a:t>
             </a:fld>
             <a:endParaRPr lang="en-US"/>
           </a:p>
@@ -2592,7 +2857,7 @@
             <a:fld id="{5387A8D8-D198-47E4-B17E-83A121B2A68F}" type="datetimeFigureOut">
               <a:rPr lang="en-US" smtClean="0"/>
               <a:pPr/>
-              <a:t>6/3/2018</a:t>
+              <a:t>6/19/2018</a:t>
             </a:fld>
             <a:endParaRPr lang="en-US"/>
           </a:p>
@@ -2877,7 +3142,7 @@
             <a:fld id="{5387A8D8-D198-47E4-B17E-83A121B2A68F}" type="datetimeFigureOut">
               <a:rPr lang="en-US" smtClean="0"/>
               <a:pPr/>
-              <a:t>6/3/2018</a:t>
+              <a:t>6/19/2018</a:t>
             </a:fld>
             <a:endParaRPr lang="en-US"/>
           </a:p>
@@ -3296,7 +3561,7 @@
             <a:fld id="{5387A8D8-D198-47E4-B17E-83A121B2A68F}" type="datetimeFigureOut">
               <a:rPr lang="en-US" smtClean="0"/>
               <a:pPr/>
-              <a:t>6/3/2018</a:t>
+              <a:t>6/19/2018</a:t>
             </a:fld>
             <a:endParaRPr lang="en-US"/>
           </a:p>
@@ -3411,7 +3676,7 @@
             <a:fld id="{5387A8D8-D198-47E4-B17E-83A121B2A68F}" type="datetimeFigureOut">
               <a:rPr lang="en-US" smtClean="0"/>
               <a:pPr/>
-              <a:t>6/3/2018</a:t>
+              <a:t>6/19/2018</a:t>
             </a:fld>
             <a:endParaRPr lang="en-US"/>
           </a:p>
@@ -3503,7 +3768,7 @@
             <a:fld id="{5387A8D8-D198-47E4-B17E-83A121B2A68F}" type="datetimeFigureOut">
               <a:rPr lang="en-US" smtClean="0"/>
               <a:pPr/>
-              <a:t>6/3/2018</a:t>
+              <a:t>6/19/2018</a:t>
             </a:fld>
             <a:endParaRPr lang="en-US"/>
           </a:p>
@@ -3777,7 +4042,7 @@
             <a:fld id="{5387A8D8-D198-47E4-B17E-83A121B2A68F}" type="datetimeFigureOut">
               <a:rPr lang="en-US" smtClean="0"/>
               <a:pPr/>
-              <a:t>6/3/2018</a:t>
+              <a:t>6/19/2018</a:t>
             </a:fld>
             <a:endParaRPr lang="en-US"/>
           </a:p>
@@ -4027,7 +4292,7 @@
             <a:fld id="{5387A8D8-D198-47E4-B17E-83A121B2A68F}" type="datetimeFigureOut">
               <a:rPr lang="en-US" smtClean="0"/>
               <a:pPr/>
-              <a:t>6/3/2018</a:t>
+              <a:t>6/19/2018</a:t>
             </a:fld>
             <a:endParaRPr lang="en-US"/>
           </a:p>
@@ -4237,7 +4502,7 @@
             <a:fld id="{5387A8D8-D198-47E4-B17E-83A121B2A68F}" type="datetimeFigureOut">
               <a:rPr lang="en-US" smtClean="0"/>
               <a:pPr/>
-              <a:t>6/3/2018</a:t>
+              <a:t>6/19/2018</a:t>
             </a:fld>
             <a:endParaRPr lang="en-US"/>
           </a:p>
@@ -4754,13 +5019,8 @@
           <a:p>
             <a:r>
               <a:rPr lang="en-US" dirty="0" smtClean="0"/>
-              <a:t>Dry diet mass will be calculated by regression given wet diet </a:t>
-            </a:r>
-            <a:r>
-              <a:rPr lang="en-US" dirty="0" smtClean="0"/>
-              <a:t>mass</a:t>
-            </a:r>
-            <a:endParaRPr lang="en-US" dirty="0" smtClean="0"/>
+              <a:t>Dry diet mass will be calculated by regression given wet diet mass</a:t>
+            </a:r>
           </a:p>
         </p:txBody>
       </p:sp>
@@ -5257,7 +5517,6 @@
               <a:rPr lang="en-US" dirty="0" smtClean="0"/>
               <a:t>How does digestion compare between diapause and non diapause conditions?</a:t>
             </a:r>
-            <a:endParaRPr lang="en-US" dirty="0" smtClean="0"/>
           </a:p>
         </p:txBody>
       </p:sp>
@@ -5411,11 +5670,7 @@
           <a:p>
             <a:r>
               <a:rPr lang="en-US" dirty="0" smtClean="0"/>
-              <a:t>Photoperiod: long </a:t>
-            </a:r>
-            <a:r>
-              <a:rPr lang="en-US" dirty="0" smtClean="0"/>
-              <a:t>day (16:8) and short </a:t>
+              <a:t>Photoperiod: long day (16:8) and short </a:t>
             </a:r>
             <a:r>
               <a:rPr lang="en-US" dirty="0"/>
@@ -5423,11 +5678,7 @@
             </a:r>
             <a:r>
               <a:rPr lang="en-US" dirty="0" smtClean="0"/>
-              <a:t>ay (12:12</a:t>
-            </a:r>
-            <a:r>
-              <a:rPr lang="en-US" dirty="0" smtClean="0"/>
-              <a:t>)</a:t>
+              <a:t>ay (12:12)</a:t>
             </a:r>
           </a:p>
           <a:p>
@@ -5435,7 +5686,6 @@
               <a:rPr lang="en-US" dirty="0" smtClean="0"/>
               <a:t>BE and UZ strains</a:t>
             </a:r>
-            <a:endParaRPr lang="en-US" dirty="0" smtClean="0"/>
           </a:p>
           <a:p>
             <a:r>
@@ -5451,11 +5701,7 @@
           <a:p>
             <a:r>
               <a:rPr lang="en-US" dirty="0" smtClean="0"/>
-              <a:t>Artificial </a:t>
-            </a:r>
-            <a:r>
-              <a:rPr lang="en-US" dirty="0" smtClean="0"/>
-              <a:t>diet </a:t>
+              <a:t>Corn </a:t>
             </a:r>
             <a:r>
               <a:rPr lang="en-US" dirty="0" smtClean="0"/>
@@ -5466,21 +5712,8 @@
           <a:p>
             <a:r>
               <a:rPr lang="en-US" dirty="0" smtClean="0"/>
-              <a:t>Ingestion</a:t>
-            </a:r>
-            <a:r>
-              <a:rPr lang="en-US" dirty="0" smtClean="0"/>
-              <a:t> </a:t>
-            </a:r>
-            <a:r>
-              <a:rPr lang="en-US" dirty="0" smtClean="0"/>
-              <a:t>and digestion quantified by </a:t>
-            </a:r>
-            <a:r>
-              <a:rPr lang="en-US" smtClean="0"/>
-              <a:t>each larvae.</a:t>
-            </a:r>
-            <a:endParaRPr lang="en-US" dirty="0" smtClean="0"/>
+              <a:t>Ingestion and digestion quantified by each larvae.</a:t>
+            </a:r>
           </a:p>
         </p:txBody>
       </p:sp>
@@ -5775,7 +6008,6 @@
                         <a:rPr lang="en-US" sz="1600" baseline="0" dirty="0" smtClean="0"/>
                         <a:t> </a:t>
                       </a:r>
-                      <a:endParaRPr lang="en-US" sz="1600" baseline="0" dirty="0" smtClean="0"/>
                     </a:p>
                     <a:p>
                       <a:pPr algn="ctr"/>
@@ -5788,11 +6020,7 @@
                       <a:pPr algn="ctr"/>
                       <a:r>
                         <a:rPr lang="en-US" sz="1600" dirty="0" smtClean="0"/>
-                        <a:t>(</a:t>
-                      </a:r>
-                      <a:r>
-                        <a:rPr lang="en-US" sz="1600" dirty="0" smtClean="0"/>
-                        <a:t>12:12)</a:t>
+                        <a:t>(12:12)</a:t>
                       </a:r>
                       <a:endParaRPr lang="en-US" sz="1600" dirty="0"/>
                     </a:p>
@@ -5921,11 +6149,7 @@
                       <a:pPr algn="ctr"/>
                       <a:r>
                         <a:rPr lang="en-US" sz="1600" dirty="0" smtClean="0"/>
-                        <a:t>Cohort </a:t>
-                      </a:r>
-                      <a:r>
-                        <a:rPr lang="en-US" sz="1600" dirty="0" smtClean="0"/>
-                        <a:t>(16:8)</a:t>
+                        <a:t>Cohort (16:8)</a:t>
                       </a:r>
                       <a:endParaRPr lang="en-US" sz="1600" dirty="0"/>
                     </a:p>
@@ -6793,7 +7017,6 @@
                         <a:rPr lang="en-US" sz="1600" dirty="0" smtClean="0"/>
                         <a:t>BE Larvae</a:t>
                       </a:r>
-                      <a:endParaRPr lang="en-US" sz="1600" dirty="0" smtClean="0"/>
                     </a:p>
                   </a:txBody>
                   <a:tcPr marL="68580" marR="68580" anchor="ctr">
@@ -6939,7 +7162,6 @@
                         <a:rPr lang="en-US" sz="1600" dirty="0" smtClean="0"/>
                         <a:t>Larvae</a:t>
                       </a:r>
-                      <a:endParaRPr lang="en-US" sz="1600" dirty="0" smtClean="0"/>
                     </a:p>
                   </a:txBody>
                   <a:tcPr marL="68580" marR="68580" anchor="ctr">
@@ -7005,7 +7227,6 @@
                         <a:rPr lang="en-US" sz="1600" dirty="0" smtClean="0"/>
                         <a:t>BE Larvae</a:t>
                       </a:r>
-                      <a:endParaRPr lang="en-US" sz="1600" dirty="0" smtClean="0"/>
                     </a:p>
                   </a:txBody>
                   <a:tcPr marL="68580" marR="68580" anchor="ctr">
@@ -7069,7 +7290,7 @@
     </p:spTree>
     <p:extLst>
       <p:ext uri="{BB962C8B-B14F-4D97-AF65-F5344CB8AC3E}">
-        <p14:creationId xmlns="" xmlns:p14="http://schemas.microsoft.com/office/powerpoint/2010/main" val="1350941246"/>
+        <p14:creationId xmlns:p14="http://schemas.microsoft.com/office/powerpoint/2010/main" xmlns="" val="1350941246"/>
       </p:ext>
     </p:extLst>
   </p:cSld>
@@ -7083,6 +7304,85 @@
       </p:par>
     </p:tnLst>
   </p:timing>
+</p:sld>
+</file>
+
+<file path=ppt/slides/slide6.xml><?xml version="1.0" encoding="utf-8"?>
+<p:sld xmlns:a="http://schemas.openxmlformats.org/drawingml/2006/main" xmlns:r="http://schemas.openxmlformats.org/officeDocument/2006/relationships" xmlns:p="http://schemas.openxmlformats.org/presentationml/2006/main">
+  <p:cSld>
+    <p:spTree>
+      <p:nvGrpSpPr>
+        <p:cNvPr id="1" name=""/>
+        <p:cNvGrpSpPr/>
+        <p:nvPr/>
+      </p:nvGrpSpPr>
+      <p:grpSpPr>
+        <a:xfrm>
+          <a:off x="0" y="0"/>
+          <a:ext cx="0" cy="0"/>
+          <a:chOff x="0" y="0"/>
+          <a:chExt cx="0" cy="0"/>
+        </a:xfrm>
+      </p:grpSpPr>
+      <p:sp>
+        <p:nvSpPr>
+          <p:cNvPr id="2" name="Title 1"/>
+          <p:cNvSpPr>
+            <a:spLocks noGrp="1"/>
+          </p:cNvSpPr>
+          <p:nvPr>
+            <p:ph type="title"/>
+          </p:nvPr>
+        </p:nvSpPr>
+        <p:spPr/>
+        <p:txBody>
+          <a:bodyPr/>
+          <a:lstStyle/>
+          <a:p>
+            <a:endParaRPr lang="en-US"/>
+          </a:p>
+        </p:txBody>
+      </p:sp>
+      <p:sp>
+        <p:nvSpPr>
+          <p:cNvPr id="3" name="Content Placeholder 2"/>
+          <p:cNvSpPr>
+            <a:spLocks noGrp="1"/>
+          </p:cNvSpPr>
+          <p:nvPr>
+            <p:ph idx="1"/>
+          </p:nvPr>
+        </p:nvSpPr>
+        <p:spPr/>
+        <p:txBody>
+          <a:bodyPr/>
+          <a:lstStyle/>
+          <a:p>
+            <a:endParaRPr lang="en-US"/>
+          </a:p>
+        </p:txBody>
+      </p:sp>
+      <p:graphicFrame>
+        <p:nvGraphicFramePr>
+          <p:cNvPr id="4" name="Chart 3"/>
+          <p:cNvGraphicFramePr/>
+          <p:nvPr/>
+        </p:nvGraphicFramePr>
+        <p:xfrm>
+          <a:off x="457200" y="304800"/>
+          <a:ext cx="8229600" cy="6019800"/>
+        </p:xfrm>
+        <a:graphic>
+          <a:graphicData uri="http://schemas.openxmlformats.org/drawingml/2006/chart">
+            <c:chart xmlns:c="http://schemas.openxmlformats.org/drawingml/2006/chart" xmlns:r="http://schemas.openxmlformats.org/officeDocument/2006/relationships" r:id="rId2"/>
+          </a:graphicData>
+        </a:graphic>
+      </p:graphicFrame>
+    </p:spTree>
+  </p:cSld>
+  <p:clrMapOvr>
+    <a:masterClrMapping/>
+  </p:clrMapOvr>
 </p:sld>
 </file>
 
